--- a/M1.pptx
+++ b/M1.pptx
@@ -8,19 +8,29 @@
     <p:sldMasterId id="2147483741" r:id="rId4"/>
   </p:sldMasterIdLst>
   <p:notesMasterIdLst>
-    <p:notesMasterId r:id="rId12"/>
+    <p:notesMasterId r:id="rId22"/>
   </p:notesMasterIdLst>
   <p:handoutMasterIdLst>
-    <p:handoutMasterId r:id="rId13"/>
+    <p:handoutMasterId r:id="rId23"/>
   </p:handoutMasterIdLst>
   <p:sldIdLst>
-    <p:sldId id="256" r:id="rId5"/>
-    <p:sldId id="265" r:id="rId6"/>
-    <p:sldId id="263" r:id="rId7"/>
-    <p:sldId id="268" r:id="rId8"/>
-    <p:sldId id="271" r:id="rId9"/>
-    <p:sldId id="278" r:id="rId10"/>
-    <p:sldId id="280" r:id="rId11"/>
+    <p:sldId id="281" r:id="rId5"/>
+    <p:sldId id="282" r:id="rId6"/>
+    <p:sldId id="283" r:id="rId7"/>
+    <p:sldId id="284" r:id="rId8"/>
+    <p:sldId id="285" r:id="rId9"/>
+    <p:sldId id="286" r:id="rId10"/>
+    <p:sldId id="287" r:id="rId11"/>
+    <p:sldId id="288" r:id="rId12"/>
+    <p:sldId id="289" r:id="rId13"/>
+    <p:sldId id="290" r:id="rId14"/>
+    <p:sldId id="256" r:id="rId15"/>
+    <p:sldId id="265" r:id="rId16"/>
+    <p:sldId id="263" r:id="rId17"/>
+    <p:sldId id="268" r:id="rId18"/>
+    <p:sldId id="271" r:id="rId19"/>
+    <p:sldId id="278" r:id="rId20"/>
+    <p:sldId id="280" r:id="rId21"/>
   </p:sldIdLst>
   <p:sldSz cx="12192000" cy="6858000"/>
   <p:notesSz cx="6858000" cy="9144000"/>
@@ -124,6 +134,16 @@
       <p14:sectionLst xmlns:p14="http://schemas.microsoft.com/office/powerpoint/2010/main">
         <p14:section name="Cover options" id="{3B244085-A06C-4A0D-AC38-1FCCF96387FB}">
           <p14:sldIdLst>
+            <p14:sldId id="281"/>
+            <p14:sldId id="282"/>
+            <p14:sldId id="283"/>
+            <p14:sldId id="284"/>
+            <p14:sldId id="285"/>
+            <p14:sldId id="286"/>
+            <p14:sldId id="287"/>
+            <p14:sldId id="288"/>
+            <p14:sldId id="289"/>
+            <p14:sldId id="290"/>
             <p14:sldId id="256"/>
             <p14:sldId id="265"/>
             <p14:sldId id="263"/>
@@ -206,7 +226,7 @@
           <p:cNvPr id="2" name="Header Placeholder 1">
             <a:extLst>
               <a:ext uri="{FF2B5EF4-FFF2-40B4-BE49-F238E27FC236}">
-                <a16:creationId xmlns:a16="http://schemas.microsoft.com/office/drawing/2014/main" xmlns="" id="{ED8B6225-3E94-4525-8747-A8CEEE07C472}"/>
+                <a16:creationId xmlns="" xmlns:a16="http://schemas.microsoft.com/office/drawing/2014/main" id="{ED8B6225-3E94-4525-8747-A8CEEE07C472}"/>
               </a:ext>
             </a:extLst>
           </p:cNvPr>
@@ -243,7 +263,7 @@
           <p:cNvPr id="3" name="Date Placeholder 2">
             <a:extLst>
               <a:ext uri="{FF2B5EF4-FFF2-40B4-BE49-F238E27FC236}">
-                <a16:creationId xmlns:a16="http://schemas.microsoft.com/office/drawing/2014/main" xmlns="" id="{1EE33FD8-B984-44FE-83F0-5C989EE62491}"/>
+                <a16:creationId xmlns="" xmlns:a16="http://schemas.microsoft.com/office/drawing/2014/main" id="{1EE33FD8-B984-44FE-83F0-5C989EE62491}"/>
               </a:ext>
             </a:extLst>
           </p:cNvPr>
@@ -274,7 +294,7 @@
             <a:fld id="{86C988DC-9DE3-4390-97AB-D61B85DACE57}" type="datetimeFigureOut">
               <a:rPr lang="pt-PT" smtClean="0"/>
               <a:pPr/>
-              <a:t>06/04/2018</a:t>
+              <a:t>07/04/2018</a:t>
             </a:fld>
             <a:endParaRPr lang="pt-PT"/>
           </a:p>
@@ -285,7 +305,7 @@
           <p:cNvPr id="4" name="Footer Placeholder 3">
             <a:extLst>
               <a:ext uri="{FF2B5EF4-FFF2-40B4-BE49-F238E27FC236}">
-                <a16:creationId xmlns:a16="http://schemas.microsoft.com/office/drawing/2014/main" xmlns="" id="{88AD1E4F-EFF7-4551-A0B7-35D2A74F4F4D}"/>
+                <a16:creationId xmlns="" xmlns:a16="http://schemas.microsoft.com/office/drawing/2014/main" id="{88AD1E4F-EFF7-4551-A0B7-35D2A74F4F4D}"/>
               </a:ext>
             </a:extLst>
           </p:cNvPr>
@@ -322,7 +342,7 @@
           <p:cNvPr id="5" name="Slide Number Placeholder 4">
             <a:extLst>
               <a:ext uri="{FF2B5EF4-FFF2-40B4-BE49-F238E27FC236}">
-                <a16:creationId xmlns:a16="http://schemas.microsoft.com/office/drawing/2014/main" xmlns="" id="{5C3F35C8-35E9-48DD-971F-B2366CC5B7DE}"/>
+                <a16:creationId xmlns="" xmlns:a16="http://schemas.microsoft.com/office/drawing/2014/main" id="{5C3F35C8-35E9-48DD-971F-B2366CC5B7DE}"/>
               </a:ext>
             </a:extLst>
           </p:cNvPr>
@@ -453,7 +473,7 @@
             <a:fld id="{0835B8F7-DAC4-4931-8AED-4356A8B2FD64}" type="datetimeFigureOut">
               <a:rPr lang="pt-BR" smtClean="0"/>
               <a:pPr/>
-              <a:t>06/04/2018</a:t>
+              <a:t>07/04/2018</a:t>
             </a:fld>
             <a:endParaRPr lang="pt-BR"/>
           </a:p>
@@ -790,7 +810,7 @@
           <p:cNvPr id="6" name="Graphic 17">
             <a:extLst>
               <a:ext uri="{FF2B5EF4-FFF2-40B4-BE49-F238E27FC236}">
-                <a16:creationId xmlns:a16="http://schemas.microsoft.com/office/drawing/2014/main" xmlns="" id="{829BBBD1-ECF6-4131-A3B0-11EFC39DB482}"/>
+                <a16:creationId xmlns="" xmlns:a16="http://schemas.microsoft.com/office/drawing/2014/main" id="{829BBBD1-ECF6-4131-A3B0-11EFC39DB482}"/>
               </a:ext>
             </a:extLst>
           </p:cNvPr>
@@ -803,7 +823,7 @@
           <a:blip r:embed="rId2" cstate="print">
             <a:extLst>
               <a:ext uri="{96DAC541-7B7A-43D3-8B79-37D633B846F1}">
-                <asvg:svgBlip xmlns:asvg="http://schemas.microsoft.com/office/drawing/2016/SVG/main" xmlns="" r:embed="rId3"/>
+                <asvg:svgBlip xmlns="" xmlns:asvg="http://schemas.microsoft.com/office/drawing/2016/SVG/main" r:embed="rId3"/>
               </a:ext>
             </a:extLst>
           </a:blip>
@@ -825,7 +845,7 @@
           <p:cNvPr id="5" name="Graphic 9">
             <a:extLst>
               <a:ext uri="{FF2B5EF4-FFF2-40B4-BE49-F238E27FC236}">
-                <a16:creationId xmlns:a16="http://schemas.microsoft.com/office/drawing/2014/main" xmlns="" id="{C3D2EC56-D17C-4A75-8178-C69397BC7353}"/>
+                <a16:creationId xmlns="" xmlns:a16="http://schemas.microsoft.com/office/drawing/2014/main" id="{C3D2EC56-D17C-4A75-8178-C69397BC7353}"/>
               </a:ext>
             </a:extLst>
           </p:cNvPr>
@@ -838,7 +858,7 @@
           <a:blip r:embed="rId4" cstate="print">
             <a:extLst>
               <a:ext uri="{96DAC541-7B7A-43D3-8B79-37D633B846F1}">
-                <asvg:svgBlip xmlns:asvg="http://schemas.microsoft.com/office/drawing/2016/SVG/main" xmlns="" r:embed="rId5"/>
+                <asvg:svgBlip xmlns="" xmlns:asvg="http://schemas.microsoft.com/office/drawing/2016/SVG/main" r:embed="rId5"/>
               </a:ext>
             </a:extLst>
           </a:blip>
@@ -861,7 +881,7 @@
           <p:cNvPr id="14" name="Text Placeholder 13">
             <a:extLst>
               <a:ext uri="{FF2B5EF4-FFF2-40B4-BE49-F238E27FC236}">
-                <a16:creationId xmlns:a16="http://schemas.microsoft.com/office/drawing/2014/main" xmlns="" id="{4252348C-45B4-48E3-B74B-8E834575C8AA}"/>
+                <a16:creationId xmlns="" xmlns:a16="http://schemas.microsoft.com/office/drawing/2014/main" id="{4252348C-45B4-48E3-B74B-8E834575C8AA}"/>
               </a:ext>
             </a:extLst>
           </p:cNvPr>
@@ -908,7 +928,7 @@
           <p:cNvPr id="15" name="Text Placeholder 13">
             <a:extLst>
               <a:ext uri="{FF2B5EF4-FFF2-40B4-BE49-F238E27FC236}">
-                <a16:creationId xmlns:a16="http://schemas.microsoft.com/office/drawing/2014/main" xmlns="" id="{97620309-84FF-4D53-AD39-936B55216B4B}"/>
+                <a16:creationId xmlns="" xmlns:a16="http://schemas.microsoft.com/office/drawing/2014/main" id="{97620309-84FF-4D53-AD39-936B55216B4B}"/>
               </a:ext>
             </a:extLst>
           </p:cNvPr>
@@ -964,6 +984,324 @@
 </file>
 
 <file path=ppt/slideLayouts/slideLayout10.xml><?xml version="1.0" encoding="utf-8"?>
+<p:sldLayout xmlns:a="http://schemas.openxmlformats.org/drawingml/2006/main" xmlns:r="http://schemas.openxmlformats.org/officeDocument/2006/relationships" xmlns:p="http://schemas.openxmlformats.org/presentationml/2006/main" preserve="1" userDrawn="1">
+  <p:cSld name="1_Custom Layout">
+    <p:spTree>
+      <p:nvGrpSpPr>
+        <p:cNvPr id="1" name=""/>
+        <p:cNvGrpSpPr/>
+        <p:nvPr/>
+      </p:nvGrpSpPr>
+      <p:grpSpPr>
+        <a:xfrm>
+          <a:off x="0" y="0"/>
+          <a:ext cx="0" cy="0"/>
+          <a:chOff x="0" y="0"/>
+          <a:chExt cx="0" cy="0"/>
+        </a:xfrm>
+      </p:grpSpPr>
+      <p:sp>
+        <p:nvSpPr>
+          <p:cNvPr id="2" name="Title 1"/>
+          <p:cNvSpPr>
+            <a:spLocks noGrp="1"/>
+          </p:cNvSpPr>
+          <p:nvPr>
+            <p:ph type="title"/>
+          </p:nvPr>
+        </p:nvSpPr>
+        <p:spPr/>
+        <p:txBody>
+          <a:bodyPr/>
+          <a:lstStyle/>
+          <a:p>
+            <a:r>
+              <a:rPr lang="en-US" smtClean="0"/>
+              <a:t>Click to edit Master title style</a:t>
+            </a:r>
+            <a:endParaRPr lang="en-IN"/>
+          </a:p>
+        </p:txBody>
+      </p:sp>
+    </p:spTree>
+    <p:extLst>
+      <p:ext uri="{BB962C8B-B14F-4D97-AF65-F5344CB8AC3E}">
+        <p14:creationId xmlns:p14="http://schemas.microsoft.com/office/powerpoint/2010/main" val="2513013007"/>
+      </p:ext>
+    </p:extLst>
+  </p:cSld>
+  <p:clrMapOvr>
+    <a:masterClrMapping/>
+  </p:clrMapOvr>
+</p:sldLayout>
+</file>
+
+<file path=ppt/slideLayouts/slideLayout11.xml><?xml version="1.0" encoding="utf-8"?>
+<p:sldLayout xmlns:a="http://schemas.openxmlformats.org/drawingml/2006/main" xmlns:r="http://schemas.openxmlformats.org/officeDocument/2006/relationships" xmlns:p="http://schemas.openxmlformats.org/presentationml/2006/main" preserve="1" userDrawn="1">
+  <p:cSld name="Blank-Grey">
+    <p:spTree>
+      <p:nvGrpSpPr>
+        <p:cNvPr id="1" name=""/>
+        <p:cNvGrpSpPr/>
+        <p:nvPr/>
+      </p:nvGrpSpPr>
+      <p:grpSpPr>
+        <a:xfrm>
+          <a:off x="0" y="0"/>
+          <a:ext cx="0" cy="0"/>
+          <a:chOff x="0" y="0"/>
+          <a:chExt cx="0" cy="0"/>
+        </a:xfrm>
+      </p:grpSpPr>
+      <p:sp>
+        <p:nvSpPr>
+          <p:cNvPr id="6" name="Rectangle 5"/>
+          <p:cNvSpPr/>
+          <p:nvPr userDrawn="1"/>
+        </p:nvSpPr>
+        <p:spPr>
+          <a:xfrm>
+            <a:off x="0" y="0"/>
+            <a:ext cx="12192000" cy="6858000"/>
+          </a:xfrm>
+          <a:prstGeom prst="rect">
+            <a:avLst/>
+          </a:prstGeom>
+          <a:solidFill>
+            <a:schemeClr val="bg2"/>
+          </a:solidFill>
+          <a:ln>
+            <a:noFill/>
+          </a:ln>
+        </p:spPr>
+        <p:style>
+          <a:lnRef idx="2">
+            <a:schemeClr val="accent1">
+              <a:shade val="50000"/>
+            </a:schemeClr>
+          </a:lnRef>
+          <a:fillRef idx="1">
+            <a:schemeClr val="accent1"/>
+          </a:fillRef>
+          <a:effectRef idx="0">
+            <a:schemeClr val="accent1"/>
+          </a:effectRef>
+          <a:fontRef idx="minor">
+            <a:schemeClr val="lt1"/>
+          </a:fontRef>
+        </p:style>
+        <p:txBody>
+          <a:bodyPr rtlCol="0" anchor="ctr"/>
+          <a:lstStyle/>
+          <a:p>
+            <a:pPr algn="ctr"/>
+            <a:endParaRPr lang="en-US"/>
+          </a:p>
+        </p:txBody>
+      </p:sp>
+      <p:sp>
+        <p:nvSpPr>
+          <p:cNvPr id="3" name="Retângulo 43">
+            <a:extLst>
+              <a:ext uri="{FF2B5EF4-FFF2-40B4-BE49-F238E27FC236}">
+                <a16:creationId xmlns="" xmlns:a16="http://schemas.microsoft.com/office/drawing/2014/main" id="{25FC8637-25BD-4C09-AF25-56B4243DAB3D}"/>
+              </a:ext>
+            </a:extLst>
+          </p:cNvPr>
+          <p:cNvSpPr/>
+          <p:nvPr userDrawn="1"/>
+        </p:nvSpPr>
+        <p:spPr>
+          <a:xfrm>
+            <a:off x="11784013" y="6555758"/>
+            <a:ext cx="242375" cy="215444"/>
+          </a:xfrm>
+          <a:prstGeom prst="rect">
+            <a:avLst/>
+          </a:prstGeom>
+        </p:spPr>
+        <p:txBody>
+          <a:bodyPr wrap="none">
+            <a:spAutoFit/>
+          </a:bodyPr>
+          <a:lstStyle/>
+          <a:p>
+            <a:pPr algn="r"/>
+            <a:fld id="{0502E5A9-B53C-401E-A0E0-4A359BB0A9E5}" type="slidenum">
+              <a:rPr lang="en-US" sz="800" smtClean="0">
+                <a:solidFill>
+                  <a:prstClr val="black">
+                    <a:lumMod val="50000"/>
+                    <a:lumOff val="50000"/>
+                  </a:prstClr>
+                </a:solidFill>
+                <a:cs typeface="Arial" panose="020B0604020202020204" pitchFamily="34" charset="0"/>
+              </a:rPr>
+              <a:pPr algn="r"/>
+              <a:t>‹#›</a:t>
+            </a:fld>
+            <a:endParaRPr lang="en-US" sz="800" dirty="0">
+              <a:solidFill>
+                <a:prstClr val="black">
+                  <a:lumMod val="50000"/>
+                  <a:lumOff val="50000"/>
+                </a:prstClr>
+              </a:solidFill>
+              <a:cs typeface="Arial" panose="020B0604020202020204" pitchFamily="34" charset="0"/>
+            </a:endParaRPr>
+          </a:p>
+        </p:txBody>
+      </p:sp>
+      <p:cxnSp>
+        <p:nvCxnSpPr>
+          <p:cNvPr id="8" name="Conector reto 49">
+            <a:extLst>
+              <a:ext uri="{FF2B5EF4-FFF2-40B4-BE49-F238E27FC236}">
+                <a16:creationId xmlns="" xmlns:a16="http://schemas.microsoft.com/office/drawing/2014/main" id="{6B6D7F6B-C184-4C2B-8EB7-067E0C1E8DF2}"/>
+              </a:ext>
+            </a:extLst>
+          </p:cNvPr>
+          <p:cNvCxnSpPr>
+            <a:cxnSpLocks/>
+          </p:cNvCxnSpPr>
+          <p:nvPr userDrawn="1"/>
+        </p:nvCxnSpPr>
+        <p:spPr>
+          <a:xfrm flipV="1">
+            <a:off x="3283674" y="6587911"/>
+            <a:ext cx="0" cy="155576"/>
+          </a:xfrm>
+          <a:prstGeom prst="line">
+            <a:avLst/>
+          </a:prstGeom>
+          <a:solidFill>
+            <a:schemeClr val="tx1"/>
+          </a:solidFill>
+          <a:ln w="12700" cap="rnd">
+            <a:solidFill>
+              <a:schemeClr val="accent2"/>
+            </a:solidFill>
+            <a:round/>
+          </a:ln>
+        </p:spPr>
+        <p:style>
+          <a:lnRef idx="1">
+            <a:schemeClr val="accent1"/>
+          </a:lnRef>
+          <a:fillRef idx="0">
+            <a:schemeClr val="accent1"/>
+          </a:fillRef>
+          <a:effectRef idx="0">
+            <a:schemeClr val="accent1"/>
+          </a:effectRef>
+          <a:fontRef idx="minor">
+            <a:schemeClr val="tx1"/>
+          </a:fontRef>
+        </p:style>
+      </p:cxnSp>
+      <p:sp>
+        <p:nvSpPr>
+          <p:cNvPr id="9" name="Rectangle 27">
+            <a:hlinkClick r:id="rId2"/>
+            <a:extLst>
+              <a:ext uri="{FF2B5EF4-FFF2-40B4-BE49-F238E27FC236}">
+                <a16:creationId xmlns="" xmlns:a16="http://schemas.microsoft.com/office/drawing/2014/main" id="{F376ABD1-4930-42EB-9A73-9A9C7C6BF2D3}"/>
+              </a:ext>
+            </a:extLst>
+          </p:cNvPr>
+          <p:cNvSpPr/>
+          <p:nvPr userDrawn="1"/>
+        </p:nvSpPr>
+        <p:spPr>
+          <a:xfrm>
+            <a:off x="407988" y="6555971"/>
+            <a:ext cx="2829007" cy="219456"/>
+          </a:xfrm>
+          <a:prstGeom prst="rect">
+            <a:avLst/>
+          </a:prstGeom>
+        </p:spPr>
+        <p:txBody>
+          <a:bodyPr wrap="square" lIns="0" tIns="0" rIns="0" bIns="0" anchor="ctr" anchorCtr="0">
+            <a:noAutofit/>
+          </a:bodyPr>
+          <a:lstStyle/>
+          <a:p>
+            <a:pPr lvl="0" algn="l" defTabSz="914400">
+              <a:lnSpc>
+                <a:spcPct val="85000"/>
+              </a:lnSpc>
+              <a:defRPr/>
+            </a:pPr>
+            <a:r>
+              <a:rPr lang="en-US" sz="800" kern="0" dirty="0">
+                <a:solidFill>
+                  <a:srgbClr val="00458D"/>
+                </a:solidFill>
+                <a:latin typeface="+mj-lt"/>
+                <a:cs typeface="Arial" panose="020B0604020202020204" pitchFamily="34" charset="0"/>
+              </a:rPr>
+              <a:t>Presentation Title | Author | Date</a:t>
+            </a:r>
+          </a:p>
+        </p:txBody>
+      </p:sp>
+      <p:sp>
+        <p:nvSpPr>
+          <p:cNvPr id="10" name="Retângulo 43">
+            <a:extLst>
+              <a:ext uri="{FF2B5EF4-FFF2-40B4-BE49-F238E27FC236}">
+                <a16:creationId xmlns="" xmlns:a16="http://schemas.microsoft.com/office/drawing/2014/main" id="{834ADCB4-BFB1-450D-8F6D-64217F4CD92C}"/>
+              </a:ext>
+            </a:extLst>
+          </p:cNvPr>
+          <p:cNvSpPr/>
+          <p:nvPr userDrawn="1"/>
+        </p:nvSpPr>
+        <p:spPr>
+          <a:xfrm>
+            <a:off x="3411379" y="6555758"/>
+            <a:ext cx="2223686" cy="219456"/>
+          </a:xfrm>
+          <a:prstGeom prst="rect">
+            <a:avLst/>
+          </a:prstGeom>
+        </p:spPr>
+        <p:txBody>
+          <a:bodyPr wrap="none" lIns="0" tIns="0" rIns="0" bIns="0" anchor="ctr">
+            <a:noAutofit/>
+          </a:bodyPr>
+          <a:lstStyle/>
+          <a:p>
+            <a:pPr algn="l"/>
+            <a:r>
+              <a:rPr lang="en-US" sz="800" dirty="0">
+                <a:solidFill>
+                  <a:schemeClr val="bg2">
+                    <a:lumMod val="50000"/>
+                  </a:schemeClr>
+                </a:solidFill>
+                <a:cs typeface="Arial" panose="020B0604020202020204" pitchFamily="34" charset="0"/>
+              </a:rPr>
+              <a:t>© 2017 Capgemini. All rights reserved.</a:t>
+            </a:r>
+          </a:p>
+        </p:txBody>
+      </p:sp>
+    </p:spTree>
+    <p:extLst>
+      <p:ext uri="{BB962C8B-B14F-4D97-AF65-F5344CB8AC3E}">
+        <p14:creationId xmlns:p14="http://schemas.microsoft.com/office/powerpoint/2010/main" val="525831640"/>
+      </p:ext>
+    </p:extLst>
+  </p:cSld>
+  <p:clrMapOvr>
+    <a:masterClrMapping/>
+  </p:clrMapOvr>
+</p:sldLayout>
+</file>
+
+<file path=ppt/slideLayouts/slideLayout12.xml><?xml version="1.0" encoding="utf-8"?>
 <p:sldLayout xmlns:a="http://schemas.openxmlformats.org/drawingml/2006/main" xmlns:r="http://schemas.openxmlformats.org/officeDocument/2006/relationships" xmlns:p="http://schemas.openxmlformats.org/presentationml/2006/main" preserve="1" userDrawn="1">
   <p:cSld name="4 Charts">
     <p:bg>
@@ -990,7 +1328,7 @@
           <p:cNvPr id="21" name="Text Placeholder 4">
             <a:extLst>
               <a:ext uri="{FF2B5EF4-FFF2-40B4-BE49-F238E27FC236}">
-                <a16:creationId xmlns:a16="http://schemas.microsoft.com/office/drawing/2014/main" xmlns="" id="{7B710EB7-4E56-449A-B5D4-12A5A50A258D}"/>
+                <a16:creationId xmlns="" xmlns:a16="http://schemas.microsoft.com/office/drawing/2014/main" id="{7B710EB7-4E56-449A-B5D4-12A5A50A258D}"/>
               </a:ext>
             </a:extLst>
           </p:cNvPr>
@@ -1053,7 +1391,7 @@
           <p:cNvPr id="17" name="Chart Placeholder 16">
             <a:extLst>
               <a:ext uri="{FF2B5EF4-FFF2-40B4-BE49-F238E27FC236}">
-                <a16:creationId xmlns:a16="http://schemas.microsoft.com/office/drawing/2014/main" xmlns="" id="{6093AB2F-A9E2-4259-8D2A-0E33C88FF1BC}"/>
+                <a16:creationId xmlns="" xmlns:a16="http://schemas.microsoft.com/office/drawing/2014/main" id="{6093AB2F-A9E2-4259-8D2A-0E33C88FF1BC}"/>
               </a:ext>
             </a:extLst>
           </p:cNvPr>
@@ -1090,7 +1428,7 @@
           <p:cNvPr id="18" name="Chart Placeholder 16">
             <a:extLst>
               <a:ext uri="{FF2B5EF4-FFF2-40B4-BE49-F238E27FC236}">
-                <a16:creationId xmlns:a16="http://schemas.microsoft.com/office/drawing/2014/main" xmlns="" id="{FFC514B9-95FB-485B-B1AD-4193B2310907}"/>
+                <a16:creationId xmlns="" xmlns:a16="http://schemas.microsoft.com/office/drawing/2014/main" id="{FFC514B9-95FB-485B-B1AD-4193B2310907}"/>
               </a:ext>
             </a:extLst>
           </p:cNvPr>
@@ -1127,7 +1465,7 @@
           <p:cNvPr id="22" name="Text Placeholder 4">
             <a:extLst>
               <a:ext uri="{FF2B5EF4-FFF2-40B4-BE49-F238E27FC236}">
-                <a16:creationId xmlns:a16="http://schemas.microsoft.com/office/drawing/2014/main" xmlns="" id="{212267A8-F086-40EB-BC5F-D9FE81725052}"/>
+                <a16:creationId xmlns="" xmlns:a16="http://schemas.microsoft.com/office/drawing/2014/main" id="{212267A8-F086-40EB-BC5F-D9FE81725052}"/>
               </a:ext>
             </a:extLst>
           </p:cNvPr>
@@ -1190,7 +1528,7 @@
           <p:cNvPr id="12" name="Retângulo 43">
             <a:extLst>
               <a:ext uri="{FF2B5EF4-FFF2-40B4-BE49-F238E27FC236}">
-                <a16:creationId xmlns:a16="http://schemas.microsoft.com/office/drawing/2014/main" xmlns="" id="{25FC8637-25BD-4C09-AF25-56B4243DAB3D}"/>
+                <a16:creationId xmlns="" xmlns:a16="http://schemas.microsoft.com/office/drawing/2014/main" id="{25FC8637-25BD-4C09-AF25-56B4243DAB3D}"/>
               </a:ext>
             </a:extLst>
           </p:cNvPr>
@@ -1243,7 +1581,7 @@
           <p:cNvPr id="13" name="Conector reto 49">
             <a:extLst>
               <a:ext uri="{FF2B5EF4-FFF2-40B4-BE49-F238E27FC236}">
-                <a16:creationId xmlns:a16="http://schemas.microsoft.com/office/drawing/2014/main" xmlns="" id="{6B6D7F6B-C184-4C2B-8EB7-067E0C1E8DF2}"/>
+                <a16:creationId xmlns="" xmlns:a16="http://schemas.microsoft.com/office/drawing/2014/main" id="{6B6D7F6B-C184-4C2B-8EB7-067E0C1E8DF2}"/>
               </a:ext>
             </a:extLst>
           </p:cNvPr>
@@ -1291,7 +1629,7 @@
             <a:hlinkClick r:id="rId2"/>
             <a:extLst>
               <a:ext uri="{FF2B5EF4-FFF2-40B4-BE49-F238E27FC236}">
-                <a16:creationId xmlns:a16="http://schemas.microsoft.com/office/drawing/2014/main" xmlns="" id="{F376ABD1-4930-42EB-9A73-9A9C7C6BF2D3}"/>
+                <a16:creationId xmlns="" xmlns:a16="http://schemas.microsoft.com/office/drawing/2014/main" id="{F376ABD1-4930-42EB-9A73-9A9C7C6BF2D3}"/>
               </a:ext>
             </a:extLst>
           </p:cNvPr>
@@ -1337,7 +1675,7 @@
           <p:cNvPr id="16" name="Title Placeholder 1">
             <a:extLst>
               <a:ext uri="{FF2B5EF4-FFF2-40B4-BE49-F238E27FC236}">
-                <a16:creationId xmlns:a16="http://schemas.microsoft.com/office/drawing/2014/main" xmlns="" id="{552BBB0A-405D-419D-8BD5-EC8D9F84B795}"/>
+                <a16:creationId xmlns="" xmlns:a16="http://schemas.microsoft.com/office/drawing/2014/main" id="{552BBB0A-405D-419D-8BD5-EC8D9F84B795}"/>
               </a:ext>
             </a:extLst>
           </p:cNvPr>
@@ -1385,7 +1723,7 @@
           <p:cNvPr id="25" name="Text Placeholder 4">
             <a:extLst>
               <a:ext uri="{FF2B5EF4-FFF2-40B4-BE49-F238E27FC236}">
-                <a16:creationId xmlns:a16="http://schemas.microsoft.com/office/drawing/2014/main" xmlns="" id="{7B710EB7-4E56-449A-B5D4-12A5A50A258D}"/>
+                <a16:creationId xmlns="" xmlns:a16="http://schemas.microsoft.com/office/drawing/2014/main" id="{7B710EB7-4E56-449A-B5D4-12A5A50A258D}"/>
               </a:ext>
             </a:extLst>
           </p:cNvPr>
@@ -1448,7 +1786,7 @@
           <p:cNvPr id="26" name="Chart Placeholder 16">
             <a:extLst>
               <a:ext uri="{FF2B5EF4-FFF2-40B4-BE49-F238E27FC236}">
-                <a16:creationId xmlns:a16="http://schemas.microsoft.com/office/drawing/2014/main" xmlns="" id="{6093AB2F-A9E2-4259-8D2A-0E33C88FF1BC}"/>
+                <a16:creationId xmlns="" xmlns:a16="http://schemas.microsoft.com/office/drawing/2014/main" id="{6093AB2F-A9E2-4259-8D2A-0E33C88FF1BC}"/>
               </a:ext>
             </a:extLst>
           </p:cNvPr>
@@ -1485,7 +1823,7 @@
           <p:cNvPr id="27" name="Chart Placeholder 16">
             <a:extLst>
               <a:ext uri="{FF2B5EF4-FFF2-40B4-BE49-F238E27FC236}">
-                <a16:creationId xmlns:a16="http://schemas.microsoft.com/office/drawing/2014/main" xmlns="" id="{FFC514B9-95FB-485B-B1AD-4193B2310907}"/>
+                <a16:creationId xmlns="" xmlns:a16="http://schemas.microsoft.com/office/drawing/2014/main" id="{FFC514B9-95FB-485B-B1AD-4193B2310907}"/>
               </a:ext>
             </a:extLst>
           </p:cNvPr>
@@ -1522,7 +1860,7 @@
           <p:cNvPr id="28" name="Text Placeholder 4">
             <a:extLst>
               <a:ext uri="{FF2B5EF4-FFF2-40B4-BE49-F238E27FC236}">
-                <a16:creationId xmlns:a16="http://schemas.microsoft.com/office/drawing/2014/main" xmlns="" id="{212267A8-F086-40EB-BC5F-D9FE81725052}"/>
+                <a16:creationId xmlns="" xmlns:a16="http://schemas.microsoft.com/office/drawing/2014/main" id="{212267A8-F086-40EB-BC5F-D9FE81725052}"/>
               </a:ext>
             </a:extLst>
           </p:cNvPr>
@@ -1585,7 +1923,7 @@
           <p:cNvPr id="29" name="Retângulo 43">
             <a:extLst>
               <a:ext uri="{FF2B5EF4-FFF2-40B4-BE49-F238E27FC236}">
-                <a16:creationId xmlns:a16="http://schemas.microsoft.com/office/drawing/2014/main" xmlns="" id="{834ADCB4-BFB1-450D-8F6D-64217F4CD92C}"/>
+                <a16:creationId xmlns="" xmlns:a16="http://schemas.microsoft.com/office/drawing/2014/main" id="{834ADCB4-BFB1-450D-8F6D-64217F4CD92C}"/>
               </a:ext>
             </a:extLst>
           </p:cNvPr>
@@ -1635,7 +1973,7 @@
 </p:sldLayout>
 </file>
 
-<file path=ppt/slideLayouts/slideLayout11.xml><?xml version="1.0" encoding="utf-8"?>
+<file path=ppt/slideLayouts/slideLayout13.xml><?xml version="1.0" encoding="utf-8"?>
 <p:sldLayout xmlns:a="http://schemas.openxmlformats.org/drawingml/2006/main" xmlns:r="http://schemas.openxmlformats.org/officeDocument/2006/relationships" xmlns:p="http://schemas.openxmlformats.org/presentationml/2006/main" preserve="1" userDrawn="1">
   <p:cSld name="Agenda with Bullets">
     <p:spTree>
@@ -1657,7 +1995,7 @@
           <p:cNvPr id="12" name="Graphic 11">
             <a:extLst>
               <a:ext uri="{FF2B5EF4-FFF2-40B4-BE49-F238E27FC236}">
-                <a16:creationId xmlns:a16="http://schemas.microsoft.com/office/drawing/2014/main" xmlns="" id="{10113F8D-52D8-4246-B9BC-1A6D3EF8C72C}"/>
+                <a16:creationId xmlns="" xmlns:a16="http://schemas.microsoft.com/office/drawing/2014/main" id="{10113F8D-52D8-4246-B9BC-1A6D3EF8C72C}"/>
               </a:ext>
             </a:extLst>
           </p:cNvPr>
@@ -1670,7 +2008,7 @@
           <a:blip r:embed="rId2" cstate="print">
             <a:extLst>
               <a:ext uri="{96DAC541-7B7A-43D3-8B79-37D633B846F1}">
-                <asvg:svgBlip xmlns:asvg="http://schemas.microsoft.com/office/drawing/2016/SVG/main" xmlns="" r:embed="rId3"/>
+                <asvg:svgBlip xmlns="" xmlns:asvg="http://schemas.microsoft.com/office/drawing/2016/SVG/main" r:embed="rId3"/>
               </a:ext>
             </a:extLst>
           </a:blip>
@@ -1737,7 +2075,7 @@
           <p:cNvPr id="39" name="Text Placeholder 7">
             <a:extLst>
               <a:ext uri="{FF2B5EF4-FFF2-40B4-BE49-F238E27FC236}">
-                <a16:creationId xmlns:a16="http://schemas.microsoft.com/office/drawing/2014/main" xmlns="" id="{3E908611-FBB7-4987-BE0F-F09EAF1FFC80}"/>
+                <a16:creationId xmlns="" xmlns:a16="http://schemas.microsoft.com/office/drawing/2014/main" id="{3E908611-FBB7-4987-BE0F-F09EAF1FFC80}"/>
               </a:ext>
             </a:extLst>
           </p:cNvPr>
@@ -1817,7 +2155,7 @@
           <p:cNvPr id="40" name="Text Placeholder 7">
             <a:extLst>
               <a:ext uri="{FF2B5EF4-FFF2-40B4-BE49-F238E27FC236}">
-                <a16:creationId xmlns:a16="http://schemas.microsoft.com/office/drawing/2014/main" xmlns="" id="{306025B9-0362-4974-8920-7C764289CBA0}"/>
+                <a16:creationId xmlns="" xmlns:a16="http://schemas.microsoft.com/office/drawing/2014/main" id="{306025B9-0362-4974-8920-7C764289CBA0}"/>
               </a:ext>
             </a:extLst>
           </p:cNvPr>
@@ -1918,7 +2256,7 @@
           <p:cNvPr id="41" name="Text Placeholder 7">
             <a:extLst>
               <a:ext uri="{FF2B5EF4-FFF2-40B4-BE49-F238E27FC236}">
-                <a16:creationId xmlns:a16="http://schemas.microsoft.com/office/drawing/2014/main" xmlns="" id="{257644F2-F28D-4087-B791-1E7F26C4AD1C}"/>
+                <a16:creationId xmlns="" xmlns:a16="http://schemas.microsoft.com/office/drawing/2014/main" id="{257644F2-F28D-4087-B791-1E7F26C4AD1C}"/>
               </a:ext>
             </a:extLst>
           </p:cNvPr>
@@ -1998,7 +2336,7 @@
           <p:cNvPr id="42" name="Text Placeholder 7">
             <a:extLst>
               <a:ext uri="{FF2B5EF4-FFF2-40B4-BE49-F238E27FC236}">
-                <a16:creationId xmlns:a16="http://schemas.microsoft.com/office/drawing/2014/main" xmlns="" id="{25F62A33-F672-4099-9B72-9B2267F22ACF}"/>
+                <a16:creationId xmlns="" xmlns:a16="http://schemas.microsoft.com/office/drawing/2014/main" id="{25F62A33-F672-4099-9B72-9B2267F22ACF}"/>
               </a:ext>
             </a:extLst>
           </p:cNvPr>
@@ -2078,7 +2416,7 @@
           <p:cNvPr id="43" name="Text Placeholder 7">
             <a:extLst>
               <a:ext uri="{FF2B5EF4-FFF2-40B4-BE49-F238E27FC236}">
-                <a16:creationId xmlns:a16="http://schemas.microsoft.com/office/drawing/2014/main" xmlns="" id="{72FF6EE1-C46D-4DEB-A508-49B5101CF26E}"/>
+                <a16:creationId xmlns="" xmlns:a16="http://schemas.microsoft.com/office/drawing/2014/main" id="{72FF6EE1-C46D-4DEB-A508-49B5101CF26E}"/>
               </a:ext>
             </a:extLst>
           </p:cNvPr>
@@ -2158,7 +2496,7 @@
           <p:cNvPr id="44" name="Text Placeholder 7">
             <a:extLst>
               <a:ext uri="{FF2B5EF4-FFF2-40B4-BE49-F238E27FC236}">
-                <a16:creationId xmlns:a16="http://schemas.microsoft.com/office/drawing/2014/main" xmlns="" id="{931D06D9-EA9B-42A0-81EE-D669D6CA5F33}"/>
+                <a16:creationId xmlns="" xmlns:a16="http://schemas.microsoft.com/office/drawing/2014/main" id="{931D06D9-EA9B-42A0-81EE-D669D6CA5F33}"/>
               </a:ext>
             </a:extLst>
           </p:cNvPr>
@@ -2238,7 +2576,7 @@
           <p:cNvPr id="45" name="Text Placeholder 7">
             <a:extLst>
               <a:ext uri="{FF2B5EF4-FFF2-40B4-BE49-F238E27FC236}">
-                <a16:creationId xmlns:a16="http://schemas.microsoft.com/office/drawing/2014/main" xmlns="" id="{EFEA829A-6217-4965-B7BD-6BC37F7849AB}"/>
+                <a16:creationId xmlns="" xmlns:a16="http://schemas.microsoft.com/office/drawing/2014/main" id="{EFEA829A-6217-4965-B7BD-6BC37F7849AB}"/>
               </a:ext>
             </a:extLst>
           </p:cNvPr>
@@ -2318,7 +2656,7 @@
           <p:cNvPr id="46" name="Text Placeholder 7">
             <a:extLst>
               <a:ext uri="{FF2B5EF4-FFF2-40B4-BE49-F238E27FC236}">
-                <a16:creationId xmlns:a16="http://schemas.microsoft.com/office/drawing/2014/main" xmlns="" id="{E05DDB93-91CA-4BAF-9D63-E4134B435D8F}"/>
+                <a16:creationId xmlns="" xmlns:a16="http://schemas.microsoft.com/office/drawing/2014/main" id="{E05DDB93-91CA-4BAF-9D63-E4134B435D8F}"/>
               </a:ext>
             </a:extLst>
           </p:cNvPr>
@@ -2398,7 +2736,7 @@
           <p:cNvPr id="48" name="Picture Placeholder 47">
             <a:extLst>
               <a:ext uri="{FF2B5EF4-FFF2-40B4-BE49-F238E27FC236}">
-                <a16:creationId xmlns:a16="http://schemas.microsoft.com/office/drawing/2014/main" xmlns="" id="{51CA337D-4B25-44C1-847A-AC0D74277B60}"/>
+                <a16:creationId xmlns="" xmlns:a16="http://schemas.microsoft.com/office/drawing/2014/main" id="{51CA337D-4B25-44C1-847A-AC0D74277B60}"/>
               </a:ext>
             </a:extLst>
           </p:cNvPr>
@@ -2435,7 +2773,7 @@
           <p:cNvPr id="13" name="Title Placeholder 1">
             <a:extLst>
               <a:ext uri="{FF2B5EF4-FFF2-40B4-BE49-F238E27FC236}">
-                <a16:creationId xmlns:a16="http://schemas.microsoft.com/office/drawing/2014/main" xmlns="" id="{552BBB0A-405D-419D-8BD5-EC8D9F84B795}"/>
+                <a16:creationId xmlns="" xmlns:a16="http://schemas.microsoft.com/office/drawing/2014/main" id="{552BBB0A-405D-419D-8BD5-EC8D9F84B795}"/>
               </a:ext>
             </a:extLst>
           </p:cNvPr>
@@ -2487,7 +2825,7 @@
           <p:cNvPr id="15" name="Retângulo 43">
             <a:extLst>
               <a:ext uri="{FF2B5EF4-FFF2-40B4-BE49-F238E27FC236}">
-                <a16:creationId xmlns:a16="http://schemas.microsoft.com/office/drawing/2014/main" xmlns="" id="{25FC8637-25BD-4C09-AF25-56B4243DAB3D}"/>
+                <a16:creationId xmlns="" xmlns:a16="http://schemas.microsoft.com/office/drawing/2014/main" id="{25FC8637-25BD-4C09-AF25-56B4243DAB3D}"/>
               </a:ext>
             </a:extLst>
           </p:cNvPr>
@@ -2540,7 +2878,7 @@
           <p:cNvPr id="16" name="Conector reto 49">
             <a:extLst>
               <a:ext uri="{FF2B5EF4-FFF2-40B4-BE49-F238E27FC236}">
-                <a16:creationId xmlns:a16="http://schemas.microsoft.com/office/drawing/2014/main" xmlns="" id="{6B6D7F6B-C184-4C2B-8EB7-067E0C1E8DF2}"/>
+                <a16:creationId xmlns="" xmlns:a16="http://schemas.microsoft.com/office/drawing/2014/main" id="{6B6D7F6B-C184-4C2B-8EB7-067E0C1E8DF2}"/>
               </a:ext>
             </a:extLst>
           </p:cNvPr>
@@ -2590,7 +2928,7 @@
             <a:hlinkClick r:id="rId4"/>
             <a:extLst>
               <a:ext uri="{FF2B5EF4-FFF2-40B4-BE49-F238E27FC236}">
-                <a16:creationId xmlns:a16="http://schemas.microsoft.com/office/drawing/2014/main" xmlns="" id="{F376ABD1-4930-42EB-9A73-9A9C7C6BF2D3}"/>
+                <a16:creationId xmlns="" xmlns:a16="http://schemas.microsoft.com/office/drawing/2014/main" id="{F376ABD1-4930-42EB-9A73-9A9C7C6BF2D3}"/>
               </a:ext>
             </a:extLst>
           </p:cNvPr>
@@ -2636,7 +2974,7 @@
           <p:cNvPr id="18" name="Retângulo 43">
             <a:extLst>
               <a:ext uri="{FF2B5EF4-FFF2-40B4-BE49-F238E27FC236}">
-                <a16:creationId xmlns:a16="http://schemas.microsoft.com/office/drawing/2014/main" xmlns="" id="{834ADCB4-BFB1-450D-8F6D-64217F4CD92C}"/>
+                <a16:creationId xmlns="" xmlns:a16="http://schemas.microsoft.com/office/drawing/2014/main" id="{834ADCB4-BFB1-450D-8F6D-64217F4CD92C}"/>
               </a:ext>
             </a:extLst>
           </p:cNvPr>
@@ -2684,7 +3022,7 @@
 </p:sldLayout>
 </file>
 
-<file path=ppt/slideLayouts/slideLayout12.xml><?xml version="1.0" encoding="utf-8"?>
+<file path=ppt/slideLayouts/slideLayout14.xml><?xml version="1.0" encoding="utf-8"?>
 <p:sldLayout xmlns:a="http://schemas.openxmlformats.org/drawingml/2006/main" xmlns:r="http://schemas.openxmlformats.org/officeDocument/2006/relationships" xmlns:p="http://schemas.openxmlformats.org/presentationml/2006/main" preserve="1" userDrawn="1">
   <p:cSld name="Two columns">
     <p:spTree>
@@ -2706,7 +3044,7 @@
           <p:cNvPr id="8" name="Text Placeholder 7">
             <a:extLst>
               <a:ext uri="{FF2B5EF4-FFF2-40B4-BE49-F238E27FC236}">
-                <a16:creationId xmlns:a16="http://schemas.microsoft.com/office/drawing/2014/main" xmlns="" id="{27CE2609-37DA-4C4C-BF45-E56CE85AA41D}"/>
+                <a16:creationId xmlns="" xmlns:a16="http://schemas.microsoft.com/office/drawing/2014/main" id="{27CE2609-37DA-4C4C-BF45-E56CE85AA41D}"/>
               </a:ext>
             </a:extLst>
           </p:cNvPr>
@@ -2780,7 +3118,7 @@
           <p:cNvPr id="11" name="Text Placeholder 7">
             <a:extLst>
               <a:ext uri="{FF2B5EF4-FFF2-40B4-BE49-F238E27FC236}">
-                <a16:creationId xmlns:a16="http://schemas.microsoft.com/office/drawing/2014/main" xmlns="" id="{4F279807-494A-45DD-A5C6-24F625316B92}"/>
+                <a16:creationId xmlns="" xmlns:a16="http://schemas.microsoft.com/office/drawing/2014/main" id="{4F279807-494A-45DD-A5C6-24F625316B92}"/>
               </a:ext>
             </a:extLst>
           </p:cNvPr>
@@ -2854,7 +3192,7 @@
           <p:cNvPr id="13" name="Text Placeholder 7">
             <a:extLst>
               <a:ext uri="{FF2B5EF4-FFF2-40B4-BE49-F238E27FC236}">
-                <a16:creationId xmlns:a16="http://schemas.microsoft.com/office/drawing/2014/main" xmlns="" id="{D8D7F005-BA7C-423E-87B0-6782D88233F6}"/>
+                <a16:creationId xmlns="" xmlns:a16="http://schemas.microsoft.com/office/drawing/2014/main" id="{D8D7F005-BA7C-423E-87B0-6782D88233F6}"/>
               </a:ext>
             </a:extLst>
           </p:cNvPr>
@@ -2928,7 +3266,7 @@
           <p:cNvPr id="14" name="Text Placeholder 7">
             <a:extLst>
               <a:ext uri="{FF2B5EF4-FFF2-40B4-BE49-F238E27FC236}">
-                <a16:creationId xmlns:a16="http://schemas.microsoft.com/office/drawing/2014/main" xmlns="" id="{47BDC0DA-1585-454D-9E74-41D2AFC0FEE5}"/>
+                <a16:creationId xmlns="" xmlns:a16="http://schemas.microsoft.com/office/drawing/2014/main" id="{47BDC0DA-1585-454D-9E74-41D2AFC0FEE5}"/>
               </a:ext>
             </a:extLst>
           </p:cNvPr>
@@ -3002,7 +3340,7 @@
           <p:cNvPr id="9" name="Title Placeholder 1">
             <a:extLst>
               <a:ext uri="{FF2B5EF4-FFF2-40B4-BE49-F238E27FC236}">
-                <a16:creationId xmlns:a16="http://schemas.microsoft.com/office/drawing/2014/main" xmlns="" id="{6733E381-C11A-4F10-88ED-DDEA4B9167E2}"/>
+                <a16:creationId xmlns="" xmlns:a16="http://schemas.microsoft.com/office/drawing/2014/main" id="{6733E381-C11A-4F10-88ED-DDEA4B9167E2}"/>
               </a:ext>
             </a:extLst>
           </p:cNvPr>
@@ -3054,7 +3392,7 @@
           <p:cNvPr id="16" name="Retângulo 43">
             <a:extLst>
               <a:ext uri="{FF2B5EF4-FFF2-40B4-BE49-F238E27FC236}">
-                <a16:creationId xmlns:a16="http://schemas.microsoft.com/office/drawing/2014/main" xmlns="" id="{25FC8637-25BD-4C09-AF25-56B4243DAB3D}"/>
+                <a16:creationId xmlns="" xmlns:a16="http://schemas.microsoft.com/office/drawing/2014/main" id="{25FC8637-25BD-4C09-AF25-56B4243DAB3D}"/>
               </a:ext>
             </a:extLst>
           </p:cNvPr>
@@ -3107,7 +3445,7 @@
           <p:cNvPr id="20" name="Conector reto 49">
             <a:extLst>
               <a:ext uri="{FF2B5EF4-FFF2-40B4-BE49-F238E27FC236}">
-                <a16:creationId xmlns:a16="http://schemas.microsoft.com/office/drawing/2014/main" xmlns="" id="{6B6D7F6B-C184-4C2B-8EB7-067E0C1E8DF2}"/>
+                <a16:creationId xmlns="" xmlns:a16="http://schemas.microsoft.com/office/drawing/2014/main" id="{6B6D7F6B-C184-4C2B-8EB7-067E0C1E8DF2}"/>
               </a:ext>
             </a:extLst>
           </p:cNvPr>
@@ -3155,7 +3493,7 @@
             <a:hlinkClick r:id="rId2"/>
             <a:extLst>
               <a:ext uri="{FF2B5EF4-FFF2-40B4-BE49-F238E27FC236}">
-                <a16:creationId xmlns:a16="http://schemas.microsoft.com/office/drawing/2014/main" xmlns="" id="{F376ABD1-4930-42EB-9A73-9A9C7C6BF2D3}"/>
+                <a16:creationId xmlns="" xmlns:a16="http://schemas.microsoft.com/office/drawing/2014/main" id="{F376ABD1-4930-42EB-9A73-9A9C7C6BF2D3}"/>
               </a:ext>
             </a:extLst>
           </p:cNvPr>
@@ -3201,7 +3539,7 @@
           <p:cNvPr id="22" name="Retângulo 43">
             <a:extLst>
               <a:ext uri="{FF2B5EF4-FFF2-40B4-BE49-F238E27FC236}">
-                <a16:creationId xmlns:a16="http://schemas.microsoft.com/office/drawing/2014/main" xmlns="" id="{834ADCB4-BFB1-450D-8F6D-64217F4CD92C}"/>
+                <a16:creationId xmlns="" xmlns:a16="http://schemas.microsoft.com/office/drawing/2014/main" id="{834ADCB4-BFB1-450D-8F6D-64217F4CD92C}"/>
               </a:ext>
             </a:extLst>
           </p:cNvPr>
@@ -3251,7 +3589,7 @@
 </p:sldLayout>
 </file>
 
-<file path=ppt/slideLayouts/slideLayout13.xml><?xml version="1.0" encoding="utf-8"?>
+<file path=ppt/slideLayouts/slideLayout15.xml><?xml version="1.0" encoding="utf-8"?>
 <p:sldLayout xmlns:a="http://schemas.openxmlformats.org/drawingml/2006/main" xmlns:r="http://schemas.openxmlformats.org/officeDocument/2006/relationships" xmlns:p="http://schemas.openxmlformats.org/presentationml/2006/main" preserve="1" userDrawn="1">
   <p:cSld name="Three column with content">
     <p:bg>
@@ -3281,7 +3619,7 @@
           <p:cNvPr id="13" name="Rectangle 12">
             <a:extLst>
               <a:ext uri="{FF2B5EF4-FFF2-40B4-BE49-F238E27FC236}">
-                <a16:creationId xmlns:a16="http://schemas.microsoft.com/office/drawing/2014/main" xmlns="" id="{279F1DAD-5BB1-4142-B838-01DB99370135}"/>
+                <a16:creationId xmlns="" xmlns:a16="http://schemas.microsoft.com/office/drawing/2014/main" id="{279F1DAD-5BB1-4142-B838-01DB99370135}"/>
               </a:ext>
             </a:extLst>
           </p:cNvPr>
@@ -3333,7 +3671,7 @@
           <p:cNvPr id="9" name="Text Placeholder 4">
             <a:extLst>
               <a:ext uri="{FF2B5EF4-FFF2-40B4-BE49-F238E27FC236}">
-                <a16:creationId xmlns:a16="http://schemas.microsoft.com/office/drawing/2014/main" xmlns="" id="{04C1CAD0-39C3-4CE2-A9E9-8CA99EFF5357}"/>
+                <a16:creationId xmlns="" xmlns:a16="http://schemas.microsoft.com/office/drawing/2014/main" id="{04C1CAD0-39C3-4CE2-A9E9-8CA99EFF5357}"/>
               </a:ext>
             </a:extLst>
           </p:cNvPr>
@@ -3393,7 +3731,7 @@
           <p:cNvPr id="37" name="Text Placeholder 4">
             <a:extLst>
               <a:ext uri="{FF2B5EF4-FFF2-40B4-BE49-F238E27FC236}">
-                <a16:creationId xmlns:a16="http://schemas.microsoft.com/office/drawing/2014/main" xmlns="" id="{8D6FD04F-776D-4BC2-9828-DC149A95B778}"/>
+                <a16:creationId xmlns="" xmlns:a16="http://schemas.microsoft.com/office/drawing/2014/main" id="{8D6FD04F-776D-4BC2-9828-DC149A95B778}"/>
               </a:ext>
             </a:extLst>
           </p:cNvPr>
@@ -3453,7 +3791,7 @@
           <p:cNvPr id="39" name="Text Placeholder 4">
             <a:extLst>
               <a:ext uri="{FF2B5EF4-FFF2-40B4-BE49-F238E27FC236}">
-                <a16:creationId xmlns:a16="http://schemas.microsoft.com/office/drawing/2014/main" xmlns="" id="{5A2CDF95-9D29-4775-8BEF-90BC5372B782}"/>
+                <a16:creationId xmlns="" xmlns:a16="http://schemas.microsoft.com/office/drawing/2014/main" id="{5A2CDF95-9D29-4775-8BEF-90BC5372B782}"/>
               </a:ext>
             </a:extLst>
           </p:cNvPr>
@@ -3513,7 +3851,7 @@
           <p:cNvPr id="41" name="Text Placeholder 4">
             <a:extLst>
               <a:ext uri="{FF2B5EF4-FFF2-40B4-BE49-F238E27FC236}">
-                <a16:creationId xmlns:a16="http://schemas.microsoft.com/office/drawing/2014/main" xmlns="" id="{6012FFDA-311F-429E-998E-F6E6B0A7186E}"/>
+                <a16:creationId xmlns="" xmlns:a16="http://schemas.microsoft.com/office/drawing/2014/main" id="{6012FFDA-311F-429E-998E-F6E6B0A7186E}"/>
               </a:ext>
             </a:extLst>
           </p:cNvPr>
@@ -3561,7 +3899,7 @@
           <p:cNvPr id="42" name="Text Placeholder 7">
             <a:extLst>
               <a:ext uri="{FF2B5EF4-FFF2-40B4-BE49-F238E27FC236}">
-                <a16:creationId xmlns:a16="http://schemas.microsoft.com/office/drawing/2014/main" xmlns="" id="{9228FC83-C11D-47F2-8BDE-B10D125E5E87}"/>
+                <a16:creationId xmlns="" xmlns:a16="http://schemas.microsoft.com/office/drawing/2014/main" id="{9228FC83-C11D-47F2-8BDE-B10D125E5E87}"/>
               </a:ext>
             </a:extLst>
           </p:cNvPr>
@@ -3672,7 +4010,7 @@
           <p:cNvPr id="18" name="Retângulo 43">
             <a:extLst>
               <a:ext uri="{FF2B5EF4-FFF2-40B4-BE49-F238E27FC236}">
-                <a16:creationId xmlns:a16="http://schemas.microsoft.com/office/drawing/2014/main" xmlns="" id="{25FC8637-25BD-4C09-AF25-56B4243DAB3D}"/>
+                <a16:creationId xmlns="" xmlns:a16="http://schemas.microsoft.com/office/drawing/2014/main" id="{25FC8637-25BD-4C09-AF25-56B4243DAB3D}"/>
               </a:ext>
             </a:extLst>
           </p:cNvPr>
@@ -3725,7 +4063,7 @@
           <p:cNvPr id="19" name="Conector reto 49">
             <a:extLst>
               <a:ext uri="{FF2B5EF4-FFF2-40B4-BE49-F238E27FC236}">
-                <a16:creationId xmlns:a16="http://schemas.microsoft.com/office/drawing/2014/main" xmlns="" id="{6B6D7F6B-C184-4C2B-8EB7-067E0C1E8DF2}"/>
+                <a16:creationId xmlns="" xmlns:a16="http://schemas.microsoft.com/office/drawing/2014/main" id="{6B6D7F6B-C184-4C2B-8EB7-067E0C1E8DF2}"/>
               </a:ext>
             </a:extLst>
           </p:cNvPr>
@@ -3773,7 +4111,7 @@
             <a:hlinkClick r:id="rId2"/>
             <a:extLst>
               <a:ext uri="{FF2B5EF4-FFF2-40B4-BE49-F238E27FC236}">
-                <a16:creationId xmlns:a16="http://schemas.microsoft.com/office/drawing/2014/main" xmlns="" id="{F376ABD1-4930-42EB-9A73-9A9C7C6BF2D3}"/>
+                <a16:creationId xmlns="" xmlns:a16="http://schemas.microsoft.com/office/drawing/2014/main" id="{F376ABD1-4930-42EB-9A73-9A9C7C6BF2D3}"/>
               </a:ext>
             </a:extLst>
           </p:cNvPr>
@@ -3819,7 +4157,7 @@
           <p:cNvPr id="21" name="Retângulo 43">
             <a:extLst>
               <a:ext uri="{FF2B5EF4-FFF2-40B4-BE49-F238E27FC236}">
-                <a16:creationId xmlns:a16="http://schemas.microsoft.com/office/drawing/2014/main" xmlns="" id="{834ADCB4-BFB1-450D-8F6D-64217F4CD92C}"/>
+                <a16:creationId xmlns="" xmlns:a16="http://schemas.microsoft.com/office/drawing/2014/main" id="{834ADCB4-BFB1-450D-8F6D-64217F4CD92C}"/>
               </a:ext>
             </a:extLst>
           </p:cNvPr>
@@ -3861,7 +4199,7 @@
           <p:cNvPr id="23" name="Title Placeholder 1">
             <a:extLst>
               <a:ext uri="{FF2B5EF4-FFF2-40B4-BE49-F238E27FC236}">
-                <a16:creationId xmlns:a16="http://schemas.microsoft.com/office/drawing/2014/main" xmlns="" id="{552BBB0A-405D-419D-8BD5-EC8D9F84B795}"/>
+                <a16:creationId xmlns="" xmlns:a16="http://schemas.microsoft.com/office/drawing/2014/main" id="{552BBB0A-405D-419D-8BD5-EC8D9F84B795}"/>
               </a:ext>
             </a:extLst>
           </p:cNvPr>
@@ -3909,7 +4247,7 @@
           <p:cNvPr id="24" name="Text Placeholder 7">
             <a:extLst>
               <a:ext uri="{FF2B5EF4-FFF2-40B4-BE49-F238E27FC236}">
-                <a16:creationId xmlns:a16="http://schemas.microsoft.com/office/drawing/2014/main" xmlns="" id="{9228FC83-C11D-47F2-8BDE-B10D125E5E87}"/>
+                <a16:creationId xmlns="" xmlns:a16="http://schemas.microsoft.com/office/drawing/2014/main" id="{9228FC83-C11D-47F2-8BDE-B10D125E5E87}"/>
               </a:ext>
             </a:extLst>
           </p:cNvPr>
@@ -4020,7 +4358,7 @@
           <p:cNvPr id="25" name="Text Placeholder 7">
             <a:extLst>
               <a:ext uri="{FF2B5EF4-FFF2-40B4-BE49-F238E27FC236}">
-                <a16:creationId xmlns:a16="http://schemas.microsoft.com/office/drawing/2014/main" xmlns="" id="{9228FC83-C11D-47F2-8BDE-B10D125E5E87}"/>
+                <a16:creationId xmlns="" xmlns:a16="http://schemas.microsoft.com/office/drawing/2014/main" id="{9228FC83-C11D-47F2-8BDE-B10D125E5E87}"/>
               </a:ext>
             </a:extLst>
           </p:cNvPr>
@@ -4131,7 +4469,7 @@
           <p:cNvPr id="26" name="Text Placeholder 7">
             <a:extLst>
               <a:ext uri="{FF2B5EF4-FFF2-40B4-BE49-F238E27FC236}">
-                <a16:creationId xmlns:a16="http://schemas.microsoft.com/office/drawing/2014/main" xmlns="" id="{9228FC83-C11D-47F2-8BDE-B10D125E5E87}"/>
+                <a16:creationId xmlns="" xmlns:a16="http://schemas.microsoft.com/office/drawing/2014/main" id="{9228FC83-C11D-47F2-8BDE-B10D125E5E87}"/>
               </a:ext>
             </a:extLst>
           </p:cNvPr>
@@ -4250,7 +4588,7 @@
 </p:sldLayout>
 </file>
 
-<file path=ppt/slideLayouts/slideLayout14.xml><?xml version="1.0" encoding="utf-8"?>
+<file path=ppt/slideLayouts/slideLayout16.xml><?xml version="1.0" encoding="utf-8"?>
 <p:sldLayout xmlns:a="http://schemas.openxmlformats.org/drawingml/2006/main" xmlns:r="http://schemas.openxmlformats.org/officeDocument/2006/relationships" xmlns:p="http://schemas.openxmlformats.org/presentationml/2006/main" preserve="1" userDrawn="1">
   <p:cSld name="Custom Layout">
     <p:spTree>
@@ -4379,7 +4717,7 @@
           <p:cNvPr id="10" name="Text Placeholder 13">
             <a:extLst>
               <a:ext uri="{FF2B5EF4-FFF2-40B4-BE49-F238E27FC236}">
-                <a16:creationId xmlns:a16="http://schemas.microsoft.com/office/drawing/2014/main" xmlns="" id="{7D1DC75A-C7A4-44A4-B19C-D445335545B0}"/>
+                <a16:creationId xmlns="" xmlns:a16="http://schemas.microsoft.com/office/drawing/2014/main" id="{7D1DC75A-C7A4-44A4-B19C-D445335545B0}"/>
               </a:ext>
             </a:extLst>
           </p:cNvPr>
@@ -4434,7 +4772,7 @@
           <p:cNvPr id="11" name="Text Placeholder 13">
             <a:extLst>
               <a:ext uri="{FF2B5EF4-FFF2-40B4-BE49-F238E27FC236}">
-                <a16:creationId xmlns:a16="http://schemas.microsoft.com/office/drawing/2014/main" xmlns="" id="{563879A0-0979-491A-8758-371BB7AD935B}"/>
+                <a16:creationId xmlns="" xmlns:a16="http://schemas.microsoft.com/office/drawing/2014/main" id="{563879A0-0979-491A-8758-371BB7AD935B}"/>
               </a:ext>
             </a:extLst>
           </p:cNvPr>
@@ -4581,7 +4919,7 @@
           <p:cNvPr id="9" name="Graphic 9">
             <a:extLst>
               <a:ext uri="{FF2B5EF4-FFF2-40B4-BE49-F238E27FC236}">
-                <a16:creationId xmlns:a16="http://schemas.microsoft.com/office/drawing/2014/main" xmlns="" id="{C3D2EC56-D17C-4A75-8178-C69397BC7353}"/>
+                <a16:creationId xmlns="" xmlns:a16="http://schemas.microsoft.com/office/drawing/2014/main" id="{C3D2EC56-D17C-4A75-8178-C69397BC7353}"/>
               </a:ext>
             </a:extLst>
           </p:cNvPr>
@@ -4594,7 +4932,7 @@
           <a:blip r:embed="rId2" cstate="print">
             <a:extLst>
               <a:ext uri="{96DAC541-7B7A-43D3-8B79-37D633B846F1}">
-                <asvg:svgBlip xmlns:asvg="http://schemas.microsoft.com/office/drawing/2016/SVG/main" xmlns="" r:embed="rId3"/>
+                <asvg:svgBlip xmlns="" xmlns:asvg="http://schemas.microsoft.com/office/drawing/2016/SVG/main" r:embed="rId3"/>
               </a:ext>
             </a:extLst>
           </a:blip>
@@ -4701,7 +5039,7 @@
           <p:cNvPr id="12" name="Picture Placeholder 11">
             <a:extLst>
               <a:ext uri="{FF2B5EF4-FFF2-40B4-BE49-F238E27FC236}">
-                <a16:creationId xmlns:a16="http://schemas.microsoft.com/office/drawing/2014/main" xmlns="" id="{25D6B527-14EF-4F30-9C9C-691EC4327EE7}"/>
+                <a16:creationId xmlns="" xmlns:a16="http://schemas.microsoft.com/office/drawing/2014/main" id="{25D6B527-14EF-4F30-9C9C-691EC4327EE7}"/>
               </a:ext>
             </a:extLst>
           </p:cNvPr>
@@ -4739,7 +5077,7 @@
           <p:cNvPr id="14" name="Text Placeholder 13">
             <a:extLst>
               <a:ext uri="{FF2B5EF4-FFF2-40B4-BE49-F238E27FC236}">
-                <a16:creationId xmlns:a16="http://schemas.microsoft.com/office/drawing/2014/main" xmlns="" id="{B83CBA49-BBF9-4CF0-9E0B-FF67BA149660}"/>
+                <a16:creationId xmlns="" xmlns:a16="http://schemas.microsoft.com/office/drawing/2014/main" id="{B83CBA49-BBF9-4CF0-9E0B-FF67BA149660}"/>
               </a:ext>
             </a:extLst>
           </p:cNvPr>
@@ -4794,7 +5132,7 @@
           <p:cNvPr id="15" name="Text Placeholder 13">
             <a:extLst>
               <a:ext uri="{FF2B5EF4-FFF2-40B4-BE49-F238E27FC236}">
-                <a16:creationId xmlns:a16="http://schemas.microsoft.com/office/drawing/2014/main" xmlns="" id="{F4C94DDB-5E07-4F17-ABAA-3E9C5E8683A1}"/>
+                <a16:creationId xmlns="" xmlns:a16="http://schemas.microsoft.com/office/drawing/2014/main" id="{F4C94DDB-5E07-4F17-ABAA-3E9C5E8683A1}"/>
               </a:ext>
             </a:extLst>
           </p:cNvPr>
@@ -4849,7 +5187,7 @@
           <p:cNvPr id="9" name="Graphic 9">
             <a:extLst>
               <a:ext uri="{FF2B5EF4-FFF2-40B4-BE49-F238E27FC236}">
-                <a16:creationId xmlns:a16="http://schemas.microsoft.com/office/drawing/2014/main" xmlns="" id="{C3D2EC56-D17C-4A75-8178-C69397BC7353}"/>
+                <a16:creationId xmlns="" xmlns:a16="http://schemas.microsoft.com/office/drawing/2014/main" id="{C3D2EC56-D17C-4A75-8178-C69397BC7353}"/>
               </a:ext>
             </a:extLst>
           </p:cNvPr>
@@ -4862,7 +5200,7 @@
           <a:blip r:embed="rId2" cstate="print">
             <a:extLst>
               <a:ext uri="{96DAC541-7B7A-43D3-8B79-37D633B846F1}">
-                <asvg:svgBlip xmlns:asvg="http://schemas.microsoft.com/office/drawing/2016/SVG/main" xmlns="" r:embed="rId3"/>
+                <asvg:svgBlip xmlns="" xmlns:asvg="http://schemas.microsoft.com/office/drawing/2016/SVG/main" r:embed="rId3"/>
               </a:ext>
             </a:extLst>
           </a:blip>
@@ -4954,6 +5292,457 @@
 </file>
 
 <file path=ppt/slideLayouts/slideLayout4.xml><?xml version="1.0" encoding="utf-8"?>
+<p:sldLayout xmlns:a="http://schemas.openxmlformats.org/drawingml/2006/main" xmlns:r="http://schemas.openxmlformats.org/officeDocument/2006/relationships" xmlns:p="http://schemas.openxmlformats.org/presentationml/2006/main" userDrawn="1">
+  <p:cSld name="Blank-White">
+    <p:spTree>
+      <p:nvGrpSpPr>
+        <p:cNvPr id="1" name=""/>
+        <p:cNvGrpSpPr/>
+        <p:nvPr/>
+      </p:nvGrpSpPr>
+      <p:grpSpPr>
+        <a:xfrm>
+          <a:off x="0" y="0"/>
+          <a:ext cx="0" cy="0"/>
+          <a:chOff x="0" y="0"/>
+          <a:chExt cx="0" cy="0"/>
+        </a:xfrm>
+      </p:grpSpPr>
+      <p:sp>
+        <p:nvSpPr>
+          <p:cNvPr id="3" name="Retângulo 43">
+            <a:extLst>
+              <a:ext uri="{FF2B5EF4-FFF2-40B4-BE49-F238E27FC236}">
+                <a16:creationId xmlns="" xmlns:a16="http://schemas.microsoft.com/office/drawing/2014/main" id="{25FC8637-25BD-4C09-AF25-56B4243DAB3D}"/>
+              </a:ext>
+            </a:extLst>
+          </p:cNvPr>
+          <p:cNvSpPr/>
+          <p:nvPr userDrawn="1"/>
+        </p:nvSpPr>
+        <p:spPr>
+          <a:xfrm>
+            <a:off x="11784013" y="6555758"/>
+            <a:ext cx="242375" cy="215444"/>
+          </a:xfrm>
+          <a:prstGeom prst="rect">
+            <a:avLst/>
+          </a:prstGeom>
+        </p:spPr>
+        <p:txBody>
+          <a:bodyPr wrap="none">
+            <a:spAutoFit/>
+          </a:bodyPr>
+          <a:lstStyle/>
+          <a:p>
+            <a:pPr algn="r"/>
+            <a:fld id="{0502E5A9-B53C-401E-A0E0-4A359BB0A9E5}" type="slidenum">
+              <a:rPr lang="en-US" sz="800" smtClean="0">
+                <a:solidFill>
+                  <a:prstClr val="black">
+                    <a:lumMod val="50000"/>
+                    <a:lumOff val="50000"/>
+                  </a:prstClr>
+                </a:solidFill>
+                <a:cs typeface="Arial" panose="020B0604020202020204" pitchFamily="34" charset="0"/>
+              </a:rPr>
+              <a:pPr algn="r"/>
+              <a:t>‹#›</a:t>
+            </a:fld>
+            <a:endParaRPr lang="en-US" sz="800" dirty="0">
+              <a:solidFill>
+                <a:prstClr val="black">
+                  <a:lumMod val="50000"/>
+                  <a:lumOff val="50000"/>
+                </a:prstClr>
+              </a:solidFill>
+              <a:cs typeface="Arial" panose="020B0604020202020204" pitchFamily="34" charset="0"/>
+            </a:endParaRPr>
+          </a:p>
+        </p:txBody>
+      </p:sp>
+      <p:cxnSp>
+        <p:nvCxnSpPr>
+          <p:cNvPr id="7" name="Conector reto 49">
+            <a:extLst>
+              <a:ext uri="{FF2B5EF4-FFF2-40B4-BE49-F238E27FC236}">
+                <a16:creationId xmlns="" xmlns:a16="http://schemas.microsoft.com/office/drawing/2014/main" id="{6B6D7F6B-C184-4C2B-8EB7-067E0C1E8DF2}"/>
+              </a:ext>
+            </a:extLst>
+          </p:cNvPr>
+          <p:cNvCxnSpPr>
+            <a:cxnSpLocks/>
+          </p:cNvCxnSpPr>
+          <p:nvPr userDrawn="1"/>
+        </p:nvCxnSpPr>
+        <p:spPr>
+          <a:xfrm flipV="1">
+            <a:off x="3283674" y="6587911"/>
+            <a:ext cx="0" cy="155576"/>
+          </a:xfrm>
+          <a:prstGeom prst="line">
+            <a:avLst/>
+          </a:prstGeom>
+          <a:solidFill>
+            <a:schemeClr val="tx1"/>
+          </a:solidFill>
+          <a:ln w="12700" cap="rnd">
+            <a:solidFill>
+              <a:schemeClr val="accent2"/>
+            </a:solidFill>
+            <a:round/>
+          </a:ln>
+        </p:spPr>
+        <p:style>
+          <a:lnRef idx="1">
+            <a:schemeClr val="accent1"/>
+          </a:lnRef>
+          <a:fillRef idx="0">
+            <a:schemeClr val="accent1"/>
+          </a:fillRef>
+          <a:effectRef idx="0">
+            <a:schemeClr val="accent1"/>
+          </a:effectRef>
+          <a:fontRef idx="minor">
+            <a:schemeClr val="tx1"/>
+          </a:fontRef>
+        </p:style>
+      </p:cxnSp>
+      <p:sp>
+        <p:nvSpPr>
+          <p:cNvPr id="8" name="Rectangle 27">
+            <a:hlinkClick r:id="rId2"/>
+            <a:extLst>
+              <a:ext uri="{FF2B5EF4-FFF2-40B4-BE49-F238E27FC236}">
+                <a16:creationId xmlns="" xmlns:a16="http://schemas.microsoft.com/office/drawing/2014/main" id="{F376ABD1-4930-42EB-9A73-9A9C7C6BF2D3}"/>
+              </a:ext>
+            </a:extLst>
+          </p:cNvPr>
+          <p:cNvSpPr/>
+          <p:nvPr userDrawn="1"/>
+        </p:nvSpPr>
+        <p:spPr>
+          <a:xfrm>
+            <a:off x="407988" y="6555971"/>
+            <a:ext cx="2829007" cy="219456"/>
+          </a:xfrm>
+          <a:prstGeom prst="rect">
+            <a:avLst/>
+          </a:prstGeom>
+        </p:spPr>
+        <p:txBody>
+          <a:bodyPr wrap="square" lIns="0" tIns="0" rIns="0" bIns="0" anchor="ctr" anchorCtr="0">
+            <a:noAutofit/>
+          </a:bodyPr>
+          <a:lstStyle/>
+          <a:p>
+            <a:pPr lvl="0" algn="l" defTabSz="914400">
+              <a:lnSpc>
+                <a:spcPct val="85000"/>
+              </a:lnSpc>
+              <a:defRPr/>
+            </a:pPr>
+            <a:r>
+              <a:rPr lang="en-US" sz="800" kern="0" dirty="0">
+                <a:solidFill>
+                  <a:srgbClr val="00458D"/>
+                </a:solidFill>
+                <a:latin typeface="+mj-lt"/>
+                <a:cs typeface="Arial" panose="020B0604020202020204" pitchFamily="34" charset="0"/>
+              </a:rPr>
+              <a:t>Presentation Title | Author | Date</a:t>
+            </a:r>
+          </a:p>
+        </p:txBody>
+      </p:sp>
+      <p:sp>
+        <p:nvSpPr>
+          <p:cNvPr id="9" name="Retângulo 43">
+            <a:extLst>
+              <a:ext uri="{FF2B5EF4-FFF2-40B4-BE49-F238E27FC236}">
+                <a16:creationId xmlns="" xmlns:a16="http://schemas.microsoft.com/office/drawing/2014/main" id="{834ADCB4-BFB1-450D-8F6D-64217F4CD92C}"/>
+              </a:ext>
+            </a:extLst>
+          </p:cNvPr>
+          <p:cNvSpPr/>
+          <p:nvPr userDrawn="1"/>
+        </p:nvSpPr>
+        <p:spPr>
+          <a:xfrm>
+            <a:off x="3411379" y="6555758"/>
+            <a:ext cx="2223686" cy="219456"/>
+          </a:xfrm>
+          <a:prstGeom prst="rect">
+            <a:avLst/>
+          </a:prstGeom>
+        </p:spPr>
+        <p:txBody>
+          <a:bodyPr wrap="none" lIns="0" tIns="0" rIns="0" bIns="0" anchor="ctr">
+            <a:noAutofit/>
+          </a:bodyPr>
+          <a:lstStyle/>
+          <a:p>
+            <a:pPr algn="l"/>
+            <a:r>
+              <a:rPr lang="en-US" sz="800" dirty="0">
+                <a:solidFill>
+                  <a:schemeClr val="bg2">
+                    <a:lumMod val="50000"/>
+                  </a:schemeClr>
+                </a:solidFill>
+                <a:cs typeface="Arial" panose="020B0604020202020204" pitchFamily="34" charset="0"/>
+              </a:rPr>
+              <a:t>© 2017 Capgemini. All rights reserved.</a:t>
+            </a:r>
+          </a:p>
+        </p:txBody>
+      </p:sp>
+    </p:spTree>
+    <p:extLst>
+      <p:ext uri="{BB962C8B-B14F-4D97-AF65-F5344CB8AC3E}">
+        <p14:creationId xmlns:p14="http://schemas.microsoft.com/office/powerpoint/2010/main" val="3140936976"/>
+      </p:ext>
+    </p:extLst>
+  </p:cSld>
+  <p:clrMapOvr>
+    <a:masterClrMapping/>
+  </p:clrMapOvr>
+</p:sldLayout>
+</file>
+
+<file path=ppt/slideLayouts/slideLayout5.xml><?xml version="1.0" encoding="utf-8"?>
+<p:sldLayout xmlns:a="http://schemas.openxmlformats.org/drawingml/2006/main" xmlns:r="http://schemas.openxmlformats.org/officeDocument/2006/relationships" xmlns:p="http://schemas.openxmlformats.org/presentationml/2006/main" type="obj">
+  <p:cSld name="Title and Content">
+    <p:spTree>
+      <p:nvGrpSpPr>
+        <p:cNvPr id="1" name=""/>
+        <p:cNvGrpSpPr/>
+        <p:nvPr/>
+      </p:nvGrpSpPr>
+      <p:grpSpPr>
+        <a:xfrm>
+          <a:off x="0" y="0"/>
+          <a:ext cx="0" cy="0"/>
+          <a:chOff x="0" y="0"/>
+          <a:chExt cx="0" cy="0"/>
+        </a:xfrm>
+      </p:grpSpPr>
+      <p:sp>
+        <p:nvSpPr>
+          <p:cNvPr id="2" name="Title 1"/>
+          <p:cNvSpPr>
+            <a:spLocks noGrp="1"/>
+          </p:cNvSpPr>
+          <p:nvPr>
+            <p:ph type="title"/>
+          </p:nvPr>
+        </p:nvSpPr>
+        <p:spPr/>
+        <p:txBody>
+          <a:bodyPr/>
+          <a:lstStyle/>
+          <a:p>
+            <a:r>
+              <a:rPr lang="en-US" dirty="0" smtClean="0"/>
+              <a:t>Click to edit Master title style</a:t>
+            </a:r>
+            <a:endParaRPr lang="en-US" dirty="0"/>
+          </a:p>
+        </p:txBody>
+      </p:sp>
+      <p:sp>
+        <p:nvSpPr>
+          <p:cNvPr id="3" name="Content Placeholder 2"/>
+          <p:cNvSpPr>
+            <a:spLocks noGrp="1"/>
+          </p:cNvSpPr>
+          <p:nvPr>
+            <p:ph idx="1"/>
+          </p:nvPr>
+        </p:nvSpPr>
+        <p:spPr/>
+        <p:txBody>
+          <a:bodyPr/>
+          <a:lstStyle>
+            <a:lvl1pPr>
+              <a:defRPr sz="1800">
+                <a:solidFill>
+                  <a:srgbClr val="263147"/>
+                </a:solidFill>
+              </a:defRPr>
+            </a:lvl1pPr>
+            <a:lvl2pPr>
+              <a:defRPr>
+                <a:solidFill>
+                  <a:srgbClr val="263147"/>
+                </a:solidFill>
+              </a:defRPr>
+            </a:lvl2pPr>
+            <a:lvl3pPr>
+              <a:defRPr>
+                <a:solidFill>
+                  <a:srgbClr val="263147"/>
+                </a:solidFill>
+              </a:defRPr>
+            </a:lvl3pPr>
+            <a:lvl4pPr>
+              <a:defRPr>
+                <a:solidFill>
+                  <a:srgbClr val="263147"/>
+                </a:solidFill>
+              </a:defRPr>
+            </a:lvl4pPr>
+            <a:lvl5pPr>
+              <a:defRPr>
+                <a:solidFill>
+                  <a:srgbClr val="263147"/>
+                </a:solidFill>
+              </a:defRPr>
+            </a:lvl5pPr>
+          </a:lstStyle>
+          <a:p>
+            <a:pPr lvl="0"/>
+            <a:r>
+              <a:rPr lang="en-US" dirty="0" smtClean="0"/>
+              <a:t>Click to edit Master text styles</a:t>
+            </a:r>
+          </a:p>
+          <a:p>
+            <a:pPr lvl="1"/>
+            <a:r>
+              <a:rPr lang="en-US" dirty="0" smtClean="0"/>
+              <a:t>Second level</a:t>
+            </a:r>
+          </a:p>
+          <a:p>
+            <a:pPr lvl="2"/>
+            <a:r>
+              <a:rPr lang="en-US" dirty="0" smtClean="0"/>
+              <a:t>Third level</a:t>
+            </a:r>
+          </a:p>
+          <a:p>
+            <a:pPr lvl="3"/>
+            <a:r>
+              <a:rPr lang="en-US" dirty="0" smtClean="0"/>
+              <a:t>Fourth level</a:t>
+            </a:r>
+          </a:p>
+          <a:p>
+            <a:pPr lvl="4"/>
+            <a:r>
+              <a:rPr lang="en-US" dirty="0" smtClean="0"/>
+              <a:t>Fifth level</a:t>
+            </a:r>
+            <a:endParaRPr lang="en-US" dirty="0"/>
+          </a:p>
+        </p:txBody>
+      </p:sp>
+      <p:sp>
+        <p:nvSpPr>
+          <p:cNvPr id="4" name="Date Placeholder 3"/>
+          <p:cNvSpPr>
+            <a:spLocks noGrp="1"/>
+          </p:cNvSpPr>
+          <p:nvPr>
+            <p:ph type="dt" sz="half" idx="10"/>
+          </p:nvPr>
+        </p:nvSpPr>
+        <p:spPr>
+          <a:xfrm>
+            <a:off x="609600" y="6356351"/>
+            <a:ext cx="2844800" cy="365125"/>
+          </a:xfrm>
+          <a:prstGeom prst="rect">
+            <a:avLst/>
+          </a:prstGeom>
+        </p:spPr>
+        <p:txBody>
+          <a:bodyPr/>
+          <a:lstStyle/>
+          <a:p>
+            <a:fld id="{5BAC4DF3-DBB4-4672-88A3-50991EFE0D66}" type="datetimeFigureOut">
+              <a:rPr lang="en-US" smtClean="0"/>
+              <a:pPr/>
+              <a:t>4/7/2018</a:t>
+            </a:fld>
+            <a:endParaRPr lang="en-US"/>
+          </a:p>
+        </p:txBody>
+      </p:sp>
+      <p:sp>
+        <p:nvSpPr>
+          <p:cNvPr id="5" name="Footer Placeholder 4"/>
+          <p:cNvSpPr>
+            <a:spLocks noGrp="1"/>
+          </p:cNvSpPr>
+          <p:nvPr>
+            <p:ph type="ftr" sz="quarter" idx="11"/>
+          </p:nvPr>
+        </p:nvSpPr>
+        <p:spPr>
+          <a:xfrm>
+            <a:off x="4165600" y="6356351"/>
+            <a:ext cx="3860800" cy="365125"/>
+          </a:xfrm>
+          <a:prstGeom prst="rect">
+            <a:avLst/>
+          </a:prstGeom>
+        </p:spPr>
+        <p:txBody>
+          <a:bodyPr/>
+          <a:lstStyle/>
+          <a:p>
+            <a:endParaRPr lang="en-US"/>
+          </a:p>
+        </p:txBody>
+      </p:sp>
+      <p:sp>
+        <p:nvSpPr>
+          <p:cNvPr id="6" name="Slide Number Placeholder 5"/>
+          <p:cNvSpPr>
+            <a:spLocks noGrp="1"/>
+          </p:cNvSpPr>
+          <p:nvPr>
+            <p:ph type="sldNum" sz="quarter" idx="12"/>
+          </p:nvPr>
+        </p:nvSpPr>
+        <p:spPr>
+          <a:xfrm>
+            <a:off x="8737600" y="6356351"/>
+            <a:ext cx="2844800" cy="365125"/>
+          </a:xfrm>
+          <a:prstGeom prst="rect">
+            <a:avLst/>
+          </a:prstGeom>
+        </p:spPr>
+        <p:txBody>
+          <a:bodyPr/>
+          <a:lstStyle/>
+          <a:p>
+            <a:fld id="{A7F4D290-1721-47CC-AF8D-5DFC84615276}" type="slidenum">
+              <a:rPr lang="en-US" smtClean="0"/>
+              <a:pPr/>
+              <a:t>‹#›</a:t>
+            </a:fld>
+            <a:endParaRPr lang="en-US"/>
+          </a:p>
+        </p:txBody>
+      </p:sp>
+    </p:spTree>
+    <p:extLst>
+      <p:ext uri="{BB962C8B-B14F-4D97-AF65-F5344CB8AC3E}">
+        <p14:creationId xmlns:p14="http://schemas.microsoft.com/office/powerpoint/2010/main" val="1880950087"/>
+      </p:ext>
+    </p:extLst>
+  </p:cSld>
+  <p:clrMapOvr>
+    <a:masterClrMapping/>
+  </p:clrMapOvr>
+</p:sldLayout>
+</file>
+
+<file path=ppt/slideLayouts/slideLayout6.xml><?xml version="1.0" encoding="utf-8"?>
 <p:sldLayout xmlns:a="http://schemas.openxmlformats.org/drawingml/2006/main" xmlns:r="http://schemas.openxmlformats.org/officeDocument/2006/relationships" xmlns:p="http://schemas.openxmlformats.org/presentationml/2006/main" preserve="1" userDrawn="1">
   <p:cSld name="Section Opener4">
     <p:spTree>
@@ -5123,7 +5912,7 @@
           <p:cNvPr id="7" name="Text Placeholder 13">
             <a:extLst>
               <a:ext uri="{FF2B5EF4-FFF2-40B4-BE49-F238E27FC236}">
-                <a16:creationId xmlns:a16="http://schemas.microsoft.com/office/drawing/2014/main" xmlns="" id="{5C674D03-4995-4743-8CE4-61CF32CFBDDE}"/>
+                <a16:creationId xmlns="" xmlns:a16="http://schemas.microsoft.com/office/drawing/2014/main" id="{5C674D03-4995-4743-8CE4-61CF32CFBDDE}"/>
               </a:ext>
             </a:extLst>
           </p:cNvPr>
@@ -5183,7 +5972,7 @@
           <p:cNvPr id="11" name="Graphic 4">
             <a:extLst>
               <a:ext uri="{FF2B5EF4-FFF2-40B4-BE49-F238E27FC236}">
-                <a16:creationId xmlns:a16="http://schemas.microsoft.com/office/drawing/2014/main" xmlns="" id="{25EEA1D4-3AF7-42D7-AE97-AE404AECFAEB}"/>
+                <a16:creationId xmlns="" xmlns:a16="http://schemas.microsoft.com/office/drawing/2014/main" id="{25EEA1D4-3AF7-42D7-AE97-AE404AECFAEB}"/>
               </a:ext>
             </a:extLst>
           </p:cNvPr>
@@ -5196,7 +5985,7 @@
           <a:blip r:embed="rId2" cstate="print">
             <a:extLst>
               <a:ext uri="{96DAC541-7B7A-43D3-8B79-37D633B846F1}">
-                <asvg:svgBlip xmlns:asvg="http://schemas.microsoft.com/office/drawing/2016/SVG/main" xmlns="" r:embed="rId3"/>
+                <asvg:svgBlip xmlns="" xmlns:asvg="http://schemas.microsoft.com/office/drawing/2016/SVG/main" r:embed="rId3"/>
               </a:ext>
             </a:extLst>
           </a:blip>
@@ -5226,7 +6015,7 @@
 </p:sldLayout>
 </file>
 
-<file path=ppt/slideLayouts/slideLayout5.xml><?xml version="1.0" encoding="utf-8"?>
+<file path=ppt/slideLayouts/slideLayout7.xml><?xml version="1.0" encoding="utf-8"?>
 <p:sldLayout xmlns:a="http://schemas.openxmlformats.org/drawingml/2006/main" xmlns:r="http://schemas.openxmlformats.org/officeDocument/2006/relationships" xmlns:p="http://schemas.openxmlformats.org/presentationml/2006/main" preserve="1" userDrawn="1">
   <p:cSld name="Text with Shapes - Layout1">
     <p:bg>
@@ -5253,7 +6042,7 @@
           <p:cNvPr id="8" name="Graphic 7">
             <a:extLst>
               <a:ext uri="{FF2B5EF4-FFF2-40B4-BE49-F238E27FC236}">
-                <a16:creationId xmlns:a16="http://schemas.microsoft.com/office/drawing/2014/main" xmlns="" id="{E94103CC-22C5-4F38-9B77-3524E8A553F9}"/>
+                <a16:creationId xmlns="" xmlns:a16="http://schemas.microsoft.com/office/drawing/2014/main" id="{E94103CC-22C5-4F38-9B77-3524E8A553F9}"/>
               </a:ext>
             </a:extLst>
           </p:cNvPr>
@@ -5266,7 +6055,7 @@
           <a:blip r:embed="rId2" cstate="print">
             <a:extLst>
               <a:ext uri="{96DAC541-7B7A-43D3-8B79-37D633B846F1}">
-                <asvg:svgBlip xmlns:asvg="http://schemas.microsoft.com/office/drawing/2016/SVG/main" xmlns="" r:embed="rId3"/>
+                <asvg:svgBlip xmlns="" xmlns:asvg="http://schemas.microsoft.com/office/drawing/2016/SVG/main" r:embed="rId3"/>
               </a:ext>
             </a:extLst>
           </a:blip>
@@ -5288,7 +6077,7 @@
           <p:cNvPr id="50" name="Text Placeholder 7">
             <a:extLst>
               <a:ext uri="{FF2B5EF4-FFF2-40B4-BE49-F238E27FC236}">
-                <a16:creationId xmlns:a16="http://schemas.microsoft.com/office/drawing/2014/main" xmlns="" id="{4E956B68-B273-4648-AC4B-C9A05A745160}"/>
+                <a16:creationId xmlns="" xmlns:a16="http://schemas.microsoft.com/office/drawing/2014/main" id="{4E956B68-B273-4648-AC4B-C9A05A745160}"/>
               </a:ext>
             </a:extLst>
           </p:cNvPr>
@@ -5385,7 +6174,7 @@
           <p:cNvPr id="51" name="Text Placeholder 7">
             <a:extLst>
               <a:ext uri="{FF2B5EF4-FFF2-40B4-BE49-F238E27FC236}">
-                <a16:creationId xmlns:a16="http://schemas.microsoft.com/office/drawing/2014/main" xmlns="" id="{F12D7C74-E8A0-4A7D-95DA-A14111669514}"/>
+                <a16:creationId xmlns="" xmlns:a16="http://schemas.microsoft.com/office/drawing/2014/main" id="{F12D7C74-E8A0-4A7D-95DA-A14111669514}"/>
               </a:ext>
             </a:extLst>
           </p:cNvPr>
@@ -5482,7 +6271,7 @@
           <p:cNvPr id="49" name="Picture Placeholder 48">
             <a:extLst>
               <a:ext uri="{FF2B5EF4-FFF2-40B4-BE49-F238E27FC236}">
-                <a16:creationId xmlns:a16="http://schemas.microsoft.com/office/drawing/2014/main" xmlns="" id="{4212BD44-DEDF-4B08-8824-204652F9616E}"/>
+                <a16:creationId xmlns="" xmlns:a16="http://schemas.microsoft.com/office/drawing/2014/main" id="{4212BD44-DEDF-4B08-8824-204652F9616E}"/>
               </a:ext>
             </a:extLst>
           </p:cNvPr>
@@ -5519,7 +6308,7 @@
           <p:cNvPr id="52" name="Text Placeholder 7">
             <a:extLst>
               <a:ext uri="{FF2B5EF4-FFF2-40B4-BE49-F238E27FC236}">
-                <a16:creationId xmlns:a16="http://schemas.microsoft.com/office/drawing/2014/main" xmlns="" id="{92D6AE9D-467E-46C0-B32B-79A9B07CDD13}"/>
+                <a16:creationId xmlns="" xmlns:a16="http://schemas.microsoft.com/office/drawing/2014/main" id="{92D6AE9D-467E-46C0-B32B-79A9B07CDD13}"/>
               </a:ext>
             </a:extLst>
           </p:cNvPr>
@@ -5616,7 +6405,7 @@
           <p:cNvPr id="7" name="Title Placeholder 1">
             <a:extLst>
               <a:ext uri="{FF2B5EF4-FFF2-40B4-BE49-F238E27FC236}">
-                <a16:creationId xmlns:a16="http://schemas.microsoft.com/office/drawing/2014/main" xmlns="" id="{552BBB0A-405D-419D-8BD5-EC8D9F84B795}"/>
+                <a16:creationId xmlns="" xmlns:a16="http://schemas.microsoft.com/office/drawing/2014/main" id="{552BBB0A-405D-419D-8BD5-EC8D9F84B795}"/>
               </a:ext>
             </a:extLst>
           </p:cNvPr>
@@ -5664,7 +6453,7 @@
           <p:cNvPr id="9" name="Graphic 4">
             <a:extLst>
               <a:ext uri="{FF2B5EF4-FFF2-40B4-BE49-F238E27FC236}">
-                <a16:creationId xmlns:a16="http://schemas.microsoft.com/office/drawing/2014/main" xmlns="" id="{D67A1EFD-D78D-4138-B2FE-E0A098B59C34}"/>
+                <a16:creationId xmlns="" xmlns:a16="http://schemas.microsoft.com/office/drawing/2014/main" id="{D67A1EFD-D78D-4138-B2FE-E0A098B59C34}"/>
               </a:ext>
             </a:extLst>
           </p:cNvPr>
@@ -5677,7 +6466,7 @@
           <a:blip r:embed="rId4" cstate="print">
             <a:extLst>
               <a:ext uri="{96DAC541-7B7A-43D3-8B79-37D633B846F1}">
-                <asvg:svgBlip xmlns:asvg="http://schemas.microsoft.com/office/drawing/2016/SVG/main" xmlns="" r:embed="rId5"/>
+                <asvg:svgBlip xmlns="" xmlns:asvg="http://schemas.microsoft.com/office/drawing/2016/SVG/main" r:embed="rId5"/>
               </a:ext>
             </a:extLst>
           </a:blip>
@@ -5699,7 +6488,7 @@
           <p:cNvPr id="11" name="Conector reto 49">
             <a:extLst>
               <a:ext uri="{FF2B5EF4-FFF2-40B4-BE49-F238E27FC236}">
-                <a16:creationId xmlns:a16="http://schemas.microsoft.com/office/drawing/2014/main" xmlns="" id="{6B6D7F6B-C184-4C2B-8EB7-067E0C1E8DF2}"/>
+                <a16:creationId xmlns="" xmlns:a16="http://schemas.microsoft.com/office/drawing/2014/main" id="{6B6D7F6B-C184-4C2B-8EB7-067E0C1E8DF2}"/>
               </a:ext>
             </a:extLst>
           </p:cNvPr>
@@ -5747,7 +6536,7 @@
             <a:hlinkClick r:id="rId6"/>
             <a:extLst>
               <a:ext uri="{FF2B5EF4-FFF2-40B4-BE49-F238E27FC236}">
-                <a16:creationId xmlns:a16="http://schemas.microsoft.com/office/drawing/2014/main" xmlns="" id="{F376ABD1-4930-42EB-9A73-9A9C7C6BF2D3}"/>
+                <a16:creationId xmlns="" xmlns:a16="http://schemas.microsoft.com/office/drawing/2014/main" id="{F376ABD1-4930-42EB-9A73-9A9C7C6BF2D3}"/>
               </a:ext>
             </a:extLst>
           </p:cNvPr>
@@ -5793,7 +6582,7 @@
           <p:cNvPr id="13" name="Retângulo 43">
             <a:extLst>
               <a:ext uri="{FF2B5EF4-FFF2-40B4-BE49-F238E27FC236}">
-                <a16:creationId xmlns:a16="http://schemas.microsoft.com/office/drawing/2014/main" xmlns="" id="{25FC8637-25BD-4C09-AF25-56B4243DAB3D}"/>
+                <a16:creationId xmlns="" xmlns:a16="http://schemas.microsoft.com/office/drawing/2014/main" id="{25FC8637-25BD-4C09-AF25-56B4243DAB3D}"/>
               </a:ext>
             </a:extLst>
           </p:cNvPr>
@@ -5840,7 +6629,7 @@
           <p:cNvPr id="14" name="Retângulo 43">
             <a:extLst>
               <a:ext uri="{FF2B5EF4-FFF2-40B4-BE49-F238E27FC236}">
-                <a16:creationId xmlns:a16="http://schemas.microsoft.com/office/drawing/2014/main" xmlns="" id="{834ADCB4-BFB1-450D-8F6D-64217F4CD92C}"/>
+                <a16:creationId xmlns="" xmlns:a16="http://schemas.microsoft.com/office/drawing/2014/main" id="{834ADCB4-BFB1-450D-8F6D-64217F4CD92C}"/>
               </a:ext>
             </a:extLst>
           </p:cNvPr>
@@ -5890,7 +6679,7 @@
 </p:sldLayout>
 </file>
 
-<file path=ppt/slideLayouts/slideLayout6.xml><?xml version="1.0" encoding="utf-8"?>
+<file path=ppt/slideLayouts/slideLayout8.xml><?xml version="1.0" encoding="utf-8"?>
 <p:sldLayout xmlns:a="http://schemas.openxmlformats.org/drawingml/2006/main" xmlns:r="http://schemas.openxmlformats.org/officeDocument/2006/relationships" xmlns:p="http://schemas.openxmlformats.org/presentationml/2006/main" preserve="1" userDrawn="1">
   <p:cSld name="Text with Shapes - Layout2">
     <p:bg>
@@ -5920,7 +6709,7 @@
           <p:cNvPr id="10" name="Text Placeholder 13">
             <a:extLst>
               <a:ext uri="{FF2B5EF4-FFF2-40B4-BE49-F238E27FC236}">
-                <a16:creationId xmlns:a16="http://schemas.microsoft.com/office/drawing/2014/main" xmlns="" id="{7D1DC75A-C7A4-44A4-B19C-D445335545B0}"/>
+                <a16:creationId xmlns="" xmlns:a16="http://schemas.microsoft.com/office/drawing/2014/main" id="{7D1DC75A-C7A4-44A4-B19C-D445335545B0}"/>
               </a:ext>
             </a:extLst>
           </p:cNvPr>
@@ -5981,7 +6770,7 @@
           <p:cNvPr id="11" name="Text Placeholder 13">
             <a:extLst>
               <a:ext uri="{FF2B5EF4-FFF2-40B4-BE49-F238E27FC236}">
-                <a16:creationId xmlns:a16="http://schemas.microsoft.com/office/drawing/2014/main" xmlns="" id="{563879A0-0979-491A-8758-371BB7AD935B}"/>
+                <a16:creationId xmlns="" xmlns:a16="http://schemas.microsoft.com/office/drawing/2014/main" id="{563879A0-0979-491A-8758-371BB7AD935B}"/>
               </a:ext>
             </a:extLst>
           </p:cNvPr>
@@ -6039,7 +6828,7 @@
           <p:cNvPr id="9" name="Group 8">
             <a:extLst>
               <a:ext uri="{FF2B5EF4-FFF2-40B4-BE49-F238E27FC236}">
-                <a16:creationId xmlns:a16="http://schemas.microsoft.com/office/drawing/2014/main" xmlns="" id="{A76958A6-8FB1-445D-BB17-D619DC39E089}"/>
+                <a16:creationId xmlns="" xmlns:a16="http://schemas.microsoft.com/office/drawing/2014/main" id="{A76958A6-8FB1-445D-BB17-D619DC39E089}"/>
               </a:ext>
             </a:extLst>
           </p:cNvPr>
@@ -6059,7 +6848,7 @@
             <p:cNvPr id="12" name="Freeform: Shape 11">
               <a:extLst>
                 <a:ext uri="{FF2B5EF4-FFF2-40B4-BE49-F238E27FC236}">
-                  <a16:creationId xmlns:a16="http://schemas.microsoft.com/office/drawing/2014/main" xmlns="" id="{3C37792F-39D6-4A1F-BE84-103229E3E4C7}"/>
+                  <a16:creationId xmlns="" xmlns:a16="http://schemas.microsoft.com/office/drawing/2014/main" id="{3C37792F-39D6-4A1F-BE84-103229E3E4C7}"/>
                 </a:ext>
               </a:extLst>
             </p:cNvPr>
@@ -6350,7 +7139,7 @@
             <p:cNvPr id="13" name="Freeform 10">
               <a:extLst>
                 <a:ext uri="{FF2B5EF4-FFF2-40B4-BE49-F238E27FC236}">
-                  <a16:creationId xmlns:a16="http://schemas.microsoft.com/office/drawing/2014/main" xmlns="" id="{D9D750E2-E6DE-4123-9001-1391D1C49BBA}"/>
+                  <a16:creationId xmlns="" xmlns:a16="http://schemas.microsoft.com/office/drawing/2014/main" id="{D9D750E2-E6DE-4123-9001-1391D1C49BBA}"/>
                 </a:ext>
               </a:extLst>
             </p:cNvPr>
@@ -6501,7 +7290,7 @@
             <p:cNvPr id="14" name="Freeform 11">
               <a:extLst>
                 <a:ext uri="{FF2B5EF4-FFF2-40B4-BE49-F238E27FC236}">
-                  <a16:creationId xmlns:a16="http://schemas.microsoft.com/office/drawing/2014/main" xmlns="" id="{53936070-5445-4D5B-B6F0-A72D3CC87FBE}"/>
+                  <a16:creationId xmlns="" xmlns:a16="http://schemas.microsoft.com/office/drawing/2014/main" id="{53936070-5445-4D5B-B6F0-A72D3CC87FBE}"/>
                 </a:ext>
               </a:extLst>
             </p:cNvPr>
@@ -6683,7 +7472,7 @@
           <p:cNvPr id="8" name="Retângulo 43">
             <a:extLst>
               <a:ext uri="{FF2B5EF4-FFF2-40B4-BE49-F238E27FC236}">
-                <a16:creationId xmlns:a16="http://schemas.microsoft.com/office/drawing/2014/main" xmlns="" id="{834ADCB4-BFB1-450D-8F6D-64217F4CD92C}"/>
+                <a16:creationId xmlns="" xmlns:a16="http://schemas.microsoft.com/office/drawing/2014/main" id="{834ADCB4-BFB1-450D-8F6D-64217F4CD92C}"/>
               </a:ext>
             </a:extLst>
           </p:cNvPr>
@@ -6723,7 +7512,7 @@
           <p:cNvPr id="15" name="Retângulo 43">
             <a:extLst>
               <a:ext uri="{FF2B5EF4-FFF2-40B4-BE49-F238E27FC236}">
-                <a16:creationId xmlns:a16="http://schemas.microsoft.com/office/drawing/2014/main" xmlns="" id="{25FC8637-25BD-4C09-AF25-56B4243DAB3D}"/>
+                <a16:creationId xmlns="" xmlns:a16="http://schemas.microsoft.com/office/drawing/2014/main" id="{25FC8637-25BD-4C09-AF25-56B4243DAB3D}"/>
               </a:ext>
             </a:extLst>
           </p:cNvPr>
@@ -6771,7 +7560,7 @@
             <a:hlinkClick r:id="rId2"/>
             <a:extLst>
               <a:ext uri="{FF2B5EF4-FFF2-40B4-BE49-F238E27FC236}">
-                <a16:creationId xmlns:a16="http://schemas.microsoft.com/office/drawing/2014/main" xmlns="" id="{F376ABD1-4930-42EB-9A73-9A9C7C6BF2D3}"/>
+                <a16:creationId xmlns="" xmlns:a16="http://schemas.microsoft.com/office/drawing/2014/main" id="{F376ABD1-4930-42EB-9A73-9A9C7C6BF2D3}"/>
               </a:ext>
             </a:extLst>
           </p:cNvPr>
@@ -6825,7 +7614,7 @@
 </p:sldLayout>
 </file>
 
-<file path=ppt/slideLayouts/slideLayout7.xml><?xml version="1.0" encoding="utf-8"?>
+<file path=ppt/slideLayouts/slideLayout9.xml><?xml version="1.0" encoding="utf-8"?>
 <p:sldLayout xmlns:a="http://schemas.openxmlformats.org/drawingml/2006/main" xmlns:r="http://schemas.openxmlformats.org/officeDocument/2006/relationships" xmlns:p="http://schemas.openxmlformats.org/presentationml/2006/main" preserve="1" userDrawn="1">
   <p:cSld name="Blank-White">
     <p:spTree>
@@ -6847,7 +7636,7 @@
           <p:cNvPr id="3" name="Retângulo 43">
             <a:extLst>
               <a:ext uri="{FF2B5EF4-FFF2-40B4-BE49-F238E27FC236}">
-                <a16:creationId xmlns:a16="http://schemas.microsoft.com/office/drawing/2014/main" xmlns="" id="{25FC8637-25BD-4C09-AF25-56B4243DAB3D}"/>
+                <a16:creationId xmlns="" xmlns:a16="http://schemas.microsoft.com/office/drawing/2014/main" id="{25FC8637-25BD-4C09-AF25-56B4243DAB3D}"/>
               </a:ext>
             </a:extLst>
           </p:cNvPr>
@@ -6900,7 +7689,7 @@
           <p:cNvPr id="7" name="Conector reto 49">
             <a:extLst>
               <a:ext uri="{FF2B5EF4-FFF2-40B4-BE49-F238E27FC236}">
-                <a16:creationId xmlns:a16="http://schemas.microsoft.com/office/drawing/2014/main" xmlns="" id="{6B6D7F6B-C184-4C2B-8EB7-067E0C1E8DF2}"/>
+                <a16:creationId xmlns="" xmlns:a16="http://schemas.microsoft.com/office/drawing/2014/main" id="{6B6D7F6B-C184-4C2B-8EB7-067E0C1E8DF2}"/>
               </a:ext>
             </a:extLst>
           </p:cNvPr>
@@ -6948,7 +7737,7 @@
             <a:hlinkClick r:id="rId2"/>
             <a:extLst>
               <a:ext uri="{FF2B5EF4-FFF2-40B4-BE49-F238E27FC236}">
-                <a16:creationId xmlns:a16="http://schemas.microsoft.com/office/drawing/2014/main" xmlns="" id="{F376ABD1-4930-42EB-9A73-9A9C7C6BF2D3}"/>
+                <a16:creationId xmlns="" xmlns:a16="http://schemas.microsoft.com/office/drawing/2014/main" id="{F376ABD1-4930-42EB-9A73-9A9C7C6BF2D3}"/>
               </a:ext>
             </a:extLst>
           </p:cNvPr>
@@ -6994,7 +7783,7 @@
           <p:cNvPr id="9" name="Retângulo 43">
             <a:extLst>
               <a:ext uri="{FF2B5EF4-FFF2-40B4-BE49-F238E27FC236}">
-                <a16:creationId xmlns:a16="http://schemas.microsoft.com/office/drawing/2014/main" xmlns="" id="{834ADCB4-BFB1-450D-8F6D-64217F4CD92C}"/>
+                <a16:creationId xmlns="" xmlns:a16="http://schemas.microsoft.com/office/drawing/2014/main" id="{834ADCB4-BFB1-450D-8F6D-64217F4CD92C}"/>
               </a:ext>
             </a:extLst>
           </p:cNvPr>
@@ -7036,7 +7825,7 @@
           <p:cNvPr id="6" name="Title Placeholder 1">
             <a:extLst>
               <a:ext uri="{FF2B5EF4-FFF2-40B4-BE49-F238E27FC236}">
-                <a16:creationId xmlns:a16="http://schemas.microsoft.com/office/drawing/2014/main" xmlns="" id="{F2EB016D-CF9A-4584-982E-40465F70132F}"/>
+                <a16:creationId xmlns="" xmlns:a16="http://schemas.microsoft.com/office/drawing/2014/main" id="{F2EB016D-CF9A-4584-982E-40465F70132F}"/>
               </a:ext>
             </a:extLst>
           </p:cNvPr>
@@ -7170,324 +7959,6 @@
     <p:extLst>
       <p:ext uri="{BB962C8B-B14F-4D97-AF65-F5344CB8AC3E}">
         <p14:creationId xmlns:p14="http://schemas.microsoft.com/office/powerpoint/2010/main" val="3218085846"/>
-      </p:ext>
-    </p:extLst>
-  </p:cSld>
-  <p:clrMapOvr>
-    <a:masterClrMapping/>
-  </p:clrMapOvr>
-</p:sldLayout>
-</file>
-
-<file path=ppt/slideLayouts/slideLayout8.xml><?xml version="1.0" encoding="utf-8"?>
-<p:sldLayout xmlns:a="http://schemas.openxmlformats.org/drawingml/2006/main" xmlns:r="http://schemas.openxmlformats.org/officeDocument/2006/relationships" xmlns:p="http://schemas.openxmlformats.org/presentationml/2006/main" preserve="1" userDrawn="1">
-  <p:cSld name="1_Custom Layout">
-    <p:spTree>
-      <p:nvGrpSpPr>
-        <p:cNvPr id="1" name=""/>
-        <p:cNvGrpSpPr/>
-        <p:nvPr/>
-      </p:nvGrpSpPr>
-      <p:grpSpPr>
-        <a:xfrm>
-          <a:off x="0" y="0"/>
-          <a:ext cx="0" cy="0"/>
-          <a:chOff x="0" y="0"/>
-          <a:chExt cx="0" cy="0"/>
-        </a:xfrm>
-      </p:grpSpPr>
-      <p:sp>
-        <p:nvSpPr>
-          <p:cNvPr id="2" name="Title 1"/>
-          <p:cNvSpPr>
-            <a:spLocks noGrp="1"/>
-          </p:cNvSpPr>
-          <p:nvPr>
-            <p:ph type="title"/>
-          </p:nvPr>
-        </p:nvSpPr>
-        <p:spPr/>
-        <p:txBody>
-          <a:bodyPr/>
-          <a:lstStyle/>
-          <a:p>
-            <a:r>
-              <a:rPr lang="en-US" smtClean="0"/>
-              <a:t>Click to edit Master title style</a:t>
-            </a:r>
-            <a:endParaRPr lang="en-IN"/>
-          </a:p>
-        </p:txBody>
-      </p:sp>
-    </p:spTree>
-    <p:extLst>
-      <p:ext uri="{BB962C8B-B14F-4D97-AF65-F5344CB8AC3E}">
-        <p14:creationId xmlns:p14="http://schemas.microsoft.com/office/powerpoint/2010/main" val="2513013007"/>
-      </p:ext>
-    </p:extLst>
-  </p:cSld>
-  <p:clrMapOvr>
-    <a:masterClrMapping/>
-  </p:clrMapOvr>
-</p:sldLayout>
-</file>
-
-<file path=ppt/slideLayouts/slideLayout9.xml><?xml version="1.0" encoding="utf-8"?>
-<p:sldLayout xmlns:a="http://schemas.openxmlformats.org/drawingml/2006/main" xmlns:r="http://schemas.openxmlformats.org/officeDocument/2006/relationships" xmlns:p="http://schemas.openxmlformats.org/presentationml/2006/main" preserve="1" userDrawn="1">
-  <p:cSld name="Blank-Grey">
-    <p:spTree>
-      <p:nvGrpSpPr>
-        <p:cNvPr id="1" name=""/>
-        <p:cNvGrpSpPr/>
-        <p:nvPr/>
-      </p:nvGrpSpPr>
-      <p:grpSpPr>
-        <a:xfrm>
-          <a:off x="0" y="0"/>
-          <a:ext cx="0" cy="0"/>
-          <a:chOff x="0" y="0"/>
-          <a:chExt cx="0" cy="0"/>
-        </a:xfrm>
-      </p:grpSpPr>
-      <p:sp>
-        <p:nvSpPr>
-          <p:cNvPr id="6" name="Rectangle 5"/>
-          <p:cNvSpPr/>
-          <p:nvPr userDrawn="1"/>
-        </p:nvSpPr>
-        <p:spPr>
-          <a:xfrm>
-            <a:off x="0" y="0"/>
-            <a:ext cx="12192000" cy="6858000"/>
-          </a:xfrm>
-          <a:prstGeom prst="rect">
-            <a:avLst/>
-          </a:prstGeom>
-          <a:solidFill>
-            <a:schemeClr val="bg2"/>
-          </a:solidFill>
-          <a:ln>
-            <a:noFill/>
-          </a:ln>
-        </p:spPr>
-        <p:style>
-          <a:lnRef idx="2">
-            <a:schemeClr val="accent1">
-              <a:shade val="50000"/>
-            </a:schemeClr>
-          </a:lnRef>
-          <a:fillRef idx="1">
-            <a:schemeClr val="accent1"/>
-          </a:fillRef>
-          <a:effectRef idx="0">
-            <a:schemeClr val="accent1"/>
-          </a:effectRef>
-          <a:fontRef idx="minor">
-            <a:schemeClr val="lt1"/>
-          </a:fontRef>
-        </p:style>
-        <p:txBody>
-          <a:bodyPr rtlCol="0" anchor="ctr"/>
-          <a:lstStyle/>
-          <a:p>
-            <a:pPr algn="ctr"/>
-            <a:endParaRPr lang="en-US"/>
-          </a:p>
-        </p:txBody>
-      </p:sp>
-      <p:sp>
-        <p:nvSpPr>
-          <p:cNvPr id="3" name="Retângulo 43">
-            <a:extLst>
-              <a:ext uri="{FF2B5EF4-FFF2-40B4-BE49-F238E27FC236}">
-                <a16:creationId xmlns:a16="http://schemas.microsoft.com/office/drawing/2014/main" xmlns="" id="{25FC8637-25BD-4C09-AF25-56B4243DAB3D}"/>
-              </a:ext>
-            </a:extLst>
-          </p:cNvPr>
-          <p:cNvSpPr/>
-          <p:nvPr userDrawn="1"/>
-        </p:nvSpPr>
-        <p:spPr>
-          <a:xfrm>
-            <a:off x="11784013" y="6555758"/>
-            <a:ext cx="242375" cy="215444"/>
-          </a:xfrm>
-          <a:prstGeom prst="rect">
-            <a:avLst/>
-          </a:prstGeom>
-        </p:spPr>
-        <p:txBody>
-          <a:bodyPr wrap="none">
-            <a:spAutoFit/>
-          </a:bodyPr>
-          <a:lstStyle/>
-          <a:p>
-            <a:pPr algn="r"/>
-            <a:fld id="{0502E5A9-B53C-401E-A0E0-4A359BB0A9E5}" type="slidenum">
-              <a:rPr lang="en-US" sz="800" smtClean="0">
-                <a:solidFill>
-                  <a:prstClr val="black">
-                    <a:lumMod val="50000"/>
-                    <a:lumOff val="50000"/>
-                  </a:prstClr>
-                </a:solidFill>
-                <a:cs typeface="Arial" panose="020B0604020202020204" pitchFamily="34" charset="0"/>
-              </a:rPr>
-              <a:pPr algn="r"/>
-              <a:t>‹#›</a:t>
-            </a:fld>
-            <a:endParaRPr lang="en-US" sz="800" dirty="0">
-              <a:solidFill>
-                <a:prstClr val="black">
-                  <a:lumMod val="50000"/>
-                  <a:lumOff val="50000"/>
-                </a:prstClr>
-              </a:solidFill>
-              <a:cs typeface="Arial" panose="020B0604020202020204" pitchFamily="34" charset="0"/>
-            </a:endParaRPr>
-          </a:p>
-        </p:txBody>
-      </p:sp>
-      <p:cxnSp>
-        <p:nvCxnSpPr>
-          <p:cNvPr id="8" name="Conector reto 49">
-            <a:extLst>
-              <a:ext uri="{FF2B5EF4-FFF2-40B4-BE49-F238E27FC236}">
-                <a16:creationId xmlns:a16="http://schemas.microsoft.com/office/drawing/2014/main" xmlns="" id="{6B6D7F6B-C184-4C2B-8EB7-067E0C1E8DF2}"/>
-              </a:ext>
-            </a:extLst>
-          </p:cNvPr>
-          <p:cNvCxnSpPr>
-            <a:cxnSpLocks/>
-          </p:cNvCxnSpPr>
-          <p:nvPr userDrawn="1"/>
-        </p:nvCxnSpPr>
-        <p:spPr>
-          <a:xfrm flipV="1">
-            <a:off x="3283674" y="6587911"/>
-            <a:ext cx="0" cy="155576"/>
-          </a:xfrm>
-          <a:prstGeom prst="line">
-            <a:avLst/>
-          </a:prstGeom>
-          <a:solidFill>
-            <a:schemeClr val="tx1"/>
-          </a:solidFill>
-          <a:ln w="12700" cap="rnd">
-            <a:solidFill>
-              <a:schemeClr val="accent2"/>
-            </a:solidFill>
-            <a:round/>
-          </a:ln>
-        </p:spPr>
-        <p:style>
-          <a:lnRef idx="1">
-            <a:schemeClr val="accent1"/>
-          </a:lnRef>
-          <a:fillRef idx="0">
-            <a:schemeClr val="accent1"/>
-          </a:fillRef>
-          <a:effectRef idx="0">
-            <a:schemeClr val="accent1"/>
-          </a:effectRef>
-          <a:fontRef idx="minor">
-            <a:schemeClr val="tx1"/>
-          </a:fontRef>
-        </p:style>
-      </p:cxnSp>
-      <p:sp>
-        <p:nvSpPr>
-          <p:cNvPr id="9" name="Rectangle 27">
-            <a:hlinkClick r:id="rId2"/>
-            <a:extLst>
-              <a:ext uri="{FF2B5EF4-FFF2-40B4-BE49-F238E27FC236}">
-                <a16:creationId xmlns:a16="http://schemas.microsoft.com/office/drawing/2014/main" xmlns="" id="{F376ABD1-4930-42EB-9A73-9A9C7C6BF2D3}"/>
-              </a:ext>
-            </a:extLst>
-          </p:cNvPr>
-          <p:cNvSpPr/>
-          <p:nvPr userDrawn="1"/>
-        </p:nvSpPr>
-        <p:spPr>
-          <a:xfrm>
-            <a:off x="407988" y="6555971"/>
-            <a:ext cx="2829007" cy="219456"/>
-          </a:xfrm>
-          <a:prstGeom prst="rect">
-            <a:avLst/>
-          </a:prstGeom>
-        </p:spPr>
-        <p:txBody>
-          <a:bodyPr wrap="square" lIns="0" tIns="0" rIns="0" bIns="0" anchor="ctr" anchorCtr="0">
-            <a:noAutofit/>
-          </a:bodyPr>
-          <a:lstStyle/>
-          <a:p>
-            <a:pPr lvl="0" algn="l" defTabSz="914400">
-              <a:lnSpc>
-                <a:spcPct val="85000"/>
-              </a:lnSpc>
-              <a:defRPr/>
-            </a:pPr>
-            <a:r>
-              <a:rPr lang="en-US" sz="800" kern="0" dirty="0">
-                <a:solidFill>
-                  <a:srgbClr val="00458D"/>
-                </a:solidFill>
-                <a:latin typeface="+mj-lt"/>
-                <a:cs typeface="Arial" panose="020B0604020202020204" pitchFamily="34" charset="0"/>
-              </a:rPr>
-              <a:t>Presentation Title | Author | Date</a:t>
-            </a:r>
-          </a:p>
-        </p:txBody>
-      </p:sp>
-      <p:sp>
-        <p:nvSpPr>
-          <p:cNvPr id="10" name="Retângulo 43">
-            <a:extLst>
-              <a:ext uri="{FF2B5EF4-FFF2-40B4-BE49-F238E27FC236}">
-                <a16:creationId xmlns:a16="http://schemas.microsoft.com/office/drawing/2014/main" xmlns="" id="{834ADCB4-BFB1-450D-8F6D-64217F4CD92C}"/>
-              </a:ext>
-            </a:extLst>
-          </p:cNvPr>
-          <p:cNvSpPr/>
-          <p:nvPr userDrawn="1"/>
-        </p:nvSpPr>
-        <p:spPr>
-          <a:xfrm>
-            <a:off x="3411379" y="6555758"/>
-            <a:ext cx="2223686" cy="219456"/>
-          </a:xfrm>
-          <a:prstGeom prst="rect">
-            <a:avLst/>
-          </a:prstGeom>
-        </p:spPr>
-        <p:txBody>
-          <a:bodyPr wrap="none" lIns="0" tIns="0" rIns="0" bIns="0" anchor="ctr">
-            <a:noAutofit/>
-          </a:bodyPr>
-          <a:lstStyle/>
-          <a:p>
-            <a:pPr algn="l"/>
-            <a:r>
-              <a:rPr lang="en-US" sz="800" dirty="0">
-                <a:solidFill>
-                  <a:schemeClr val="bg2">
-                    <a:lumMod val="50000"/>
-                  </a:schemeClr>
-                </a:solidFill>
-                <a:cs typeface="Arial" panose="020B0604020202020204" pitchFamily="34" charset="0"/>
-              </a:rPr>
-              <a:t>© 2017 Capgemini. All rights reserved.</a:t>
-            </a:r>
-          </a:p>
-        </p:txBody>
-      </p:sp>
-    </p:spTree>
-    <p:extLst>
-      <p:ext uri="{BB962C8B-B14F-4D97-AF65-F5344CB8AC3E}">
-        <p14:creationId xmlns:p14="http://schemas.microsoft.com/office/powerpoint/2010/main" val="525831640"/>
       </p:ext>
     </p:extLst>
   </p:cSld>
@@ -7524,7 +7995,7 @@
           <p:cNvPr id="4" name="Title Placeholder 3">
             <a:extLst>
               <a:ext uri="{FF2B5EF4-FFF2-40B4-BE49-F238E27FC236}">
-                <a16:creationId xmlns:a16="http://schemas.microsoft.com/office/drawing/2014/main" xmlns="" id="{509B218C-0963-489A-AA77-3748FFA421C5}"/>
+                <a16:creationId xmlns="" xmlns:a16="http://schemas.microsoft.com/office/drawing/2014/main" id="{509B218C-0963-489A-AA77-3748FFA421C5}"/>
               </a:ext>
             </a:extLst>
           </p:cNvPr>
@@ -7563,7 +8034,7 @@
           <p:cNvPr id="5" name="Text Placeholder 4">
             <a:extLst>
               <a:ext uri="{FF2B5EF4-FFF2-40B4-BE49-F238E27FC236}">
-                <a16:creationId xmlns:a16="http://schemas.microsoft.com/office/drawing/2014/main" xmlns="" id="{A4D17236-A440-4453-A69C-BE3728C11608}"/>
+                <a16:creationId xmlns="" xmlns:a16="http://schemas.microsoft.com/office/drawing/2014/main" id="{A4D17236-A440-4453-A69C-BE3728C11608}"/>
               </a:ext>
             </a:extLst>
           </p:cNvPr>
@@ -7638,6 +8109,8 @@
     <p:sldLayoutId id="2147483790" r:id="rId1"/>
     <p:sldLayoutId id="2147483721" r:id="rId2"/>
     <p:sldLayoutId id="2147483720" r:id="rId3"/>
+    <p:sldLayoutId id="2147483814" r:id="rId4"/>
+    <p:sldLayoutId id="2147483815" r:id="rId5"/>
   </p:sldLayoutIdLst>
   <p:hf sldNum="0" hdr="0" dt="0"/>
   <p:txStyles>
@@ -8050,7 +8523,7 @@
           <p:cNvPr id="8" name="Title Placeholder 1">
             <a:extLst>
               <a:ext uri="{FF2B5EF4-FFF2-40B4-BE49-F238E27FC236}">
-                <a16:creationId xmlns:a16="http://schemas.microsoft.com/office/drawing/2014/main" xmlns="" id="{366C6B93-5A4F-43B7-84C4-C42EC870AB53}"/>
+                <a16:creationId xmlns="" xmlns:a16="http://schemas.microsoft.com/office/drawing/2014/main" id="{366C6B93-5A4F-43B7-84C4-C42EC870AB53}"/>
               </a:ext>
             </a:extLst>
           </p:cNvPr>
@@ -8094,7 +8567,7 @@
           <p:cNvPr id="9" name="Text Placeholder 2">
             <a:extLst>
               <a:ext uri="{FF2B5EF4-FFF2-40B4-BE49-F238E27FC236}">
-                <a16:creationId xmlns:a16="http://schemas.microsoft.com/office/drawing/2014/main" xmlns="" id="{AF310831-D03E-404B-934F-73B268225B7E}"/>
+                <a16:creationId xmlns="" xmlns:a16="http://schemas.microsoft.com/office/drawing/2014/main" id="{AF310831-D03E-404B-934F-73B268225B7E}"/>
               </a:ext>
             </a:extLst>
           </p:cNvPr>
@@ -8154,7 +8627,7 @@
           <p:cNvPr id="5" name="Graphic 4">
             <a:extLst>
               <a:ext uri="{FF2B5EF4-FFF2-40B4-BE49-F238E27FC236}">
-                <a16:creationId xmlns:a16="http://schemas.microsoft.com/office/drawing/2014/main" xmlns="" id="{25EEA1D4-3AF7-42D7-AE97-AE404AECFAEB}"/>
+                <a16:creationId xmlns="" xmlns:a16="http://schemas.microsoft.com/office/drawing/2014/main" id="{25EEA1D4-3AF7-42D7-AE97-AE404AECFAEB}"/>
               </a:ext>
             </a:extLst>
           </p:cNvPr>
@@ -8167,7 +8640,7 @@
           <a:blip r:embed="rId3" cstate="print">
             <a:extLst>
               <a:ext uri="{96DAC541-7B7A-43D3-8B79-37D633B846F1}">
-                <asvg:svgBlip xmlns:asvg="http://schemas.microsoft.com/office/drawing/2016/SVG/main" xmlns="" r:embed="rId4"/>
+                <asvg:svgBlip xmlns="" xmlns:asvg="http://schemas.microsoft.com/office/drawing/2016/SVG/main" r:embed="rId4"/>
               </a:ext>
             </a:extLst>
           </a:blip>
@@ -8565,7 +9038,7 @@
           <p:cNvPr id="2" name="Title Placeholder 1">
             <a:extLst>
               <a:ext uri="{FF2B5EF4-FFF2-40B4-BE49-F238E27FC236}">
-                <a16:creationId xmlns:a16="http://schemas.microsoft.com/office/drawing/2014/main" xmlns="" id="{F2EB016D-CF9A-4584-982E-40465F70132F}"/>
+                <a16:creationId xmlns="" xmlns:a16="http://schemas.microsoft.com/office/drawing/2014/main" id="{F2EB016D-CF9A-4584-982E-40465F70132F}"/>
               </a:ext>
             </a:extLst>
           </p:cNvPr>
@@ -8609,7 +9082,7 @@
           <p:cNvPr id="9" name="Graphic 4">
             <a:extLst>
               <a:ext uri="{FF2B5EF4-FFF2-40B4-BE49-F238E27FC236}">
-                <a16:creationId xmlns:a16="http://schemas.microsoft.com/office/drawing/2014/main" xmlns="" id="{25EEA1D4-3AF7-42D7-AE97-AE404AECFAEB}"/>
+                <a16:creationId xmlns="" xmlns:a16="http://schemas.microsoft.com/office/drawing/2014/main" id="{25EEA1D4-3AF7-42D7-AE97-AE404AECFAEB}"/>
               </a:ext>
             </a:extLst>
           </p:cNvPr>
@@ -8622,7 +9095,7 @@
           <a:blip r:embed="rId12" cstate="print">
             <a:extLst>
               <a:ext uri="{96DAC541-7B7A-43D3-8B79-37D633B846F1}">
-                <asvg:svgBlip xmlns:asvg="http://schemas.microsoft.com/office/drawing/2016/SVG/main" xmlns="" r:embed="rId14"/>
+                <asvg:svgBlip xmlns="" xmlns:asvg="http://schemas.microsoft.com/office/drawing/2016/SVG/main" r:embed="rId14"/>
               </a:ext>
             </a:extLst>
           </a:blip>
@@ -8644,7 +9117,7 @@
           <p:cNvPr id="13" name="Text Placeholder 2">
             <a:extLst>
               <a:ext uri="{FF2B5EF4-FFF2-40B4-BE49-F238E27FC236}">
-                <a16:creationId xmlns:a16="http://schemas.microsoft.com/office/drawing/2014/main" xmlns="" id="{AF310831-D03E-404B-934F-73B268225B7E}"/>
+                <a16:creationId xmlns="" xmlns:a16="http://schemas.microsoft.com/office/drawing/2014/main" id="{AF310831-D03E-404B-934F-73B268225B7E}"/>
               </a:ext>
             </a:extLst>
           </p:cNvPr>
@@ -10797,7 +11270,7 @@
           <p:cNvPr id="13" name="Graphic 4">
             <a:extLst>
               <a:ext uri="{FF2B5EF4-FFF2-40B4-BE49-F238E27FC236}">
-                <a16:creationId xmlns:a16="http://schemas.microsoft.com/office/drawing/2014/main" xmlns="" id="{25EEA1D4-3AF7-42D7-AE97-AE404AECFAEB}"/>
+                <a16:creationId xmlns="" xmlns:a16="http://schemas.microsoft.com/office/drawing/2014/main" id="{25EEA1D4-3AF7-42D7-AE97-AE404AECFAEB}"/>
               </a:ext>
             </a:extLst>
           </p:cNvPr>
@@ -10810,7 +11283,7 @@
           <a:blip r:embed="rId2" cstate="print">
             <a:extLst>
               <a:ext uri="{96DAC541-7B7A-43D3-8B79-37D633B846F1}">
-                <asvg:svgBlip xmlns:asvg="http://schemas.microsoft.com/office/drawing/2016/SVG/main" xmlns="" r:embed="rId3"/>
+                <asvg:svgBlip xmlns="" xmlns:asvg="http://schemas.microsoft.com/office/drawing/2016/SVG/main" r:embed="rId3"/>
               </a:ext>
             </a:extLst>
           </a:blip>
@@ -10832,7 +11305,7 @@
           <p:cNvPr id="14" name="Title Placeholder 1">
             <a:extLst>
               <a:ext uri="{FF2B5EF4-FFF2-40B4-BE49-F238E27FC236}">
-                <a16:creationId xmlns:a16="http://schemas.microsoft.com/office/drawing/2014/main" xmlns="" id="{F2EB016D-CF9A-4584-982E-40465F70132F}"/>
+                <a16:creationId xmlns="" xmlns:a16="http://schemas.microsoft.com/office/drawing/2014/main" id="{F2EB016D-CF9A-4584-982E-40465F70132F}"/>
               </a:ext>
             </a:extLst>
           </p:cNvPr>
@@ -10876,7 +11349,7 @@
           <p:cNvPr id="15" name="Text Placeholder 2">
             <a:extLst>
               <a:ext uri="{FF2B5EF4-FFF2-40B4-BE49-F238E27FC236}">
-                <a16:creationId xmlns:a16="http://schemas.microsoft.com/office/drawing/2014/main" xmlns="" id="{AF310831-D03E-404B-934F-73B268225B7E}"/>
+                <a16:creationId xmlns="" xmlns:a16="http://schemas.microsoft.com/office/drawing/2014/main" id="{AF310831-D03E-404B-934F-73B268225B7E}"/>
               </a:ext>
             </a:extLst>
           </p:cNvPr>
@@ -12960,6 +13433,180 @@
       </p:grpSpPr>
       <p:sp>
         <p:nvSpPr>
+          <p:cNvPr id="4" name="Text Placeholder 3"/>
+          <p:cNvSpPr>
+            <a:spLocks noGrp="1"/>
+          </p:cNvSpPr>
+          <p:nvPr>
+            <p:ph type="body" sz="quarter" idx="10"/>
+          </p:nvPr>
+        </p:nvSpPr>
+        <p:spPr>
+          <a:xfrm>
+            <a:off x="3575720" y="3717032"/>
+            <a:ext cx="8208293" cy="1664152"/>
+          </a:xfrm>
+        </p:spPr>
+        <p:txBody>
+          <a:bodyPr>
+            <a:normAutofit/>
+          </a:bodyPr>
+          <a:lstStyle/>
+          <a:p>
+            <a:r>
+              <a:rPr lang="en-US" sz="4800" b="1" dirty="0" smtClean="0">
+                <a:latin typeface="Calibri" panose="020F0502020204030204" pitchFamily="34" charset="0"/>
+                <a:cs typeface="Calibri" panose="020F0502020204030204" pitchFamily="34" charset="0"/>
+              </a:rPr>
+              <a:t>NETWORK FUNDAMENTALS</a:t>
+            </a:r>
+            <a:endParaRPr lang="en-US" sz="4800" b="1" dirty="0">
+              <a:latin typeface="Calibri" panose="020F0502020204030204" pitchFamily="34" charset="0"/>
+              <a:cs typeface="Calibri" panose="020F0502020204030204" pitchFamily="34" charset="0"/>
+            </a:endParaRPr>
+          </a:p>
+        </p:txBody>
+      </p:sp>
+    </p:spTree>
+    <p:extLst>
+      <p:ext uri="{BB962C8B-B14F-4D97-AF65-F5344CB8AC3E}">
+        <p14:creationId xmlns:p14="http://schemas.microsoft.com/office/powerpoint/2010/main" val="2251573666"/>
+      </p:ext>
+    </p:extLst>
+  </p:cSld>
+  <p:clrMapOvr>
+    <a:masterClrMapping/>
+  </p:clrMapOvr>
+  <p:timing>
+    <p:tnLst>
+      <p:par>
+        <p:cTn id="1" dur="indefinite" restart="never" nodeType="tmRoot"/>
+      </p:par>
+    </p:tnLst>
+  </p:timing>
+</p:sld>
+</file>
+
+<file path=ppt/slides/slide10.xml><?xml version="1.0" encoding="utf-8"?>
+<p:sld xmlns:a="http://schemas.openxmlformats.org/drawingml/2006/main" xmlns:r="http://schemas.openxmlformats.org/officeDocument/2006/relationships" xmlns:p="http://schemas.openxmlformats.org/presentationml/2006/main">
+  <p:cSld>
+    <p:spTree>
+      <p:nvGrpSpPr>
+        <p:cNvPr id="1" name=""/>
+        <p:cNvGrpSpPr/>
+        <p:nvPr/>
+      </p:nvGrpSpPr>
+      <p:grpSpPr>
+        <a:xfrm>
+          <a:off x="0" y="0"/>
+          <a:ext cx="0" cy="0"/>
+          <a:chOff x="0" y="0"/>
+          <a:chExt cx="0" cy="0"/>
+        </a:xfrm>
+      </p:grpSpPr>
+      <p:sp>
+        <p:nvSpPr>
+          <p:cNvPr id="3" name="Rectangle 2"/>
+          <p:cNvSpPr/>
+          <p:nvPr/>
+        </p:nvSpPr>
+        <p:spPr>
+          <a:xfrm>
+            <a:off x="1991544" y="404664"/>
+            <a:ext cx="7528023" cy="646331"/>
+          </a:xfrm>
+          <a:prstGeom prst="rect">
+            <a:avLst/>
+          </a:prstGeom>
+        </p:spPr>
+        <p:txBody>
+          <a:bodyPr wrap="none">
+            <a:spAutoFit/>
+          </a:bodyPr>
+          <a:lstStyle/>
+          <a:p>
+            <a:pPr algn="ctr"/>
+            <a:r>
+              <a:rPr lang="en-US" sz="3600" b="1" dirty="0">
+                <a:solidFill>
+                  <a:schemeClr val="accent1">
+                    <a:lumMod val="75000"/>
+                  </a:schemeClr>
+                </a:solidFill>
+              </a:rPr>
+              <a:t>Complete OSI layer Protocol</a:t>
+            </a:r>
+          </a:p>
+        </p:txBody>
+      </p:sp>
+      <p:pic>
+        <p:nvPicPr>
+          <p:cNvPr id="4" name="Picture 3"/>
+          <p:cNvPicPr>
+            <a:picLocks noChangeAspect="1"/>
+          </p:cNvPicPr>
+          <p:nvPr/>
+        </p:nvPicPr>
+        <p:blipFill rotWithShape="1">
+          <a:blip r:embed="rId2">
+            <a:extLst>
+              <a:ext uri="{28A0092B-C50C-407E-A947-70E740481C1C}">
+                <a14:useLocalDpi xmlns:a14="http://schemas.microsoft.com/office/drawing/2010/main" val="0"/>
+              </a:ext>
+            </a:extLst>
+          </a:blip>
+          <a:srcRect r="2882"/>
+          <a:stretch/>
+        </p:blipFill>
+        <p:spPr>
+          <a:xfrm>
+            <a:off x="2207568" y="1628800"/>
+            <a:ext cx="7560840" cy="4068362"/>
+          </a:xfrm>
+          <a:prstGeom prst="rect">
+            <a:avLst/>
+          </a:prstGeom>
+        </p:spPr>
+      </p:pic>
+    </p:spTree>
+    <p:extLst>
+      <p:ext uri="{BB962C8B-B14F-4D97-AF65-F5344CB8AC3E}">
+        <p14:creationId xmlns:p14="http://schemas.microsoft.com/office/powerpoint/2010/main" val="947900110"/>
+      </p:ext>
+    </p:extLst>
+  </p:cSld>
+  <p:clrMapOvr>
+    <a:masterClrMapping/>
+  </p:clrMapOvr>
+  <p:timing>
+    <p:tnLst>
+      <p:par>
+        <p:cTn id="1" dur="indefinite" restart="never" nodeType="tmRoot"/>
+      </p:par>
+    </p:tnLst>
+  </p:timing>
+</p:sld>
+</file>
+
+<file path=ppt/slides/slide11.xml><?xml version="1.0" encoding="utf-8"?>
+<p:sld xmlns:a="http://schemas.openxmlformats.org/drawingml/2006/main" xmlns:r="http://schemas.openxmlformats.org/officeDocument/2006/relationships" xmlns:p="http://schemas.openxmlformats.org/presentationml/2006/main">
+  <p:cSld>
+    <p:spTree>
+      <p:nvGrpSpPr>
+        <p:cNvPr id="1" name=""/>
+        <p:cNvGrpSpPr/>
+        <p:nvPr/>
+      </p:nvGrpSpPr>
+      <p:grpSpPr>
+        <a:xfrm>
+          <a:off x="0" y="0"/>
+          <a:ext cx="0" cy="0"/>
+          <a:chOff x="0" y="0"/>
+          <a:chExt cx="0" cy="0"/>
+        </a:xfrm>
+      </p:grpSpPr>
+      <p:sp>
+        <p:nvSpPr>
           <p:cNvPr id="2" name="Text Placeholder 1"/>
           <p:cNvSpPr>
             <a:spLocks noGrp="1"/>
@@ -12970,37 +13617,22 @@
         </p:nvSpPr>
         <p:spPr/>
         <p:txBody>
-          <a:bodyPr/>
+          <a:bodyPr>
+            <a:normAutofit/>
+          </a:bodyPr>
           <a:lstStyle/>
           <a:p>
             <a:r>
-              <a:rPr lang="en-IN" dirty="0" smtClean="0"/>
-              <a:t>Network Services</a:t>
-            </a:r>
-            <a:endParaRPr lang="en-IN" dirty="0"/>
-          </a:p>
-        </p:txBody>
-      </p:sp>
-      <p:sp>
-        <p:nvSpPr>
-          <p:cNvPr id="3" name="Text Placeholder 2"/>
-          <p:cNvSpPr>
-            <a:spLocks noGrp="1"/>
-          </p:cNvSpPr>
-          <p:nvPr>
-            <p:ph type="body" sz="quarter" idx="11"/>
-          </p:nvPr>
-        </p:nvSpPr>
-        <p:spPr/>
-        <p:txBody>
-          <a:bodyPr/>
-          <a:lstStyle/>
-          <a:p>
-            <a:r>
-              <a:rPr lang="en-IN" dirty="0" smtClean="0"/>
-              <a:t>Group 2</a:t>
-            </a:r>
-            <a:endParaRPr lang="en-IN" dirty="0"/>
+              <a:rPr lang="en-IN" sz="4800" b="1" dirty="0" smtClean="0">
+                <a:latin typeface="Calibri" panose="020F0502020204030204" pitchFamily="34" charset="0"/>
+                <a:cs typeface="Calibri" panose="020F0502020204030204" pitchFamily="34" charset="0"/>
+              </a:rPr>
+              <a:t>NETWORK SERVICES</a:t>
+            </a:r>
+            <a:endParaRPr lang="en-IN" sz="4800" b="1" dirty="0">
+              <a:latin typeface="Calibri" panose="020F0502020204030204" pitchFamily="34" charset="0"/>
+              <a:cs typeface="Calibri" panose="020F0502020204030204" pitchFamily="34" charset="0"/>
+            </a:endParaRPr>
           </a:p>
         </p:txBody>
       </p:sp>
@@ -13024,7 +13656,7 @@
 </p:sld>
 </file>
 
-<file path=ppt/slides/slide2.xml><?xml version="1.0" encoding="utf-8"?>
+<file path=ppt/slides/slide12.xml><?xml version="1.0" encoding="utf-8"?>
 <p:sld xmlns:a="http://schemas.openxmlformats.org/drawingml/2006/main" xmlns:r="http://schemas.openxmlformats.org/officeDocument/2006/relationships" xmlns:p="http://schemas.openxmlformats.org/presentationml/2006/main">
   <p:cSld>
     <p:spTree>
@@ -13338,7 +13970,10 @@
           <a:lstStyle/>
           <a:p>
             <a:pPr algn="ctr"/>
-            <a:endParaRPr lang="en-US"/>
+            <a:endParaRPr lang="en-US" dirty="0">
+              <a:latin typeface="Calibri" panose="020F0502020204030204" pitchFamily="34" charset="0"/>
+              <a:cs typeface="Calibri" panose="020F0502020204030204" pitchFamily="34" charset="0"/>
+            </a:endParaRPr>
           </a:p>
         </p:txBody>
       </p:sp>
@@ -14231,14 +14866,67 @@
                             </p:stCondLst>
                             <p:childTnLst>
                               <p:par>
-                                <p:cTn id="44" presetID="42" presetClass="path" presetSubtype="0" accel="50000" decel="50000" fill="hold" grpId="0" nodeType="clickEffect">
+                                <p:cTn id="44" presetID="10" presetClass="entr" presetSubtype="0" fill="hold" grpId="1" nodeType="clickEffect">
+                                  <p:stCondLst>
+                                    <p:cond delay="0"/>
+                                  </p:stCondLst>
+                                  <p:childTnLst>
+                                    <p:set>
+                                      <p:cBhvr>
+                                        <p:cTn id="45" dur="1" fill="hold">
+                                          <p:stCondLst>
+                                            <p:cond delay="0"/>
+                                          </p:stCondLst>
+                                        </p:cTn>
+                                        <p:tgtEl>
+                                          <p:spTgt spid="18"/>
+                                        </p:tgtEl>
+                                        <p:attrNameLst>
+                                          <p:attrName>style.visibility</p:attrName>
+                                        </p:attrNameLst>
+                                      </p:cBhvr>
+                                      <p:to>
+                                        <p:strVal val="visible"/>
+                                      </p:to>
+                                    </p:set>
+                                    <p:animEffect transition="in" filter="fade">
+                                      <p:cBhvr>
+                                        <p:cTn id="46" dur="500"/>
+                                        <p:tgtEl>
+                                          <p:spTgt spid="18"/>
+                                        </p:tgtEl>
+                                      </p:cBhvr>
+                                    </p:animEffect>
+                                  </p:childTnLst>
+                                </p:cTn>
+                              </p:par>
+                            </p:childTnLst>
+                          </p:cTn>
+                        </p:par>
+                      </p:childTnLst>
+                    </p:cTn>
+                  </p:par>
+                  <p:par>
+                    <p:cTn id="47" fill="hold">
+                      <p:stCondLst>
+                        <p:cond delay="indefinite"/>
+                      </p:stCondLst>
+                      <p:childTnLst>
+                        <p:par>
+                          <p:cTn id="48" fill="hold">
+                            <p:stCondLst>
+                              <p:cond delay="0"/>
+                            </p:stCondLst>
+                            <p:childTnLst>
+                              <p:par>
+                                <p:cTn id="49" presetID="42" presetClass="path" presetSubtype="0" accel="50000" decel="50000" fill="hold" grpId="0" nodeType="clickEffect">
                                   <p:stCondLst>
                                     <p:cond delay="0"/>
                                   </p:stCondLst>
                                   <p:childTnLst>
                                     <p:animMotion origin="layout" path="M 0.00156 -0.14306 L -1.66667E-6 4.81481E-6 " pathEditMode="relative" rAng="0" ptsTypes="AA">
                                       <p:cBhvr>
-                                        <p:cTn id="45" dur="2000" fill="hold"/>
+                                        <p:cTn id="50" dur="2000" fill="hold"/>
                                         <p:tgtEl>
                                           <p:spTgt spid="18"/>
                                         </p:tgtEl>
@@ -14259,26 +14947,79 @@
                     </p:cTn>
                   </p:par>
                   <p:par>
-                    <p:cTn id="46" fill="hold">
+                    <p:cTn id="51" fill="hold">
                       <p:stCondLst>
                         <p:cond delay="indefinite"/>
                       </p:stCondLst>
                       <p:childTnLst>
                         <p:par>
-                          <p:cTn id="47" fill="hold">
+                          <p:cTn id="52" fill="hold">
                             <p:stCondLst>
                               <p:cond delay="0"/>
                             </p:stCondLst>
                             <p:childTnLst>
                               <p:par>
-                                <p:cTn id="48" presetID="42" presetClass="path" presetSubtype="0" accel="50000" decel="50000" fill="hold" grpId="0" nodeType="clickEffect">
+                                <p:cTn id="53" presetID="10" presetClass="entr" presetSubtype="0" fill="hold" grpId="1" nodeType="clickEffect">
+                                  <p:stCondLst>
+                                    <p:cond delay="0"/>
+                                  </p:stCondLst>
+                                  <p:childTnLst>
+                                    <p:set>
+                                      <p:cBhvr>
+                                        <p:cTn id="54" dur="1" fill="hold">
+                                          <p:stCondLst>
+                                            <p:cond delay="0"/>
+                                          </p:stCondLst>
+                                        </p:cTn>
+                                        <p:tgtEl>
+                                          <p:spTgt spid="23"/>
+                                        </p:tgtEl>
+                                        <p:attrNameLst>
+                                          <p:attrName>style.visibility</p:attrName>
+                                        </p:attrNameLst>
+                                      </p:cBhvr>
+                                      <p:to>
+                                        <p:strVal val="visible"/>
+                                      </p:to>
+                                    </p:set>
+                                    <p:animEffect transition="in" filter="fade">
+                                      <p:cBhvr>
+                                        <p:cTn id="55" dur="500"/>
+                                        <p:tgtEl>
+                                          <p:spTgt spid="23"/>
+                                        </p:tgtEl>
+                                      </p:cBhvr>
+                                    </p:animEffect>
+                                  </p:childTnLst>
+                                </p:cTn>
+                              </p:par>
+                            </p:childTnLst>
+                          </p:cTn>
+                        </p:par>
+                      </p:childTnLst>
+                    </p:cTn>
+                  </p:par>
+                  <p:par>
+                    <p:cTn id="56" fill="hold">
+                      <p:stCondLst>
+                        <p:cond delay="indefinite"/>
+                      </p:stCondLst>
+                      <p:childTnLst>
+                        <p:par>
+                          <p:cTn id="57" fill="hold">
+                            <p:stCondLst>
+                              <p:cond delay="0"/>
+                            </p:stCondLst>
+                            <p:childTnLst>
+                              <p:par>
+                                <p:cTn id="58" presetID="42" presetClass="path" presetSubtype="0" accel="50000" decel="50000" fill="hold" grpId="0" nodeType="clickEffect">
                                   <p:stCondLst>
                                     <p:cond delay="0"/>
                                   </p:stCondLst>
                                   <p:childTnLst>
                                     <p:animMotion origin="layout" path="M -4.16667E-6 -0.15695 L -1.66667E-6 3.7037E-7 " pathEditMode="relative" rAng="0" ptsTypes="AA">
                                       <p:cBhvr>
-                                        <p:cTn id="49" dur="2000" fill="hold"/>
+                                        <p:cTn id="59" dur="2000" fill="hold"/>
                                         <p:tgtEl>
                                           <p:spTgt spid="23"/>
                                         </p:tgtEl>
@@ -14296,20 +15037,20 @@
                           </p:cTn>
                         </p:par>
                         <p:par>
-                          <p:cTn id="50" fill="hold">
+                          <p:cTn id="60" fill="hold">
                             <p:stCondLst>
                               <p:cond delay="2000"/>
                             </p:stCondLst>
                             <p:childTnLst>
                               <p:par>
-                                <p:cTn id="51" presetID="10" presetClass="entr" presetSubtype="0" fill="hold" grpId="0" nodeType="afterEffect">
+                                <p:cTn id="61" presetID="10" presetClass="entr" presetSubtype="0" fill="hold" grpId="0" nodeType="afterEffect">
                                   <p:stCondLst>
                                     <p:cond delay="0"/>
                                   </p:stCondLst>
                                   <p:childTnLst>
                                     <p:set>
                                       <p:cBhvr>
-                                        <p:cTn id="52" dur="1" fill="hold">
+                                        <p:cTn id="62" dur="1" fill="hold">
                                           <p:stCondLst>
                                             <p:cond delay="0"/>
                                           </p:stCondLst>
@@ -14327,7 +15068,7 @@
                                     </p:set>
                                     <p:animEffect transition="in" filter="fade">
                                       <p:cBhvr>
-                                        <p:cTn id="53" dur="500"/>
+                                        <p:cTn id="63" dur="500"/>
                                         <p:tgtEl>
                                           <p:spTgt spid="32"/>
                                         </p:tgtEl>
@@ -14340,20 +15081,20 @@
                           </p:cTn>
                         </p:par>
                         <p:par>
-                          <p:cTn id="54" fill="hold">
+                          <p:cTn id="64" fill="hold">
                             <p:stCondLst>
                               <p:cond delay="2500"/>
                             </p:stCondLst>
                             <p:childTnLst>
                               <p:par>
-                                <p:cTn id="55" presetID="10" presetClass="entr" presetSubtype="0" fill="hold" nodeType="afterEffect">
+                                <p:cTn id="65" presetID="10" presetClass="entr" presetSubtype="0" fill="hold" nodeType="afterEffect">
                                   <p:stCondLst>
                                     <p:cond delay="0"/>
                                   </p:stCondLst>
                                   <p:childTnLst>
                                     <p:set>
                                       <p:cBhvr>
-                                        <p:cTn id="56" dur="1" fill="hold">
+                                        <p:cTn id="66" dur="1" fill="hold">
                                           <p:stCondLst>
                                             <p:cond delay="0"/>
                                           </p:stCondLst>
@@ -14375,7 +15116,7 @@
                                     </p:set>
                                     <p:animEffect transition="in" filter="fade">
                                       <p:cBhvr>
-                                        <p:cTn id="57" dur="500"/>
+                                        <p:cTn id="67" dur="500"/>
                                         <p:tgtEl>
                                           <p:spTgt spid="27">
                                             <p:txEl>
@@ -14392,20 +15133,20 @@
                           </p:cTn>
                         </p:par>
                         <p:par>
-                          <p:cTn id="58" fill="hold">
+                          <p:cTn id="68" fill="hold">
                             <p:stCondLst>
                               <p:cond delay="3000"/>
                             </p:stCondLst>
                             <p:childTnLst>
                               <p:par>
-                                <p:cTn id="59" presetID="10" presetClass="entr" presetSubtype="0" fill="hold" grpId="0" nodeType="afterEffect">
+                                <p:cTn id="69" presetID="10" presetClass="entr" presetSubtype="0" fill="hold" grpId="0" nodeType="afterEffect">
                                   <p:stCondLst>
                                     <p:cond delay="0"/>
                                   </p:stCondLst>
                                   <p:childTnLst>
                                     <p:set>
                                       <p:cBhvr>
-                                        <p:cTn id="60" dur="1" fill="hold">
+                                        <p:cTn id="70" dur="1" fill="hold">
                                           <p:stCondLst>
                                             <p:cond delay="0"/>
                                           </p:stCondLst>
@@ -14423,7 +15164,7 @@
                                     </p:set>
                                     <p:animEffect transition="in" filter="fade">
                                       <p:cBhvr>
-                                        <p:cTn id="61" dur="500"/>
+                                        <p:cTn id="71" dur="500"/>
                                         <p:tgtEl>
                                           <p:spTgt spid="26"/>
                                         </p:tgtEl>
@@ -14436,20 +15177,20 @@
                           </p:cTn>
                         </p:par>
                         <p:par>
-                          <p:cTn id="62" fill="hold">
+                          <p:cTn id="72" fill="hold">
                             <p:stCondLst>
                               <p:cond delay="3500"/>
                             </p:stCondLst>
                             <p:childTnLst>
                               <p:par>
-                                <p:cTn id="63" presetID="10" presetClass="entr" presetSubtype="0" fill="hold" nodeType="afterEffect">
+                                <p:cTn id="73" presetID="10" presetClass="entr" presetSubtype="0" fill="hold" nodeType="afterEffect">
                                   <p:stCondLst>
                                     <p:cond delay="0"/>
                                   </p:stCondLst>
                                   <p:childTnLst>
                                     <p:set>
                                       <p:cBhvr>
-                                        <p:cTn id="64" dur="1" fill="hold">
+                                        <p:cTn id="74" dur="1" fill="hold">
                                           <p:stCondLst>
                                             <p:cond delay="0"/>
                                           </p:stCondLst>
@@ -14471,7 +15212,7 @@
                                     </p:set>
                                     <p:animEffect transition="in" filter="fade">
                                       <p:cBhvr>
-                                        <p:cTn id="65" dur="500"/>
+                                        <p:cTn id="75" dur="500"/>
                                         <p:tgtEl>
                                           <p:spTgt spid="29">
                                             <p:txEl>
@@ -14491,26 +15232,79 @@
                     </p:cTn>
                   </p:par>
                   <p:par>
-                    <p:cTn id="66" fill="hold">
+                    <p:cTn id="76" fill="hold">
                       <p:stCondLst>
                         <p:cond delay="indefinite"/>
                       </p:stCondLst>
                       <p:childTnLst>
                         <p:par>
-                          <p:cTn id="67" fill="hold">
+                          <p:cTn id="77" fill="hold">
                             <p:stCondLst>
                               <p:cond delay="0"/>
                             </p:stCondLst>
                             <p:childTnLst>
                               <p:par>
-                                <p:cTn id="68" presetID="64" presetClass="path" presetSubtype="0" accel="50000" decel="50000" fill="hold" grpId="0" nodeType="clickEffect">
+                                <p:cTn id="78" presetID="10" presetClass="entr" presetSubtype="0" fill="hold" grpId="1" nodeType="clickEffect">
+                                  <p:stCondLst>
+                                    <p:cond delay="0"/>
+                                  </p:stCondLst>
+                                  <p:childTnLst>
+                                    <p:set>
+                                      <p:cBhvr>
+                                        <p:cTn id="79" dur="1" fill="hold">
+                                          <p:stCondLst>
+                                            <p:cond delay="0"/>
+                                          </p:stCondLst>
+                                        </p:cTn>
+                                        <p:tgtEl>
+                                          <p:spTgt spid="28"/>
+                                        </p:tgtEl>
+                                        <p:attrNameLst>
+                                          <p:attrName>style.visibility</p:attrName>
+                                        </p:attrNameLst>
+                                      </p:cBhvr>
+                                      <p:to>
+                                        <p:strVal val="visible"/>
+                                      </p:to>
+                                    </p:set>
+                                    <p:animEffect transition="in" filter="fade">
+                                      <p:cBhvr>
+                                        <p:cTn id="80" dur="500"/>
+                                        <p:tgtEl>
+                                          <p:spTgt spid="28"/>
+                                        </p:tgtEl>
+                                      </p:cBhvr>
+                                    </p:animEffect>
+                                  </p:childTnLst>
+                                </p:cTn>
+                              </p:par>
+                            </p:childTnLst>
+                          </p:cTn>
+                        </p:par>
+                      </p:childTnLst>
+                    </p:cTn>
+                  </p:par>
+                  <p:par>
+                    <p:cTn id="81" fill="hold">
+                      <p:stCondLst>
+                        <p:cond delay="indefinite"/>
+                      </p:stCondLst>
+                      <p:childTnLst>
+                        <p:par>
+                          <p:cTn id="82" fill="hold">
+                            <p:stCondLst>
+                              <p:cond delay="0"/>
+                            </p:stCondLst>
+                            <p:childTnLst>
+                              <p:par>
+                                <p:cTn id="83" presetID="64" presetClass="path" presetSubtype="0" accel="50000" decel="50000" fill="hold" grpId="0" nodeType="clickEffect">
                                   <p:stCondLst>
                                     <p:cond delay="0"/>
                                   </p:stCondLst>
                                   <p:childTnLst>
                                     <p:animMotion origin="layout" path="M -4.79167E-6 0.14606 L -4.79167E-6 -2.77556E-17 " pathEditMode="relative" rAng="0" ptsTypes="AA">
                                       <p:cBhvr>
-                                        <p:cTn id="69" dur="2000" fill="hold"/>
+                                        <p:cTn id="84" dur="2000" fill="hold"/>
                                         <p:tgtEl>
                                           <p:spTgt spid="28"/>
                                         </p:tgtEl>
@@ -14531,26 +15325,79 @@
                     </p:cTn>
                   </p:par>
                   <p:par>
-                    <p:cTn id="70" fill="hold">
+                    <p:cTn id="85" fill="hold">
                       <p:stCondLst>
                         <p:cond delay="indefinite"/>
                       </p:stCondLst>
                       <p:childTnLst>
                         <p:par>
-                          <p:cTn id="71" fill="hold">
+                          <p:cTn id="86" fill="hold">
                             <p:stCondLst>
                               <p:cond delay="0"/>
                             </p:stCondLst>
                             <p:childTnLst>
                               <p:par>
-                                <p:cTn id="72" presetID="64" presetClass="path" presetSubtype="0" accel="50000" decel="50000" fill="hold" grpId="0" nodeType="clickEffect">
+                                <p:cTn id="87" presetID="10" presetClass="entr" presetSubtype="0" fill="hold" grpId="1" nodeType="clickEffect">
+                                  <p:stCondLst>
+                                    <p:cond delay="0"/>
+                                  </p:stCondLst>
+                                  <p:childTnLst>
+                                    <p:set>
+                                      <p:cBhvr>
+                                        <p:cTn id="88" dur="1" fill="hold">
+                                          <p:stCondLst>
+                                            <p:cond delay="0"/>
+                                          </p:stCondLst>
+                                        </p:cTn>
+                                        <p:tgtEl>
+                                          <p:spTgt spid="30"/>
+                                        </p:tgtEl>
+                                        <p:attrNameLst>
+                                          <p:attrName>style.visibility</p:attrName>
+                                        </p:attrNameLst>
+                                      </p:cBhvr>
+                                      <p:to>
+                                        <p:strVal val="visible"/>
+                                      </p:to>
+                                    </p:set>
+                                    <p:animEffect transition="in" filter="fade">
+                                      <p:cBhvr>
+                                        <p:cTn id="89" dur="500"/>
+                                        <p:tgtEl>
+                                          <p:spTgt spid="30"/>
+                                        </p:tgtEl>
+                                      </p:cBhvr>
+                                    </p:animEffect>
+                                  </p:childTnLst>
+                                </p:cTn>
+                              </p:par>
+                            </p:childTnLst>
+                          </p:cTn>
+                        </p:par>
+                      </p:childTnLst>
+                    </p:cTn>
+                  </p:par>
+                  <p:par>
+                    <p:cTn id="90" fill="hold">
+                      <p:stCondLst>
+                        <p:cond delay="indefinite"/>
+                      </p:stCondLst>
+                      <p:childTnLst>
+                        <p:par>
+                          <p:cTn id="91" fill="hold">
+                            <p:stCondLst>
+                              <p:cond delay="0"/>
+                            </p:stCondLst>
+                            <p:childTnLst>
+                              <p:par>
+                                <p:cTn id="92" presetID="64" presetClass="path" presetSubtype="0" accel="50000" decel="50000" fill="hold" grpId="0" nodeType="clickEffect">
                                   <p:stCondLst>
                                     <p:cond delay="0"/>
                                   </p:stCondLst>
                                   <p:childTnLst>
                                     <p:animMotion origin="layout" path="M -0.00182 0.16945 L -0.00339 0.00417 " pathEditMode="relative" rAng="0" ptsTypes="AA">
                                       <p:cBhvr>
-                                        <p:cTn id="73" dur="2000" fill="hold"/>
+                                        <p:cTn id="93" dur="2000" fill="hold"/>
                                         <p:tgtEl>
                                           <p:spTgt spid="30"/>
                                         </p:tgtEl>
@@ -14594,12 +15441,16 @@
     <p:bldLst>
       <p:bldP spid="17" grpId="0" animBg="1"/>
       <p:bldP spid="18" grpId="0" animBg="1"/>
+      <p:bldP spid="18" grpId="1" animBg="1"/>
       <p:bldP spid="23" grpId="0" animBg="1" autoUpdateAnimBg="0"/>
+      <p:bldP spid="23" grpId="1" animBg="1"/>
       <p:bldP spid="24" grpId="0"/>
       <p:bldP spid="25" grpId="0"/>
       <p:bldP spid="26" grpId="0" animBg="1"/>
       <p:bldP spid="28" grpId="0" animBg="1"/>
+      <p:bldP spid="28" grpId="1" animBg="1"/>
       <p:bldP spid="30" grpId="0" animBg="1"/>
+      <p:bldP spid="30" grpId="1" animBg="1"/>
       <p:bldP spid="31" grpId="0" animBg="1"/>
       <p:bldP spid="32" grpId="0" animBg="1"/>
     </p:bldLst>
@@ -14607,7 +15458,7 @@
 </p:sld>
 </file>
 
-<file path=ppt/slides/slide3.xml><?xml version="1.0" encoding="utf-8"?>
+<file path=ppt/slides/slide13.xml><?xml version="1.0" encoding="utf-8"?>
 <p:sld xmlns:a="http://schemas.openxmlformats.org/drawingml/2006/main" xmlns:r="http://schemas.openxmlformats.org/officeDocument/2006/relationships" xmlns:p="http://schemas.openxmlformats.org/presentationml/2006/main">
   <p:cSld>
     <p:spTree>
@@ -15898,7 +16749,7 @@
 </p:sld>
 </file>
 
-<file path=ppt/slides/slide4.xml><?xml version="1.0" encoding="utf-8"?>
+<file path=ppt/slides/slide14.xml><?xml version="1.0" encoding="utf-8"?>
 <p:sld xmlns:a="http://schemas.openxmlformats.org/drawingml/2006/main" xmlns:r="http://schemas.openxmlformats.org/officeDocument/2006/relationships" xmlns:p="http://schemas.openxmlformats.org/presentationml/2006/main">
   <p:cSld>
     <p:spTree>
@@ -15925,7 +16776,12 @@
             <p:ph type="title"/>
           </p:nvPr>
         </p:nvSpPr>
-        <p:spPr/>
+        <p:spPr>
+          <a:xfrm>
+            <a:off x="422051" y="188640"/>
+            <a:ext cx="11016604" cy="863601"/>
+          </a:xfrm>
+        </p:spPr>
         <p:txBody>
           <a:bodyPr/>
           <a:lstStyle/>
@@ -15956,12 +16812,17 @@
             <p:ph sz="quarter" idx="10"/>
           </p:nvPr>
         </p:nvSpPr>
-        <p:spPr/>
+        <p:spPr>
+          <a:xfrm>
+            <a:off x="407988" y="1196752"/>
+            <a:ext cx="11160125" cy="5184998"/>
+          </a:xfrm>
+        </p:spPr>
         <p:txBody>
           <a:bodyPr/>
           <a:lstStyle/>
           <a:p>
-            <a:endParaRPr lang="en-IN"/>
+            <a:endParaRPr lang="en-IN" dirty="0"/>
           </a:p>
         </p:txBody>
       </p:sp>
@@ -15985,7 +16846,7 @@
 </p:sld>
 </file>
 
-<file path=ppt/slides/slide5.xml><?xml version="1.0" encoding="utf-8"?>
+<file path=ppt/slides/slide15.xml><?xml version="1.0" encoding="utf-8"?>
 <p:sld xmlns:a="http://schemas.openxmlformats.org/drawingml/2006/main" xmlns:r="http://schemas.openxmlformats.org/officeDocument/2006/relationships" xmlns:p="http://schemas.openxmlformats.org/presentationml/2006/main">
   <p:cSld>
     <p:spTree>
@@ -16655,7 +17516,11 @@
             <a:pPr algn="ctr"/>
             <a:r>
               <a:rPr lang="en-US" dirty="0" smtClean="0"/>
-              <a:t>Mail Delivery Agent   (MTA)</a:t>
+              <a:t>Mail Delivery Agent   (</a:t>
+            </a:r>
+            <a:r>
+              <a:rPr lang="en-US" dirty="0" smtClean="0"/>
+              <a:t>MDA)</a:t>
             </a:r>
             <a:endParaRPr lang="en-US" dirty="0"/>
           </a:p>
@@ -17034,6 +17899,3786 @@
 </p:sld>
 </file>
 
+<file path=ppt/slides/slide16.xml><?xml version="1.0" encoding="utf-8"?>
+<p:sld xmlns:a="http://schemas.openxmlformats.org/drawingml/2006/main" xmlns:r="http://schemas.openxmlformats.org/officeDocument/2006/relationships" xmlns:p="http://schemas.openxmlformats.org/presentationml/2006/main">
+  <p:cSld>
+    <p:spTree>
+      <p:nvGrpSpPr>
+        <p:cNvPr id="1" name=""/>
+        <p:cNvGrpSpPr/>
+        <p:nvPr/>
+      </p:nvGrpSpPr>
+      <p:grpSpPr>
+        <a:xfrm>
+          <a:off x="0" y="0"/>
+          <a:ext cx="0" cy="0"/>
+          <a:chOff x="0" y="0"/>
+          <a:chExt cx="0" cy="0"/>
+        </a:xfrm>
+      </p:grpSpPr>
+      <p:sp>
+        <p:nvSpPr>
+          <p:cNvPr id="2" name="Title 1"/>
+          <p:cNvSpPr>
+            <a:spLocks noGrp="1"/>
+          </p:cNvSpPr>
+          <p:nvPr>
+            <p:ph type="title"/>
+          </p:nvPr>
+        </p:nvSpPr>
+        <p:spPr>
+          <a:xfrm>
+            <a:off x="479748" y="116632"/>
+            <a:ext cx="11016604" cy="863601"/>
+          </a:xfrm>
+        </p:spPr>
+        <p:txBody>
+          <a:bodyPr>
+            <a:normAutofit/>
+          </a:bodyPr>
+          <a:lstStyle/>
+          <a:p>
+            <a:r>
+              <a:rPr lang="en-US" sz="4400" b="1" smtClean="0"/>
+              <a:t>Proxy</a:t>
+            </a:r>
+            <a:r>
+              <a:rPr lang="en-US" b="1" smtClean="0"/>
+              <a:t> Server</a:t>
+            </a:r>
+            <a:endParaRPr lang="en-IN" dirty="0"/>
+          </a:p>
+        </p:txBody>
+      </p:sp>
+      <p:sp>
+        <p:nvSpPr>
+          <p:cNvPr id="3" name="Content Placeholder 2"/>
+          <p:cNvSpPr>
+            <a:spLocks noGrp="1"/>
+          </p:cNvSpPr>
+          <p:nvPr>
+            <p:ph sz="quarter" idx="10"/>
+          </p:nvPr>
+        </p:nvSpPr>
+        <p:spPr>
+          <a:xfrm>
+            <a:off x="407988" y="1052736"/>
+            <a:ext cx="11160125" cy="5329013"/>
+          </a:xfrm>
+        </p:spPr>
+        <p:txBody>
+          <a:bodyPr/>
+          <a:lstStyle/>
+          <a:p>
+            <a:pPr marL="342900" indent="-342900">
+              <a:buFont typeface="Arial" panose="020B0604020202020204" pitchFamily="34" charset="0"/>
+              <a:buChar char="•"/>
+            </a:pPr>
+            <a:r>
+              <a:rPr lang="en-US" dirty="0" smtClean="0">
+                <a:solidFill>
+                  <a:srgbClr val="000000"/>
+                </a:solidFill>
+              </a:rPr>
+              <a:t>Acts as an intermediary between the user's computer and the Internet.</a:t>
+            </a:r>
+          </a:p>
+          <a:p>
+            <a:pPr marL="342900" indent="-342900">
+              <a:buFont typeface="Arial" panose="020B0604020202020204" pitchFamily="34" charset="0"/>
+              <a:buChar char="•"/>
+            </a:pPr>
+            <a:r>
+              <a:rPr lang="en-US" dirty="0" smtClean="0">
+                <a:solidFill>
+                  <a:srgbClr val="000000"/>
+                </a:solidFill>
+              </a:rPr>
+              <a:t>Forward and Reverse Proxy are two types of proxy server.</a:t>
+            </a:r>
+          </a:p>
+          <a:p>
+            <a:endParaRPr lang="en-US" dirty="0" smtClean="0">
+              <a:solidFill>
+                <a:srgbClr val="000000"/>
+              </a:solidFill>
+            </a:endParaRPr>
+          </a:p>
+          <a:p>
+            <a:pPr marL="342900" indent="-342900">
+              <a:buFont typeface="Arial" panose="020B0604020202020204" pitchFamily="34" charset="0"/>
+              <a:buChar char="•"/>
+            </a:pPr>
+            <a:endParaRPr lang="en-IN" dirty="0"/>
+          </a:p>
+        </p:txBody>
+      </p:sp>
+      <p:pic>
+        <p:nvPicPr>
+          <p:cNvPr id="4" name="Picture 3"/>
+          <p:cNvPicPr>
+            <a:picLocks noChangeAspect="1"/>
+          </p:cNvPicPr>
+          <p:nvPr/>
+        </p:nvPicPr>
+        <p:blipFill>
+          <a:blip r:embed="rId2">
+            <a:extLst>
+              <a:ext uri="{28A0092B-C50C-407E-A947-70E740481C1C}">
+                <a14:useLocalDpi xmlns:a14="http://schemas.microsoft.com/office/drawing/2010/main" val="0"/>
+              </a:ext>
+            </a:extLst>
+          </a:blip>
+          <a:stretch>
+            <a:fillRect/>
+          </a:stretch>
+        </p:blipFill>
+        <p:spPr>
+          <a:xfrm>
+            <a:off x="733193" y="2910136"/>
+            <a:ext cx="1900372" cy="1900372"/>
+          </a:xfrm>
+          <a:prstGeom prst="rect">
+            <a:avLst/>
+          </a:prstGeom>
+        </p:spPr>
+      </p:pic>
+      <p:pic>
+        <p:nvPicPr>
+          <p:cNvPr id="5" name="Picture 4"/>
+          <p:cNvPicPr>
+            <a:picLocks noChangeAspect="1"/>
+          </p:cNvPicPr>
+          <p:nvPr/>
+        </p:nvPicPr>
+        <p:blipFill>
+          <a:blip r:embed="rId3">
+            <a:extLst>
+              <a:ext uri="{28A0092B-C50C-407E-A947-70E740481C1C}">
+                <a14:useLocalDpi xmlns:a14="http://schemas.microsoft.com/office/drawing/2010/main" val="0"/>
+              </a:ext>
+            </a:extLst>
+          </a:blip>
+          <a:stretch>
+            <a:fillRect/>
+          </a:stretch>
+        </p:blipFill>
+        <p:spPr>
+          <a:xfrm>
+            <a:off x="9487643" y="2780928"/>
+            <a:ext cx="2143126" cy="2143126"/>
+          </a:xfrm>
+          <a:prstGeom prst="rect">
+            <a:avLst/>
+          </a:prstGeom>
+        </p:spPr>
+      </p:pic>
+      <p:pic>
+        <p:nvPicPr>
+          <p:cNvPr id="6" name="Picture 5"/>
+          <p:cNvPicPr>
+            <a:picLocks noChangeAspect="1"/>
+          </p:cNvPicPr>
+          <p:nvPr/>
+        </p:nvPicPr>
+        <p:blipFill>
+          <a:blip r:embed="rId4">
+            <a:extLst>
+              <a:ext uri="{28A0092B-C50C-407E-A947-70E740481C1C}">
+                <a14:useLocalDpi xmlns:a14="http://schemas.microsoft.com/office/drawing/2010/main" val="0"/>
+              </a:ext>
+            </a:extLst>
+          </a:blip>
+          <a:stretch>
+            <a:fillRect/>
+          </a:stretch>
+        </p:blipFill>
+        <p:spPr>
+          <a:xfrm>
+            <a:off x="5035066" y="2564904"/>
+            <a:ext cx="2241053" cy="2241053"/>
+          </a:xfrm>
+          <a:prstGeom prst="rect">
+            <a:avLst/>
+          </a:prstGeom>
+        </p:spPr>
+      </p:pic>
+      <p:sp>
+        <p:nvSpPr>
+          <p:cNvPr id="7" name="Right Arrow 6"/>
+          <p:cNvSpPr/>
+          <p:nvPr/>
+        </p:nvSpPr>
+        <p:spPr>
+          <a:xfrm>
+            <a:off x="3003222" y="3070469"/>
+            <a:ext cx="2376264" cy="432048"/>
+          </a:xfrm>
+          <a:prstGeom prst="rightArrow">
+            <a:avLst/>
+          </a:prstGeom>
+        </p:spPr>
+        <p:style>
+          <a:lnRef idx="2">
+            <a:schemeClr val="accent1">
+              <a:shade val="50000"/>
+            </a:schemeClr>
+          </a:lnRef>
+          <a:fillRef idx="1">
+            <a:schemeClr val="accent1"/>
+          </a:fillRef>
+          <a:effectRef idx="0">
+            <a:schemeClr val="accent1"/>
+          </a:effectRef>
+          <a:fontRef idx="minor">
+            <a:schemeClr val="lt1"/>
+          </a:fontRef>
+        </p:style>
+        <p:txBody>
+          <a:bodyPr rtlCol="0" anchor="ctr"/>
+          <a:lstStyle/>
+          <a:p>
+            <a:pPr algn="ctr"/>
+            <a:endParaRPr lang="en-US"/>
+          </a:p>
+        </p:txBody>
+      </p:sp>
+      <p:sp>
+        <p:nvSpPr>
+          <p:cNvPr id="8" name="Right Arrow 7"/>
+          <p:cNvSpPr/>
+          <p:nvPr/>
+        </p:nvSpPr>
+        <p:spPr>
+          <a:xfrm>
+            <a:off x="6977388" y="3064822"/>
+            <a:ext cx="2376264" cy="432048"/>
+          </a:xfrm>
+          <a:prstGeom prst="rightArrow">
+            <a:avLst/>
+          </a:prstGeom>
+        </p:spPr>
+        <p:style>
+          <a:lnRef idx="2">
+            <a:schemeClr val="accent1">
+              <a:shade val="50000"/>
+            </a:schemeClr>
+          </a:lnRef>
+          <a:fillRef idx="1">
+            <a:schemeClr val="accent1"/>
+          </a:fillRef>
+          <a:effectRef idx="0">
+            <a:schemeClr val="accent1"/>
+          </a:effectRef>
+          <a:fontRef idx="minor">
+            <a:schemeClr val="lt1"/>
+          </a:fontRef>
+        </p:style>
+        <p:txBody>
+          <a:bodyPr rtlCol="0" anchor="ctr"/>
+          <a:lstStyle/>
+          <a:p>
+            <a:pPr algn="ctr"/>
+            <a:endParaRPr lang="en-US"/>
+          </a:p>
+        </p:txBody>
+      </p:sp>
+      <p:sp>
+        <p:nvSpPr>
+          <p:cNvPr id="9" name="Right Arrow 8"/>
+          <p:cNvSpPr/>
+          <p:nvPr/>
+        </p:nvSpPr>
+        <p:spPr>
+          <a:xfrm rot="10800000">
+            <a:off x="2956113" y="3985633"/>
+            <a:ext cx="2376264" cy="432048"/>
+          </a:xfrm>
+          <a:prstGeom prst="rightArrow">
+            <a:avLst/>
+          </a:prstGeom>
+        </p:spPr>
+        <p:style>
+          <a:lnRef idx="2">
+            <a:schemeClr val="accent1">
+              <a:shade val="50000"/>
+            </a:schemeClr>
+          </a:lnRef>
+          <a:fillRef idx="1">
+            <a:schemeClr val="accent1"/>
+          </a:fillRef>
+          <a:effectRef idx="0">
+            <a:schemeClr val="accent1"/>
+          </a:effectRef>
+          <a:fontRef idx="minor">
+            <a:schemeClr val="lt1"/>
+          </a:fontRef>
+        </p:style>
+        <p:txBody>
+          <a:bodyPr rtlCol="0" anchor="ctr"/>
+          <a:lstStyle/>
+          <a:p>
+            <a:pPr algn="ctr"/>
+            <a:endParaRPr lang="en-US"/>
+          </a:p>
+        </p:txBody>
+      </p:sp>
+      <p:sp>
+        <p:nvSpPr>
+          <p:cNvPr id="10" name="Right Arrow 9"/>
+          <p:cNvSpPr/>
+          <p:nvPr/>
+        </p:nvSpPr>
+        <p:spPr>
+          <a:xfrm rot="10800000">
+            <a:off x="6888088" y="3989264"/>
+            <a:ext cx="2376264" cy="432048"/>
+          </a:xfrm>
+          <a:prstGeom prst="rightArrow">
+            <a:avLst/>
+          </a:prstGeom>
+        </p:spPr>
+        <p:style>
+          <a:lnRef idx="2">
+            <a:schemeClr val="accent1">
+              <a:shade val="50000"/>
+            </a:schemeClr>
+          </a:lnRef>
+          <a:fillRef idx="1">
+            <a:schemeClr val="accent1"/>
+          </a:fillRef>
+          <a:effectRef idx="0">
+            <a:schemeClr val="accent1"/>
+          </a:effectRef>
+          <a:fontRef idx="minor">
+            <a:schemeClr val="lt1"/>
+          </a:fontRef>
+        </p:style>
+        <p:txBody>
+          <a:bodyPr rtlCol="0" anchor="ctr"/>
+          <a:lstStyle/>
+          <a:p>
+            <a:pPr algn="ctr"/>
+            <a:endParaRPr lang="en-US"/>
+          </a:p>
+        </p:txBody>
+      </p:sp>
+      <p:sp>
+        <p:nvSpPr>
+          <p:cNvPr id="11" name="TextBox 10"/>
+          <p:cNvSpPr txBox="1"/>
+          <p:nvPr/>
+        </p:nvSpPr>
+        <p:spPr>
+          <a:xfrm>
+            <a:off x="3143672" y="2706714"/>
+            <a:ext cx="1891394" cy="369332"/>
+          </a:xfrm>
+          <a:prstGeom prst="rect">
+            <a:avLst/>
+          </a:prstGeom>
+          <a:noFill/>
+        </p:spPr>
+        <p:txBody>
+          <a:bodyPr wrap="square" rtlCol="0">
+            <a:spAutoFit/>
+          </a:bodyPr>
+          <a:lstStyle/>
+          <a:p>
+            <a:r>
+              <a:rPr lang="en-US" dirty="0" smtClean="0"/>
+              <a:t>www.abc.com</a:t>
+            </a:r>
+            <a:endParaRPr lang="en-US" dirty="0"/>
+          </a:p>
+        </p:txBody>
+      </p:sp>
+      <p:sp>
+        <p:nvSpPr>
+          <p:cNvPr id="12" name="TextBox 11"/>
+          <p:cNvSpPr txBox="1"/>
+          <p:nvPr/>
+        </p:nvSpPr>
+        <p:spPr>
+          <a:xfrm>
+            <a:off x="7260643" y="4460772"/>
+            <a:ext cx="1891394" cy="369332"/>
+          </a:xfrm>
+          <a:prstGeom prst="rect">
+            <a:avLst/>
+          </a:prstGeom>
+          <a:noFill/>
+        </p:spPr>
+        <p:txBody>
+          <a:bodyPr wrap="square" rtlCol="0">
+            <a:spAutoFit/>
+          </a:bodyPr>
+          <a:lstStyle/>
+          <a:p>
+            <a:r>
+              <a:rPr lang="en-US" dirty="0" smtClean="0"/>
+              <a:t>www.abc.com</a:t>
+            </a:r>
+            <a:endParaRPr lang="en-US" dirty="0"/>
+          </a:p>
+        </p:txBody>
+      </p:sp>
+      <p:pic>
+        <p:nvPicPr>
+          <p:cNvPr id="13" name="Picture 12"/>
+          <p:cNvPicPr>
+            <a:picLocks noChangeAspect="1"/>
+          </p:cNvPicPr>
+          <p:nvPr/>
+        </p:nvPicPr>
+        <p:blipFill>
+          <a:blip r:embed="rId2">
+            <a:extLst>
+              <a:ext uri="{28A0092B-C50C-407E-A947-70E740481C1C}">
+                <a14:useLocalDpi xmlns:a14="http://schemas.microsoft.com/office/drawing/2010/main" val="0"/>
+              </a:ext>
+            </a:extLst>
+          </a:blip>
+          <a:stretch>
+            <a:fillRect/>
+          </a:stretch>
+        </p:blipFill>
+        <p:spPr>
+          <a:xfrm>
+            <a:off x="736010" y="3035447"/>
+            <a:ext cx="1900372" cy="1900372"/>
+          </a:xfrm>
+          <a:prstGeom prst="rect">
+            <a:avLst/>
+          </a:prstGeom>
+        </p:spPr>
+      </p:pic>
+      <p:pic>
+        <p:nvPicPr>
+          <p:cNvPr id="14" name="Picture 13"/>
+          <p:cNvPicPr>
+            <a:picLocks noChangeAspect="1"/>
+          </p:cNvPicPr>
+          <p:nvPr/>
+        </p:nvPicPr>
+        <p:blipFill>
+          <a:blip r:embed="rId4">
+            <a:extLst>
+              <a:ext uri="{28A0092B-C50C-407E-A947-70E740481C1C}">
+                <a14:useLocalDpi xmlns:a14="http://schemas.microsoft.com/office/drawing/2010/main" val="0"/>
+              </a:ext>
+            </a:extLst>
+          </a:blip>
+          <a:stretch>
+            <a:fillRect/>
+          </a:stretch>
+        </p:blipFill>
+        <p:spPr>
+          <a:xfrm>
+            <a:off x="9831027" y="2620752"/>
+            <a:ext cx="2241053" cy="2241053"/>
+          </a:xfrm>
+          <a:prstGeom prst="rect">
+            <a:avLst/>
+          </a:prstGeom>
+        </p:spPr>
+      </p:pic>
+      <p:sp>
+        <p:nvSpPr>
+          <p:cNvPr id="15" name="Rectangle 14"/>
+          <p:cNvSpPr/>
+          <p:nvPr/>
+        </p:nvSpPr>
+        <p:spPr>
+          <a:xfrm>
+            <a:off x="5068631" y="2041417"/>
+            <a:ext cx="2562004" cy="4320480"/>
+          </a:xfrm>
+          <a:prstGeom prst="rect">
+            <a:avLst/>
+          </a:prstGeom>
+        </p:spPr>
+        <p:style>
+          <a:lnRef idx="2">
+            <a:schemeClr val="accent6"/>
+          </a:lnRef>
+          <a:fillRef idx="1">
+            <a:schemeClr val="lt1"/>
+          </a:fillRef>
+          <a:effectRef idx="0">
+            <a:schemeClr val="accent6"/>
+          </a:effectRef>
+          <a:fontRef idx="minor">
+            <a:schemeClr val="dk1"/>
+          </a:fontRef>
+        </p:style>
+        <p:txBody>
+          <a:bodyPr rtlCol="0" anchor="ctr"/>
+          <a:lstStyle/>
+          <a:p>
+            <a:pPr algn="ctr"/>
+            <a:endParaRPr lang="en-US"/>
+          </a:p>
+        </p:txBody>
+      </p:sp>
+      <p:pic>
+        <p:nvPicPr>
+          <p:cNvPr id="16" name="Picture 15"/>
+          <p:cNvPicPr>
+            <a:picLocks noChangeAspect="1"/>
+          </p:cNvPicPr>
+          <p:nvPr/>
+        </p:nvPicPr>
+        <p:blipFill>
+          <a:blip r:embed="rId5">
+            <a:extLst>
+              <a:ext uri="{28A0092B-C50C-407E-A947-70E740481C1C}">
+                <a14:useLocalDpi xmlns:a14="http://schemas.microsoft.com/office/drawing/2010/main" val="0"/>
+              </a:ext>
+            </a:extLst>
+          </a:blip>
+          <a:stretch>
+            <a:fillRect/>
+          </a:stretch>
+        </p:blipFill>
+        <p:spPr>
+          <a:xfrm>
+            <a:off x="5265255" y="3989264"/>
+            <a:ext cx="2119474" cy="2119474"/>
+          </a:xfrm>
+          <a:prstGeom prst="rect">
+            <a:avLst/>
+          </a:prstGeom>
+        </p:spPr>
+      </p:pic>
+      <p:sp>
+        <p:nvSpPr>
+          <p:cNvPr id="17" name="TextBox 16"/>
+          <p:cNvSpPr txBox="1"/>
+          <p:nvPr/>
+        </p:nvSpPr>
+        <p:spPr>
+          <a:xfrm>
+            <a:off x="5849109" y="5924072"/>
+            <a:ext cx="1668699" cy="369332"/>
+          </a:xfrm>
+          <a:prstGeom prst="rect">
+            <a:avLst/>
+          </a:prstGeom>
+          <a:noFill/>
+        </p:spPr>
+        <p:txBody>
+          <a:bodyPr wrap="square" rtlCol="0">
+            <a:spAutoFit/>
+          </a:bodyPr>
+          <a:lstStyle/>
+          <a:p>
+            <a:r>
+              <a:rPr lang="en-US" dirty="0" smtClean="0"/>
+              <a:t>CACHE</a:t>
+            </a:r>
+            <a:endParaRPr lang="en-US" dirty="0"/>
+          </a:p>
+        </p:txBody>
+      </p:sp>
+      <p:sp>
+        <p:nvSpPr>
+          <p:cNvPr id="18" name="TextBox 17"/>
+          <p:cNvSpPr txBox="1"/>
+          <p:nvPr/>
+        </p:nvSpPr>
+        <p:spPr>
+          <a:xfrm>
+            <a:off x="5467193" y="2561244"/>
+            <a:ext cx="2129356" cy="369332"/>
+          </a:xfrm>
+          <a:prstGeom prst="rect">
+            <a:avLst/>
+          </a:prstGeom>
+          <a:noFill/>
+        </p:spPr>
+        <p:txBody>
+          <a:bodyPr wrap="square" rtlCol="0">
+            <a:spAutoFit/>
+          </a:bodyPr>
+          <a:lstStyle/>
+          <a:p>
+            <a:r>
+              <a:rPr lang="en-US" b="1" dirty="0" smtClean="0"/>
+              <a:t>Proxy Server</a:t>
+            </a:r>
+            <a:endParaRPr lang="en-US" b="1" dirty="0"/>
+          </a:p>
+        </p:txBody>
+      </p:sp>
+      <p:sp>
+        <p:nvSpPr>
+          <p:cNvPr id="21" name="TextBox 20"/>
+          <p:cNvSpPr txBox="1"/>
+          <p:nvPr/>
+        </p:nvSpPr>
+        <p:spPr>
+          <a:xfrm>
+            <a:off x="8487081" y="3470327"/>
+            <a:ext cx="2124236" cy="369332"/>
+          </a:xfrm>
+          <a:prstGeom prst="rect">
+            <a:avLst/>
+          </a:prstGeom>
+          <a:noFill/>
+        </p:spPr>
+        <p:txBody>
+          <a:bodyPr wrap="square" rtlCol="0">
+            <a:spAutoFit/>
+          </a:bodyPr>
+          <a:lstStyle/>
+          <a:p>
+            <a:r>
+              <a:rPr lang="en-US" dirty="0" smtClean="0"/>
+              <a:t>Up to Date</a:t>
+            </a:r>
+            <a:endParaRPr lang="en-US" dirty="0"/>
+          </a:p>
+        </p:txBody>
+      </p:sp>
+      <p:sp>
+        <p:nvSpPr>
+          <p:cNvPr id="23" name="TextBox 22"/>
+          <p:cNvSpPr txBox="1"/>
+          <p:nvPr/>
+        </p:nvSpPr>
+        <p:spPr>
+          <a:xfrm>
+            <a:off x="2744302" y="2721327"/>
+            <a:ext cx="2542747" cy="369332"/>
+          </a:xfrm>
+          <a:prstGeom prst="rect">
+            <a:avLst/>
+          </a:prstGeom>
+          <a:noFill/>
+        </p:spPr>
+        <p:txBody>
+          <a:bodyPr wrap="square" rtlCol="0">
+            <a:spAutoFit/>
+          </a:bodyPr>
+          <a:lstStyle/>
+          <a:p>
+            <a:r>
+              <a:rPr lang="en-US" dirty="0" smtClean="0"/>
+              <a:t>Document Request</a:t>
+            </a:r>
+            <a:endParaRPr lang="en-US" dirty="0"/>
+          </a:p>
+        </p:txBody>
+      </p:sp>
+      <p:sp>
+        <p:nvSpPr>
+          <p:cNvPr id="34" name="Bent Arrow 33"/>
+          <p:cNvSpPr/>
+          <p:nvPr/>
+        </p:nvSpPr>
+        <p:spPr>
+          <a:xfrm flipH="1">
+            <a:off x="2715411" y="3638043"/>
+            <a:ext cx="3731366" cy="797322"/>
+          </a:xfrm>
+          <a:prstGeom prst="bentArrow">
+            <a:avLst/>
+          </a:prstGeom>
+        </p:spPr>
+        <p:style>
+          <a:lnRef idx="2">
+            <a:schemeClr val="accent1">
+              <a:shade val="50000"/>
+            </a:schemeClr>
+          </a:lnRef>
+          <a:fillRef idx="1">
+            <a:schemeClr val="accent1"/>
+          </a:fillRef>
+          <a:effectRef idx="0">
+            <a:schemeClr val="accent1"/>
+          </a:effectRef>
+          <a:fontRef idx="minor">
+            <a:schemeClr val="lt1"/>
+          </a:fontRef>
+        </p:style>
+        <p:txBody>
+          <a:bodyPr rtlCol="0" anchor="ctr"/>
+          <a:lstStyle/>
+          <a:p>
+            <a:pPr algn="ctr"/>
+            <a:endParaRPr lang="en-US">
+              <a:solidFill>
+                <a:schemeClr val="tx1"/>
+              </a:solidFill>
+            </a:endParaRPr>
+          </a:p>
+        </p:txBody>
+      </p:sp>
+      <p:sp>
+        <p:nvSpPr>
+          <p:cNvPr id="35" name="Right Arrow 34"/>
+          <p:cNvSpPr/>
+          <p:nvPr/>
+        </p:nvSpPr>
+        <p:spPr>
+          <a:xfrm>
+            <a:off x="2969171" y="3124872"/>
+            <a:ext cx="2096643" cy="340409"/>
+          </a:xfrm>
+          <a:prstGeom prst="rightArrow">
+            <a:avLst/>
+          </a:prstGeom>
+        </p:spPr>
+        <p:style>
+          <a:lnRef idx="2">
+            <a:schemeClr val="accent1">
+              <a:shade val="50000"/>
+            </a:schemeClr>
+          </a:lnRef>
+          <a:fillRef idx="1">
+            <a:schemeClr val="accent1"/>
+          </a:fillRef>
+          <a:effectRef idx="0">
+            <a:schemeClr val="accent1"/>
+          </a:effectRef>
+          <a:fontRef idx="minor">
+            <a:schemeClr val="lt1"/>
+          </a:fontRef>
+        </p:style>
+        <p:txBody>
+          <a:bodyPr rtlCol="0" anchor="ctr"/>
+          <a:lstStyle/>
+          <a:p>
+            <a:pPr algn="ctr"/>
+            <a:endParaRPr lang="en-US"/>
+          </a:p>
+        </p:txBody>
+      </p:sp>
+      <p:sp>
+        <p:nvSpPr>
+          <p:cNvPr id="36" name="Left-Right Arrow 35"/>
+          <p:cNvSpPr/>
+          <p:nvPr/>
+        </p:nvSpPr>
+        <p:spPr>
+          <a:xfrm>
+            <a:off x="7682509" y="3683811"/>
+            <a:ext cx="2671705" cy="426471"/>
+          </a:xfrm>
+          <a:prstGeom prst="leftRightArrow">
+            <a:avLst/>
+          </a:prstGeom>
+        </p:spPr>
+        <p:style>
+          <a:lnRef idx="2">
+            <a:schemeClr val="accent1">
+              <a:shade val="50000"/>
+            </a:schemeClr>
+          </a:lnRef>
+          <a:fillRef idx="1">
+            <a:schemeClr val="accent1"/>
+          </a:fillRef>
+          <a:effectRef idx="0">
+            <a:schemeClr val="accent1"/>
+          </a:effectRef>
+          <a:fontRef idx="minor">
+            <a:schemeClr val="lt1"/>
+          </a:fontRef>
+        </p:style>
+        <p:txBody>
+          <a:bodyPr rtlCol="0" anchor="ctr"/>
+          <a:lstStyle/>
+          <a:p>
+            <a:pPr algn="ctr"/>
+            <a:endParaRPr lang="en-US"/>
+          </a:p>
+        </p:txBody>
+      </p:sp>
+      <p:sp>
+        <p:nvSpPr>
+          <p:cNvPr id="37" name="TextBox 36"/>
+          <p:cNvSpPr txBox="1"/>
+          <p:nvPr/>
+        </p:nvSpPr>
+        <p:spPr>
+          <a:xfrm>
+            <a:off x="2956112" y="4201657"/>
+            <a:ext cx="2109702" cy="646331"/>
+          </a:xfrm>
+          <a:prstGeom prst="rect">
+            <a:avLst/>
+          </a:prstGeom>
+          <a:noFill/>
+        </p:spPr>
+        <p:txBody>
+          <a:bodyPr wrap="square" rtlCol="0">
+            <a:spAutoFit/>
+          </a:bodyPr>
+          <a:lstStyle/>
+          <a:p>
+            <a:r>
+              <a:rPr lang="en-US" dirty="0" smtClean="0"/>
+              <a:t>Document sent from cache</a:t>
+            </a:r>
+            <a:endParaRPr lang="en-US" dirty="0"/>
+          </a:p>
+        </p:txBody>
+      </p:sp>
+      <p:sp>
+        <p:nvSpPr>
+          <p:cNvPr id="38" name="TextBox 37"/>
+          <p:cNvSpPr txBox="1"/>
+          <p:nvPr/>
+        </p:nvSpPr>
+        <p:spPr>
+          <a:xfrm>
+            <a:off x="4975536" y="942120"/>
+            <a:ext cx="2942481" cy="584775"/>
+          </a:xfrm>
+          <a:prstGeom prst="rect">
+            <a:avLst/>
+          </a:prstGeom>
+          <a:noFill/>
+        </p:spPr>
+        <p:txBody>
+          <a:bodyPr wrap="square" rtlCol="0">
+            <a:spAutoFit/>
+          </a:bodyPr>
+          <a:lstStyle/>
+          <a:p>
+            <a:r>
+              <a:rPr lang="en-US" sz="3200" b="1" dirty="0" smtClean="0">
+                <a:latin typeface="Calibri" panose="020F0502020204030204" pitchFamily="34" charset="0"/>
+                <a:cs typeface="Calibri" panose="020F0502020204030204" pitchFamily="34" charset="0"/>
+              </a:rPr>
+              <a:t>Proxy Caching</a:t>
+            </a:r>
+            <a:endParaRPr lang="en-US" sz="3200" b="1" dirty="0">
+              <a:latin typeface="Calibri" panose="020F0502020204030204" pitchFamily="34" charset="0"/>
+              <a:cs typeface="Calibri" panose="020F0502020204030204" pitchFamily="34" charset="0"/>
+            </a:endParaRPr>
+          </a:p>
+        </p:txBody>
+      </p:sp>
+      <p:sp>
+        <p:nvSpPr>
+          <p:cNvPr id="39" name="TextBox 38"/>
+          <p:cNvSpPr txBox="1"/>
+          <p:nvPr/>
+        </p:nvSpPr>
+        <p:spPr>
+          <a:xfrm>
+            <a:off x="1384265" y="4864335"/>
+            <a:ext cx="2379830" cy="369332"/>
+          </a:xfrm>
+          <a:prstGeom prst="rect">
+            <a:avLst/>
+          </a:prstGeom>
+          <a:noFill/>
+        </p:spPr>
+        <p:txBody>
+          <a:bodyPr wrap="square" rtlCol="0">
+            <a:spAutoFit/>
+          </a:bodyPr>
+          <a:lstStyle/>
+          <a:p>
+            <a:r>
+              <a:rPr lang="en-US" dirty="0" smtClean="0"/>
+              <a:t>CLIENT</a:t>
+            </a:r>
+            <a:endParaRPr lang="en-US" dirty="0"/>
+          </a:p>
+        </p:txBody>
+      </p:sp>
+      <p:sp>
+        <p:nvSpPr>
+          <p:cNvPr id="40" name="TextBox 39"/>
+          <p:cNvSpPr txBox="1"/>
+          <p:nvPr/>
+        </p:nvSpPr>
+        <p:spPr>
+          <a:xfrm>
+            <a:off x="9967107" y="4924054"/>
+            <a:ext cx="2379830" cy="369332"/>
+          </a:xfrm>
+          <a:prstGeom prst="rect">
+            <a:avLst/>
+          </a:prstGeom>
+          <a:noFill/>
+        </p:spPr>
+        <p:txBody>
+          <a:bodyPr wrap="square" rtlCol="0">
+            <a:spAutoFit/>
+          </a:bodyPr>
+          <a:lstStyle/>
+          <a:p>
+            <a:r>
+              <a:rPr lang="en-US" dirty="0" smtClean="0"/>
+              <a:t>ISP</a:t>
+            </a:r>
+            <a:endParaRPr lang="en-US" dirty="0"/>
+          </a:p>
+        </p:txBody>
+      </p:sp>
+      <p:sp>
+        <p:nvSpPr>
+          <p:cNvPr id="41" name="TextBox 40"/>
+          <p:cNvSpPr txBox="1"/>
+          <p:nvPr/>
+        </p:nvSpPr>
+        <p:spPr>
+          <a:xfrm>
+            <a:off x="9812170" y="4980313"/>
+            <a:ext cx="2379830" cy="369332"/>
+          </a:xfrm>
+          <a:prstGeom prst="rect">
+            <a:avLst/>
+          </a:prstGeom>
+          <a:noFill/>
+        </p:spPr>
+        <p:txBody>
+          <a:bodyPr wrap="square" rtlCol="0">
+            <a:spAutoFit/>
+          </a:bodyPr>
+          <a:lstStyle/>
+          <a:p>
+            <a:r>
+              <a:rPr lang="en-US" dirty="0" smtClean="0"/>
+              <a:t>Remote Server</a:t>
+            </a:r>
+            <a:endParaRPr lang="en-US" dirty="0"/>
+          </a:p>
+        </p:txBody>
+      </p:sp>
+      <p:sp>
+        <p:nvSpPr>
+          <p:cNvPr id="42" name="TextBox 41"/>
+          <p:cNvSpPr txBox="1"/>
+          <p:nvPr/>
+        </p:nvSpPr>
+        <p:spPr>
+          <a:xfrm>
+            <a:off x="5358931" y="5338454"/>
+            <a:ext cx="2129356" cy="369332"/>
+          </a:xfrm>
+          <a:prstGeom prst="rect">
+            <a:avLst/>
+          </a:prstGeom>
+          <a:noFill/>
+        </p:spPr>
+        <p:txBody>
+          <a:bodyPr wrap="square" rtlCol="0">
+            <a:spAutoFit/>
+          </a:bodyPr>
+          <a:lstStyle/>
+          <a:p>
+            <a:r>
+              <a:rPr lang="en-US" b="1" dirty="0" smtClean="0"/>
+              <a:t>Proxy Server</a:t>
+            </a:r>
+            <a:endParaRPr lang="en-US" b="1" dirty="0"/>
+          </a:p>
+        </p:txBody>
+      </p:sp>
+      <p:sp>
+        <p:nvSpPr>
+          <p:cNvPr id="43" name="TextBox 42"/>
+          <p:cNvSpPr txBox="1"/>
+          <p:nvPr/>
+        </p:nvSpPr>
+        <p:spPr>
+          <a:xfrm>
+            <a:off x="1384265" y="4884507"/>
+            <a:ext cx="2379830" cy="369332"/>
+          </a:xfrm>
+          <a:prstGeom prst="rect">
+            <a:avLst/>
+          </a:prstGeom>
+          <a:noFill/>
+        </p:spPr>
+        <p:txBody>
+          <a:bodyPr wrap="square" rtlCol="0">
+            <a:spAutoFit/>
+          </a:bodyPr>
+          <a:lstStyle/>
+          <a:p>
+            <a:r>
+              <a:rPr lang="en-US" dirty="0" smtClean="0"/>
+              <a:t>CLIENT</a:t>
+            </a:r>
+            <a:endParaRPr lang="en-US" dirty="0"/>
+          </a:p>
+        </p:txBody>
+      </p:sp>
+    </p:spTree>
+    <p:extLst>
+      <p:ext uri="{BB962C8B-B14F-4D97-AF65-F5344CB8AC3E}">
+        <p14:creationId xmlns:p14="http://schemas.microsoft.com/office/powerpoint/2010/main" val="778735559"/>
+      </p:ext>
+    </p:extLst>
+  </p:cSld>
+  <p:clrMapOvr>
+    <a:masterClrMapping/>
+  </p:clrMapOvr>
+  <p:timing>
+    <p:tnLst>
+      <p:par>
+        <p:cTn id="1" dur="indefinite" restart="never" nodeType="tmRoot">
+          <p:childTnLst>
+            <p:seq concurrent="1" nextAc="seek">
+              <p:cTn id="2" dur="indefinite" nodeType="mainSeq">
+                <p:childTnLst>
+                  <p:par>
+                    <p:cTn id="3" fill="hold">
+                      <p:stCondLst>
+                        <p:cond delay="indefinite"/>
+                        <p:cond evt="onBegin" delay="0">
+                          <p:tn val="2"/>
+                        </p:cond>
+                      </p:stCondLst>
+                      <p:childTnLst>
+                        <p:par>
+                          <p:cTn id="4" fill="hold">
+                            <p:stCondLst>
+                              <p:cond delay="0"/>
+                            </p:stCondLst>
+                            <p:childTnLst>
+                              <p:par>
+                                <p:cTn id="5" presetID="10" presetClass="exit" presetSubtype="0" fill="hold" nodeType="withEffect">
+                                  <p:stCondLst>
+                                    <p:cond delay="0"/>
+                                  </p:stCondLst>
+                                  <p:childTnLst>
+                                    <p:animEffect transition="out" filter="fade">
+                                      <p:cBhvr>
+                                        <p:cTn id="6" dur="500"/>
+                                        <p:tgtEl>
+                                          <p:spTgt spid="3">
+                                            <p:txEl>
+                                              <p:pRg st="0" end="0"/>
+                                            </p:txEl>
+                                          </p:spTgt>
+                                        </p:tgtEl>
+                                      </p:cBhvr>
+                                    </p:animEffect>
+                                    <p:set>
+                                      <p:cBhvr>
+                                        <p:cTn id="7" dur="1" fill="hold">
+                                          <p:stCondLst>
+                                            <p:cond delay="499"/>
+                                          </p:stCondLst>
+                                        </p:cTn>
+                                        <p:tgtEl>
+                                          <p:spTgt spid="3">
+                                            <p:txEl>
+                                              <p:pRg st="0" end="0"/>
+                                            </p:txEl>
+                                          </p:spTgt>
+                                        </p:tgtEl>
+                                        <p:attrNameLst>
+                                          <p:attrName>style.visibility</p:attrName>
+                                        </p:attrNameLst>
+                                      </p:cBhvr>
+                                      <p:to>
+                                        <p:strVal val="hidden"/>
+                                      </p:to>
+                                    </p:set>
+                                  </p:childTnLst>
+                                </p:cTn>
+                              </p:par>
+                              <p:par>
+                                <p:cTn id="8" presetID="10" presetClass="exit" presetSubtype="0" fill="hold" nodeType="withEffect">
+                                  <p:stCondLst>
+                                    <p:cond delay="0"/>
+                                  </p:stCondLst>
+                                  <p:childTnLst>
+                                    <p:animEffect transition="out" filter="fade">
+                                      <p:cBhvr>
+                                        <p:cTn id="9" dur="500"/>
+                                        <p:tgtEl>
+                                          <p:spTgt spid="3">
+                                            <p:txEl>
+                                              <p:pRg st="1" end="1"/>
+                                            </p:txEl>
+                                          </p:spTgt>
+                                        </p:tgtEl>
+                                      </p:cBhvr>
+                                    </p:animEffect>
+                                    <p:set>
+                                      <p:cBhvr>
+                                        <p:cTn id="10" dur="1" fill="hold">
+                                          <p:stCondLst>
+                                            <p:cond delay="499"/>
+                                          </p:stCondLst>
+                                        </p:cTn>
+                                        <p:tgtEl>
+                                          <p:spTgt spid="3">
+                                            <p:txEl>
+                                              <p:pRg st="1" end="1"/>
+                                            </p:txEl>
+                                          </p:spTgt>
+                                        </p:tgtEl>
+                                        <p:attrNameLst>
+                                          <p:attrName>style.visibility</p:attrName>
+                                        </p:attrNameLst>
+                                      </p:cBhvr>
+                                      <p:to>
+                                        <p:strVal val="hidden"/>
+                                      </p:to>
+                                    </p:set>
+                                  </p:childTnLst>
+                                </p:cTn>
+                              </p:par>
+                              <p:par>
+                                <p:cTn id="11" presetID="42" presetClass="exit" presetSubtype="0" fill="hold" nodeType="withEffect">
+                                  <p:stCondLst>
+                                    <p:cond delay="0"/>
+                                  </p:stCondLst>
+                                  <p:childTnLst>
+                                    <p:animEffect transition="out" filter="fade">
+                                      <p:cBhvr>
+                                        <p:cTn id="12" dur="1000"/>
+                                        <p:tgtEl>
+                                          <p:spTgt spid="4"/>
+                                        </p:tgtEl>
+                                      </p:cBhvr>
+                                    </p:animEffect>
+                                    <p:anim calcmode="lin" valueType="num">
+                                      <p:cBhvr>
+                                        <p:cTn id="13" dur="1000"/>
+                                        <p:tgtEl>
+                                          <p:spTgt spid="4"/>
+                                        </p:tgtEl>
+                                        <p:attrNameLst>
+                                          <p:attrName>ppt_x</p:attrName>
+                                        </p:attrNameLst>
+                                      </p:cBhvr>
+                                      <p:tavLst>
+                                        <p:tav tm="0">
+                                          <p:val>
+                                            <p:strVal val="ppt_x"/>
+                                          </p:val>
+                                        </p:tav>
+                                        <p:tav tm="100000">
+                                          <p:val>
+                                            <p:strVal val="ppt_x"/>
+                                          </p:val>
+                                        </p:tav>
+                                      </p:tavLst>
+                                    </p:anim>
+                                    <p:anim calcmode="lin" valueType="num">
+                                      <p:cBhvr>
+                                        <p:cTn id="14" dur="1000"/>
+                                        <p:tgtEl>
+                                          <p:spTgt spid="4"/>
+                                        </p:tgtEl>
+                                        <p:attrNameLst>
+                                          <p:attrName>ppt_y</p:attrName>
+                                        </p:attrNameLst>
+                                      </p:cBhvr>
+                                      <p:tavLst>
+                                        <p:tav tm="0">
+                                          <p:val>
+                                            <p:strVal val="ppt_y"/>
+                                          </p:val>
+                                        </p:tav>
+                                        <p:tav tm="100000">
+                                          <p:val>
+                                            <p:strVal val="ppt_y+.1"/>
+                                          </p:val>
+                                        </p:tav>
+                                      </p:tavLst>
+                                    </p:anim>
+                                    <p:set>
+                                      <p:cBhvr>
+                                        <p:cTn id="15" dur="1" fill="hold">
+                                          <p:stCondLst>
+                                            <p:cond delay="999"/>
+                                          </p:stCondLst>
+                                        </p:cTn>
+                                        <p:tgtEl>
+                                          <p:spTgt spid="4"/>
+                                        </p:tgtEl>
+                                        <p:attrNameLst>
+                                          <p:attrName>style.visibility</p:attrName>
+                                        </p:attrNameLst>
+                                      </p:cBhvr>
+                                      <p:to>
+                                        <p:strVal val="hidden"/>
+                                      </p:to>
+                                    </p:set>
+                                  </p:childTnLst>
+                                </p:cTn>
+                              </p:par>
+                              <p:par>
+                                <p:cTn id="16" presetID="42" presetClass="exit" presetSubtype="0" fill="hold" nodeType="withEffect">
+                                  <p:stCondLst>
+                                    <p:cond delay="0"/>
+                                  </p:stCondLst>
+                                  <p:childTnLst>
+                                    <p:animEffect transition="out" filter="fade">
+                                      <p:cBhvr>
+                                        <p:cTn id="17" dur="1000"/>
+                                        <p:tgtEl>
+                                          <p:spTgt spid="5"/>
+                                        </p:tgtEl>
+                                      </p:cBhvr>
+                                    </p:animEffect>
+                                    <p:anim calcmode="lin" valueType="num">
+                                      <p:cBhvr>
+                                        <p:cTn id="18" dur="1000"/>
+                                        <p:tgtEl>
+                                          <p:spTgt spid="5"/>
+                                        </p:tgtEl>
+                                        <p:attrNameLst>
+                                          <p:attrName>ppt_x</p:attrName>
+                                        </p:attrNameLst>
+                                      </p:cBhvr>
+                                      <p:tavLst>
+                                        <p:tav tm="0">
+                                          <p:val>
+                                            <p:strVal val="ppt_x"/>
+                                          </p:val>
+                                        </p:tav>
+                                        <p:tav tm="100000">
+                                          <p:val>
+                                            <p:strVal val="ppt_x"/>
+                                          </p:val>
+                                        </p:tav>
+                                      </p:tavLst>
+                                    </p:anim>
+                                    <p:anim calcmode="lin" valueType="num">
+                                      <p:cBhvr>
+                                        <p:cTn id="19" dur="1000"/>
+                                        <p:tgtEl>
+                                          <p:spTgt spid="5"/>
+                                        </p:tgtEl>
+                                        <p:attrNameLst>
+                                          <p:attrName>ppt_y</p:attrName>
+                                        </p:attrNameLst>
+                                      </p:cBhvr>
+                                      <p:tavLst>
+                                        <p:tav tm="0">
+                                          <p:val>
+                                            <p:strVal val="ppt_y"/>
+                                          </p:val>
+                                        </p:tav>
+                                        <p:tav tm="100000">
+                                          <p:val>
+                                            <p:strVal val="ppt_y+.1"/>
+                                          </p:val>
+                                        </p:tav>
+                                      </p:tavLst>
+                                    </p:anim>
+                                    <p:set>
+                                      <p:cBhvr>
+                                        <p:cTn id="20" dur="1" fill="hold">
+                                          <p:stCondLst>
+                                            <p:cond delay="999"/>
+                                          </p:stCondLst>
+                                        </p:cTn>
+                                        <p:tgtEl>
+                                          <p:spTgt spid="5"/>
+                                        </p:tgtEl>
+                                        <p:attrNameLst>
+                                          <p:attrName>style.visibility</p:attrName>
+                                        </p:attrNameLst>
+                                      </p:cBhvr>
+                                      <p:to>
+                                        <p:strVal val="hidden"/>
+                                      </p:to>
+                                    </p:set>
+                                  </p:childTnLst>
+                                </p:cTn>
+                              </p:par>
+                              <p:par>
+                                <p:cTn id="21" presetID="10" presetClass="exit" presetSubtype="0" fill="hold" grpId="0" nodeType="withEffect">
+                                  <p:stCondLst>
+                                    <p:cond delay="0"/>
+                                  </p:stCondLst>
+                                  <p:childTnLst>
+                                    <p:animEffect transition="out" filter="fade">
+                                      <p:cBhvr>
+                                        <p:cTn id="22" dur="500"/>
+                                        <p:tgtEl>
+                                          <p:spTgt spid="7"/>
+                                        </p:tgtEl>
+                                      </p:cBhvr>
+                                    </p:animEffect>
+                                    <p:set>
+                                      <p:cBhvr>
+                                        <p:cTn id="23" dur="1" fill="hold">
+                                          <p:stCondLst>
+                                            <p:cond delay="499"/>
+                                          </p:stCondLst>
+                                        </p:cTn>
+                                        <p:tgtEl>
+                                          <p:spTgt spid="7"/>
+                                        </p:tgtEl>
+                                        <p:attrNameLst>
+                                          <p:attrName>style.visibility</p:attrName>
+                                        </p:attrNameLst>
+                                      </p:cBhvr>
+                                      <p:to>
+                                        <p:strVal val="hidden"/>
+                                      </p:to>
+                                    </p:set>
+                                  </p:childTnLst>
+                                </p:cTn>
+                              </p:par>
+                              <p:par>
+                                <p:cTn id="24" presetID="10" presetClass="exit" presetSubtype="0" fill="hold" grpId="0" nodeType="withEffect">
+                                  <p:stCondLst>
+                                    <p:cond delay="0"/>
+                                  </p:stCondLst>
+                                  <p:childTnLst>
+                                    <p:animEffect transition="out" filter="fade">
+                                      <p:cBhvr>
+                                        <p:cTn id="25" dur="500"/>
+                                        <p:tgtEl>
+                                          <p:spTgt spid="8"/>
+                                        </p:tgtEl>
+                                      </p:cBhvr>
+                                    </p:animEffect>
+                                    <p:set>
+                                      <p:cBhvr>
+                                        <p:cTn id="26" dur="1" fill="hold">
+                                          <p:stCondLst>
+                                            <p:cond delay="499"/>
+                                          </p:stCondLst>
+                                        </p:cTn>
+                                        <p:tgtEl>
+                                          <p:spTgt spid="8"/>
+                                        </p:tgtEl>
+                                        <p:attrNameLst>
+                                          <p:attrName>style.visibility</p:attrName>
+                                        </p:attrNameLst>
+                                      </p:cBhvr>
+                                      <p:to>
+                                        <p:strVal val="hidden"/>
+                                      </p:to>
+                                    </p:set>
+                                  </p:childTnLst>
+                                </p:cTn>
+                              </p:par>
+                              <p:par>
+                                <p:cTn id="27" presetID="10" presetClass="exit" presetSubtype="0" fill="hold" grpId="0" nodeType="withEffect">
+                                  <p:stCondLst>
+                                    <p:cond delay="0"/>
+                                  </p:stCondLst>
+                                  <p:childTnLst>
+                                    <p:animEffect transition="out" filter="fade">
+                                      <p:cBhvr>
+                                        <p:cTn id="28" dur="500"/>
+                                        <p:tgtEl>
+                                          <p:spTgt spid="10"/>
+                                        </p:tgtEl>
+                                      </p:cBhvr>
+                                    </p:animEffect>
+                                    <p:set>
+                                      <p:cBhvr>
+                                        <p:cTn id="29" dur="1" fill="hold">
+                                          <p:stCondLst>
+                                            <p:cond delay="499"/>
+                                          </p:stCondLst>
+                                        </p:cTn>
+                                        <p:tgtEl>
+                                          <p:spTgt spid="10"/>
+                                        </p:tgtEl>
+                                        <p:attrNameLst>
+                                          <p:attrName>style.visibility</p:attrName>
+                                        </p:attrNameLst>
+                                      </p:cBhvr>
+                                      <p:to>
+                                        <p:strVal val="hidden"/>
+                                      </p:to>
+                                    </p:set>
+                                  </p:childTnLst>
+                                </p:cTn>
+                              </p:par>
+                              <p:par>
+                                <p:cTn id="30" presetID="42" presetClass="exit" presetSubtype="0" fill="hold" nodeType="withEffect">
+                                  <p:stCondLst>
+                                    <p:cond delay="0"/>
+                                  </p:stCondLst>
+                                  <p:childTnLst>
+                                    <p:animEffect transition="out" filter="fade">
+                                      <p:cBhvr>
+                                        <p:cTn id="31" dur="1000"/>
+                                        <p:tgtEl>
+                                          <p:spTgt spid="6"/>
+                                        </p:tgtEl>
+                                      </p:cBhvr>
+                                    </p:animEffect>
+                                    <p:anim calcmode="lin" valueType="num">
+                                      <p:cBhvr>
+                                        <p:cTn id="32" dur="1000"/>
+                                        <p:tgtEl>
+                                          <p:spTgt spid="6"/>
+                                        </p:tgtEl>
+                                        <p:attrNameLst>
+                                          <p:attrName>ppt_x</p:attrName>
+                                        </p:attrNameLst>
+                                      </p:cBhvr>
+                                      <p:tavLst>
+                                        <p:tav tm="0">
+                                          <p:val>
+                                            <p:strVal val="ppt_x"/>
+                                          </p:val>
+                                        </p:tav>
+                                        <p:tav tm="100000">
+                                          <p:val>
+                                            <p:strVal val="ppt_x"/>
+                                          </p:val>
+                                        </p:tav>
+                                      </p:tavLst>
+                                    </p:anim>
+                                    <p:anim calcmode="lin" valueType="num">
+                                      <p:cBhvr>
+                                        <p:cTn id="33" dur="1000"/>
+                                        <p:tgtEl>
+                                          <p:spTgt spid="6"/>
+                                        </p:tgtEl>
+                                        <p:attrNameLst>
+                                          <p:attrName>ppt_y</p:attrName>
+                                        </p:attrNameLst>
+                                      </p:cBhvr>
+                                      <p:tavLst>
+                                        <p:tav tm="0">
+                                          <p:val>
+                                            <p:strVal val="ppt_y"/>
+                                          </p:val>
+                                        </p:tav>
+                                        <p:tav tm="100000">
+                                          <p:val>
+                                            <p:strVal val="ppt_y+.1"/>
+                                          </p:val>
+                                        </p:tav>
+                                      </p:tavLst>
+                                    </p:anim>
+                                    <p:set>
+                                      <p:cBhvr>
+                                        <p:cTn id="34" dur="1" fill="hold">
+                                          <p:stCondLst>
+                                            <p:cond delay="999"/>
+                                          </p:stCondLst>
+                                        </p:cTn>
+                                        <p:tgtEl>
+                                          <p:spTgt spid="6"/>
+                                        </p:tgtEl>
+                                        <p:attrNameLst>
+                                          <p:attrName>style.visibility</p:attrName>
+                                        </p:attrNameLst>
+                                      </p:cBhvr>
+                                      <p:to>
+                                        <p:strVal val="hidden"/>
+                                      </p:to>
+                                    </p:set>
+                                  </p:childTnLst>
+                                </p:cTn>
+                              </p:par>
+                              <p:par>
+                                <p:cTn id="35" presetID="10" presetClass="exit" presetSubtype="0" fill="hold" nodeType="withEffect">
+                                  <p:stCondLst>
+                                    <p:cond delay="0"/>
+                                  </p:stCondLst>
+                                  <p:childTnLst>
+                                    <p:animEffect transition="out" filter="fade">
+                                      <p:cBhvr>
+                                        <p:cTn id="36" dur="500"/>
+                                        <p:tgtEl>
+                                          <p:spTgt spid="42">
+                                            <p:txEl>
+                                              <p:pRg st="0" end="0"/>
+                                            </p:txEl>
+                                          </p:spTgt>
+                                        </p:tgtEl>
+                                      </p:cBhvr>
+                                    </p:animEffect>
+                                    <p:set>
+                                      <p:cBhvr>
+                                        <p:cTn id="37" dur="1" fill="hold">
+                                          <p:stCondLst>
+                                            <p:cond delay="499"/>
+                                          </p:stCondLst>
+                                        </p:cTn>
+                                        <p:tgtEl>
+                                          <p:spTgt spid="42">
+                                            <p:txEl>
+                                              <p:pRg st="0" end="0"/>
+                                            </p:txEl>
+                                          </p:spTgt>
+                                        </p:tgtEl>
+                                        <p:attrNameLst>
+                                          <p:attrName>style.visibility</p:attrName>
+                                        </p:attrNameLst>
+                                      </p:cBhvr>
+                                      <p:to>
+                                        <p:strVal val="hidden"/>
+                                      </p:to>
+                                    </p:set>
+                                  </p:childTnLst>
+                                </p:cTn>
+                              </p:par>
+                              <p:par>
+                                <p:cTn id="38" presetID="10" presetClass="exit" presetSubtype="0" fill="hold" grpId="0" nodeType="withEffect">
+                                  <p:stCondLst>
+                                    <p:cond delay="0"/>
+                                  </p:stCondLst>
+                                  <p:childTnLst>
+                                    <p:animEffect transition="out" filter="fade">
+                                      <p:cBhvr>
+                                        <p:cTn id="39" dur="500"/>
+                                        <p:tgtEl>
+                                          <p:spTgt spid="9"/>
+                                        </p:tgtEl>
+                                      </p:cBhvr>
+                                    </p:animEffect>
+                                    <p:set>
+                                      <p:cBhvr>
+                                        <p:cTn id="40" dur="1" fill="hold">
+                                          <p:stCondLst>
+                                            <p:cond delay="499"/>
+                                          </p:stCondLst>
+                                        </p:cTn>
+                                        <p:tgtEl>
+                                          <p:spTgt spid="9"/>
+                                        </p:tgtEl>
+                                        <p:attrNameLst>
+                                          <p:attrName>style.visibility</p:attrName>
+                                        </p:attrNameLst>
+                                      </p:cBhvr>
+                                      <p:to>
+                                        <p:strVal val="hidden"/>
+                                      </p:to>
+                                    </p:set>
+                                  </p:childTnLst>
+                                </p:cTn>
+                              </p:par>
+                              <p:par>
+                                <p:cTn id="41" presetID="42" presetClass="exit" presetSubtype="0" fill="hold" grpId="0" nodeType="withEffect">
+                                  <p:stCondLst>
+                                    <p:cond delay="0"/>
+                                  </p:stCondLst>
+                                  <p:childTnLst>
+                                    <p:animEffect transition="out" filter="fade">
+                                      <p:cBhvr>
+                                        <p:cTn id="42" dur="1000"/>
+                                        <p:tgtEl>
+                                          <p:spTgt spid="12"/>
+                                        </p:tgtEl>
+                                      </p:cBhvr>
+                                    </p:animEffect>
+                                    <p:anim calcmode="lin" valueType="num">
+                                      <p:cBhvr>
+                                        <p:cTn id="43" dur="1000"/>
+                                        <p:tgtEl>
+                                          <p:spTgt spid="12"/>
+                                        </p:tgtEl>
+                                        <p:attrNameLst>
+                                          <p:attrName>ppt_x</p:attrName>
+                                        </p:attrNameLst>
+                                      </p:cBhvr>
+                                      <p:tavLst>
+                                        <p:tav tm="0">
+                                          <p:val>
+                                            <p:strVal val="ppt_x"/>
+                                          </p:val>
+                                        </p:tav>
+                                        <p:tav tm="100000">
+                                          <p:val>
+                                            <p:strVal val="ppt_x"/>
+                                          </p:val>
+                                        </p:tav>
+                                      </p:tavLst>
+                                    </p:anim>
+                                    <p:anim calcmode="lin" valueType="num">
+                                      <p:cBhvr>
+                                        <p:cTn id="44" dur="1000"/>
+                                        <p:tgtEl>
+                                          <p:spTgt spid="12"/>
+                                        </p:tgtEl>
+                                        <p:attrNameLst>
+                                          <p:attrName>ppt_y</p:attrName>
+                                        </p:attrNameLst>
+                                      </p:cBhvr>
+                                      <p:tavLst>
+                                        <p:tav tm="0">
+                                          <p:val>
+                                            <p:strVal val="ppt_y"/>
+                                          </p:val>
+                                        </p:tav>
+                                        <p:tav tm="100000">
+                                          <p:val>
+                                            <p:strVal val="ppt_y+.1"/>
+                                          </p:val>
+                                        </p:tav>
+                                      </p:tavLst>
+                                    </p:anim>
+                                    <p:set>
+                                      <p:cBhvr>
+                                        <p:cTn id="45" dur="1" fill="hold">
+                                          <p:stCondLst>
+                                            <p:cond delay="999"/>
+                                          </p:stCondLst>
+                                        </p:cTn>
+                                        <p:tgtEl>
+                                          <p:spTgt spid="12"/>
+                                        </p:tgtEl>
+                                        <p:attrNameLst>
+                                          <p:attrName>style.visibility</p:attrName>
+                                        </p:attrNameLst>
+                                      </p:cBhvr>
+                                      <p:to>
+                                        <p:strVal val="hidden"/>
+                                      </p:to>
+                                    </p:set>
+                                  </p:childTnLst>
+                                </p:cTn>
+                              </p:par>
+                              <p:par>
+                                <p:cTn id="46" presetID="10" presetClass="exit" presetSubtype="0" fill="hold" grpId="0" nodeType="withEffect">
+                                  <p:stCondLst>
+                                    <p:cond delay="0"/>
+                                  </p:stCondLst>
+                                  <p:childTnLst>
+                                    <p:animEffect transition="out" filter="fade">
+                                      <p:cBhvr>
+                                        <p:cTn id="47" dur="500"/>
+                                        <p:tgtEl>
+                                          <p:spTgt spid="11"/>
+                                        </p:tgtEl>
+                                      </p:cBhvr>
+                                    </p:animEffect>
+                                    <p:set>
+                                      <p:cBhvr>
+                                        <p:cTn id="48" dur="1" fill="hold">
+                                          <p:stCondLst>
+                                            <p:cond delay="499"/>
+                                          </p:stCondLst>
+                                        </p:cTn>
+                                        <p:tgtEl>
+                                          <p:spTgt spid="11"/>
+                                        </p:tgtEl>
+                                        <p:attrNameLst>
+                                          <p:attrName>style.visibility</p:attrName>
+                                        </p:attrNameLst>
+                                      </p:cBhvr>
+                                      <p:to>
+                                        <p:strVal val="hidden"/>
+                                      </p:to>
+                                    </p:set>
+                                  </p:childTnLst>
+                                </p:cTn>
+                              </p:par>
+                              <p:par>
+                                <p:cTn id="49" presetID="10" presetClass="exit" presetSubtype="0" fill="hold" nodeType="withEffect">
+                                  <p:stCondLst>
+                                    <p:cond delay="0"/>
+                                  </p:stCondLst>
+                                  <p:childTnLst>
+                                    <p:animEffect transition="out" filter="fade">
+                                      <p:cBhvr>
+                                        <p:cTn id="50" dur="500"/>
+                                        <p:tgtEl>
+                                          <p:spTgt spid="40">
+                                            <p:txEl>
+                                              <p:pRg st="0" end="0"/>
+                                            </p:txEl>
+                                          </p:spTgt>
+                                        </p:tgtEl>
+                                      </p:cBhvr>
+                                    </p:animEffect>
+                                    <p:set>
+                                      <p:cBhvr>
+                                        <p:cTn id="51" dur="1" fill="hold">
+                                          <p:stCondLst>
+                                            <p:cond delay="499"/>
+                                          </p:stCondLst>
+                                        </p:cTn>
+                                        <p:tgtEl>
+                                          <p:spTgt spid="40">
+                                            <p:txEl>
+                                              <p:pRg st="0" end="0"/>
+                                            </p:txEl>
+                                          </p:spTgt>
+                                        </p:tgtEl>
+                                        <p:attrNameLst>
+                                          <p:attrName>style.visibility</p:attrName>
+                                        </p:attrNameLst>
+                                      </p:cBhvr>
+                                      <p:to>
+                                        <p:strVal val="hidden"/>
+                                      </p:to>
+                                    </p:set>
+                                  </p:childTnLst>
+                                </p:cTn>
+                              </p:par>
+                              <p:par>
+                                <p:cTn id="52" presetID="10" presetClass="exit" presetSubtype="0" fill="hold" nodeType="withEffect">
+                                  <p:stCondLst>
+                                    <p:cond delay="0"/>
+                                  </p:stCondLst>
+                                  <p:childTnLst>
+                                    <p:animEffect transition="out" filter="fade">
+                                      <p:cBhvr>
+                                        <p:cTn id="53" dur="500"/>
+                                        <p:tgtEl>
+                                          <p:spTgt spid="39">
+                                            <p:txEl>
+                                              <p:pRg st="0" end="0"/>
+                                            </p:txEl>
+                                          </p:spTgt>
+                                        </p:tgtEl>
+                                      </p:cBhvr>
+                                    </p:animEffect>
+                                    <p:set>
+                                      <p:cBhvr>
+                                        <p:cTn id="54" dur="1" fill="hold">
+                                          <p:stCondLst>
+                                            <p:cond delay="499"/>
+                                          </p:stCondLst>
+                                        </p:cTn>
+                                        <p:tgtEl>
+                                          <p:spTgt spid="39">
+                                            <p:txEl>
+                                              <p:pRg st="0" end="0"/>
+                                            </p:txEl>
+                                          </p:spTgt>
+                                        </p:tgtEl>
+                                        <p:attrNameLst>
+                                          <p:attrName>style.visibility</p:attrName>
+                                        </p:attrNameLst>
+                                      </p:cBhvr>
+                                      <p:to>
+                                        <p:strVal val="hidden"/>
+                                      </p:to>
+                                    </p:set>
+                                  </p:childTnLst>
+                                </p:cTn>
+                              </p:par>
+                            </p:childTnLst>
+                          </p:cTn>
+                        </p:par>
+                      </p:childTnLst>
+                    </p:cTn>
+                  </p:par>
+                  <p:par>
+                    <p:cTn id="55" fill="hold">
+                      <p:stCondLst>
+                        <p:cond delay="indefinite"/>
+                      </p:stCondLst>
+                      <p:childTnLst>
+                        <p:par>
+                          <p:cTn id="56" fill="hold">
+                            <p:stCondLst>
+                              <p:cond delay="0"/>
+                            </p:stCondLst>
+                            <p:childTnLst>
+                              <p:par>
+                                <p:cTn id="57" presetID="10" presetClass="entr" presetSubtype="0" fill="hold" nodeType="clickEffect">
+                                  <p:stCondLst>
+                                    <p:cond delay="0"/>
+                                  </p:stCondLst>
+                                  <p:childTnLst>
+                                    <p:set>
+                                      <p:cBhvr>
+                                        <p:cTn id="58" dur="1" fill="hold">
+                                          <p:stCondLst>
+                                            <p:cond delay="0"/>
+                                          </p:stCondLst>
+                                        </p:cTn>
+                                        <p:tgtEl>
+                                          <p:spTgt spid="38">
+                                            <p:txEl>
+                                              <p:pRg st="0" end="0"/>
+                                            </p:txEl>
+                                          </p:spTgt>
+                                        </p:tgtEl>
+                                        <p:attrNameLst>
+                                          <p:attrName>style.visibility</p:attrName>
+                                        </p:attrNameLst>
+                                      </p:cBhvr>
+                                      <p:to>
+                                        <p:strVal val="visible"/>
+                                      </p:to>
+                                    </p:set>
+                                    <p:animEffect transition="in" filter="fade">
+                                      <p:cBhvr>
+                                        <p:cTn id="59" dur="500"/>
+                                        <p:tgtEl>
+                                          <p:spTgt spid="38">
+                                            <p:txEl>
+                                              <p:pRg st="0" end="0"/>
+                                            </p:txEl>
+                                          </p:spTgt>
+                                        </p:tgtEl>
+                                      </p:cBhvr>
+                                    </p:animEffect>
+                                  </p:childTnLst>
+                                </p:cTn>
+                              </p:par>
+                            </p:childTnLst>
+                          </p:cTn>
+                        </p:par>
+                      </p:childTnLst>
+                    </p:cTn>
+                  </p:par>
+                  <p:par>
+                    <p:cTn id="60" fill="hold">
+                      <p:stCondLst>
+                        <p:cond delay="indefinite"/>
+                      </p:stCondLst>
+                      <p:childTnLst>
+                        <p:par>
+                          <p:cTn id="61" fill="hold">
+                            <p:stCondLst>
+                              <p:cond delay="0"/>
+                            </p:stCondLst>
+                            <p:childTnLst>
+                              <p:par>
+                                <p:cTn id="62" presetID="10" presetClass="entr" presetSubtype="0" fill="hold" nodeType="clickEffect">
+                                  <p:stCondLst>
+                                    <p:cond delay="0"/>
+                                  </p:stCondLst>
+                                  <p:childTnLst>
+                                    <p:set>
+                                      <p:cBhvr>
+                                        <p:cTn id="63" dur="1" fill="hold">
+                                          <p:stCondLst>
+                                            <p:cond delay="0"/>
+                                          </p:stCondLst>
+                                        </p:cTn>
+                                        <p:tgtEl>
+                                          <p:spTgt spid="13"/>
+                                        </p:tgtEl>
+                                        <p:attrNameLst>
+                                          <p:attrName>style.visibility</p:attrName>
+                                        </p:attrNameLst>
+                                      </p:cBhvr>
+                                      <p:to>
+                                        <p:strVal val="visible"/>
+                                      </p:to>
+                                    </p:set>
+                                    <p:animEffect transition="in" filter="fade">
+                                      <p:cBhvr>
+                                        <p:cTn id="64" dur="500"/>
+                                        <p:tgtEl>
+                                          <p:spTgt spid="13"/>
+                                        </p:tgtEl>
+                                      </p:cBhvr>
+                                    </p:animEffect>
+                                  </p:childTnLst>
+                                </p:cTn>
+                              </p:par>
+                            </p:childTnLst>
+                          </p:cTn>
+                        </p:par>
+                      </p:childTnLst>
+                    </p:cTn>
+                  </p:par>
+                  <p:par>
+                    <p:cTn id="65" fill="hold">
+                      <p:stCondLst>
+                        <p:cond delay="indefinite"/>
+                      </p:stCondLst>
+                      <p:childTnLst>
+                        <p:par>
+                          <p:cTn id="66" fill="hold">
+                            <p:stCondLst>
+                              <p:cond delay="0"/>
+                            </p:stCondLst>
+                            <p:childTnLst>
+                              <p:par>
+                                <p:cTn id="67" presetID="10" presetClass="entr" presetSubtype="0" fill="hold" nodeType="clickEffect">
+                                  <p:stCondLst>
+                                    <p:cond delay="0"/>
+                                  </p:stCondLst>
+                                  <p:childTnLst>
+                                    <p:set>
+                                      <p:cBhvr>
+                                        <p:cTn id="68" dur="1" fill="hold">
+                                          <p:stCondLst>
+                                            <p:cond delay="0"/>
+                                          </p:stCondLst>
+                                        </p:cTn>
+                                        <p:tgtEl>
+                                          <p:spTgt spid="43">
+                                            <p:txEl>
+                                              <p:pRg st="0" end="0"/>
+                                            </p:txEl>
+                                          </p:spTgt>
+                                        </p:tgtEl>
+                                        <p:attrNameLst>
+                                          <p:attrName>style.visibility</p:attrName>
+                                        </p:attrNameLst>
+                                      </p:cBhvr>
+                                      <p:to>
+                                        <p:strVal val="visible"/>
+                                      </p:to>
+                                    </p:set>
+                                    <p:animEffect transition="in" filter="fade">
+                                      <p:cBhvr>
+                                        <p:cTn id="69" dur="500"/>
+                                        <p:tgtEl>
+                                          <p:spTgt spid="43">
+                                            <p:txEl>
+                                              <p:pRg st="0" end="0"/>
+                                            </p:txEl>
+                                          </p:spTgt>
+                                        </p:tgtEl>
+                                      </p:cBhvr>
+                                    </p:animEffect>
+                                  </p:childTnLst>
+                                </p:cTn>
+                              </p:par>
+                            </p:childTnLst>
+                          </p:cTn>
+                        </p:par>
+                      </p:childTnLst>
+                    </p:cTn>
+                  </p:par>
+                  <p:par>
+                    <p:cTn id="70" fill="hold">
+                      <p:stCondLst>
+                        <p:cond delay="indefinite"/>
+                      </p:stCondLst>
+                      <p:childTnLst>
+                        <p:par>
+                          <p:cTn id="71" fill="hold">
+                            <p:stCondLst>
+                              <p:cond delay="0"/>
+                            </p:stCondLst>
+                            <p:childTnLst>
+                              <p:par>
+                                <p:cTn id="72" presetID="10" presetClass="entr" presetSubtype="0" fill="hold" nodeType="clickEffect">
+                                  <p:stCondLst>
+                                    <p:cond delay="0"/>
+                                  </p:stCondLst>
+                                  <p:childTnLst>
+                                    <p:set>
+                                      <p:cBhvr>
+                                        <p:cTn id="73" dur="1" fill="hold">
+                                          <p:stCondLst>
+                                            <p:cond delay="0"/>
+                                          </p:stCondLst>
+                                        </p:cTn>
+                                        <p:tgtEl>
+                                          <p:spTgt spid="14"/>
+                                        </p:tgtEl>
+                                        <p:attrNameLst>
+                                          <p:attrName>style.visibility</p:attrName>
+                                        </p:attrNameLst>
+                                      </p:cBhvr>
+                                      <p:to>
+                                        <p:strVal val="visible"/>
+                                      </p:to>
+                                    </p:set>
+                                    <p:animEffect transition="in" filter="fade">
+                                      <p:cBhvr>
+                                        <p:cTn id="74" dur="500"/>
+                                        <p:tgtEl>
+                                          <p:spTgt spid="14"/>
+                                        </p:tgtEl>
+                                      </p:cBhvr>
+                                    </p:animEffect>
+                                  </p:childTnLst>
+                                </p:cTn>
+                              </p:par>
+                            </p:childTnLst>
+                          </p:cTn>
+                        </p:par>
+                      </p:childTnLst>
+                    </p:cTn>
+                  </p:par>
+                  <p:par>
+                    <p:cTn id="75" fill="hold">
+                      <p:stCondLst>
+                        <p:cond delay="indefinite"/>
+                      </p:stCondLst>
+                      <p:childTnLst>
+                        <p:par>
+                          <p:cTn id="76" fill="hold">
+                            <p:stCondLst>
+                              <p:cond delay="0"/>
+                            </p:stCondLst>
+                            <p:childTnLst>
+                              <p:par>
+                                <p:cTn id="77" presetID="10" presetClass="entr" presetSubtype="0" fill="hold" grpId="0" nodeType="clickEffect">
+                                  <p:stCondLst>
+                                    <p:cond delay="0"/>
+                                  </p:stCondLst>
+                                  <p:childTnLst>
+                                    <p:set>
+                                      <p:cBhvr>
+                                        <p:cTn id="78" dur="1" fill="hold">
+                                          <p:stCondLst>
+                                            <p:cond delay="0"/>
+                                          </p:stCondLst>
+                                        </p:cTn>
+                                        <p:tgtEl>
+                                          <p:spTgt spid="41"/>
+                                        </p:tgtEl>
+                                        <p:attrNameLst>
+                                          <p:attrName>style.visibility</p:attrName>
+                                        </p:attrNameLst>
+                                      </p:cBhvr>
+                                      <p:to>
+                                        <p:strVal val="visible"/>
+                                      </p:to>
+                                    </p:set>
+                                    <p:animEffect transition="in" filter="fade">
+                                      <p:cBhvr>
+                                        <p:cTn id="79" dur="500"/>
+                                        <p:tgtEl>
+                                          <p:spTgt spid="41"/>
+                                        </p:tgtEl>
+                                      </p:cBhvr>
+                                    </p:animEffect>
+                                  </p:childTnLst>
+                                </p:cTn>
+                              </p:par>
+                            </p:childTnLst>
+                          </p:cTn>
+                        </p:par>
+                      </p:childTnLst>
+                    </p:cTn>
+                  </p:par>
+                  <p:par>
+                    <p:cTn id="80" fill="hold">
+                      <p:stCondLst>
+                        <p:cond delay="indefinite"/>
+                      </p:stCondLst>
+                      <p:childTnLst>
+                        <p:par>
+                          <p:cTn id="81" fill="hold">
+                            <p:stCondLst>
+                              <p:cond delay="0"/>
+                            </p:stCondLst>
+                            <p:childTnLst>
+                              <p:par>
+                                <p:cTn id="82" presetID="10" presetClass="entr" presetSubtype="0" fill="hold" grpId="0" nodeType="clickEffect">
+                                  <p:stCondLst>
+                                    <p:cond delay="0"/>
+                                  </p:stCondLst>
+                                  <p:childTnLst>
+                                    <p:set>
+                                      <p:cBhvr>
+                                        <p:cTn id="83" dur="1" fill="hold">
+                                          <p:stCondLst>
+                                            <p:cond delay="0"/>
+                                          </p:stCondLst>
+                                        </p:cTn>
+                                        <p:tgtEl>
+                                          <p:spTgt spid="15"/>
+                                        </p:tgtEl>
+                                        <p:attrNameLst>
+                                          <p:attrName>style.visibility</p:attrName>
+                                        </p:attrNameLst>
+                                      </p:cBhvr>
+                                      <p:to>
+                                        <p:strVal val="visible"/>
+                                      </p:to>
+                                    </p:set>
+                                    <p:animEffect transition="in" filter="fade">
+                                      <p:cBhvr>
+                                        <p:cTn id="84" dur="500"/>
+                                        <p:tgtEl>
+                                          <p:spTgt spid="15"/>
+                                        </p:tgtEl>
+                                      </p:cBhvr>
+                                    </p:animEffect>
+                                  </p:childTnLst>
+                                </p:cTn>
+                              </p:par>
+                            </p:childTnLst>
+                          </p:cTn>
+                        </p:par>
+                      </p:childTnLst>
+                    </p:cTn>
+                  </p:par>
+                  <p:par>
+                    <p:cTn id="85" fill="hold">
+                      <p:stCondLst>
+                        <p:cond delay="indefinite"/>
+                      </p:stCondLst>
+                      <p:childTnLst>
+                        <p:par>
+                          <p:cTn id="86" fill="hold">
+                            <p:stCondLst>
+                              <p:cond delay="0"/>
+                            </p:stCondLst>
+                            <p:childTnLst>
+                              <p:par>
+                                <p:cTn id="87" presetID="10" presetClass="entr" presetSubtype="0" fill="hold" nodeType="clickEffect">
+                                  <p:stCondLst>
+                                    <p:cond delay="0"/>
+                                  </p:stCondLst>
+                                  <p:childTnLst>
+                                    <p:set>
+                                      <p:cBhvr>
+                                        <p:cTn id="88" dur="1" fill="hold">
+                                          <p:stCondLst>
+                                            <p:cond delay="0"/>
+                                          </p:stCondLst>
+                                        </p:cTn>
+                                        <p:tgtEl>
+                                          <p:spTgt spid="16"/>
+                                        </p:tgtEl>
+                                        <p:attrNameLst>
+                                          <p:attrName>style.visibility</p:attrName>
+                                        </p:attrNameLst>
+                                      </p:cBhvr>
+                                      <p:to>
+                                        <p:strVal val="visible"/>
+                                      </p:to>
+                                    </p:set>
+                                    <p:animEffect transition="in" filter="fade">
+                                      <p:cBhvr>
+                                        <p:cTn id="89" dur="500"/>
+                                        <p:tgtEl>
+                                          <p:spTgt spid="16"/>
+                                        </p:tgtEl>
+                                      </p:cBhvr>
+                                    </p:animEffect>
+                                  </p:childTnLst>
+                                </p:cTn>
+                              </p:par>
+                            </p:childTnLst>
+                          </p:cTn>
+                        </p:par>
+                      </p:childTnLst>
+                    </p:cTn>
+                  </p:par>
+                  <p:par>
+                    <p:cTn id="90" fill="hold">
+                      <p:stCondLst>
+                        <p:cond delay="indefinite"/>
+                      </p:stCondLst>
+                      <p:childTnLst>
+                        <p:par>
+                          <p:cTn id="91" fill="hold">
+                            <p:stCondLst>
+                              <p:cond delay="0"/>
+                            </p:stCondLst>
+                            <p:childTnLst>
+                              <p:par>
+                                <p:cTn id="92" presetID="10" presetClass="entr" presetSubtype="0" fill="hold" nodeType="clickEffect">
+                                  <p:stCondLst>
+                                    <p:cond delay="0"/>
+                                  </p:stCondLst>
+                                  <p:childTnLst>
+                                    <p:set>
+                                      <p:cBhvr>
+                                        <p:cTn id="93" dur="1" fill="hold">
+                                          <p:stCondLst>
+                                            <p:cond delay="0"/>
+                                          </p:stCondLst>
+                                        </p:cTn>
+                                        <p:tgtEl>
+                                          <p:spTgt spid="18">
+                                            <p:txEl>
+                                              <p:pRg st="0" end="0"/>
+                                            </p:txEl>
+                                          </p:spTgt>
+                                        </p:tgtEl>
+                                        <p:attrNameLst>
+                                          <p:attrName>style.visibility</p:attrName>
+                                        </p:attrNameLst>
+                                      </p:cBhvr>
+                                      <p:to>
+                                        <p:strVal val="visible"/>
+                                      </p:to>
+                                    </p:set>
+                                    <p:animEffect transition="in" filter="fade">
+                                      <p:cBhvr>
+                                        <p:cTn id="94" dur="500"/>
+                                        <p:tgtEl>
+                                          <p:spTgt spid="18">
+                                            <p:txEl>
+                                              <p:pRg st="0" end="0"/>
+                                            </p:txEl>
+                                          </p:spTgt>
+                                        </p:tgtEl>
+                                      </p:cBhvr>
+                                    </p:animEffect>
+                                  </p:childTnLst>
+                                </p:cTn>
+                              </p:par>
+                            </p:childTnLst>
+                          </p:cTn>
+                        </p:par>
+                      </p:childTnLst>
+                    </p:cTn>
+                  </p:par>
+                  <p:par>
+                    <p:cTn id="95" fill="hold">
+                      <p:stCondLst>
+                        <p:cond delay="indefinite"/>
+                      </p:stCondLst>
+                      <p:childTnLst>
+                        <p:par>
+                          <p:cTn id="96" fill="hold">
+                            <p:stCondLst>
+                              <p:cond delay="0"/>
+                            </p:stCondLst>
+                            <p:childTnLst>
+                              <p:par>
+                                <p:cTn id="97" presetID="10" presetClass="entr" presetSubtype="0" fill="hold" nodeType="clickEffect">
+                                  <p:stCondLst>
+                                    <p:cond delay="0"/>
+                                  </p:stCondLst>
+                                  <p:childTnLst>
+                                    <p:set>
+                                      <p:cBhvr>
+                                        <p:cTn id="98" dur="1" fill="hold">
+                                          <p:stCondLst>
+                                            <p:cond delay="0"/>
+                                          </p:stCondLst>
+                                        </p:cTn>
+                                        <p:tgtEl>
+                                          <p:spTgt spid="17">
+                                            <p:txEl>
+                                              <p:pRg st="0" end="0"/>
+                                            </p:txEl>
+                                          </p:spTgt>
+                                        </p:tgtEl>
+                                        <p:attrNameLst>
+                                          <p:attrName>style.visibility</p:attrName>
+                                        </p:attrNameLst>
+                                      </p:cBhvr>
+                                      <p:to>
+                                        <p:strVal val="visible"/>
+                                      </p:to>
+                                    </p:set>
+                                    <p:animEffect transition="in" filter="fade">
+                                      <p:cBhvr>
+                                        <p:cTn id="99" dur="500"/>
+                                        <p:tgtEl>
+                                          <p:spTgt spid="17">
+                                            <p:txEl>
+                                              <p:pRg st="0" end="0"/>
+                                            </p:txEl>
+                                          </p:spTgt>
+                                        </p:tgtEl>
+                                      </p:cBhvr>
+                                    </p:animEffect>
+                                  </p:childTnLst>
+                                </p:cTn>
+                              </p:par>
+                            </p:childTnLst>
+                          </p:cTn>
+                        </p:par>
+                      </p:childTnLst>
+                    </p:cTn>
+                  </p:par>
+                  <p:par>
+                    <p:cTn id="100" fill="hold">
+                      <p:stCondLst>
+                        <p:cond delay="indefinite"/>
+                      </p:stCondLst>
+                      <p:childTnLst>
+                        <p:par>
+                          <p:cTn id="101" fill="hold">
+                            <p:stCondLst>
+                              <p:cond delay="0"/>
+                            </p:stCondLst>
+                            <p:childTnLst>
+                              <p:par>
+                                <p:cTn id="102" presetID="10" presetClass="entr" presetSubtype="0" fill="hold" grpId="0" nodeType="clickEffect">
+                                  <p:stCondLst>
+                                    <p:cond delay="0"/>
+                                  </p:stCondLst>
+                                  <p:childTnLst>
+                                    <p:set>
+                                      <p:cBhvr>
+                                        <p:cTn id="103" dur="1" fill="hold">
+                                          <p:stCondLst>
+                                            <p:cond delay="0"/>
+                                          </p:stCondLst>
+                                        </p:cTn>
+                                        <p:tgtEl>
+                                          <p:spTgt spid="23"/>
+                                        </p:tgtEl>
+                                        <p:attrNameLst>
+                                          <p:attrName>style.visibility</p:attrName>
+                                        </p:attrNameLst>
+                                      </p:cBhvr>
+                                      <p:to>
+                                        <p:strVal val="visible"/>
+                                      </p:to>
+                                    </p:set>
+                                    <p:animEffect transition="in" filter="fade">
+                                      <p:cBhvr>
+                                        <p:cTn id="104" dur="500"/>
+                                        <p:tgtEl>
+                                          <p:spTgt spid="23"/>
+                                        </p:tgtEl>
+                                      </p:cBhvr>
+                                    </p:animEffect>
+                                  </p:childTnLst>
+                                </p:cTn>
+                              </p:par>
+                            </p:childTnLst>
+                          </p:cTn>
+                        </p:par>
+                      </p:childTnLst>
+                    </p:cTn>
+                  </p:par>
+                  <p:par>
+                    <p:cTn id="105" fill="hold">
+                      <p:stCondLst>
+                        <p:cond delay="indefinite"/>
+                      </p:stCondLst>
+                      <p:childTnLst>
+                        <p:par>
+                          <p:cTn id="106" fill="hold">
+                            <p:stCondLst>
+                              <p:cond delay="0"/>
+                            </p:stCondLst>
+                            <p:childTnLst>
+                              <p:par>
+                                <p:cTn id="107" presetID="10" presetClass="entr" presetSubtype="0" fill="hold" grpId="0" nodeType="clickEffect">
+                                  <p:stCondLst>
+                                    <p:cond delay="0"/>
+                                  </p:stCondLst>
+                                  <p:childTnLst>
+                                    <p:set>
+                                      <p:cBhvr>
+                                        <p:cTn id="108" dur="1" fill="hold">
+                                          <p:stCondLst>
+                                            <p:cond delay="0"/>
+                                          </p:stCondLst>
+                                        </p:cTn>
+                                        <p:tgtEl>
+                                          <p:spTgt spid="35"/>
+                                        </p:tgtEl>
+                                        <p:attrNameLst>
+                                          <p:attrName>style.visibility</p:attrName>
+                                        </p:attrNameLst>
+                                      </p:cBhvr>
+                                      <p:to>
+                                        <p:strVal val="visible"/>
+                                      </p:to>
+                                    </p:set>
+                                    <p:animEffect transition="in" filter="fade">
+                                      <p:cBhvr>
+                                        <p:cTn id="109" dur="500"/>
+                                        <p:tgtEl>
+                                          <p:spTgt spid="35"/>
+                                        </p:tgtEl>
+                                      </p:cBhvr>
+                                    </p:animEffect>
+                                  </p:childTnLst>
+                                </p:cTn>
+                              </p:par>
+                            </p:childTnLst>
+                          </p:cTn>
+                        </p:par>
+                      </p:childTnLst>
+                    </p:cTn>
+                  </p:par>
+                  <p:par>
+                    <p:cTn id="110" fill="hold">
+                      <p:stCondLst>
+                        <p:cond delay="indefinite"/>
+                      </p:stCondLst>
+                      <p:childTnLst>
+                        <p:par>
+                          <p:cTn id="111" fill="hold">
+                            <p:stCondLst>
+                              <p:cond delay="0"/>
+                            </p:stCondLst>
+                            <p:childTnLst>
+                              <p:par>
+                                <p:cTn id="112" presetID="10" presetClass="entr" presetSubtype="0" fill="hold" nodeType="clickEffect">
+                                  <p:stCondLst>
+                                    <p:cond delay="0"/>
+                                  </p:stCondLst>
+                                  <p:childTnLst>
+                                    <p:set>
+                                      <p:cBhvr>
+                                        <p:cTn id="113" dur="1" fill="hold">
+                                          <p:stCondLst>
+                                            <p:cond delay="0"/>
+                                          </p:stCondLst>
+                                        </p:cTn>
+                                        <p:tgtEl>
+                                          <p:spTgt spid="21">
+                                            <p:txEl>
+                                              <p:pRg st="0" end="0"/>
+                                            </p:txEl>
+                                          </p:spTgt>
+                                        </p:tgtEl>
+                                        <p:attrNameLst>
+                                          <p:attrName>style.visibility</p:attrName>
+                                        </p:attrNameLst>
+                                      </p:cBhvr>
+                                      <p:to>
+                                        <p:strVal val="visible"/>
+                                      </p:to>
+                                    </p:set>
+                                    <p:animEffect transition="in" filter="fade">
+                                      <p:cBhvr>
+                                        <p:cTn id="114" dur="500"/>
+                                        <p:tgtEl>
+                                          <p:spTgt spid="21">
+                                            <p:txEl>
+                                              <p:pRg st="0" end="0"/>
+                                            </p:txEl>
+                                          </p:spTgt>
+                                        </p:tgtEl>
+                                      </p:cBhvr>
+                                    </p:animEffect>
+                                  </p:childTnLst>
+                                </p:cTn>
+                              </p:par>
+                            </p:childTnLst>
+                          </p:cTn>
+                        </p:par>
+                      </p:childTnLst>
+                    </p:cTn>
+                  </p:par>
+                  <p:par>
+                    <p:cTn id="115" fill="hold">
+                      <p:stCondLst>
+                        <p:cond delay="indefinite"/>
+                      </p:stCondLst>
+                      <p:childTnLst>
+                        <p:par>
+                          <p:cTn id="116" fill="hold">
+                            <p:stCondLst>
+                              <p:cond delay="0"/>
+                            </p:stCondLst>
+                            <p:childTnLst>
+                              <p:par>
+                                <p:cTn id="117" presetID="10" presetClass="entr" presetSubtype="0" fill="hold" grpId="0" nodeType="clickEffect">
+                                  <p:stCondLst>
+                                    <p:cond delay="0"/>
+                                  </p:stCondLst>
+                                  <p:childTnLst>
+                                    <p:set>
+                                      <p:cBhvr>
+                                        <p:cTn id="118" dur="1" fill="hold">
+                                          <p:stCondLst>
+                                            <p:cond delay="0"/>
+                                          </p:stCondLst>
+                                        </p:cTn>
+                                        <p:tgtEl>
+                                          <p:spTgt spid="36"/>
+                                        </p:tgtEl>
+                                        <p:attrNameLst>
+                                          <p:attrName>style.visibility</p:attrName>
+                                        </p:attrNameLst>
+                                      </p:cBhvr>
+                                      <p:to>
+                                        <p:strVal val="visible"/>
+                                      </p:to>
+                                    </p:set>
+                                    <p:animEffect transition="in" filter="fade">
+                                      <p:cBhvr>
+                                        <p:cTn id="119" dur="500"/>
+                                        <p:tgtEl>
+                                          <p:spTgt spid="36"/>
+                                        </p:tgtEl>
+                                      </p:cBhvr>
+                                    </p:animEffect>
+                                  </p:childTnLst>
+                                </p:cTn>
+                              </p:par>
+                            </p:childTnLst>
+                          </p:cTn>
+                        </p:par>
+                      </p:childTnLst>
+                    </p:cTn>
+                  </p:par>
+                  <p:par>
+                    <p:cTn id="120" fill="hold">
+                      <p:stCondLst>
+                        <p:cond delay="indefinite"/>
+                      </p:stCondLst>
+                      <p:childTnLst>
+                        <p:par>
+                          <p:cTn id="121" fill="hold">
+                            <p:stCondLst>
+                              <p:cond delay="0"/>
+                            </p:stCondLst>
+                            <p:childTnLst>
+                              <p:par>
+                                <p:cTn id="122" presetID="10" presetClass="entr" presetSubtype="0" fill="hold" grpId="0" nodeType="clickEffect">
+                                  <p:stCondLst>
+                                    <p:cond delay="0"/>
+                                  </p:stCondLst>
+                                  <p:childTnLst>
+                                    <p:set>
+                                      <p:cBhvr>
+                                        <p:cTn id="123" dur="1" fill="hold">
+                                          <p:stCondLst>
+                                            <p:cond delay="0"/>
+                                          </p:stCondLst>
+                                        </p:cTn>
+                                        <p:tgtEl>
+                                          <p:spTgt spid="34"/>
+                                        </p:tgtEl>
+                                        <p:attrNameLst>
+                                          <p:attrName>style.visibility</p:attrName>
+                                        </p:attrNameLst>
+                                      </p:cBhvr>
+                                      <p:to>
+                                        <p:strVal val="visible"/>
+                                      </p:to>
+                                    </p:set>
+                                    <p:animEffect transition="in" filter="fade">
+                                      <p:cBhvr>
+                                        <p:cTn id="124" dur="500"/>
+                                        <p:tgtEl>
+                                          <p:spTgt spid="34"/>
+                                        </p:tgtEl>
+                                      </p:cBhvr>
+                                    </p:animEffect>
+                                  </p:childTnLst>
+                                </p:cTn>
+                              </p:par>
+                            </p:childTnLst>
+                          </p:cTn>
+                        </p:par>
+                      </p:childTnLst>
+                    </p:cTn>
+                  </p:par>
+                  <p:par>
+                    <p:cTn id="125" fill="hold">
+                      <p:stCondLst>
+                        <p:cond delay="indefinite"/>
+                      </p:stCondLst>
+                      <p:childTnLst>
+                        <p:par>
+                          <p:cTn id="126" fill="hold">
+                            <p:stCondLst>
+                              <p:cond delay="0"/>
+                            </p:stCondLst>
+                            <p:childTnLst>
+                              <p:par>
+                                <p:cTn id="127" presetID="10" presetClass="entr" presetSubtype="0" fill="hold" nodeType="clickEffect">
+                                  <p:stCondLst>
+                                    <p:cond delay="0"/>
+                                  </p:stCondLst>
+                                  <p:childTnLst>
+                                    <p:set>
+                                      <p:cBhvr>
+                                        <p:cTn id="128" dur="1" fill="hold">
+                                          <p:stCondLst>
+                                            <p:cond delay="0"/>
+                                          </p:stCondLst>
+                                        </p:cTn>
+                                        <p:tgtEl>
+                                          <p:spTgt spid="37">
+                                            <p:txEl>
+                                              <p:pRg st="0" end="0"/>
+                                            </p:txEl>
+                                          </p:spTgt>
+                                        </p:tgtEl>
+                                        <p:attrNameLst>
+                                          <p:attrName>style.visibility</p:attrName>
+                                        </p:attrNameLst>
+                                      </p:cBhvr>
+                                      <p:to>
+                                        <p:strVal val="visible"/>
+                                      </p:to>
+                                    </p:set>
+                                    <p:animEffect transition="in" filter="fade">
+                                      <p:cBhvr>
+                                        <p:cTn id="129" dur="500"/>
+                                        <p:tgtEl>
+                                          <p:spTgt spid="37">
+                                            <p:txEl>
+                                              <p:pRg st="0" end="0"/>
+                                            </p:txEl>
+                                          </p:spTgt>
+                                        </p:tgtEl>
+                                      </p:cBhvr>
+                                    </p:animEffect>
+                                  </p:childTnLst>
+                                </p:cTn>
+                              </p:par>
+                            </p:childTnLst>
+                          </p:cTn>
+                        </p:par>
+                      </p:childTnLst>
+                    </p:cTn>
+                  </p:par>
+                </p:childTnLst>
+              </p:cTn>
+              <p:prevCondLst>
+                <p:cond evt="onPrev" delay="0">
+                  <p:tgtEl>
+                    <p:sldTgt/>
+                  </p:tgtEl>
+                </p:cond>
+              </p:prevCondLst>
+              <p:nextCondLst>
+                <p:cond evt="onNext" delay="0">
+                  <p:tgtEl>
+                    <p:sldTgt/>
+                  </p:tgtEl>
+                </p:cond>
+              </p:nextCondLst>
+            </p:seq>
+          </p:childTnLst>
+        </p:cTn>
+      </p:par>
+    </p:tnLst>
+    <p:bldLst>
+      <p:bldP spid="7" grpId="0" animBg="1"/>
+      <p:bldP spid="8" grpId="0" animBg="1"/>
+      <p:bldP spid="9" grpId="0" animBg="1"/>
+      <p:bldP spid="10" grpId="0" animBg="1"/>
+      <p:bldP spid="11" grpId="0"/>
+      <p:bldP spid="12" grpId="0"/>
+      <p:bldP spid="15" grpId="0" animBg="1"/>
+      <p:bldP spid="23" grpId="0"/>
+      <p:bldP spid="34" grpId="0" animBg="1"/>
+      <p:bldP spid="35" grpId="0" animBg="1"/>
+      <p:bldP spid="36" grpId="0" animBg="1"/>
+      <p:bldP spid="41" grpId="0"/>
+    </p:bldLst>
+  </p:timing>
+</p:sld>
+</file>
+
+<file path=ppt/slides/slide17.xml><?xml version="1.0" encoding="utf-8"?>
+<p:sld xmlns:a="http://schemas.openxmlformats.org/drawingml/2006/main" xmlns:r="http://schemas.openxmlformats.org/officeDocument/2006/relationships" xmlns:p="http://schemas.openxmlformats.org/presentationml/2006/main">
+  <p:cSld>
+    <p:spTree>
+      <p:nvGrpSpPr>
+        <p:cNvPr id="1" name=""/>
+        <p:cNvGrpSpPr/>
+        <p:nvPr/>
+      </p:nvGrpSpPr>
+      <p:grpSpPr>
+        <a:xfrm>
+          <a:off x="0" y="0"/>
+          <a:ext cx="0" cy="0"/>
+          <a:chOff x="0" y="0"/>
+          <a:chExt cx="0" cy="0"/>
+        </a:xfrm>
+      </p:grpSpPr>
+      <p:sp>
+        <p:nvSpPr>
+          <p:cNvPr id="2" name="Title 1"/>
+          <p:cNvSpPr>
+            <a:spLocks noGrp="1"/>
+          </p:cNvSpPr>
+          <p:nvPr>
+            <p:ph type="title"/>
+          </p:nvPr>
+        </p:nvSpPr>
+        <p:spPr/>
+        <p:txBody>
+          <a:bodyPr/>
+          <a:lstStyle/>
+          <a:p>
+            <a:r>
+              <a:rPr lang="en-IN" b="1" dirty="0" smtClean="0"/>
+              <a:t>What is Web Service?</a:t>
+            </a:r>
+            <a:endParaRPr lang="en-IN" b="1" dirty="0"/>
+          </a:p>
+        </p:txBody>
+      </p:sp>
+      <p:sp>
+        <p:nvSpPr>
+          <p:cNvPr id="3" name="Content Placeholder 2"/>
+          <p:cNvSpPr>
+            <a:spLocks noGrp="1"/>
+          </p:cNvSpPr>
+          <p:nvPr>
+            <p:ph sz="quarter" idx="10"/>
+          </p:nvPr>
+        </p:nvSpPr>
+        <p:spPr/>
+        <p:txBody>
+          <a:bodyPr/>
+          <a:lstStyle/>
+          <a:p>
+            <a:endParaRPr lang="en-IN"/>
+          </a:p>
+        </p:txBody>
+      </p:sp>
+    </p:spTree>
+    <p:extLst>
+      <p:ext uri="{BB962C8B-B14F-4D97-AF65-F5344CB8AC3E}">
+        <p14:creationId xmlns:p14="http://schemas.microsoft.com/office/powerpoint/2010/main" val="2943275557"/>
+      </p:ext>
+    </p:extLst>
+  </p:cSld>
+  <p:clrMapOvr>
+    <a:masterClrMapping/>
+  </p:clrMapOvr>
+  <p:timing>
+    <p:tnLst>
+      <p:par>
+        <p:cTn id="1" dur="indefinite" restart="never" nodeType="tmRoot"/>
+      </p:par>
+    </p:tnLst>
+  </p:timing>
+</p:sld>
+</file>
+
+<file path=ppt/slides/slide2.xml><?xml version="1.0" encoding="utf-8"?>
+<p:sld xmlns:a="http://schemas.openxmlformats.org/drawingml/2006/main" xmlns:r="http://schemas.openxmlformats.org/officeDocument/2006/relationships" xmlns:p="http://schemas.openxmlformats.org/presentationml/2006/main">
+  <p:cSld>
+    <p:spTree>
+      <p:nvGrpSpPr>
+        <p:cNvPr id="1" name=""/>
+        <p:cNvGrpSpPr/>
+        <p:nvPr/>
+      </p:nvGrpSpPr>
+      <p:grpSpPr>
+        <a:xfrm>
+          <a:off x="0" y="0"/>
+          <a:ext cx="0" cy="0"/>
+          <a:chOff x="0" y="0"/>
+          <a:chExt cx="0" cy="0"/>
+        </a:xfrm>
+      </p:grpSpPr>
+      <p:sp>
+        <p:nvSpPr>
+          <p:cNvPr id="5" name="TextBox 4"/>
+          <p:cNvSpPr txBox="1"/>
+          <p:nvPr/>
+        </p:nvSpPr>
+        <p:spPr>
+          <a:xfrm>
+            <a:off x="2351584" y="476672"/>
+            <a:ext cx="7056784" cy="523220"/>
+          </a:xfrm>
+          <a:prstGeom prst="rect">
+            <a:avLst/>
+          </a:prstGeom>
+          <a:noFill/>
+        </p:spPr>
+        <p:txBody>
+          <a:bodyPr wrap="square" rtlCol="0">
+            <a:spAutoFit/>
+          </a:bodyPr>
+          <a:lstStyle/>
+          <a:p>
+            <a:pPr algn="ctr"/>
+            <a:r>
+              <a:rPr lang="en-IN" sz="2800" b="1" dirty="0" smtClean="0">
+                <a:latin typeface="+mj-lt"/>
+                <a:cs typeface="Times New Roman" pitchFamily="18" charset="0"/>
+              </a:rPr>
+              <a:t>Components Of Communication</a:t>
+            </a:r>
+            <a:endParaRPr lang="en-IN" sz="2800" b="1" dirty="0">
+              <a:latin typeface="+mj-lt"/>
+              <a:cs typeface="Times New Roman" pitchFamily="18" charset="0"/>
+            </a:endParaRPr>
+          </a:p>
+        </p:txBody>
+      </p:sp>
+      <p:pic>
+        <p:nvPicPr>
+          <p:cNvPr id="6" name="Picture 5"/>
+          <p:cNvPicPr>
+            <a:picLocks noChangeAspect="1"/>
+          </p:cNvPicPr>
+          <p:nvPr/>
+        </p:nvPicPr>
+        <p:blipFill rotWithShape="1">
+          <a:blip r:embed="rId2">
+            <a:extLst>
+              <a:ext uri="{28A0092B-C50C-407E-A947-70E740481C1C}">
+                <a14:useLocalDpi xmlns:a14="http://schemas.microsoft.com/office/drawing/2010/main" val="0"/>
+              </a:ext>
+            </a:extLst>
+          </a:blip>
+          <a:srcRect l="14538" t="45692" r="6539" b="12770"/>
+          <a:stretch/>
+        </p:blipFill>
+        <p:spPr>
+          <a:xfrm>
+            <a:off x="1631504" y="1700808"/>
+            <a:ext cx="9073008" cy="3456384"/>
+          </a:xfrm>
+          <a:prstGeom prst="rect">
+            <a:avLst/>
+          </a:prstGeom>
+        </p:spPr>
+      </p:pic>
+    </p:spTree>
+    <p:extLst>
+      <p:ext uri="{BB962C8B-B14F-4D97-AF65-F5344CB8AC3E}">
+        <p14:creationId xmlns:p14="http://schemas.microsoft.com/office/powerpoint/2010/main" val="808427649"/>
+      </p:ext>
+    </p:extLst>
+  </p:cSld>
+  <p:clrMapOvr>
+    <a:masterClrMapping/>
+  </p:clrMapOvr>
+  <p:timing>
+    <p:tnLst>
+      <p:par>
+        <p:cTn id="1" dur="indefinite" restart="never" nodeType="tmRoot"/>
+      </p:par>
+    </p:tnLst>
+  </p:timing>
+</p:sld>
+</file>
+
+<file path=ppt/slides/slide3.xml><?xml version="1.0" encoding="utf-8"?>
+<p:sld xmlns:a="http://schemas.openxmlformats.org/drawingml/2006/main" xmlns:r="http://schemas.openxmlformats.org/officeDocument/2006/relationships" xmlns:p="http://schemas.openxmlformats.org/presentationml/2006/main">
+  <p:cSld>
+    <p:spTree>
+      <p:nvGrpSpPr>
+        <p:cNvPr id="1" name=""/>
+        <p:cNvGrpSpPr/>
+        <p:nvPr/>
+      </p:nvGrpSpPr>
+      <p:grpSpPr>
+        <a:xfrm>
+          <a:off x="0" y="0"/>
+          <a:ext cx="0" cy="0"/>
+          <a:chOff x="0" y="0"/>
+          <a:chExt cx="0" cy="0"/>
+        </a:xfrm>
+      </p:grpSpPr>
+      <p:sp>
+        <p:nvSpPr>
+          <p:cNvPr id="2" name="Rectangle 1"/>
+          <p:cNvSpPr/>
+          <p:nvPr/>
+        </p:nvSpPr>
+        <p:spPr>
+          <a:xfrm>
+            <a:off x="623392" y="260648"/>
+            <a:ext cx="10153128" cy="10372070"/>
+          </a:xfrm>
+          <a:prstGeom prst="rect">
+            <a:avLst/>
+          </a:prstGeom>
+        </p:spPr>
+        <p:txBody>
+          <a:bodyPr wrap="square">
+            <a:spAutoFit/>
+          </a:bodyPr>
+          <a:lstStyle/>
+          <a:p>
+            <a:pPr algn="ctr"/>
+            <a:r>
+              <a:rPr lang="en-US" sz="2400" b="1" dirty="0" smtClean="0">
+                <a:cs typeface="Times New Roman" pitchFamily="18" charset="0"/>
+              </a:rPr>
+              <a:t>Network Characteristics</a:t>
+            </a:r>
+          </a:p>
+          <a:p>
+            <a:pPr algn="ctr"/>
+            <a:endParaRPr lang="en-US" sz="2400" b="1" dirty="0">
+              <a:cs typeface="Times New Roman" pitchFamily="18" charset="0"/>
+            </a:endParaRPr>
+          </a:p>
+          <a:p>
+            <a:pPr algn="ctr"/>
+            <a:endParaRPr lang="en-US" sz="2400" b="1" dirty="0">
+              <a:cs typeface="Times New Roman" pitchFamily="18" charset="0"/>
+            </a:endParaRPr>
+          </a:p>
+          <a:p>
+            <a:pPr lvl="1"/>
+            <a:endParaRPr lang="en-US" sz="2400" dirty="0" smtClean="0">
+              <a:latin typeface="Times New Roman" pitchFamily="18" charset="0"/>
+              <a:cs typeface="Times New Roman" pitchFamily="18" charset="0"/>
+            </a:endParaRPr>
+          </a:p>
+          <a:p>
+            <a:pPr lvl="1"/>
+            <a:r>
+              <a:rPr lang="en-US" sz="2400" dirty="0" smtClean="0">
+                <a:latin typeface="Times New Roman" pitchFamily="18" charset="0"/>
+                <a:cs typeface="Times New Roman" pitchFamily="18" charset="0"/>
+              </a:rPr>
+              <a:t>There are four types of network characteristics are there:</a:t>
+            </a:r>
+          </a:p>
+          <a:p>
+            <a:pPr lvl="1"/>
+            <a:endParaRPr lang="en-US" sz="2400" dirty="0">
+              <a:latin typeface="Times New Roman" pitchFamily="18" charset="0"/>
+              <a:cs typeface="Times New Roman" pitchFamily="18" charset="0"/>
+            </a:endParaRPr>
+          </a:p>
+          <a:p>
+            <a:pPr lvl="1"/>
+            <a:endParaRPr lang="en-US" sz="2000" dirty="0">
+              <a:latin typeface="Times New Roman" pitchFamily="18" charset="0"/>
+              <a:cs typeface="Times New Roman" pitchFamily="18" charset="0"/>
+            </a:endParaRPr>
+          </a:p>
+          <a:p>
+            <a:pPr marL="800100" lvl="1" indent="-342900">
+              <a:buFont typeface="Arial" panose="020B0604020202020204" pitchFamily="34" charset="0"/>
+              <a:buChar char="•"/>
+            </a:pPr>
+            <a:r>
+              <a:rPr lang="en-US" sz="2000" dirty="0"/>
+              <a:t>Fault </a:t>
+            </a:r>
+            <a:r>
+              <a:rPr lang="en-US" sz="2000" dirty="0" smtClean="0"/>
+              <a:t>Tolerance</a:t>
+            </a:r>
+          </a:p>
+          <a:p>
+            <a:pPr marL="800100" lvl="1" indent="-342900">
+              <a:buFont typeface="Arial" panose="020B0604020202020204" pitchFamily="34" charset="0"/>
+              <a:buChar char="•"/>
+            </a:pPr>
+            <a:endParaRPr lang="en-US" sz="2000" dirty="0"/>
+          </a:p>
+          <a:p>
+            <a:pPr marL="800100" lvl="1" indent="-342900">
+              <a:buFont typeface="Arial" panose="020B0604020202020204" pitchFamily="34" charset="0"/>
+              <a:buChar char="•"/>
+            </a:pPr>
+            <a:r>
+              <a:rPr lang="en-US" sz="2000" dirty="0"/>
+              <a:t>Scalability</a:t>
+            </a:r>
+          </a:p>
+          <a:p>
+            <a:pPr marL="800100" lvl="1" indent="-342900">
+              <a:buFont typeface="Arial" panose="020B0604020202020204" pitchFamily="34" charset="0"/>
+              <a:buChar char="•"/>
+            </a:pPr>
+            <a:endParaRPr lang="en-US" sz="2000" dirty="0" smtClean="0"/>
+          </a:p>
+          <a:p>
+            <a:pPr marL="800100" lvl="1" indent="-342900">
+              <a:buFont typeface="Arial" panose="020B0604020202020204" pitchFamily="34" charset="0"/>
+              <a:buChar char="•"/>
+            </a:pPr>
+            <a:r>
+              <a:rPr lang="en-US" sz="2000" dirty="0"/>
+              <a:t>Quality of Service </a:t>
+            </a:r>
+          </a:p>
+          <a:p>
+            <a:pPr marL="800100" lvl="1" indent="-342900">
+              <a:buFont typeface="Arial" panose="020B0604020202020204" pitchFamily="34" charset="0"/>
+              <a:buChar char="•"/>
+            </a:pPr>
+            <a:endParaRPr lang="en-US" sz="2000" dirty="0" smtClean="0"/>
+          </a:p>
+          <a:p>
+            <a:pPr marL="800100" lvl="1" indent="-342900">
+              <a:buFont typeface="Arial" panose="020B0604020202020204" pitchFamily="34" charset="0"/>
+              <a:buChar char="•"/>
+            </a:pPr>
+            <a:r>
+              <a:rPr lang="en-US" sz="2000" dirty="0"/>
+              <a:t>Security</a:t>
+            </a:r>
+          </a:p>
+          <a:p>
+            <a:pPr lvl="1"/>
+            <a:endParaRPr lang="en-US" sz="2000" dirty="0"/>
+          </a:p>
+          <a:p>
+            <a:pPr marL="800100" lvl="1" indent="-342900">
+              <a:buFont typeface="Arial" panose="020B0604020202020204" pitchFamily="34" charset="0"/>
+              <a:buChar char="•"/>
+            </a:pPr>
+            <a:endParaRPr lang="en-US" sz="2400" dirty="0" smtClean="0">
+              <a:latin typeface="Times New Roman" pitchFamily="18" charset="0"/>
+              <a:cs typeface="Times New Roman" pitchFamily="18" charset="0"/>
+            </a:endParaRPr>
+          </a:p>
+          <a:p>
+            <a:pPr lvl="1"/>
+            <a:endParaRPr lang="en-US" sz="2000" dirty="0">
+              <a:latin typeface="Times New Roman" pitchFamily="18" charset="0"/>
+              <a:cs typeface="Times New Roman" pitchFamily="18" charset="0"/>
+            </a:endParaRPr>
+          </a:p>
+          <a:p>
+            <a:pPr lvl="1"/>
+            <a:endParaRPr lang="en-US" sz="2000" dirty="0" smtClean="0">
+              <a:latin typeface="Times New Roman" pitchFamily="18" charset="0"/>
+              <a:cs typeface="Times New Roman" pitchFamily="18" charset="0"/>
+            </a:endParaRPr>
+          </a:p>
+          <a:p>
+            <a:pPr lvl="1"/>
+            <a:endParaRPr lang="en-US" sz="2000" dirty="0">
+              <a:latin typeface="Times New Roman" pitchFamily="18" charset="0"/>
+              <a:cs typeface="Times New Roman" pitchFamily="18" charset="0"/>
+            </a:endParaRPr>
+          </a:p>
+          <a:p>
+            <a:pPr lvl="1"/>
+            <a:endParaRPr lang="en-US" sz="2000" dirty="0" smtClean="0">
+              <a:latin typeface="Times New Roman" pitchFamily="18" charset="0"/>
+              <a:cs typeface="Times New Roman" pitchFamily="18" charset="0"/>
+            </a:endParaRPr>
+          </a:p>
+          <a:p>
+            <a:pPr lvl="1"/>
+            <a:endParaRPr lang="en-US" sz="2000" dirty="0">
+              <a:latin typeface="Times New Roman" pitchFamily="18" charset="0"/>
+              <a:cs typeface="Times New Roman" pitchFamily="18" charset="0"/>
+            </a:endParaRPr>
+          </a:p>
+          <a:p>
+            <a:pPr lvl="1"/>
+            <a:endParaRPr lang="en-US" sz="2000" dirty="0" smtClean="0">
+              <a:latin typeface="Times New Roman" pitchFamily="18" charset="0"/>
+              <a:cs typeface="Times New Roman" pitchFamily="18" charset="0"/>
+            </a:endParaRPr>
+          </a:p>
+          <a:p>
+            <a:pPr lvl="1"/>
+            <a:endParaRPr lang="en-US" sz="2000" dirty="0">
+              <a:latin typeface="Times New Roman" pitchFamily="18" charset="0"/>
+              <a:cs typeface="Times New Roman" pitchFamily="18" charset="0"/>
+            </a:endParaRPr>
+          </a:p>
+          <a:p>
+            <a:pPr lvl="1"/>
+            <a:endParaRPr lang="en-US" sz="2000" dirty="0" smtClean="0">
+              <a:latin typeface="Times New Roman" pitchFamily="18" charset="0"/>
+              <a:cs typeface="Times New Roman" pitchFamily="18" charset="0"/>
+            </a:endParaRPr>
+          </a:p>
+          <a:p>
+            <a:pPr lvl="1"/>
+            <a:endParaRPr lang="en-US" sz="2000" dirty="0">
+              <a:latin typeface="Times New Roman" pitchFamily="18" charset="0"/>
+              <a:cs typeface="Times New Roman" pitchFamily="18" charset="0"/>
+            </a:endParaRPr>
+          </a:p>
+          <a:p>
+            <a:pPr lvl="1"/>
+            <a:endParaRPr lang="en-US" sz="2000" dirty="0" smtClean="0">
+              <a:latin typeface="Times New Roman" pitchFamily="18" charset="0"/>
+              <a:cs typeface="Times New Roman" pitchFamily="18" charset="0"/>
+            </a:endParaRPr>
+          </a:p>
+          <a:p>
+            <a:pPr lvl="1"/>
+            <a:endParaRPr lang="en-US" sz="2000" dirty="0">
+              <a:latin typeface="Times New Roman" pitchFamily="18" charset="0"/>
+              <a:cs typeface="Times New Roman" pitchFamily="18" charset="0"/>
+            </a:endParaRPr>
+          </a:p>
+          <a:p>
+            <a:pPr lvl="1"/>
+            <a:endParaRPr lang="en-US" sz="2000" dirty="0" smtClean="0">
+              <a:latin typeface="Times New Roman" pitchFamily="18" charset="0"/>
+              <a:cs typeface="Times New Roman" pitchFamily="18" charset="0"/>
+            </a:endParaRPr>
+          </a:p>
+          <a:p>
+            <a:pPr lvl="1"/>
+            <a:endParaRPr lang="en-US" sz="2000" dirty="0">
+              <a:latin typeface="Times New Roman" pitchFamily="18" charset="0"/>
+              <a:cs typeface="Times New Roman" pitchFamily="18" charset="0"/>
+            </a:endParaRPr>
+          </a:p>
+          <a:p>
+            <a:pPr lvl="1"/>
+            <a:endParaRPr lang="en-US" sz="2000" dirty="0" smtClean="0">
+              <a:latin typeface="Times New Roman" pitchFamily="18" charset="0"/>
+              <a:cs typeface="Times New Roman" pitchFamily="18" charset="0"/>
+            </a:endParaRPr>
+          </a:p>
+          <a:p>
+            <a:pPr lvl="1"/>
+            <a:endParaRPr lang="en-US" sz="2000" dirty="0">
+              <a:latin typeface="Times New Roman" pitchFamily="18" charset="0"/>
+              <a:cs typeface="Times New Roman" pitchFamily="18" charset="0"/>
+            </a:endParaRPr>
+          </a:p>
+          <a:p>
+            <a:pPr lvl="1"/>
+            <a:endParaRPr lang="en-US" sz="2000" dirty="0">
+              <a:latin typeface="Times New Roman" pitchFamily="18" charset="0"/>
+              <a:cs typeface="Times New Roman" pitchFamily="18" charset="0"/>
+            </a:endParaRPr>
+          </a:p>
+        </p:txBody>
+      </p:sp>
+    </p:spTree>
+    <p:extLst>
+      <p:ext uri="{BB962C8B-B14F-4D97-AF65-F5344CB8AC3E}">
+        <p14:creationId xmlns:p14="http://schemas.microsoft.com/office/powerpoint/2010/main" val="4154913150"/>
+      </p:ext>
+    </p:extLst>
+  </p:cSld>
+  <p:clrMapOvr>
+    <a:masterClrMapping/>
+  </p:clrMapOvr>
+  <p:timing>
+    <p:tnLst>
+      <p:par>
+        <p:cTn id="1" dur="indefinite" restart="never" nodeType="tmRoot"/>
+      </p:par>
+    </p:tnLst>
+  </p:timing>
+</p:sld>
+</file>
+
+<file path=ppt/slides/slide4.xml><?xml version="1.0" encoding="utf-8"?>
+<p:sld xmlns:a="http://schemas.openxmlformats.org/drawingml/2006/main" xmlns:r="http://schemas.openxmlformats.org/officeDocument/2006/relationships" xmlns:p="http://schemas.openxmlformats.org/presentationml/2006/main">
+  <p:cSld>
+    <p:spTree>
+      <p:nvGrpSpPr>
+        <p:cNvPr id="1" name=""/>
+        <p:cNvGrpSpPr/>
+        <p:nvPr/>
+      </p:nvGrpSpPr>
+      <p:grpSpPr>
+        <a:xfrm>
+          <a:off x="0" y="0"/>
+          <a:ext cx="0" cy="0"/>
+          <a:chOff x="0" y="0"/>
+          <a:chExt cx="0" cy="0"/>
+        </a:xfrm>
+      </p:grpSpPr>
+      <p:sp>
+        <p:nvSpPr>
+          <p:cNvPr id="2" name="TextBox 1"/>
+          <p:cNvSpPr txBox="1"/>
+          <p:nvPr/>
+        </p:nvSpPr>
+        <p:spPr>
+          <a:xfrm>
+            <a:off x="850752" y="332656"/>
+            <a:ext cx="9144000" cy="461665"/>
+          </a:xfrm>
+          <a:prstGeom prst="rect">
+            <a:avLst/>
+          </a:prstGeom>
+          <a:noFill/>
+        </p:spPr>
+        <p:txBody>
+          <a:bodyPr wrap="square" rtlCol="0">
+            <a:spAutoFit/>
+          </a:bodyPr>
+          <a:lstStyle/>
+          <a:p>
+            <a:r>
+              <a:rPr lang="en-IN" sz="2400" b="1" dirty="0" smtClean="0">
+                <a:latin typeface="+mj-lt"/>
+                <a:cs typeface="Times New Roman" pitchFamily="18" charset="0"/>
+              </a:rPr>
+              <a:t>Network Types</a:t>
+            </a:r>
+            <a:endParaRPr lang="en-IN" sz="2400" b="1" dirty="0">
+              <a:latin typeface="+mj-lt"/>
+              <a:cs typeface="Times New Roman" pitchFamily="18" charset="0"/>
+            </a:endParaRPr>
+          </a:p>
+        </p:txBody>
+      </p:sp>
+      <p:sp>
+        <p:nvSpPr>
+          <p:cNvPr id="3" name="TextBox 2"/>
+          <p:cNvSpPr txBox="1"/>
+          <p:nvPr/>
+        </p:nvSpPr>
+        <p:spPr>
+          <a:xfrm>
+            <a:off x="864568" y="1268760"/>
+            <a:ext cx="8686800" cy="1282787"/>
+          </a:xfrm>
+          <a:prstGeom prst="rect">
+            <a:avLst/>
+          </a:prstGeom>
+          <a:noFill/>
+        </p:spPr>
+        <p:txBody>
+          <a:bodyPr wrap="square" rtlCol="0">
+            <a:spAutoFit/>
+          </a:bodyPr>
+          <a:lstStyle/>
+          <a:p>
+            <a:pPr>
+              <a:lnSpc>
+                <a:spcPct val="150000"/>
+              </a:lnSpc>
+              <a:buFont typeface="Arial" pitchFamily="34" charset="0"/>
+              <a:buChar char="•"/>
+            </a:pPr>
+            <a:r>
+              <a:rPr lang="en-US" dirty="0" smtClean="0">
+                <a:latin typeface="+mj-lt"/>
+                <a:cs typeface="Times New Roman" pitchFamily="18" charset="0"/>
+              </a:rPr>
+              <a:t>LAN</a:t>
+            </a:r>
+          </a:p>
+          <a:p>
+            <a:pPr>
+              <a:lnSpc>
+                <a:spcPct val="150000"/>
+              </a:lnSpc>
+              <a:buFont typeface="Arial" pitchFamily="34" charset="0"/>
+              <a:buChar char="•"/>
+            </a:pPr>
+            <a:r>
+              <a:rPr lang="en-US" dirty="0" smtClean="0">
+                <a:latin typeface="+mj-lt"/>
+                <a:cs typeface="Times New Roman" pitchFamily="18" charset="0"/>
+              </a:rPr>
+              <a:t>MAN</a:t>
+            </a:r>
+          </a:p>
+          <a:p>
+            <a:pPr>
+              <a:lnSpc>
+                <a:spcPct val="150000"/>
+              </a:lnSpc>
+              <a:buFont typeface="Arial" pitchFamily="34" charset="0"/>
+              <a:buChar char="•"/>
+            </a:pPr>
+            <a:r>
+              <a:rPr lang="en-US" dirty="0" smtClean="0">
+                <a:latin typeface="+mj-lt"/>
+                <a:cs typeface="Times New Roman" pitchFamily="18" charset="0"/>
+              </a:rPr>
+              <a:t>WAN</a:t>
+            </a:r>
+            <a:endParaRPr lang="en-US" dirty="0">
+              <a:latin typeface="+mj-lt"/>
+              <a:cs typeface="Times New Roman" pitchFamily="18" charset="0"/>
+            </a:endParaRPr>
+          </a:p>
+        </p:txBody>
+      </p:sp>
+      <p:pic>
+        <p:nvPicPr>
+          <p:cNvPr id="4" name="Picture 3"/>
+          <p:cNvPicPr>
+            <a:picLocks noChangeAspect="1"/>
+          </p:cNvPicPr>
+          <p:nvPr/>
+        </p:nvPicPr>
+        <p:blipFill>
+          <a:blip r:embed="rId2">
+            <a:extLst>
+              <a:ext uri="{28A0092B-C50C-407E-A947-70E740481C1C}">
+                <a14:useLocalDpi xmlns:a14="http://schemas.microsoft.com/office/drawing/2010/main" val="0"/>
+              </a:ext>
+            </a:extLst>
+          </a:blip>
+          <a:stretch>
+            <a:fillRect/>
+          </a:stretch>
+        </p:blipFill>
+        <p:spPr>
+          <a:xfrm>
+            <a:off x="2468202" y="1266754"/>
+            <a:ext cx="7553325" cy="3895725"/>
+          </a:xfrm>
+          <a:prstGeom prst="rect">
+            <a:avLst/>
+          </a:prstGeom>
+        </p:spPr>
+      </p:pic>
+    </p:spTree>
+    <p:extLst>
+      <p:ext uri="{BB962C8B-B14F-4D97-AF65-F5344CB8AC3E}">
+        <p14:creationId xmlns:p14="http://schemas.microsoft.com/office/powerpoint/2010/main" val="1164196588"/>
+      </p:ext>
+    </p:extLst>
+  </p:cSld>
+  <p:clrMapOvr>
+    <a:masterClrMapping/>
+  </p:clrMapOvr>
+  <p:timing>
+    <p:tnLst>
+      <p:par>
+        <p:cTn id="1" dur="indefinite" restart="never" nodeType="tmRoot"/>
+      </p:par>
+    </p:tnLst>
+  </p:timing>
+</p:sld>
+</file>
+
+<file path=ppt/slides/slide5.xml><?xml version="1.0" encoding="utf-8"?>
+<p:sld xmlns:a="http://schemas.openxmlformats.org/drawingml/2006/main" xmlns:r="http://schemas.openxmlformats.org/officeDocument/2006/relationships" xmlns:p="http://schemas.openxmlformats.org/presentationml/2006/main">
+  <p:cSld>
+    <p:spTree>
+      <p:nvGrpSpPr>
+        <p:cNvPr id="1" name=""/>
+        <p:cNvGrpSpPr/>
+        <p:nvPr/>
+      </p:nvGrpSpPr>
+      <p:grpSpPr>
+        <a:xfrm>
+          <a:off x="0" y="0"/>
+          <a:ext cx="0" cy="0"/>
+          <a:chOff x="0" y="0"/>
+          <a:chExt cx="0" cy="0"/>
+        </a:xfrm>
+      </p:grpSpPr>
+      <p:pic>
+        <p:nvPicPr>
+          <p:cNvPr id="2" name="Picture 1"/>
+          <p:cNvPicPr>
+            <a:picLocks noChangeAspect="1"/>
+          </p:cNvPicPr>
+          <p:nvPr/>
+        </p:nvPicPr>
+        <p:blipFill>
+          <a:blip r:embed="rId2"/>
+          <a:stretch>
+            <a:fillRect/>
+          </a:stretch>
+        </p:blipFill>
+        <p:spPr>
+          <a:xfrm>
+            <a:off x="695400" y="1340768"/>
+            <a:ext cx="2877391" cy="518958"/>
+          </a:xfrm>
+          <a:prstGeom prst="rect">
+            <a:avLst/>
+          </a:prstGeom>
+        </p:spPr>
+      </p:pic>
+      <p:pic>
+        <p:nvPicPr>
+          <p:cNvPr id="3" name="Picture 2"/>
+          <p:cNvPicPr>
+            <a:picLocks noChangeAspect="1"/>
+          </p:cNvPicPr>
+          <p:nvPr/>
+        </p:nvPicPr>
+        <p:blipFill>
+          <a:blip r:embed="rId3">
+            <a:extLst>
+              <a:ext uri="{28A0092B-C50C-407E-A947-70E740481C1C}">
+                <a14:useLocalDpi xmlns:a14="http://schemas.microsoft.com/office/drawing/2010/main" val="0"/>
+              </a:ext>
+            </a:extLst>
+          </a:blip>
+          <a:stretch>
+            <a:fillRect/>
+          </a:stretch>
+        </p:blipFill>
+        <p:spPr>
+          <a:xfrm>
+            <a:off x="4655840" y="980728"/>
+            <a:ext cx="2777017" cy="1440160"/>
+          </a:xfrm>
+          <a:prstGeom prst="rect">
+            <a:avLst/>
+          </a:prstGeom>
+        </p:spPr>
+      </p:pic>
+      <p:pic>
+        <p:nvPicPr>
+          <p:cNvPr id="8" name="Picture 7"/>
+          <p:cNvPicPr>
+            <a:picLocks noChangeAspect="1"/>
+          </p:cNvPicPr>
+          <p:nvPr/>
+        </p:nvPicPr>
+        <p:blipFill rotWithShape="1">
+          <a:blip r:embed="rId4">
+            <a:extLst>
+              <a:ext uri="{28A0092B-C50C-407E-A947-70E740481C1C}">
+                <a14:useLocalDpi xmlns:a14="http://schemas.microsoft.com/office/drawing/2010/main" val="0"/>
+              </a:ext>
+            </a:extLst>
+          </a:blip>
+          <a:srcRect t="2431" b="2763"/>
+          <a:stretch/>
+        </p:blipFill>
+        <p:spPr>
+          <a:xfrm>
+            <a:off x="4287045" y="3668872"/>
+            <a:ext cx="3417432" cy="2019487"/>
+          </a:xfrm>
+          <a:prstGeom prst="rect">
+            <a:avLst/>
+          </a:prstGeom>
+        </p:spPr>
+      </p:pic>
+      <p:pic>
+        <p:nvPicPr>
+          <p:cNvPr id="9" name="Picture 8"/>
+          <p:cNvPicPr>
+            <a:picLocks noChangeAspect="1"/>
+          </p:cNvPicPr>
+          <p:nvPr/>
+        </p:nvPicPr>
+        <p:blipFill rotWithShape="1">
+          <a:blip r:embed="rId5"/>
+          <a:srcRect t="13514" b="11192"/>
+          <a:stretch/>
+        </p:blipFill>
+        <p:spPr>
+          <a:xfrm>
+            <a:off x="818719" y="3548936"/>
+            <a:ext cx="2667319" cy="2259360"/>
+          </a:xfrm>
+          <a:prstGeom prst="rect">
+            <a:avLst/>
+          </a:prstGeom>
+        </p:spPr>
+      </p:pic>
+      <p:pic>
+        <p:nvPicPr>
+          <p:cNvPr id="10" name="Picture 2" descr="Image result for one to one topology"/>
+          <p:cNvPicPr>
+            <a:picLocks noChangeAspect="1" noChangeArrowheads="1"/>
+          </p:cNvPicPr>
+          <p:nvPr/>
+        </p:nvPicPr>
+        <p:blipFill rotWithShape="1">
+          <a:blip r:embed="rId6">
+            <a:extLst>
+              <a:ext uri="{28A0092B-C50C-407E-A947-70E740481C1C}">
+                <a14:useLocalDpi xmlns:a14="http://schemas.microsoft.com/office/drawing/2010/main" val="0"/>
+              </a:ext>
+            </a:extLst>
+          </a:blip>
+          <a:srcRect t="13130"/>
+          <a:stretch/>
+        </p:blipFill>
+        <p:spPr bwMode="auto">
+          <a:xfrm>
+            <a:off x="8236688" y="342227"/>
+            <a:ext cx="3202599" cy="2108525"/>
+          </a:xfrm>
+          <a:prstGeom prst="rect">
+            <a:avLst/>
+          </a:prstGeom>
+          <a:noFill/>
+          <a:extLst>
+            <a:ext uri="{909E8E84-426E-40DD-AFC4-6F175D3DCCD1}">
+              <a14:hiddenFill xmlns:a14="http://schemas.microsoft.com/office/drawing/2010/main">
+                <a:solidFill>
+                  <a:srgbClr val="FFFFFF"/>
+                </a:solidFill>
+              </a14:hiddenFill>
+            </a:ext>
+          </a:extLst>
+        </p:spPr>
+      </p:pic>
+      <p:pic>
+        <p:nvPicPr>
+          <p:cNvPr id="11" name="Picture 10"/>
+          <p:cNvPicPr>
+            <a:picLocks noChangeAspect="1"/>
+          </p:cNvPicPr>
+          <p:nvPr/>
+        </p:nvPicPr>
+        <p:blipFill rotWithShape="1">
+          <a:blip r:embed="rId7"/>
+          <a:srcRect t="2330" b="5335"/>
+          <a:stretch/>
+        </p:blipFill>
+        <p:spPr>
+          <a:xfrm>
+            <a:off x="8236688" y="3352982"/>
+            <a:ext cx="3714054" cy="2445984"/>
+          </a:xfrm>
+          <a:prstGeom prst="rect">
+            <a:avLst/>
+          </a:prstGeom>
+        </p:spPr>
+      </p:pic>
+      <p:sp>
+        <p:nvSpPr>
+          <p:cNvPr id="12" name="Title 1"/>
+          <p:cNvSpPr txBox="1">
+            <a:spLocks/>
+          </p:cNvSpPr>
+          <p:nvPr/>
+        </p:nvSpPr>
+        <p:spPr>
+          <a:xfrm>
+            <a:off x="695400" y="175216"/>
+            <a:ext cx="8686800" cy="581744"/>
+          </a:xfrm>
+          <a:prstGeom prst="rect">
+            <a:avLst/>
+          </a:prstGeom>
+        </p:spPr>
+        <p:txBody>
+          <a:bodyPr>
+            <a:normAutofit fontScale="82500" lnSpcReduction="20000"/>
+          </a:bodyPr>
+          <a:lstStyle>
+            <a:lvl1pPr algn="l" defTabSz="914400" rtl="0" eaLnBrk="1" latinLnBrk="0" hangingPunct="1">
+              <a:lnSpc>
+                <a:spcPct val="90000"/>
+              </a:lnSpc>
+              <a:spcBef>
+                <a:spcPct val="0"/>
+              </a:spcBef>
+              <a:buNone/>
+              <a:defRPr lang="pt-PT" sz="2600" kern="1200">
+                <a:solidFill>
+                  <a:schemeClr val="tx2"/>
+                </a:solidFill>
+                <a:latin typeface="Verdana" panose="020B0604030504040204" pitchFamily="34" charset="0"/>
+                <a:ea typeface="Verdana" panose="020B0604030504040204" pitchFamily="34" charset="0"/>
+                <a:cs typeface="Verdana" panose="020B0604030504040204" pitchFamily="34" charset="0"/>
+              </a:defRPr>
+            </a:lvl1pPr>
+          </a:lstStyle>
+          <a:p>
+            <a:r>
+              <a:rPr lang="en-ID" sz="2700" b="1" dirty="0" smtClean="0">
+                <a:solidFill>
+                  <a:schemeClr val="tx1"/>
+                </a:solidFill>
+                <a:latin typeface="+mj-lt"/>
+                <a:cs typeface="Times New Roman" pitchFamily="18" charset="0"/>
+              </a:rPr>
+              <a:t>Network Topologies</a:t>
+            </a:r>
+            <a:r>
+              <a:rPr lang="en-ID" sz="2800" b="1" dirty="0" smtClean="0">
+                <a:solidFill>
+                  <a:schemeClr val="tx1"/>
+                </a:solidFill>
+                <a:latin typeface="Times New Roman" pitchFamily="18" charset="0"/>
+                <a:cs typeface="Times New Roman" pitchFamily="18" charset="0"/>
+              </a:rPr>
+              <a:t/>
+            </a:r>
+            <a:br>
+              <a:rPr lang="en-ID" sz="2800" b="1" dirty="0" smtClean="0">
+                <a:solidFill>
+                  <a:schemeClr val="tx1"/>
+                </a:solidFill>
+                <a:latin typeface="Times New Roman" pitchFamily="18" charset="0"/>
+                <a:cs typeface="Times New Roman" pitchFamily="18" charset="0"/>
+              </a:rPr>
+            </a:br>
+            <a:endParaRPr lang="en-US" sz="2800" b="1" dirty="0">
+              <a:solidFill>
+                <a:schemeClr val="tx1"/>
+              </a:solidFill>
+              <a:latin typeface="Times New Roman" pitchFamily="18" charset="0"/>
+              <a:cs typeface="Times New Roman" pitchFamily="18" charset="0"/>
+            </a:endParaRPr>
+          </a:p>
+        </p:txBody>
+      </p:sp>
+      <p:sp>
+        <p:nvSpPr>
+          <p:cNvPr id="13" name="TextBox 12"/>
+          <p:cNvSpPr txBox="1"/>
+          <p:nvPr/>
+        </p:nvSpPr>
+        <p:spPr>
+          <a:xfrm>
+            <a:off x="965758" y="2078784"/>
+            <a:ext cx="2520280" cy="369332"/>
+          </a:xfrm>
+          <a:prstGeom prst="rect">
+            <a:avLst/>
+          </a:prstGeom>
+          <a:noFill/>
+        </p:spPr>
+        <p:txBody>
+          <a:bodyPr wrap="square" rtlCol="0">
+            <a:spAutoFit/>
+          </a:bodyPr>
+          <a:lstStyle/>
+          <a:p>
+            <a:r>
+              <a:rPr lang="en-US" b="1" dirty="0" smtClean="0"/>
+              <a:t>Point–To-Point</a:t>
+            </a:r>
+            <a:endParaRPr lang="en-US" b="1" dirty="0"/>
+          </a:p>
+        </p:txBody>
+      </p:sp>
+      <p:sp>
+        <p:nvSpPr>
+          <p:cNvPr id="14" name="TextBox 13"/>
+          <p:cNvSpPr txBox="1"/>
+          <p:nvPr/>
+        </p:nvSpPr>
+        <p:spPr>
+          <a:xfrm>
+            <a:off x="5159896" y="2448116"/>
+            <a:ext cx="2016224" cy="461665"/>
+          </a:xfrm>
+          <a:prstGeom prst="rect">
+            <a:avLst/>
+          </a:prstGeom>
+          <a:noFill/>
+        </p:spPr>
+        <p:txBody>
+          <a:bodyPr wrap="square" rtlCol="0">
+            <a:spAutoFit/>
+          </a:bodyPr>
+          <a:lstStyle/>
+          <a:p>
+            <a:r>
+              <a:rPr lang="en-US" sz="2400" b="1" dirty="0" smtClean="0">
+                <a:latin typeface="Calibri" panose="020F0502020204030204" pitchFamily="34" charset="0"/>
+                <a:cs typeface="Calibri" panose="020F0502020204030204" pitchFamily="34" charset="0"/>
+              </a:rPr>
+              <a:t>Bus Topology</a:t>
+            </a:r>
+            <a:endParaRPr lang="en-US" sz="2400" b="1" dirty="0">
+              <a:latin typeface="Calibri" panose="020F0502020204030204" pitchFamily="34" charset="0"/>
+              <a:cs typeface="Calibri" panose="020F0502020204030204" pitchFamily="34" charset="0"/>
+            </a:endParaRPr>
+          </a:p>
+        </p:txBody>
+      </p:sp>
+      <p:sp>
+        <p:nvSpPr>
+          <p:cNvPr id="15" name="TextBox 14"/>
+          <p:cNvSpPr txBox="1"/>
+          <p:nvPr/>
+        </p:nvSpPr>
+        <p:spPr>
+          <a:xfrm>
+            <a:off x="5012025" y="5990081"/>
+            <a:ext cx="2160240" cy="369332"/>
+          </a:xfrm>
+          <a:prstGeom prst="rect">
+            <a:avLst/>
+          </a:prstGeom>
+          <a:noFill/>
+        </p:spPr>
+        <p:txBody>
+          <a:bodyPr wrap="square" rtlCol="0">
+            <a:spAutoFit/>
+          </a:bodyPr>
+          <a:lstStyle/>
+          <a:p>
+            <a:r>
+              <a:rPr lang="en-US" b="1" dirty="0" smtClean="0"/>
+              <a:t>Ring Topology</a:t>
+            </a:r>
+            <a:endParaRPr lang="en-US" b="1" dirty="0"/>
+          </a:p>
+        </p:txBody>
+      </p:sp>
+      <p:sp>
+        <p:nvSpPr>
+          <p:cNvPr id="16" name="TextBox 15"/>
+          <p:cNvSpPr txBox="1"/>
+          <p:nvPr/>
+        </p:nvSpPr>
+        <p:spPr>
+          <a:xfrm>
+            <a:off x="1056304" y="5990081"/>
+            <a:ext cx="2088232" cy="369332"/>
+          </a:xfrm>
+          <a:prstGeom prst="rect">
+            <a:avLst/>
+          </a:prstGeom>
+          <a:noFill/>
+        </p:spPr>
+        <p:txBody>
+          <a:bodyPr wrap="square" rtlCol="0">
+            <a:spAutoFit/>
+          </a:bodyPr>
+          <a:lstStyle/>
+          <a:p>
+            <a:r>
+              <a:rPr lang="en-US" b="1" dirty="0" smtClean="0"/>
+              <a:t>Star Topology</a:t>
+            </a:r>
+            <a:endParaRPr lang="en-US" b="1" dirty="0"/>
+          </a:p>
+        </p:txBody>
+      </p:sp>
+      <p:sp>
+        <p:nvSpPr>
+          <p:cNvPr id="17" name="TextBox 16"/>
+          <p:cNvSpPr txBox="1"/>
+          <p:nvPr/>
+        </p:nvSpPr>
+        <p:spPr>
+          <a:xfrm>
+            <a:off x="8814458" y="2540449"/>
+            <a:ext cx="2304256" cy="369332"/>
+          </a:xfrm>
+          <a:prstGeom prst="rect">
+            <a:avLst/>
+          </a:prstGeom>
+          <a:noFill/>
+        </p:spPr>
+        <p:txBody>
+          <a:bodyPr wrap="square" rtlCol="0">
+            <a:spAutoFit/>
+          </a:bodyPr>
+          <a:lstStyle/>
+          <a:p>
+            <a:r>
+              <a:rPr lang="en-US" b="1" dirty="0" smtClean="0"/>
+              <a:t>Mesh Topology</a:t>
+            </a:r>
+            <a:endParaRPr lang="en-US" b="1" dirty="0"/>
+          </a:p>
+        </p:txBody>
+      </p:sp>
+      <p:sp>
+        <p:nvSpPr>
+          <p:cNvPr id="18" name="TextBox 17"/>
+          <p:cNvSpPr txBox="1"/>
+          <p:nvPr/>
+        </p:nvSpPr>
+        <p:spPr>
+          <a:xfrm>
+            <a:off x="8878502" y="5990081"/>
+            <a:ext cx="2430426" cy="369332"/>
+          </a:xfrm>
+          <a:prstGeom prst="rect">
+            <a:avLst/>
+          </a:prstGeom>
+          <a:noFill/>
+        </p:spPr>
+        <p:txBody>
+          <a:bodyPr wrap="square" rtlCol="0">
+            <a:spAutoFit/>
+          </a:bodyPr>
+          <a:lstStyle/>
+          <a:p>
+            <a:r>
+              <a:rPr lang="en-US" b="1" dirty="0" smtClean="0"/>
+              <a:t>Hybrid Topology</a:t>
+            </a:r>
+            <a:endParaRPr lang="en-US" b="1" dirty="0"/>
+          </a:p>
+        </p:txBody>
+      </p:sp>
+    </p:spTree>
+    <p:extLst>
+      <p:ext uri="{BB962C8B-B14F-4D97-AF65-F5344CB8AC3E}">
+        <p14:creationId xmlns:p14="http://schemas.microsoft.com/office/powerpoint/2010/main" val="3195367538"/>
+      </p:ext>
+    </p:extLst>
+  </p:cSld>
+  <p:clrMapOvr>
+    <a:masterClrMapping/>
+  </p:clrMapOvr>
+  <p:timing>
+    <p:tnLst>
+      <p:par>
+        <p:cTn id="1" dur="indefinite" restart="never" nodeType="tmRoot"/>
+      </p:par>
+    </p:tnLst>
+  </p:timing>
+</p:sld>
+</file>
+
 <file path=ppt/slides/slide6.xml><?xml version="1.0" encoding="utf-8"?>
 <p:sld xmlns:a="http://schemas.openxmlformats.org/drawingml/2006/main" xmlns:r="http://schemas.openxmlformats.org/officeDocument/2006/relationships" xmlns:p="http://schemas.openxmlformats.org/presentationml/2006/main">
   <p:cSld>
@@ -17053,88 +21698,368 @@
       </p:grpSpPr>
       <p:sp>
         <p:nvSpPr>
-          <p:cNvPr id="2" name="Title 1"/>
-          <p:cNvSpPr>
-            <a:spLocks noGrp="1"/>
+          <p:cNvPr id="3" name="Title 1"/>
+          <p:cNvSpPr txBox="1">
+            <a:spLocks/>
           </p:cNvSpPr>
-          <p:nvPr>
-            <p:ph type="title"/>
-          </p:nvPr>
-        </p:nvSpPr>
-        <p:spPr>
-          <a:xfrm>
-            <a:off x="479748" y="116632"/>
-            <a:ext cx="11016604" cy="863601"/>
-          </a:xfrm>
+          <p:nvPr/>
+        </p:nvSpPr>
+        <p:spPr>
+          <a:xfrm>
+            <a:off x="623392" y="404664"/>
+            <a:ext cx="7658100" cy="685799"/>
+          </a:xfrm>
+          <a:prstGeom prst="rect">
+            <a:avLst/>
+          </a:prstGeom>
         </p:spPr>
         <p:txBody>
           <a:bodyPr>
             <a:normAutofit/>
           </a:bodyPr>
+          <a:lstStyle>
+            <a:lvl1pPr algn="l" defTabSz="914400" rtl="0" eaLnBrk="1" latinLnBrk="0" hangingPunct="1">
+              <a:lnSpc>
+                <a:spcPct val="90000"/>
+              </a:lnSpc>
+              <a:spcBef>
+                <a:spcPct val="0"/>
+              </a:spcBef>
+              <a:buNone/>
+              <a:defRPr lang="pt-PT" sz="2600" kern="1200">
+                <a:solidFill>
+                  <a:schemeClr val="tx2"/>
+                </a:solidFill>
+                <a:latin typeface="Verdana" panose="020B0604030504040204" pitchFamily="34" charset="0"/>
+                <a:ea typeface="Verdana" panose="020B0604030504040204" pitchFamily="34" charset="0"/>
+                <a:cs typeface="Verdana" panose="020B0604030504040204" pitchFamily="34" charset="0"/>
+              </a:defRPr>
+            </a:lvl1pPr>
+          </a:lstStyle>
+          <a:p>
+            <a:r>
+              <a:rPr lang="en-US" sz="2800" b="1" dirty="0" smtClean="0">
+                <a:solidFill>
+                  <a:schemeClr val="tx1"/>
+                </a:solidFill>
+                <a:latin typeface="+mj-lt"/>
+                <a:cs typeface="Times New Roman" pitchFamily="18" charset="0"/>
+              </a:rPr>
+              <a:t>Network Devices</a:t>
+            </a:r>
+            <a:endParaRPr lang="en-US" sz="2800" b="1" dirty="0">
+              <a:solidFill>
+                <a:schemeClr val="tx1"/>
+              </a:solidFill>
+              <a:latin typeface="+mj-lt"/>
+              <a:cs typeface="Times New Roman" pitchFamily="18" charset="0"/>
+            </a:endParaRPr>
+          </a:p>
+        </p:txBody>
+      </p:sp>
+      <p:pic>
+        <p:nvPicPr>
+          <p:cNvPr id="4" name="Picture 3"/>
+          <p:cNvPicPr>
+            <a:picLocks noChangeAspect="1"/>
+          </p:cNvPicPr>
+          <p:nvPr/>
+        </p:nvPicPr>
+        <p:blipFill>
+          <a:blip r:embed="rId2">
+            <a:extLst>
+              <a:ext uri="{28A0092B-C50C-407E-A947-70E740481C1C}">
+                <a14:useLocalDpi xmlns:a14="http://schemas.microsoft.com/office/drawing/2010/main" val="0"/>
+              </a:ext>
+            </a:extLst>
+          </a:blip>
+          <a:stretch>
+            <a:fillRect/>
+          </a:stretch>
+        </p:blipFill>
+        <p:spPr>
+          <a:xfrm>
+            <a:off x="1055440" y="1090463"/>
+            <a:ext cx="2716316" cy="1940818"/>
+          </a:xfrm>
+          <a:prstGeom prst="rect">
+            <a:avLst/>
+          </a:prstGeom>
+        </p:spPr>
+      </p:pic>
+      <p:pic>
+        <p:nvPicPr>
+          <p:cNvPr id="5" name="Picture 4"/>
+          <p:cNvPicPr>
+            <a:picLocks noChangeAspect="1"/>
+          </p:cNvPicPr>
+          <p:nvPr/>
+        </p:nvPicPr>
+        <p:blipFill>
+          <a:blip r:embed="rId3" cstate="print">
+            <a:extLst>
+              <a:ext uri="{28A0092B-C50C-407E-A947-70E740481C1C}">
+                <a14:useLocalDpi xmlns:a14="http://schemas.microsoft.com/office/drawing/2010/main" val="0"/>
+              </a:ext>
+            </a:extLst>
+          </a:blip>
+          <a:stretch>
+            <a:fillRect/>
+          </a:stretch>
+        </p:blipFill>
+        <p:spPr>
+          <a:xfrm>
+            <a:off x="4880866" y="1160042"/>
+            <a:ext cx="2768899" cy="2015231"/>
+          </a:xfrm>
+          <a:prstGeom prst="rect">
+            <a:avLst/>
+          </a:prstGeom>
+        </p:spPr>
+      </p:pic>
+      <p:pic>
+        <p:nvPicPr>
+          <p:cNvPr id="6" name="Picture 5"/>
+          <p:cNvPicPr>
+            <a:picLocks noChangeAspect="1"/>
+          </p:cNvPicPr>
+          <p:nvPr/>
+        </p:nvPicPr>
+        <p:blipFill>
+          <a:blip r:embed="rId4">
+            <a:extLst>
+              <a:ext uri="{28A0092B-C50C-407E-A947-70E740481C1C}">
+                <a14:useLocalDpi xmlns:a14="http://schemas.microsoft.com/office/drawing/2010/main" val="0"/>
+              </a:ext>
+            </a:extLst>
+          </a:blip>
+          <a:stretch>
+            <a:fillRect/>
+          </a:stretch>
+        </p:blipFill>
+        <p:spPr>
+          <a:xfrm>
+            <a:off x="1487488" y="4343285"/>
+            <a:ext cx="2466321" cy="1584176"/>
+          </a:xfrm>
+          <a:prstGeom prst="rect">
+            <a:avLst/>
+          </a:prstGeom>
+        </p:spPr>
+      </p:pic>
+      <p:pic>
+        <p:nvPicPr>
+          <p:cNvPr id="7" name="Picture 6"/>
+          <p:cNvPicPr>
+            <a:picLocks noChangeAspect="1"/>
+          </p:cNvPicPr>
+          <p:nvPr/>
+        </p:nvPicPr>
+        <p:blipFill rotWithShape="1">
+          <a:blip r:embed="rId5">
+            <a:extLst>
+              <a:ext uri="{28A0092B-C50C-407E-A947-70E740481C1C}">
+                <a14:useLocalDpi xmlns:a14="http://schemas.microsoft.com/office/drawing/2010/main" val="0"/>
+              </a:ext>
+            </a:extLst>
+          </a:blip>
+          <a:srcRect l="58670" t="49863" r="2297" b="4776"/>
+          <a:stretch/>
+        </p:blipFill>
+        <p:spPr>
+          <a:xfrm>
+            <a:off x="8688288" y="1412776"/>
+            <a:ext cx="2592288" cy="1584176"/>
+          </a:xfrm>
+          <a:prstGeom prst="rect">
+            <a:avLst/>
+          </a:prstGeom>
+        </p:spPr>
+      </p:pic>
+      <p:pic>
+        <p:nvPicPr>
+          <p:cNvPr id="8" name="Picture 7"/>
+          <p:cNvPicPr>
+            <a:picLocks noChangeAspect="1"/>
+          </p:cNvPicPr>
+          <p:nvPr/>
+        </p:nvPicPr>
+        <p:blipFill>
+          <a:blip r:embed="rId6">
+            <a:extLst>
+              <a:ext uri="{28A0092B-C50C-407E-A947-70E740481C1C}">
+                <a14:useLocalDpi xmlns:a14="http://schemas.microsoft.com/office/drawing/2010/main" val="0"/>
+              </a:ext>
+            </a:extLst>
+          </a:blip>
+          <a:stretch>
+            <a:fillRect/>
+          </a:stretch>
+        </p:blipFill>
+        <p:spPr>
+          <a:xfrm>
+            <a:off x="5519935" y="4098890"/>
+            <a:ext cx="5060447" cy="1828571"/>
+          </a:xfrm>
+          <a:prstGeom prst="rect">
+            <a:avLst/>
+          </a:prstGeom>
+        </p:spPr>
+      </p:pic>
+      <p:sp>
+        <p:nvSpPr>
+          <p:cNvPr id="9" name="TextBox 8"/>
+          <p:cNvSpPr txBox="1"/>
+          <p:nvPr/>
+        </p:nvSpPr>
+        <p:spPr>
+          <a:xfrm>
+            <a:off x="2360586" y="5953222"/>
+            <a:ext cx="2520280" cy="369332"/>
+          </a:xfrm>
+          <a:prstGeom prst="rect">
+            <a:avLst/>
+          </a:prstGeom>
+          <a:noFill/>
+        </p:spPr>
+        <p:txBody>
+          <a:bodyPr wrap="square" rtlCol="0">
+            <a:spAutoFit/>
+          </a:bodyPr>
           <a:lstStyle/>
           <a:p>
             <a:r>
-              <a:rPr lang="en-US" sz="4400" b="1" dirty="0"/>
-              <a:t>Proxy</a:t>
-            </a:r>
-            <a:r>
-              <a:rPr lang="en-US" b="1" dirty="0"/>
-              <a:t> </a:t>
-            </a:r>
-            <a:r>
               <a:rPr lang="en-US" b="1" dirty="0" smtClean="0"/>
-              <a:t>Server</a:t>
-            </a:r>
-            <a:endParaRPr lang="en-IN" dirty="0"/>
-          </a:p>
-        </p:txBody>
-      </p:sp>
-      <p:sp>
-        <p:nvSpPr>
-          <p:cNvPr id="3" name="Content Placeholder 2"/>
-          <p:cNvSpPr>
-            <a:spLocks noGrp="1"/>
-          </p:cNvSpPr>
-          <p:nvPr>
-            <p:ph sz="quarter" idx="10"/>
-          </p:nvPr>
-        </p:nvSpPr>
-        <p:spPr>
-          <a:xfrm>
-            <a:off x="407988" y="1052736"/>
-            <a:ext cx="11160125" cy="5329013"/>
-          </a:xfrm>
-        </p:spPr>
-        <p:txBody>
-          <a:bodyPr/>
+              <a:t>Hub</a:t>
+            </a:r>
+            <a:endParaRPr lang="en-US" b="1" dirty="0"/>
+          </a:p>
+        </p:txBody>
+      </p:sp>
+      <p:sp>
+        <p:nvSpPr>
+          <p:cNvPr id="10" name="TextBox 9"/>
+          <p:cNvSpPr txBox="1"/>
+          <p:nvPr/>
+        </p:nvSpPr>
+        <p:spPr>
+          <a:xfrm>
+            <a:off x="1131407" y="3133285"/>
+            <a:ext cx="2564381" cy="369332"/>
+          </a:xfrm>
+          <a:prstGeom prst="rect">
+            <a:avLst/>
+          </a:prstGeom>
+          <a:noFill/>
+        </p:spPr>
+        <p:txBody>
+          <a:bodyPr wrap="square" rtlCol="0">
+            <a:spAutoFit/>
+          </a:bodyPr>
           <a:lstStyle/>
           <a:p>
-            <a:pPr marL="342900" indent="-342900">
-              <a:buFont typeface="Arial" panose="020B0604020202020204" pitchFamily="34" charset="0"/>
-              <a:buChar char="•"/>
-            </a:pPr>
-            <a:r>
-              <a:rPr lang="en-US" dirty="0">
-                <a:solidFill>
-                  <a:srgbClr val="000000"/>
-                </a:solidFill>
-              </a:rPr>
-              <a:t>Acts as an intermediary between the user's computer and the Internet</a:t>
-            </a:r>
-          </a:p>
-          <a:p>
-            <a:pPr marL="342900" indent="-342900">
-              <a:buFont typeface="Arial" panose="020B0604020202020204" pitchFamily="34" charset="0"/>
-              <a:buChar char="•"/>
-            </a:pPr>
-            <a:endParaRPr lang="en-IN" dirty="0"/>
+            <a:r>
+              <a:rPr lang="en-US" b="1" dirty="0" smtClean="0"/>
+              <a:t>Repeater</a:t>
+            </a:r>
+            <a:endParaRPr lang="en-US" b="1" dirty="0"/>
+          </a:p>
+        </p:txBody>
+      </p:sp>
+      <p:sp>
+        <p:nvSpPr>
+          <p:cNvPr id="11" name="TextBox 10"/>
+          <p:cNvSpPr txBox="1"/>
+          <p:nvPr/>
+        </p:nvSpPr>
+        <p:spPr>
+          <a:xfrm>
+            <a:off x="5879976" y="3133285"/>
+            <a:ext cx="2520280" cy="369332"/>
+          </a:xfrm>
+          <a:prstGeom prst="rect">
+            <a:avLst/>
+          </a:prstGeom>
+          <a:noFill/>
+        </p:spPr>
+        <p:txBody>
+          <a:bodyPr wrap="square" rtlCol="0">
+            <a:spAutoFit/>
+          </a:bodyPr>
+          <a:lstStyle/>
+          <a:p>
+            <a:r>
+              <a:rPr lang="en-US" b="1" dirty="0" smtClean="0"/>
+              <a:t>Router</a:t>
+            </a:r>
+            <a:endParaRPr lang="en-US" b="1" dirty="0"/>
+          </a:p>
+        </p:txBody>
+      </p:sp>
+      <p:sp>
+        <p:nvSpPr>
+          <p:cNvPr id="12" name="TextBox 11"/>
+          <p:cNvSpPr txBox="1"/>
+          <p:nvPr/>
+        </p:nvSpPr>
+        <p:spPr>
+          <a:xfrm>
+            <a:off x="10020436" y="3031281"/>
+            <a:ext cx="2520280" cy="369332"/>
+          </a:xfrm>
+          <a:prstGeom prst="rect">
+            <a:avLst/>
+          </a:prstGeom>
+          <a:noFill/>
+        </p:spPr>
+        <p:txBody>
+          <a:bodyPr wrap="square" rtlCol="0">
+            <a:spAutoFit/>
+          </a:bodyPr>
+          <a:lstStyle/>
+          <a:p>
+            <a:r>
+              <a:rPr lang="en-US" b="1" dirty="0" smtClean="0"/>
+              <a:t>Switch</a:t>
+            </a:r>
+            <a:endParaRPr lang="en-US" b="1" dirty="0"/>
+          </a:p>
+        </p:txBody>
+      </p:sp>
+      <p:sp>
+        <p:nvSpPr>
+          <p:cNvPr id="13" name="TextBox 12"/>
+          <p:cNvSpPr txBox="1"/>
+          <p:nvPr/>
+        </p:nvSpPr>
+        <p:spPr>
+          <a:xfrm>
+            <a:off x="7500156" y="5953222"/>
+            <a:ext cx="2520280" cy="369332"/>
+          </a:xfrm>
+          <a:prstGeom prst="rect">
+            <a:avLst/>
+          </a:prstGeom>
+          <a:noFill/>
+        </p:spPr>
+        <p:txBody>
+          <a:bodyPr wrap="square" rtlCol="0">
+            <a:spAutoFit/>
+          </a:bodyPr>
+          <a:lstStyle/>
+          <a:p>
+            <a:r>
+              <a:rPr lang="en-US" b="1" dirty="0" smtClean="0"/>
+              <a:t>Bridge</a:t>
+            </a:r>
+            <a:endParaRPr lang="en-US" b="1" dirty="0"/>
           </a:p>
         </p:txBody>
       </p:sp>
     </p:spTree>
     <p:extLst>
       <p:ext uri="{BB962C8B-B14F-4D97-AF65-F5344CB8AC3E}">
-        <p14:creationId xmlns:p14="http://schemas.microsoft.com/office/powerpoint/2010/main" val="778735559"/>
+        <p14:creationId xmlns:p14="http://schemas.microsoft.com/office/powerpoint/2010/main" val="3629404891"/>
       </p:ext>
     </p:extLst>
   </p:cSld>
@@ -17170,7 +22095,284 @@
       </p:grpSpPr>
       <p:sp>
         <p:nvSpPr>
-          <p:cNvPr id="2" name="Title 1"/>
+          <p:cNvPr id="8" name="TextBox 7"/>
+          <p:cNvSpPr txBox="1"/>
+          <p:nvPr/>
+        </p:nvSpPr>
+        <p:spPr>
+          <a:xfrm>
+            <a:off x="2057400" y="228600"/>
+            <a:ext cx="7848600" cy="369332"/>
+          </a:xfrm>
+          <a:prstGeom prst="rect">
+            <a:avLst/>
+          </a:prstGeom>
+          <a:noFill/>
+        </p:spPr>
+        <p:txBody>
+          <a:bodyPr wrap="square" rtlCol="0">
+            <a:spAutoFit/>
+          </a:bodyPr>
+          <a:lstStyle/>
+          <a:p>
+            <a:endParaRPr lang="en-US"/>
+          </a:p>
+        </p:txBody>
+      </p:sp>
+      <p:pic>
+        <p:nvPicPr>
+          <p:cNvPr id="28674" name="Picture 2" descr="C:\Users\dell\Downloads\ipv4.png"/>
+          <p:cNvPicPr>
+            <a:picLocks noChangeAspect="1" noChangeArrowheads="1"/>
+          </p:cNvPicPr>
+          <p:nvPr/>
+        </p:nvPicPr>
+        <p:blipFill>
+          <a:blip r:embed="rId2"/>
+          <a:srcRect/>
+          <a:stretch>
+            <a:fillRect/>
+          </a:stretch>
+        </p:blipFill>
+        <p:spPr bwMode="auto">
+          <a:xfrm>
+            <a:off x="1752600" y="2420888"/>
+            <a:ext cx="8458200" cy="2743200"/>
+          </a:xfrm>
+          <a:prstGeom prst="rect">
+            <a:avLst/>
+          </a:prstGeom>
+          <a:noFill/>
+        </p:spPr>
+      </p:pic>
+      <p:sp>
+        <p:nvSpPr>
+          <p:cNvPr id="4" name="TextBox 3"/>
+          <p:cNvSpPr txBox="1"/>
+          <p:nvPr/>
+        </p:nvSpPr>
+        <p:spPr>
+          <a:xfrm>
+            <a:off x="1752600" y="246531"/>
+            <a:ext cx="8305800" cy="1877437"/>
+          </a:xfrm>
+          <a:prstGeom prst="rect">
+            <a:avLst/>
+          </a:prstGeom>
+          <a:noFill/>
+        </p:spPr>
+        <p:txBody>
+          <a:bodyPr wrap="square" rtlCol="0">
+            <a:spAutoFit/>
+          </a:bodyPr>
+          <a:lstStyle/>
+          <a:p>
+            <a:r>
+              <a:rPr lang="en-US" sz="2400" b="1" dirty="0">
+                <a:latin typeface="+mj-lt"/>
+                <a:cs typeface="Times New Roman" pitchFamily="18" charset="0"/>
+              </a:rPr>
+              <a:t>IP Addressing</a:t>
+            </a:r>
+          </a:p>
+          <a:p>
+            <a:endParaRPr lang="en-US" sz="2400" b="1" dirty="0">
+              <a:latin typeface="Times New Roman" pitchFamily="18" charset="0"/>
+              <a:cs typeface="Times New Roman" pitchFamily="18" charset="0"/>
+            </a:endParaRPr>
+          </a:p>
+          <a:p>
+            <a:endParaRPr lang="en-US" sz="2400" b="1" dirty="0">
+              <a:latin typeface="Times New Roman" pitchFamily="18" charset="0"/>
+              <a:cs typeface="Times New Roman" pitchFamily="18" charset="0"/>
+            </a:endParaRPr>
+          </a:p>
+          <a:p>
+            <a:endParaRPr lang="en-US" sz="2400" b="1" dirty="0">
+              <a:latin typeface="Times New Roman" pitchFamily="18" charset="0"/>
+              <a:cs typeface="Times New Roman" pitchFamily="18" charset="0"/>
+            </a:endParaRPr>
+          </a:p>
+          <a:p>
+            <a:pPr>
+              <a:buFont typeface="Arial" pitchFamily="34" charset="0"/>
+              <a:buChar char="•"/>
+            </a:pPr>
+            <a:r>
+              <a:rPr lang="en-US" sz="2000" b="1" dirty="0">
+                <a:latin typeface="+mj-lt"/>
+                <a:cs typeface="Times New Roman" pitchFamily="18" charset="0"/>
+              </a:rPr>
+              <a:t>IPv4</a:t>
+            </a:r>
+          </a:p>
+        </p:txBody>
+      </p:sp>
+    </p:spTree>
+    <p:extLst>
+      <p:ext uri="{BB962C8B-B14F-4D97-AF65-F5344CB8AC3E}">
+        <p14:creationId xmlns:p14="http://schemas.microsoft.com/office/powerpoint/2010/main" val="3597171097"/>
+      </p:ext>
+    </p:extLst>
+  </p:cSld>
+  <p:clrMapOvr>
+    <a:masterClrMapping/>
+  </p:clrMapOvr>
+  <p:timing>
+    <p:tnLst>
+      <p:par>
+        <p:cTn id="1" dur="indefinite" restart="never" nodeType="tmRoot"/>
+      </p:par>
+    </p:tnLst>
+  </p:timing>
+</p:sld>
+</file>
+
+<file path=ppt/slides/slide8.xml><?xml version="1.0" encoding="utf-8"?>
+<p:sld xmlns:a="http://schemas.openxmlformats.org/drawingml/2006/main" xmlns:r="http://schemas.openxmlformats.org/officeDocument/2006/relationships" xmlns:p="http://schemas.openxmlformats.org/presentationml/2006/main">
+  <p:cSld>
+    <p:spTree>
+      <p:nvGrpSpPr>
+        <p:cNvPr id="1" name=""/>
+        <p:cNvGrpSpPr/>
+        <p:nvPr/>
+      </p:nvGrpSpPr>
+      <p:grpSpPr>
+        <a:xfrm>
+          <a:off x="0" y="0"/>
+          <a:ext cx="0" cy="0"/>
+          <a:chOff x="0" y="0"/>
+          <a:chExt cx="0" cy="0"/>
+        </a:xfrm>
+      </p:grpSpPr>
+      <p:sp>
+        <p:nvSpPr>
+          <p:cNvPr id="3" name="Content Placeholder 2"/>
+          <p:cNvSpPr>
+            <a:spLocks noGrp="1"/>
+          </p:cNvSpPr>
+          <p:nvPr>
+            <p:ph idx="1"/>
+          </p:nvPr>
+        </p:nvSpPr>
+        <p:spPr>
+          <a:xfrm>
+            <a:off x="551384" y="1268414"/>
+            <a:ext cx="11370945" cy="5040313"/>
+          </a:xfrm>
+        </p:spPr>
+        <p:txBody>
+          <a:bodyPr/>
+          <a:lstStyle/>
+          <a:p>
+            <a:pPr>
+              <a:lnSpc>
+                <a:spcPct val="100000"/>
+              </a:lnSpc>
+            </a:pPr>
+            <a:r>
+              <a:rPr lang="en-US" dirty="0"/>
+              <a:t>The 128 bit IPV6 address is written as Eight 16 bit integer.(Using decimal digits foe each integer)</a:t>
+            </a:r>
+          </a:p>
+          <a:p>
+            <a:pPr>
+              <a:lnSpc>
+                <a:spcPct val="100000"/>
+              </a:lnSpc>
+            </a:pPr>
+            <a:r>
+              <a:rPr lang="en-US" dirty="0"/>
+              <a:t>Ex:          CEDF : BF76 : 0000 : 0000 : 009E : FACE : 3025 : DF12</a:t>
+            </a:r>
+          </a:p>
+          <a:p>
+            <a:pPr>
+              <a:lnSpc>
+                <a:spcPct val="100000"/>
+              </a:lnSpc>
+            </a:pPr>
+            <a:endParaRPr lang="en-US" dirty="0"/>
+          </a:p>
+          <a:p>
+            <a:pPr>
+              <a:lnSpc>
+                <a:spcPct val="100000"/>
+              </a:lnSpc>
+            </a:pPr>
+            <a:r>
+              <a:rPr lang="en-US" dirty="0"/>
+              <a:t>1100 1110 1101 1111 : 1011 1111 0111 0110 : 0000 0000 0000 0000 : 0000 0000 0000 0000 : 0000 0000 1001 1110 : 1111 1010 1100 1110 : 0011 0000 0010 0101 : 1101 1111 0001 0010</a:t>
+            </a:r>
+          </a:p>
+          <a:p>
+            <a:pPr>
+              <a:lnSpc>
+                <a:spcPct val="100000"/>
+              </a:lnSpc>
+            </a:pPr>
+            <a:endParaRPr lang="en-US" dirty="0"/>
+          </a:p>
+          <a:p>
+            <a:pPr marL="285750" indent="-285750">
+              <a:lnSpc>
+                <a:spcPct val="100000"/>
+              </a:lnSpc>
+              <a:buFont typeface="Arial" panose="020B0604020202020204" pitchFamily="34" charset="0"/>
+              <a:buChar char="•"/>
+            </a:pPr>
+            <a:r>
+              <a:rPr lang="en-US" b="1" dirty="0"/>
+              <a:t>Abbreviations of leading Zeros:</a:t>
+            </a:r>
+          </a:p>
+          <a:p>
+            <a:pPr>
+              <a:lnSpc>
+                <a:spcPct val="100000"/>
+              </a:lnSpc>
+            </a:pPr>
+            <a:r>
+              <a:rPr lang="en-US" dirty="0"/>
+              <a:t>                CEDF : BF76 : 0 : 0 : 9E : FACE : 3025 : DF12</a:t>
+            </a:r>
+          </a:p>
+          <a:p>
+            <a:pPr marL="285750" indent="-285750">
+              <a:lnSpc>
+                <a:spcPct val="100000"/>
+              </a:lnSpc>
+              <a:buFont typeface="Arial" panose="020B0604020202020204" pitchFamily="34" charset="0"/>
+              <a:buChar char="•"/>
+            </a:pPr>
+            <a:r>
+              <a:rPr lang="en-US" b="1" dirty="0"/>
+              <a:t>“ 0000 : 0000” can be written as “ :: ”</a:t>
+            </a:r>
+          </a:p>
+          <a:p>
+            <a:pPr>
+              <a:lnSpc>
+                <a:spcPct val="100000"/>
+              </a:lnSpc>
+            </a:pPr>
+            <a:r>
+              <a:rPr lang="en-US" dirty="0"/>
+              <a:t>                 CEDF : BF76 : : 9E : FACE : 3025 : DF12</a:t>
+            </a:r>
+          </a:p>
+          <a:p>
+            <a:pPr marL="285750" indent="-285750">
+              <a:buFont typeface="Arial" panose="020B0604020202020204" pitchFamily="34" charset="0"/>
+              <a:buChar char="•"/>
+            </a:pPr>
+            <a:endParaRPr lang="en-US" dirty="0"/>
+          </a:p>
+        </p:txBody>
+      </p:sp>
+      <p:sp>
+        <p:nvSpPr>
+          <p:cNvPr id="4" name="Title 1"/>
           <p:cNvSpPr>
             <a:spLocks noGrp="1"/>
           </p:cNvSpPr>
@@ -17180,40 +22382,655 @@
         </p:nvSpPr>
         <p:spPr/>
         <p:txBody>
-          <a:bodyPr/>
+          <a:bodyPr>
+            <a:normAutofit/>
+          </a:bodyPr>
           <a:lstStyle/>
           <a:p>
             <a:r>
-              <a:rPr lang="en-IN" b="1" dirty="0" smtClean="0"/>
-              <a:t>What is Web Service?</a:t>
-            </a:r>
-            <a:endParaRPr lang="en-IN" b="1" dirty="0"/>
-          </a:p>
-        </p:txBody>
-      </p:sp>
-      <p:sp>
-        <p:nvSpPr>
-          <p:cNvPr id="3" name="Content Placeholder 2"/>
-          <p:cNvSpPr>
-            <a:spLocks noGrp="1"/>
+              <a:rPr lang="en-US" sz="2800" b="1" dirty="0" smtClean="0">
+                <a:solidFill>
+                  <a:schemeClr val="tx1"/>
+                </a:solidFill>
+              </a:rPr>
+              <a:t>IPv6</a:t>
+            </a:r>
+            <a:endParaRPr lang="en-US" sz="2800" b="1" dirty="0">
+              <a:solidFill>
+                <a:schemeClr val="tx1"/>
+              </a:solidFill>
+            </a:endParaRPr>
+          </a:p>
+        </p:txBody>
+      </p:sp>
+      <p:sp>
+        <p:nvSpPr>
+          <p:cNvPr id="5" name="Title 1"/>
+          <p:cNvSpPr txBox="1">
+            <a:spLocks/>
           </p:cNvSpPr>
-          <p:nvPr>
-            <p:ph sz="quarter" idx="10"/>
-          </p:nvPr>
-        </p:nvSpPr>
-        <p:spPr/>
-        <p:txBody>
-          <a:bodyPr/>
-          <a:lstStyle/>
-          <a:p>
-            <a:endParaRPr lang="en-IN"/>
+          <p:nvPr/>
+        </p:nvSpPr>
+        <p:spPr>
+          <a:xfrm>
+            <a:off x="11064552" y="5949280"/>
+            <a:ext cx="1296144" cy="851045"/>
+          </a:xfrm>
+          <a:prstGeom prst="rect">
+            <a:avLst/>
+          </a:prstGeom>
+        </p:spPr>
+        <p:txBody>
+          <a:bodyPr vert="horz" lIns="0" tIns="0" rIns="0" bIns="0" rtlCol="0" anchor="b">
+            <a:normAutofit/>
+          </a:bodyPr>
+          <a:lstStyle>
+            <a:lvl1pPr algn="l" defTabSz="914400" rtl="0" eaLnBrk="1" latinLnBrk="0" hangingPunct="1">
+              <a:lnSpc>
+                <a:spcPct val="90000"/>
+              </a:lnSpc>
+              <a:spcBef>
+                <a:spcPct val="0"/>
+              </a:spcBef>
+              <a:buNone/>
+              <a:defRPr lang="pt-PT" sz="2600" kern="1200">
+                <a:solidFill>
+                  <a:schemeClr val="tx2"/>
+                </a:solidFill>
+                <a:latin typeface="Verdana" panose="020B0604030504040204" pitchFamily="34" charset="0"/>
+                <a:ea typeface="Verdana" panose="020B0604030504040204" pitchFamily="34" charset="0"/>
+                <a:cs typeface="Verdana" panose="020B0604030504040204" pitchFamily="34" charset="0"/>
+              </a:defRPr>
+            </a:lvl1pPr>
+          </a:lstStyle>
+          <a:p>
+            <a:r>
+              <a:rPr lang="en-US" sz="1000" b="1" dirty="0" smtClean="0">
+                <a:solidFill>
+                  <a:schemeClr val="tx1"/>
+                </a:solidFill>
+              </a:rPr>
+              <a:t>SLIDE NO: 23</a:t>
+            </a:r>
+            <a:endParaRPr lang="en-US" sz="1000" b="1" dirty="0">
+              <a:solidFill>
+                <a:schemeClr val="tx1"/>
+              </a:solidFill>
+            </a:endParaRPr>
           </a:p>
         </p:txBody>
       </p:sp>
     </p:spTree>
     <p:extLst>
       <p:ext uri="{BB962C8B-B14F-4D97-AF65-F5344CB8AC3E}">
-        <p14:creationId xmlns:p14="http://schemas.microsoft.com/office/powerpoint/2010/main" val="2943275557"/>
+        <p14:creationId xmlns:p14="http://schemas.microsoft.com/office/powerpoint/2010/main" val="2231773018"/>
+      </p:ext>
+    </p:extLst>
+  </p:cSld>
+  <p:clrMapOvr>
+    <a:masterClrMapping/>
+  </p:clrMapOvr>
+  <mc:AlternateContent xmlns:mc="http://schemas.openxmlformats.org/markup-compatibility/2006" xmlns:p14="http://schemas.microsoft.com/office/powerpoint/2010/main">
+    <mc:Choice Requires="p14">
+      <p:transition spd="slow">
+        <p14:flash/>
+      </p:transition>
+    </mc:Choice>
+    <mc:Fallback xmlns="">
+      <p:transition spd="slow">
+        <p:fade/>
+      </p:transition>
+    </mc:Fallback>
+  </mc:AlternateContent>
+  <p:timing>
+    <p:tnLst>
+      <p:par>
+        <p:cTn id="1" dur="indefinite" restart="never" nodeType="tmRoot"/>
+      </p:par>
+    </p:tnLst>
+  </p:timing>
+</p:sld>
+</file>
+
+<file path=ppt/slides/slide9.xml><?xml version="1.0" encoding="utf-8"?>
+<p:sld xmlns:a="http://schemas.openxmlformats.org/drawingml/2006/main" xmlns:r="http://schemas.openxmlformats.org/officeDocument/2006/relationships" xmlns:p="http://schemas.openxmlformats.org/presentationml/2006/main">
+  <p:cSld>
+    <p:spTree>
+      <p:nvGrpSpPr>
+        <p:cNvPr id="1" name=""/>
+        <p:cNvGrpSpPr/>
+        <p:nvPr/>
+      </p:nvGrpSpPr>
+      <p:grpSpPr>
+        <a:xfrm>
+          <a:off x="0" y="0"/>
+          <a:ext cx="0" cy="0"/>
+          <a:chOff x="0" y="0"/>
+          <a:chExt cx="0" cy="0"/>
+        </a:xfrm>
+      </p:grpSpPr>
+      <p:sp>
+        <p:nvSpPr>
+          <p:cNvPr id="5" name="Rectangle 1"/>
+          <p:cNvSpPr>
+            <a:spLocks noChangeArrowheads="1"/>
+          </p:cNvSpPr>
+          <p:nvPr/>
+        </p:nvSpPr>
+        <p:spPr bwMode="auto">
+          <a:xfrm>
+            <a:off x="1524001" y="-323165"/>
+            <a:ext cx="184731" cy="646331"/>
+          </a:xfrm>
+          <a:prstGeom prst="rect">
+            <a:avLst/>
+          </a:prstGeom>
+          <a:noFill/>
+          <a:ln>
+            <a:noFill/>
+          </a:ln>
+          <a:effectLst/>
+          <a:extLst>
+            <a:ext uri="{909E8E84-426E-40DD-AFC4-6F175D3DCCD1}">
+              <a14:hiddenFill xmlns:a14="http://schemas.microsoft.com/office/drawing/2010/main">
+                <a:solidFill>
+                  <a:schemeClr val="accent1"/>
+                </a:solidFill>
+              </a14:hiddenFill>
+            </a:ext>
+            <a:ext uri="{91240B29-F687-4F45-9708-019B960494DF}">
+              <a14:hiddenLine xmlns:a14="http://schemas.microsoft.com/office/drawing/2010/main" w="9525">
+                <a:solidFill>
+                  <a:schemeClr val="tx1"/>
+                </a:solidFill>
+                <a:miter lim="800000"/>
+                <a:headEnd/>
+                <a:tailEnd/>
+              </a14:hiddenLine>
+            </a:ext>
+            <a:ext uri="{AF507438-7753-43E0-B8FC-AC1667EBCBE1}">
+              <a14:hiddenEffects xmlns:a14="http://schemas.microsoft.com/office/drawing/2010/main">
+                <a:effectLst>
+                  <a:outerShdw dist="35921" dir="2700000" algn="ctr" rotWithShape="0">
+                    <a:schemeClr val="bg2"/>
+                  </a:outerShdw>
+                </a:effectLst>
+              </a14:hiddenEffects>
+            </a:ext>
+          </a:extLst>
+        </p:spPr>
+        <p:txBody>
+          <a:bodyPr vert="horz" wrap="none" lIns="91440" tIns="45720" rIns="91440" bIns="45720" numCol="1" anchor="ctr" anchorCtr="0" compatLnSpc="1">
+            <a:prstTxWarp prst="textNoShape">
+              <a:avLst/>
+            </a:prstTxWarp>
+            <a:spAutoFit/>
+          </a:bodyPr>
+          <a:lstStyle/>
+          <a:p>
+            <a:pPr eaLnBrk="0" fontAlgn="base" hangingPunct="0">
+              <a:spcBef>
+                <a:spcPct val="0"/>
+              </a:spcBef>
+              <a:spcAft>
+                <a:spcPct val="0"/>
+              </a:spcAft>
+            </a:pPr>
+            <a:r>
+              <a:rPr lang="en-US">
+                <a:latin typeface="Arial" panose="020B0604020202020204" pitchFamily="34" charset="0"/>
+              </a:rPr>
+              <a:t/>
+            </a:r>
+            <a:br>
+              <a:rPr lang="en-US">
+                <a:latin typeface="Arial" panose="020B0604020202020204" pitchFamily="34" charset="0"/>
+              </a:rPr>
+            </a:br>
+            <a:endParaRPr lang="en-US">
+              <a:latin typeface="Arial" panose="020B0604020202020204" pitchFamily="34" charset="0"/>
+            </a:endParaRPr>
+          </a:p>
+        </p:txBody>
+      </p:sp>
+      <p:sp>
+        <p:nvSpPr>
+          <p:cNvPr id="6" name="Content Placeholder 2"/>
+          <p:cNvSpPr txBox="1">
+            <a:spLocks/>
+          </p:cNvSpPr>
+          <p:nvPr/>
+        </p:nvSpPr>
+        <p:spPr>
+          <a:xfrm>
+            <a:off x="1981200" y="4038600"/>
+            <a:ext cx="8229600" cy="1219200"/>
+          </a:xfrm>
+          <a:prstGeom prst="rect">
+            <a:avLst/>
+          </a:prstGeom>
+        </p:spPr>
+        <p:txBody>
+          <a:bodyPr vert="horz" lIns="91440" tIns="45720" rIns="91440" bIns="45720" rtlCol="0">
+            <a:noAutofit/>
+          </a:bodyPr>
+          <a:lstStyle>
+            <a:lvl1pPr marL="342900" indent="-342900" algn="l" defTabSz="914400" rtl="0" eaLnBrk="1" latinLnBrk="0" hangingPunct="1">
+              <a:spcBef>
+                <a:spcPct val="20000"/>
+              </a:spcBef>
+              <a:buFont typeface="Arial" pitchFamily="34" charset="0"/>
+              <a:buChar char="•"/>
+              <a:defRPr sz="3200" kern="1200">
+                <a:solidFill>
+                  <a:schemeClr val="tx1"/>
+                </a:solidFill>
+                <a:latin typeface="+mn-lt"/>
+                <a:ea typeface="+mn-ea"/>
+                <a:cs typeface="+mn-cs"/>
+              </a:defRPr>
+            </a:lvl1pPr>
+            <a:lvl2pPr marL="742950" indent="-285750" algn="l" defTabSz="914400" rtl="0" eaLnBrk="1" latinLnBrk="0" hangingPunct="1">
+              <a:spcBef>
+                <a:spcPct val="20000"/>
+              </a:spcBef>
+              <a:buFont typeface="Arial" pitchFamily="34" charset="0"/>
+              <a:buChar char="–"/>
+              <a:defRPr sz="2800" kern="1200">
+                <a:solidFill>
+                  <a:schemeClr val="tx1"/>
+                </a:solidFill>
+                <a:latin typeface="+mn-lt"/>
+                <a:ea typeface="+mn-ea"/>
+                <a:cs typeface="+mn-cs"/>
+              </a:defRPr>
+            </a:lvl2pPr>
+            <a:lvl3pPr marL="1143000" indent="-228600" algn="l" defTabSz="914400" rtl="0" eaLnBrk="1" latinLnBrk="0" hangingPunct="1">
+              <a:spcBef>
+                <a:spcPct val="20000"/>
+              </a:spcBef>
+              <a:buFont typeface="Arial" pitchFamily="34" charset="0"/>
+              <a:buChar char="•"/>
+              <a:defRPr sz="2400" kern="1200">
+                <a:solidFill>
+                  <a:schemeClr val="tx1"/>
+                </a:solidFill>
+                <a:latin typeface="+mn-lt"/>
+                <a:ea typeface="+mn-ea"/>
+                <a:cs typeface="+mn-cs"/>
+              </a:defRPr>
+            </a:lvl3pPr>
+            <a:lvl4pPr marL="1600200" indent="-228600" algn="l" defTabSz="914400" rtl="0" eaLnBrk="1" latinLnBrk="0" hangingPunct="1">
+              <a:spcBef>
+                <a:spcPct val="20000"/>
+              </a:spcBef>
+              <a:buFont typeface="Arial" pitchFamily="34" charset="0"/>
+              <a:buChar char="–"/>
+              <a:defRPr sz="2000" kern="1200">
+                <a:solidFill>
+                  <a:schemeClr val="tx1"/>
+                </a:solidFill>
+                <a:latin typeface="+mn-lt"/>
+                <a:ea typeface="+mn-ea"/>
+                <a:cs typeface="+mn-cs"/>
+              </a:defRPr>
+            </a:lvl4pPr>
+            <a:lvl5pPr marL="2057400" indent="-228600" algn="l" defTabSz="914400" rtl="0" eaLnBrk="1" latinLnBrk="0" hangingPunct="1">
+              <a:spcBef>
+                <a:spcPct val="20000"/>
+              </a:spcBef>
+              <a:buFont typeface="Arial" pitchFamily="34" charset="0"/>
+              <a:buChar char="»"/>
+              <a:defRPr sz="2000" kern="1200">
+                <a:solidFill>
+                  <a:schemeClr val="tx1"/>
+                </a:solidFill>
+                <a:latin typeface="+mn-lt"/>
+                <a:ea typeface="+mn-ea"/>
+                <a:cs typeface="+mn-cs"/>
+              </a:defRPr>
+            </a:lvl5pPr>
+            <a:lvl6pPr marL="2514600" indent="-228600" algn="l" defTabSz="914400" rtl="0" eaLnBrk="1" latinLnBrk="0" hangingPunct="1">
+              <a:spcBef>
+                <a:spcPct val="20000"/>
+              </a:spcBef>
+              <a:buFont typeface="Arial" pitchFamily="34" charset="0"/>
+              <a:buChar char="•"/>
+              <a:defRPr sz="2000" kern="1200">
+                <a:solidFill>
+                  <a:schemeClr val="tx1"/>
+                </a:solidFill>
+                <a:latin typeface="+mn-lt"/>
+                <a:ea typeface="+mn-ea"/>
+                <a:cs typeface="+mn-cs"/>
+              </a:defRPr>
+            </a:lvl6pPr>
+            <a:lvl7pPr marL="2971800" indent="-228600" algn="l" defTabSz="914400" rtl="0" eaLnBrk="1" latinLnBrk="0" hangingPunct="1">
+              <a:spcBef>
+                <a:spcPct val="20000"/>
+              </a:spcBef>
+              <a:buFont typeface="Arial" pitchFamily="34" charset="0"/>
+              <a:buChar char="•"/>
+              <a:defRPr sz="2000" kern="1200">
+                <a:solidFill>
+                  <a:schemeClr val="tx1"/>
+                </a:solidFill>
+                <a:latin typeface="+mn-lt"/>
+                <a:ea typeface="+mn-ea"/>
+                <a:cs typeface="+mn-cs"/>
+              </a:defRPr>
+            </a:lvl7pPr>
+            <a:lvl8pPr marL="3429000" indent="-228600" algn="l" defTabSz="914400" rtl="0" eaLnBrk="1" latinLnBrk="0" hangingPunct="1">
+              <a:spcBef>
+                <a:spcPct val="20000"/>
+              </a:spcBef>
+              <a:buFont typeface="Arial" pitchFamily="34" charset="0"/>
+              <a:buChar char="•"/>
+              <a:defRPr sz="2000" kern="1200">
+                <a:solidFill>
+                  <a:schemeClr val="tx1"/>
+                </a:solidFill>
+                <a:latin typeface="+mn-lt"/>
+                <a:ea typeface="+mn-ea"/>
+                <a:cs typeface="+mn-cs"/>
+              </a:defRPr>
+            </a:lvl8pPr>
+            <a:lvl9pPr marL="3886200" indent="-228600" algn="l" defTabSz="914400" rtl="0" eaLnBrk="1" latinLnBrk="0" hangingPunct="1">
+              <a:spcBef>
+                <a:spcPct val="20000"/>
+              </a:spcBef>
+              <a:buFont typeface="Arial" pitchFamily="34" charset="0"/>
+              <a:buChar char="•"/>
+              <a:defRPr sz="2000" kern="1200">
+                <a:solidFill>
+                  <a:schemeClr val="tx1"/>
+                </a:solidFill>
+                <a:latin typeface="+mn-lt"/>
+                <a:ea typeface="+mn-ea"/>
+                <a:cs typeface="+mn-cs"/>
+              </a:defRPr>
+            </a:lvl9pPr>
+          </a:lstStyle>
+          <a:p>
+            <a:endParaRPr lang="en-IN" sz="2000" dirty="0">
+              <a:latin typeface="Times New Roman" pitchFamily="18" charset="0"/>
+              <a:cs typeface="Times New Roman" pitchFamily="18" charset="0"/>
+            </a:endParaRPr>
+          </a:p>
+        </p:txBody>
+      </p:sp>
+      <p:sp>
+        <p:nvSpPr>
+          <p:cNvPr id="7" name="Title 1"/>
+          <p:cNvSpPr txBox="1">
+            <a:spLocks/>
+          </p:cNvSpPr>
+          <p:nvPr/>
+        </p:nvSpPr>
+        <p:spPr>
+          <a:xfrm>
+            <a:off x="1981200" y="3352800"/>
+            <a:ext cx="8229600" cy="691370"/>
+          </a:xfrm>
+          <a:prstGeom prst="rect">
+            <a:avLst/>
+          </a:prstGeom>
+        </p:spPr>
+        <p:txBody>
+          <a:bodyPr vert="horz" lIns="91440" tIns="45720" rIns="91440" bIns="45720" rtlCol="0" anchor="ctr">
+            <a:normAutofit/>
+          </a:bodyPr>
+          <a:lstStyle>
+            <a:lvl1pPr algn="ctr" defTabSz="914400" rtl="0" eaLnBrk="1" latinLnBrk="0" hangingPunct="1">
+              <a:spcBef>
+                <a:spcPct val="0"/>
+              </a:spcBef>
+              <a:buNone/>
+              <a:defRPr sz="4400" kern="1200">
+                <a:solidFill>
+                  <a:schemeClr val="tx1"/>
+                </a:solidFill>
+                <a:latin typeface="+mj-lt"/>
+                <a:ea typeface="+mj-ea"/>
+                <a:cs typeface="+mj-cs"/>
+              </a:defRPr>
+            </a:lvl1pPr>
+          </a:lstStyle>
+          <a:p>
+            <a:pPr algn="l"/>
+            <a:endParaRPr lang="en-IN" sz="2400" dirty="0"/>
+          </a:p>
+        </p:txBody>
+      </p:sp>
+      <p:sp>
+        <p:nvSpPr>
+          <p:cNvPr id="9" name="TextBox 8"/>
+          <p:cNvSpPr txBox="1"/>
+          <p:nvPr/>
+        </p:nvSpPr>
+        <p:spPr>
+          <a:xfrm>
+            <a:off x="1752600" y="366804"/>
+            <a:ext cx="8534400" cy="6340197"/>
+          </a:xfrm>
+          <a:prstGeom prst="rect">
+            <a:avLst/>
+          </a:prstGeom>
+          <a:noFill/>
+        </p:spPr>
+        <p:txBody>
+          <a:bodyPr wrap="square" rtlCol="0">
+            <a:spAutoFit/>
+          </a:bodyPr>
+          <a:lstStyle/>
+          <a:p>
+            <a:r>
+              <a:rPr lang="en-US" sz="2400" b="1" dirty="0" err="1">
+                <a:latin typeface="+mj-lt"/>
+                <a:cs typeface="Times New Roman" pitchFamily="18" charset="0"/>
+              </a:rPr>
+              <a:t>Subnetting</a:t>
+            </a:r>
+            <a:r>
+              <a:rPr lang="en-US" sz="2400" b="1" dirty="0">
+                <a:latin typeface="+mj-lt"/>
+                <a:cs typeface="Times New Roman" pitchFamily="18" charset="0"/>
+              </a:rPr>
+              <a:t>:</a:t>
+            </a:r>
+          </a:p>
+          <a:p>
+            <a:endParaRPr lang="en-US" sz="2400" b="1" dirty="0">
+              <a:latin typeface="+mj-lt"/>
+              <a:cs typeface="Times New Roman" pitchFamily="18" charset="0"/>
+            </a:endParaRPr>
+          </a:p>
+          <a:p>
+            <a:endParaRPr lang="en-US" sz="2400" b="1" dirty="0">
+              <a:latin typeface="+mj-lt"/>
+              <a:cs typeface="Times New Roman" pitchFamily="18" charset="0"/>
+            </a:endParaRPr>
+          </a:p>
+          <a:p>
+            <a:pPr>
+              <a:lnSpc>
+                <a:spcPct val="150000"/>
+              </a:lnSpc>
+              <a:buFont typeface="Arial" pitchFamily="34" charset="0"/>
+              <a:buChar char="•"/>
+            </a:pPr>
+            <a:r>
+              <a:rPr lang="en-IN" sz="2000" dirty="0" err="1">
+                <a:latin typeface="+mj-lt"/>
+                <a:cs typeface="Times New Roman" pitchFamily="18" charset="0"/>
+              </a:rPr>
+              <a:t>Subnetting</a:t>
+            </a:r>
+            <a:r>
+              <a:rPr lang="en-IN" sz="2000" dirty="0">
+                <a:latin typeface="+mj-lt"/>
+                <a:cs typeface="Times New Roman" pitchFamily="18" charset="0"/>
+              </a:rPr>
+              <a:t> is a way of splitting a network into smaller, more manageable pieces.</a:t>
+            </a:r>
+          </a:p>
+          <a:p>
+            <a:pPr>
+              <a:lnSpc>
+                <a:spcPct val="150000"/>
+              </a:lnSpc>
+              <a:buFont typeface="Arial" pitchFamily="34" charset="0"/>
+              <a:buChar char="•"/>
+            </a:pPr>
+            <a:r>
+              <a:rPr lang="en-IN" sz="2000" dirty="0">
+                <a:latin typeface="+mj-lt"/>
+                <a:cs typeface="Times New Roman" pitchFamily="18" charset="0"/>
+              </a:rPr>
+              <a:t>purpose of </a:t>
+            </a:r>
+            <a:r>
+              <a:rPr lang="en-IN" sz="2000" dirty="0" err="1">
+                <a:latin typeface="+mj-lt"/>
+                <a:cs typeface="Times New Roman" pitchFamily="18" charset="0"/>
+              </a:rPr>
+              <a:t>subnetting</a:t>
+            </a:r>
+            <a:r>
+              <a:rPr lang="en-IN" sz="2000" dirty="0">
+                <a:latin typeface="+mj-lt"/>
+                <a:cs typeface="Times New Roman" pitchFamily="18" charset="0"/>
+              </a:rPr>
+              <a:t> is to help relieve network congestion.</a:t>
+            </a:r>
+          </a:p>
+          <a:p>
+            <a:endParaRPr lang="en-US" sz="2200" b="1" dirty="0">
+              <a:latin typeface="+mj-lt"/>
+              <a:cs typeface="Times New Roman" pitchFamily="18" charset="0"/>
+            </a:endParaRPr>
+          </a:p>
+          <a:p>
+            <a:r>
+              <a:rPr lang="en-US" sz="2200" b="1" dirty="0">
+                <a:latin typeface="+mj-lt"/>
+                <a:cs typeface="Times New Roman" pitchFamily="18" charset="0"/>
+              </a:rPr>
+              <a:t>Reserved Address</a:t>
+            </a:r>
+          </a:p>
+          <a:p>
+            <a:pPr marL="914400" lvl="1" indent="-457200">
+              <a:buFont typeface="Arial" pitchFamily="34" charset="0"/>
+              <a:buChar char="•"/>
+            </a:pPr>
+            <a:r>
+              <a:rPr lang="en-US" sz="2000" b="1" dirty="0">
+                <a:latin typeface="+mj-lt"/>
+                <a:cs typeface="Times New Roman" panose="02020603050405020304" pitchFamily="18" charset="0"/>
+              </a:rPr>
+              <a:t>Link-local Addresses</a:t>
+            </a:r>
+          </a:p>
+          <a:p>
+            <a:pPr marL="1371600" lvl="2" indent="-457200"/>
+            <a:r>
+              <a:rPr lang="en-IN" sz="2000" dirty="0">
+                <a:latin typeface="+mj-lt"/>
+                <a:cs typeface="Times New Roman" panose="02020603050405020304" pitchFamily="18" charset="0"/>
+              </a:rPr>
+              <a:t>169.254.1.0 to 169.254.254.255</a:t>
+            </a:r>
+          </a:p>
+          <a:p>
+            <a:pPr marL="1371600" lvl="2" indent="-457200"/>
+            <a:endParaRPr lang="en-US" sz="2000" dirty="0">
+              <a:latin typeface="+mj-lt"/>
+              <a:cs typeface="Times New Roman" panose="02020603050405020304" pitchFamily="18" charset="0"/>
+            </a:endParaRPr>
+          </a:p>
+          <a:p>
+            <a:pPr marL="914400" lvl="1" indent="-457200">
+              <a:buFont typeface="Arial" pitchFamily="34" charset="0"/>
+              <a:buChar char="•"/>
+            </a:pPr>
+            <a:r>
+              <a:rPr lang="en-US" sz="2000" b="1" dirty="0">
+                <a:latin typeface="+mj-lt"/>
+                <a:cs typeface="Times New Roman" panose="02020603050405020304" pitchFamily="18" charset="0"/>
+              </a:rPr>
+              <a:t>Loopback IP Addresses</a:t>
+            </a:r>
+          </a:p>
+          <a:p>
+            <a:pPr marL="1371600" lvl="2" indent="-457200"/>
+            <a:r>
+              <a:rPr lang="en-IN" sz="2000" dirty="0">
+                <a:latin typeface="+mj-lt"/>
+                <a:cs typeface="Times New Roman" panose="02020603050405020304" pitchFamily="18" charset="0"/>
+              </a:rPr>
+              <a:t>127.0.0.1 to 127.255.255.254</a:t>
+            </a:r>
+          </a:p>
+          <a:p>
+            <a:pPr marL="1371600" lvl="2" indent="-457200"/>
+            <a:endParaRPr lang="en-US" sz="2000" dirty="0">
+              <a:latin typeface="+mj-lt"/>
+              <a:cs typeface="Times New Roman" panose="02020603050405020304" pitchFamily="18" charset="0"/>
+            </a:endParaRPr>
+          </a:p>
+          <a:p>
+            <a:pPr marL="914400" lvl="1" indent="-457200">
+              <a:buFont typeface="Arial" pitchFamily="34" charset="0"/>
+              <a:buChar char="•"/>
+            </a:pPr>
+            <a:r>
+              <a:rPr lang="en-US" sz="2000" b="1" dirty="0">
+                <a:latin typeface="+mj-lt"/>
+                <a:cs typeface="Times New Roman" panose="02020603050405020304" pitchFamily="18" charset="0"/>
+              </a:rPr>
+              <a:t>Private IP Address</a:t>
+            </a:r>
+          </a:p>
+          <a:p>
+            <a:pPr marL="914400" lvl="1" indent="-457200"/>
+            <a:r>
+              <a:rPr lang="en-IN" sz="2000" dirty="0">
+                <a:latin typeface="+mj-lt"/>
+                <a:cs typeface="Times New Roman" panose="02020603050405020304" pitchFamily="18" charset="0"/>
+              </a:rPr>
+              <a:t>	10.0.0.0 to 10.255.255.255.</a:t>
+            </a:r>
+          </a:p>
+          <a:p>
+            <a:pPr marL="914400" lvl="1" indent="-457200"/>
+            <a:r>
+              <a:rPr lang="en-IN" sz="2000" dirty="0">
+                <a:latin typeface="+mj-lt"/>
+                <a:cs typeface="Times New Roman" panose="02020603050405020304" pitchFamily="18" charset="0"/>
+              </a:rPr>
+              <a:t>	172.16.0.0 to 172.31.255.255.</a:t>
+            </a:r>
+          </a:p>
+          <a:p>
+            <a:pPr marL="914400" lvl="1" indent="-457200"/>
+            <a:r>
+              <a:rPr lang="en-IN" sz="2000" dirty="0">
+                <a:latin typeface="+mj-lt"/>
+                <a:cs typeface="Times New Roman" panose="02020603050405020304" pitchFamily="18" charset="0"/>
+              </a:rPr>
+              <a:t>	192.168.0.0 to 192.168.255.255.</a:t>
+            </a:r>
+            <a:endParaRPr lang="en-US" dirty="0">
+              <a:latin typeface="+mj-lt"/>
+            </a:endParaRPr>
+          </a:p>
+        </p:txBody>
+      </p:sp>
+    </p:spTree>
+    <p:extLst>
+      <p:ext uri="{BB962C8B-B14F-4D97-AF65-F5344CB8AC3E}">
+        <p14:creationId xmlns:p14="http://schemas.microsoft.com/office/powerpoint/2010/main" val="1763715104"/>
       </p:ext>
     </p:extLst>
   </p:cSld>

--- a/M1.pptx
+++ b/M1.pptx
@@ -8,10 +8,10 @@
     <p:sldMasterId id="2147483741" r:id="rId4"/>
   </p:sldMasterIdLst>
   <p:notesMasterIdLst>
-    <p:notesMasterId r:id="rId22"/>
+    <p:notesMasterId r:id="rId21"/>
   </p:notesMasterIdLst>
   <p:handoutMasterIdLst>
-    <p:handoutMasterId r:id="rId23"/>
+    <p:handoutMasterId r:id="rId22"/>
   </p:handoutMasterIdLst>
   <p:sldIdLst>
     <p:sldId id="281" r:id="rId5"/>
@@ -30,7 +30,6 @@
     <p:sldId id="268" r:id="rId18"/>
     <p:sldId id="271" r:id="rId19"/>
     <p:sldId id="278" r:id="rId20"/>
-    <p:sldId id="280" r:id="rId21"/>
   </p:sldIdLst>
   <p:sldSz cx="12192000" cy="6858000"/>
   <p:notesSz cx="6858000" cy="9144000"/>
@@ -150,7 +149,6 @@
             <p14:sldId id="268"/>
             <p14:sldId id="271"/>
             <p14:sldId id="278"/>
-            <p14:sldId id="280"/>
           </p14:sldIdLst>
         </p14:section>
       </p14:sectionLst>
@@ -226,7 +224,7 @@
           <p:cNvPr id="2" name="Header Placeholder 1">
             <a:extLst>
               <a:ext uri="{FF2B5EF4-FFF2-40B4-BE49-F238E27FC236}">
-                <a16:creationId xmlns="" xmlns:a16="http://schemas.microsoft.com/office/drawing/2014/main" id="{ED8B6225-3E94-4525-8747-A8CEEE07C472}"/>
+                <a16:creationId xmlns:a16="http://schemas.microsoft.com/office/drawing/2014/main" xmlns="" id="{ED8B6225-3E94-4525-8747-A8CEEE07C472}"/>
               </a:ext>
             </a:extLst>
           </p:cNvPr>
@@ -263,7 +261,7 @@
           <p:cNvPr id="3" name="Date Placeholder 2">
             <a:extLst>
               <a:ext uri="{FF2B5EF4-FFF2-40B4-BE49-F238E27FC236}">
-                <a16:creationId xmlns="" xmlns:a16="http://schemas.microsoft.com/office/drawing/2014/main" id="{1EE33FD8-B984-44FE-83F0-5C989EE62491}"/>
+                <a16:creationId xmlns:a16="http://schemas.microsoft.com/office/drawing/2014/main" xmlns="" id="{1EE33FD8-B984-44FE-83F0-5C989EE62491}"/>
               </a:ext>
             </a:extLst>
           </p:cNvPr>
@@ -305,7 +303,7 @@
           <p:cNvPr id="4" name="Footer Placeholder 3">
             <a:extLst>
               <a:ext uri="{FF2B5EF4-FFF2-40B4-BE49-F238E27FC236}">
-                <a16:creationId xmlns="" xmlns:a16="http://schemas.microsoft.com/office/drawing/2014/main" id="{88AD1E4F-EFF7-4551-A0B7-35D2A74F4F4D}"/>
+                <a16:creationId xmlns:a16="http://schemas.microsoft.com/office/drawing/2014/main" xmlns="" id="{88AD1E4F-EFF7-4551-A0B7-35D2A74F4F4D}"/>
               </a:ext>
             </a:extLst>
           </p:cNvPr>
@@ -342,7 +340,7 @@
           <p:cNvPr id="5" name="Slide Number Placeholder 4">
             <a:extLst>
               <a:ext uri="{FF2B5EF4-FFF2-40B4-BE49-F238E27FC236}">
-                <a16:creationId xmlns="" xmlns:a16="http://schemas.microsoft.com/office/drawing/2014/main" id="{5C3F35C8-35E9-48DD-971F-B2366CC5B7DE}"/>
+                <a16:creationId xmlns:a16="http://schemas.microsoft.com/office/drawing/2014/main" xmlns="" id="{5C3F35C8-35E9-48DD-971F-B2366CC5B7DE}"/>
               </a:ext>
             </a:extLst>
           </p:cNvPr>
@@ -810,7 +808,7 @@
           <p:cNvPr id="6" name="Graphic 17">
             <a:extLst>
               <a:ext uri="{FF2B5EF4-FFF2-40B4-BE49-F238E27FC236}">
-                <a16:creationId xmlns="" xmlns:a16="http://schemas.microsoft.com/office/drawing/2014/main" id="{829BBBD1-ECF6-4131-A3B0-11EFC39DB482}"/>
+                <a16:creationId xmlns:a16="http://schemas.microsoft.com/office/drawing/2014/main" xmlns="" id="{829BBBD1-ECF6-4131-A3B0-11EFC39DB482}"/>
               </a:ext>
             </a:extLst>
           </p:cNvPr>
@@ -823,7 +821,7 @@
           <a:blip r:embed="rId2" cstate="print">
             <a:extLst>
               <a:ext uri="{96DAC541-7B7A-43D3-8B79-37D633B846F1}">
-                <asvg:svgBlip xmlns="" xmlns:asvg="http://schemas.microsoft.com/office/drawing/2016/SVG/main" r:embed="rId3"/>
+                <asvg:svgBlip xmlns:asvg="http://schemas.microsoft.com/office/drawing/2016/SVG/main" xmlns="" r:embed="rId3"/>
               </a:ext>
             </a:extLst>
           </a:blip>
@@ -845,7 +843,7 @@
           <p:cNvPr id="5" name="Graphic 9">
             <a:extLst>
               <a:ext uri="{FF2B5EF4-FFF2-40B4-BE49-F238E27FC236}">
-                <a16:creationId xmlns="" xmlns:a16="http://schemas.microsoft.com/office/drawing/2014/main" id="{C3D2EC56-D17C-4A75-8178-C69397BC7353}"/>
+                <a16:creationId xmlns:a16="http://schemas.microsoft.com/office/drawing/2014/main" xmlns="" id="{C3D2EC56-D17C-4A75-8178-C69397BC7353}"/>
               </a:ext>
             </a:extLst>
           </p:cNvPr>
@@ -858,7 +856,7 @@
           <a:blip r:embed="rId4" cstate="print">
             <a:extLst>
               <a:ext uri="{96DAC541-7B7A-43D3-8B79-37D633B846F1}">
-                <asvg:svgBlip xmlns="" xmlns:asvg="http://schemas.microsoft.com/office/drawing/2016/SVG/main" r:embed="rId5"/>
+                <asvg:svgBlip xmlns:asvg="http://schemas.microsoft.com/office/drawing/2016/SVG/main" xmlns="" r:embed="rId5"/>
               </a:ext>
             </a:extLst>
           </a:blip>
@@ -881,7 +879,7 @@
           <p:cNvPr id="14" name="Text Placeholder 13">
             <a:extLst>
               <a:ext uri="{FF2B5EF4-FFF2-40B4-BE49-F238E27FC236}">
-                <a16:creationId xmlns="" xmlns:a16="http://schemas.microsoft.com/office/drawing/2014/main" id="{4252348C-45B4-48E3-B74B-8E834575C8AA}"/>
+                <a16:creationId xmlns:a16="http://schemas.microsoft.com/office/drawing/2014/main" xmlns="" id="{4252348C-45B4-48E3-B74B-8E834575C8AA}"/>
               </a:ext>
             </a:extLst>
           </p:cNvPr>
@@ -928,7 +926,7 @@
           <p:cNvPr id="15" name="Text Placeholder 13">
             <a:extLst>
               <a:ext uri="{FF2B5EF4-FFF2-40B4-BE49-F238E27FC236}">
-                <a16:creationId xmlns="" xmlns:a16="http://schemas.microsoft.com/office/drawing/2014/main" id="{97620309-84FF-4D53-AD39-936B55216B4B}"/>
+                <a16:creationId xmlns:a16="http://schemas.microsoft.com/office/drawing/2014/main" xmlns="" id="{97620309-84FF-4D53-AD39-936B55216B4B}"/>
               </a:ext>
             </a:extLst>
           </p:cNvPr>
@@ -1104,7 +1102,7 @@
           <p:cNvPr id="3" name="Retângulo 43">
             <a:extLst>
               <a:ext uri="{FF2B5EF4-FFF2-40B4-BE49-F238E27FC236}">
-                <a16:creationId xmlns="" xmlns:a16="http://schemas.microsoft.com/office/drawing/2014/main" id="{25FC8637-25BD-4C09-AF25-56B4243DAB3D}"/>
+                <a16:creationId xmlns:a16="http://schemas.microsoft.com/office/drawing/2014/main" xmlns="" id="{25FC8637-25BD-4C09-AF25-56B4243DAB3D}"/>
               </a:ext>
             </a:extLst>
           </p:cNvPr>
@@ -1157,7 +1155,7 @@
           <p:cNvPr id="8" name="Conector reto 49">
             <a:extLst>
               <a:ext uri="{FF2B5EF4-FFF2-40B4-BE49-F238E27FC236}">
-                <a16:creationId xmlns="" xmlns:a16="http://schemas.microsoft.com/office/drawing/2014/main" id="{6B6D7F6B-C184-4C2B-8EB7-067E0C1E8DF2}"/>
+                <a16:creationId xmlns:a16="http://schemas.microsoft.com/office/drawing/2014/main" xmlns="" id="{6B6D7F6B-C184-4C2B-8EB7-067E0C1E8DF2}"/>
               </a:ext>
             </a:extLst>
           </p:cNvPr>
@@ -1205,7 +1203,7 @@
             <a:hlinkClick r:id="rId2"/>
             <a:extLst>
               <a:ext uri="{FF2B5EF4-FFF2-40B4-BE49-F238E27FC236}">
-                <a16:creationId xmlns="" xmlns:a16="http://schemas.microsoft.com/office/drawing/2014/main" id="{F376ABD1-4930-42EB-9A73-9A9C7C6BF2D3}"/>
+                <a16:creationId xmlns:a16="http://schemas.microsoft.com/office/drawing/2014/main" xmlns="" id="{F376ABD1-4930-42EB-9A73-9A9C7C6BF2D3}"/>
               </a:ext>
             </a:extLst>
           </p:cNvPr>
@@ -1251,7 +1249,7 @@
           <p:cNvPr id="10" name="Retângulo 43">
             <a:extLst>
               <a:ext uri="{FF2B5EF4-FFF2-40B4-BE49-F238E27FC236}">
-                <a16:creationId xmlns="" xmlns:a16="http://schemas.microsoft.com/office/drawing/2014/main" id="{834ADCB4-BFB1-450D-8F6D-64217F4CD92C}"/>
+                <a16:creationId xmlns:a16="http://schemas.microsoft.com/office/drawing/2014/main" xmlns="" id="{834ADCB4-BFB1-450D-8F6D-64217F4CD92C}"/>
               </a:ext>
             </a:extLst>
           </p:cNvPr>
@@ -1328,7 +1326,7 @@
           <p:cNvPr id="21" name="Text Placeholder 4">
             <a:extLst>
               <a:ext uri="{FF2B5EF4-FFF2-40B4-BE49-F238E27FC236}">
-                <a16:creationId xmlns="" xmlns:a16="http://schemas.microsoft.com/office/drawing/2014/main" id="{7B710EB7-4E56-449A-B5D4-12A5A50A258D}"/>
+                <a16:creationId xmlns:a16="http://schemas.microsoft.com/office/drawing/2014/main" xmlns="" id="{7B710EB7-4E56-449A-B5D4-12A5A50A258D}"/>
               </a:ext>
             </a:extLst>
           </p:cNvPr>
@@ -1391,7 +1389,7 @@
           <p:cNvPr id="17" name="Chart Placeholder 16">
             <a:extLst>
               <a:ext uri="{FF2B5EF4-FFF2-40B4-BE49-F238E27FC236}">
-                <a16:creationId xmlns="" xmlns:a16="http://schemas.microsoft.com/office/drawing/2014/main" id="{6093AB2F-A9E2-4259-8D2A-0E33C88FF1BC}"/>
+                <a16:creationId xmlns:a16="http://schemas.microsoft.com/office/drawing/2014/main" xmlns="" id="{6093AB2F-A9E2-4259-8D2A-0E33C88FF1BC}"/>
               </a:ext>
             </a:extLst>
           </p:cNvPr>
@@ -1428,7 +1426,7 @@
           <p:cNvPr id="18" name="Chart Placeholder 16">
             <a:extLst>
               <a:ext uri="{FF2B5EF4-FFF2-40B4-BE49-F238E27FC236}">
-                <a16:creationId xmlns="" xmlns:a16="http://schemas.microsoft.com/office/drawing/2014/main" id="{FFC514B9-95FB-485B-B1AD-4193B2310907}"/>
+                <a16:creationId xmlns:a16="http://schemas.microsoft.com/office/drawing/2014/main" xmlns="" id="{FFC514B9-95FB-485B-B1AD-4193B2310907}"/>
               </a:ext>
             </a:extLst>
           </p:cNvPr>
@@ -1465,7 +1463,7 @@
           <p:cNvPr id="22" name="Text Placeholder 4">
             <a:extLst>
               <a:ext uri="{FF2B5EF4-FFF2-40B4-BE49-F238E27FC236}">
-                <a16:creationId xmlns="" xmlns:a16="http://schemas.microsoft.com/office/drawing/2014/main" id="{212267A8-F086-40EB-BC5F-D9FE81725052}"/>
+                <a16:creationId xmlns:a16="http://schemas.microsoft.com/office/drawing/2014/main" xmlns="" id="{212267A8-F086-40EB-BC5F-D9FE81725052}"/>
               </a:ext>
             </a:extLst>
           </p:cNvPr>
@@ -1528,7 +1526,7 @@
           <p:cNvPr id="12" name="Retângulo 43">
             <a:extLst>
               <a:ext uri="{FF2B5EF4-FFF2-40B4-BE49-F238E27FC236}">
-                <a16:creationId xmlns="" xmlns:a16="http://schemas.microsoft.com/office/drawing/2014/main" id="{25FC8637-25BD-4C09-AF25-56B4243DAB3D}"/>
+                <a16:creationId xmlns:a16="http://schemas.microsoft.com/office/drawing/2014/main" xmlns="" id="{25FC8637-25BD-4C09-AF25-56B4243DAB3D}"/>
               </a:ext>
             </a:extLst>
           </p:cNvPr>
@@ -1581,7 +1579,7 @@
           <p:cNvPr id="13" name="Conector reto 49">
             <a:extLst>
               <a:ext uri="{FF2B5EF4-FFF2-40B4-BE49-F238E27FC236}">
-                <a16:creationId xmlns="" xmlns:a16="http://schemas.microsoft.com/office/drawing/2014/main" id="{6B6D7F6B-C184-4C2B-8EB7-067E0C1E8DF2}"/>
+                <a16:creationId xmlns:a16="http://schemas.microsoft.com/office/drawing/2014/main" xmlns="" id="{6B6D7F6B-C184-4C2B-8EB7-067E0C1E8DF2}"/>
               </a:ext>
             </a:extLst>
           </p:cNvPr>
@@ -1629,7 +1627,7 @@
             <a:hlinkClick r:id="rId2"/>
             <a:extLst>
               <a:ext uri="{FF2B5EF4-FFF2-40B4-BE49-F238E27FC236}">
-                <a16:creationId xmlns="" xmlns:a16="http://schemas.microsoft.com/office/drawing/2014/main" id="{F376ABD1-4930-42EB-9A73-9A9C7C6BF2D3}"/>
+                <a16:creationId xmlns:a16="http://schemas.microsoft.com/office/drawing/2014/main" xmlns="" id="{F376ABD1-4930-42EB-9A73-9A9C7C6BF2D3}"/>
               </a:ext>
             </a:extLst>
           </p:cNvPr>
@@ -1675,7 +1673,7 @@
           <p:cNvPr id="16" name="Title Placeholder 1">
             <a:extLst>
               <a:ext uri="{FF2B5EF4-FFF2-40B4-BE49-F238E27FC236}">
-                <a16:creationId xmlns="" xmlns:a16="http://schemas.microsoft.com/office/drawing/2014/main" id="{552BBB0A-405D-419D-8BD5-EC8D9F84B795}"/>
+                <a16:creationId xmlns:a16="http://schemas.microsoft.com/office/drawing/2014/main" xmlns="" id="{552BBB0A-405D-419D-8BD5-EC8D9F84B795}"/>
               </a:ext>
             </a:extLst>
           </p:cNvPr>
@@ -1723,7 +1721,7 @@
           <p:cNvPr id="25" name="Text Placeholder 4">
             <a:extLst>
               <a:ext uri="{FF2B5EF4-FFF2-40B4-BE49-F238E27FC236}">
-                <a16:creationId xmlns="" xmlns:a16="http://schemas.microsoft.com/office/drawing/2014/main" id="{7B710EB7-4E56-449A-B5D4-12A5A50A258D}"/>
+                <a16:creationId xmlns:a16="http://schemas.microsoft.com/office/drawing/2014/main" xmlns="" id="{7B710EB7-4E56-449A-B5D4-12A5A50A258D}"/>
               </a:ext>
             </a:extLst>
           </p:cNvPr>
@@ -1786,7 +1784,7 @@
           <p:cNvPr id="26" name="Chart Placeholder 16">
             <a:extLst>
               <a:ext uri="{FF2B5EF4-FFF2-40B4-BE49-F238E27FC236}">
-                <a16:creationId xmlns="" xmlns:a16="http://schemas.microsoft.com/office/drawing/2014/main" id="{6093AB2F-A9E2-4259-8D2A-0E33C88FF1BC}"/>
+                <a16:creationId xmlns:a16="http://schemas.microsoft.com/office/drawing/2014/main" xmlns="" id="{6093AB2F-A9E2-4259-8D2A-0E33C88FF1BC}"/>
               </a:ext>
             </a:extLst>
           </p:cNvPr>
@@ -1823,7 +1821,7 @@
           <p:cNvPr id="27" name="Chart Placeholder 16">
             <a:extLst>
               <a:ext uri="{FF2B5EF4-FFF2-40B4-BE49-F238E27FC236}">
-                <a16:creationId xmlns="" xmlns:a16="http://schemas.microsoft.com/office/drawing/2014/main" id="{FFC514B9-95FB-485B-B1AD-4193B2310907}"/>
+                <a16:creationId xmlns:a16="http://schemas.microsoft.com/office/drawing/2014/main" xmlns="" id="{FFC514B9-95FB-485B-B1AD-4193B2310907}"/>
               </a:ext>
             </a:extLst>
           </p:cNvPr>
@@ -1860,7 +1858,7 @@
           <p:cNvPr id="28" name="Text Placeholder 4">
             <a:extLst>
               <a:ext uri="{FF2B5EF4-FFF2-40B4-BE49-F238E27FC236}">
-                <a16:creationId xmlns="" xmlns:a16="http://schemas.microsoft.com/office/drawing/2014/main" id="{212267A8-F086-40EB-BC5F-D9FE81725052}"/>
+                <a16:creationId xmlns:a16="http://schemas.microsoft.com/office/drawing/2014/main" xmlns="" id="{212267A8-F086-40EB-BC5F-D9FE81725052}"/>
               </a:ext>
             </a:extLst>
           </p:cNvPr>
@@ -1923,7 +1921,7 @@
           <p:cNvPr id="29" name="Retângulo 43">
             <a:extLst>
               <a:ext uri="{FF2B5EF4-FFF2-40B4-BE49-F238E27FC236}">
-                <a16:creationId xmlns="" xmlns:a16="http://schemas.microsoft.com/office/drawing/2014/main" id="{834ADCB4-BFB1-450D-8F6D-64217F4CD92C}"/>
+                <a16:creationId xmlns:a16="http://schemas.microsoft.com/office/drawing/2014/main" xmlns="" id="{834ADCB4-BFB1-450D-8F6D-64217F4CD92C}"/>
               </a:ext>
             </a:extLst>
           </p:cNvPr>
@@ -1995,7 +1993,7 @@
           <p:cNvPr id="12" name="Graphic 11">
             <a:extLst>
               <a:ext uri="{FF2B5EF4-FFF2-40B4-BE49-F238E27FC236}">
-                <a16:creationId xmlns="" xmlns:a16="http://schemas.microsoft.com/office/drawing/2014/main" id="{10113F8D-52D8-4246-B9BC-1A6D3EF8C72C}"/>
+                <a16:creationId xmlns:a16="http://schemas.microsoft.com/office/drawing/2014/main" xmlns="" id="{10113F8D-52D8-4246-B9BC-1A6D3EF8C72C}"/>
               </a:ext>
             </a:extLst>
           </p:cNvPr>
@@ -2008,7 +2006,7 @@
           <a:blip r:embed="rId2" cstate="print">
             <a:extLst>
               <a:ext uri="{96DAC541-7B7A-43D3-8B79-37D633B846F1}">
-                <asvg:svgBlip xmlns="" xmlns:asvg="http://schemas.microsoft.com/office/drawing/2016/SVG/main" r:embed="rId3"/>
+                <asvg:svgBlip xmlns:asvg="http://schemas.microsoft.com/office/drawing/2016/SVG/main" xmlns="" r:embed="rId3"/>
               </a:ext>
             </a:extLst>
           </a:blip>
@@ -2075,7 +2073,7 @@
           <p:cNvPr id="39" name="Text Placeholder 7">
             <a:extLst>
               <a:ext uri="{FF2B5EF4-FFF2-40B4-BE49-F238E27FC236}">
-                <a16:creationId xmlns="" xmlns:a16="http://schemas.microsoft.com/office/drawing/2014/main" id="{3E908611-FBB7-4987-BE0F-F09EAF1FFC80}"/>
+                <a16:creationId xmlns:a16="http://schemas.microsoft.com/office/drawing/2014/main" xmlns="" id="{3E908611-FBB7-4987-BE0F-F09EAF1FFC80}"/>
               </a:ext>
             </a:extLst>
           </p:cNvPr>
@@ -2155,7 +2153,7 @@
           <p:cNvPr id="40" name="Text Placeholder 7">
             <a:extLst>
               <a:ext uri="{FF2B5EF4-FFF2-40B4-BE49-F238E27FC236}">
-                <a16:creationId xmlns="" xmlns:a16="http://schemas.microsoft.com/office/drawing/2014/main" id="{306025B9-0362-4974-8920-7C764289CBA0}"/>
+                <a16:creationId xmlns:a16="http://schemas.microsoft.com/office/drawing/2014/main" xmlns="" id="{306025B9-0362-4974-8920-7C764289CBA0}"/>
               </a:ext>
             </a:extLst>
           </p:cNvPr>
@@ -2256,7 +2254,7 @@
           <p:cNvPr id="41" name="Text Placeholder 7">
             <a:extLst>
               <a:ext uri="{FF2B5EF4-FFF2-40B4-BE49-F238E27FC236}">
-                <a16:creationId xmlns="" xmlns:a16="http://schemas.microsoft.com/office/drawing/2014/main" id="{257644F2-F28D-4087-B791-1E7F26C4AD1C}"/>
+                <a16:creationId xmlns:a16="http://schemas.microsoft.com/office/drawing/2014/main" xmlns="" id="{257644F2-F28D-4087-B791-1E7F26C4AD1C}"/>
               </a:ext>
             </a:extLst>
           </p:cNvPr>
@@ -2336,7 +2334,7 @@
           <p:cNvPr id="42" name="Text Placeholder 7">
             <a:extLst>
               <a:ext uri="{FF2B5EF4-FFF2-40B4-BE49-F238E27FC236}">
-                <a16:creationId xmlns="" xmlns:a16="http://schemas.microsoft.com/office/drawing/2014/main" id="{25F62A33-F672-4099-9B72-9B2267F22ACF}"/>
+                <a16:creationId xmlns:a16="http://schemas.microsoft.com/office/drawing/2014/main" xmlns="" id="{25F62A33-F672-4099-9B72-9B2267F22ACF}"/>
               </a:ext>
             </a:extLst>
           </p:cNvPr>
@@ -2416,7 +2414,7 @@
           <p:cNvPr id="43" name="Text Placeholder 7">
             <a:extLst>
               <a:ext uri="{FF2B5EF4-FFF2-40B4-BE49-F238E27FC236}">
-                <a16:creationId xmlns="" xmlns:a16="http://schemas.microsoft.com/office/drawing/2014/main" id="{72FF6EE1-C46D-4DEB-A508-49B5101CF26E}"/>
+                <a16:creationId xmlns:a16="http://schemas.microsoft.com/office/drawing/2014/main" xmlns="" id="{72FF6EE1-C46D-4DEB-A508-49B5101CF26E}"/>
               </a:ext>
             </a:extLst>
           </p:cNvPr>
@@ -2496,7 +2494,7 @@
           <p:cNvPr id="44" name="Text Placeholder 7">
             <a:extLst>
               <a:ext uri="{FF2B5EF4-FFF2-40B4-BE49-F238E27FC236}">
-                <a16:creationId xmlns="" xmlns:a16="http://schemas.microsoft.com/office/drawing/2014/main" id="{931D06D9-EA9B-42A0-81EE-D669D6CA5F33}"/>
+                <a16:creationId xmlns:a16="http://schemas.microsoft.com/office/drawing/2014/main" xmlns="" id="{931D06D9-EA9B-42A0-81EE-D669D6CA5F33}"/>
               </a:ext>
             </a:extLst>
           </p:cNvPr>
@@ -2576,7 +2574,7 @@
           <p:cNvPr id="45" name="Text Placeholder 7">
             <a:extLst>
               <a:ext uri="{FF2B5EF4-FFF2-40B4-BE49-F238E27FC236}">
-                <a16:creationId xmlns="" xmlns:a16="http://schemas.microsoft.com/office/drawing/2014/main" id="{EFEA829A-6217-4965-B7BD-6BC37F7849AB}"/>
+                <a16:creationId xmlns:a16="http://schemas.microsoft.com/office/drawing/2014/main" xmlns="" id="{EFEA829A-6217-4965-B7BD-6BC37F7849AB}"/>
               </a:ext>
             </a:extLst>
           </p:cNvPr>
@@ -2656,7 +2654,7 @@
           <p:cNvPr id="46" name="Text Placeholder 7">
             <a:extLst>
               <a:ext uri="{FF2B5EF4-FFF2-40B4-BE49-F238E27FC236}">
-                <a16:creationId xmlns="" xmlns:a16="http://schemas.microsoft.com/office/drawing/2014/main" id="{E05DDB93-91CA-4BAF-9D63-E4134B435D8F}"/>
+                <a16:creationId xmlns:a16="http://schemas.microsoft.com/office/drawing/2014/main" xmlns="" id="{E05DDB93-91CA-4BAF-9D63-E4134B435D8F}"/>
               </a:ext>
             </a:extLst>
           </p:cNvPr>
@@ -2736,7 +2734,7 @@
           <p:cNvPr id="48" name="Picture Placeholder 47">
             <a:extLst>
               <a:ext uri="{FF2B5EF4-FFF2-40B4-BE49-F238E27FC236}">
-                <a16:creationId xmlns="" xmlns:a16="http://schemas.microsoft.com/office/drawing/2014/main" id="{51CA337D-4B25-44C1-847A-AC0D74277B60}"/>
+                <a16:creationId xmlns:a16="http://schemas.microsoft.com/office/drawing/2014/main" xmlns="" id="{51CA337D-4B25-44C1-847A-AC0D74277B60}"/>
               </a:ext>
             </a:extLst>
           </p:cNvPr>
@@ -2773,7 +2771,7 @@
           <p:cNvPr id="13" name="Title Placeholder 1">
             <a:extLst>
               <a:ext uri="{FF2B5EF4-FFF2-40B4-BE49-F238E27FC236}">
-                <a16:creationId xmlns="" xmlns:a16="http://schemas.microsoft.com/office/drawing/2014/main" id="{552BBB0A-405D-419D-8BD5-EC8D9F84B795}"/>
+                <a16:creationId xmlns:a16="http://schemas.microsoft.com/office/drawing/2014/main" xmlns="" id="{552BBB0A-405D-419D-8BD5-EC8D9F84B795}"/>
               </a:ext>
             </a:extLst>
           </p:cNvPr>
@@ -2825,7 +2823,7 @@
           <p:cNvPr id="15" name="Retângulo 43">
             <a:extLst>
               <a:ext uri="{FF2B5EF4-FFF2-40B4-BE49-F238E27FC236}">
-                <a16:creationId xmlns="" xmlns:a16="http://schemas.microsoft.com/office/drawing/2014/main" id="{25FC8637-25BD-4C09-AF25-56B4243DAB3D}"/>
+                <a16:creationId xmlns:a16="http://schemas.microsoft.com/office/drawing/2014/main" xmlns="" id="{25FC8637-25BD-4C09-AF25-56B4243DAB3D}"/>
               </a:ext>
             </a:extLst>
           </p:cNvPr>
@@ -2878,7 +2876,7 @@
           <p:cNvPr id="16" name="Conector reto 49">
             <a:extLst>
               <a:ext uri="{FF2B5EF4-FFF2-40B4-BE49-F238E27FC236}">
-                <a16:creationId xmlns="" xmlns:a16="http://schemas.microsoft.com/office/drawing/2014/main" id="{6B6D7F6B-C184-4C2B-8EB7-067E0C1E8DF2}"/>
+                <a16:creationId xmlns:a16="http://schemas.microsoft.com/office/drawing/2014/main" xmlns="" id="{6B6D7F6B-C184-4C2B-8EB7-067E0C1E8DF2}"/>
               </a:ext>
             </a:extLst>
           </p:cNvPr>
@@ -2928,7 +2926,7 @@
             <a:hlinkClick r:id="rId4"/>
             <a:extLst>
               <a:ext uri="{FF2B5EF4-FFF2-40B4-BE49-F238E27FC236}">
-                <a16:creationId xmlns="" xmlns:a16="http://schemas.microsoft.com/office/drawing/2014/main" id="{F376ABD1-4930-42EB-9A73-9A9C7C6BF2D3}"/>
+                <a16:creationId xmlns:a16="http://schemas.microsoft.com/office/drawing/2014/main" xmlns="" id="{F376ABD1-4930-42EB-9A73-9A9C7C6BF2D3}"/>
               </a:ext>
             </a:extLst>
           </p:cNvPr>
@@ -2974,7 +2972,7 @@
           <p:cNvPr id="18" name="Retângulo 43">
             <a:extLst>
               <a:ext uri="{FF2B5EF4-FFF2-40B4-BE49-F238E27FC236}">
-                <a16:creationId xmlns="" xmlns:a16="http://schemas.microsoft.com/office/drawing/2014/main" id="{834ADCB4-BFB1-450D-8F6D-64217F4CD92C}"/>
+                <a16:creationId xmlns:a16="http://schemas.microsoft.com/office/drawing/2014/main" xmlns="" id="{834ADCB4-BFB1-450D-8F6D-64217F4CD92C}"/>
               </a:ext>
             </a:extLst>
           </p:cNvPr>
@@ -3044,7 +3042,7 @@
           <p:cNvPr id="8" name="Text Placeholder 7">
             <a:extLst>
               <a:ext uri="{FF2B5EF4-FFF2-40B4-BE49-F238E27FC236}">
-                <a16:creationId xmlns="" xmlns:a16="http://schemas.microsoft.com/office/drawing/2014/main" id="{27CE2609-37DA-4C4C-BF45-E56CE85AA41D}"/>
+                <a16:creationId xmlns:a16="http://schemas.microsoft.com/office/drawing/2014/main" xmlns="" id="{27CE2609-37DA-4C4C-BF45-E56CE85AA41D}"/>
               </a:ext>
             </a:extLst>
           </p:cNvPr>
@@ -3118,7 +3116,7 @@
           <p:cNvPr id="11" name="Text Placeholder 7">
             <a:extLst>
               <a:ext uri="{FF2B5EF4-FFF2-40B4-BE49-F238E27FC236}">
-                <a16:creationId xmlns="" xmlns:a16="http://schemas.microsoft.com/office/drawing/2014/main" id="{4F279807-494A-45DD-A5C6-24F625316B92}"/>
+                <a16:creationId xmlns:a16="http://schemas.microsoft.com/office/drawing/2014/main" xmlns="" id="{4F279807-494A-45DD-A5C6-24F625316B92}"/>
               </a:ext>
             </a:extLst>
           </p:cNvPr>
@@ -3192,7 +3190,7 @@
           <p:cNvPr id="13" name="Text Placeholder 7">
             <a:extLst>
               <a:ext uri="{FF2B5EF4-FFF2-40B4-BE49-F238E27FC236}">
-                <a16:creationId xmlns="" xmlns:a16="http://schemas.microsoft.com/office/drawing/2014/main" id="{D8D7F005-BA7C-423E-87B0-6782D88233F6}"/>
+                <a16:creationId xmlns:a16="http://schemas.microsoft.com/office/drawing/2014/main" xmlns="" id="{D8D7F005-BA7C-423E-87B0-6782D88233F6}"/>
               </a:ext>
             </a:extLst>
           </p:cNvPr>
@@ -3266,7 +3264,7 @@
           <p:cNvPr id="14" name="Text Placeholder 7">
             <a:extLst>
               <a:ext uri="{FF2B5EF4-FFF2-40B4-BE49-F238E27FC236}">
-                <a16:creationId xmlns="" xmlns:a16="http://schemas.microsoft.com/office/drawing/2014/main" id="{47BDC0DA-1585-454D-9E74-41D2AFC0FEE5}"/>
+                <a16:creationId xmlns:a16="http://schemas.microsoft.com/office/drawing/2014/main" xmlns="" id="{47BDC0DA-1585-454D-9E74-41D2AFC0FEE5}"/>
               </a:ext>
             </a:extLst>
           </p:cNvPr>
@@ -3340,7 +3338,7 @@
           <p:cNvPr id="9" name="Title Placeholder 1">
             <a:extLst>
               <a:ext uri="{FF2B5EF4-FFF2-40B4-BE49-F238E27FC236}">
-                <a16:creationId xmlns="" xmlns:a16="http://schemas.microsoft.com/office/drawing/2014/main" id="{6733E381-C11A-4F10-88ED-DDEA4B9167E2}"/>
+                <a16:creationId xmlns:a16="http://schemas.microsoft.com/office/drawing/2014/main" xmlns="" id="{6733E381-C11A-4F10-88ED-DDEA4B9167E2}"/>
               </a:ext>
             </a:extLst>
           </p:cNvPr>
@@ -3392,7 +3390,7 @@
           <p:cNvPr id="16" name="Retângulo 43">
             <a:extLst>
               <a:ext uri="{FF2B5EF4-FFF2-40B4-BE49-F238E27FC236}">
-                <a16:creationId xmlns="" xmlns:a16="http://schemas.microsoft.com/office/drawing/2014/main" id="{25FC8637-25BD-4C09-AF25-56B4243DAB3D}"/>
+                <a16:creationId xmlns:a16="http://schemas.microsoft.com/office/drawing/2014/main" xmlns="" id="{25FC8637-25BD-4C09-AF25-56B4243DAB3D}"/>
               </a:ext>
             </a:extLst>
           </p:cNvPr>
@@ -3445,7 +3443,7 @@
           <p:cNvPr id="20" name="Conector reto 49">
             <a:extLst>
               <a:ext uri="{FF2B5EF4-FFF2-40B4-BE49-F238E27FC236}">
-                <a16:creationId xmlns="" xmlns:a16="http://schemas.microsoft.com/office/drawing/2014/main" id="{6B6D7F6B-C184-4C2B-8EB7-067E0C1E8DF2}"/>
+                <a16:creationId xmlns:a16="http://schemas.microsoft.com/office/drawing/2014/main" xmlns="" id="{6B6D7F6B-C184-4C2B-8EB7-067E0C1E8DF2}"/>
               </a:ext>
             </a:extLst>
           </p:cNvPr>
@@ -3493,7 +3491,7 @@
             <a:hlinkClick r:id="rId2"/>
             <a:extLst>
               <a:ext uri="{FF2B5EF4-FFF2-40B4-BE49-F238E27FC236}">
-                <a16:creationId xmlns="" xmlns:a16="http://schemas.microsoft.com/office/drawing/2014/main" id="{F376ABD1-4930-42EB-9A73-9A9C7C6BF2D3}"/>
+                <a16:creationId xmlns:a16="http://schemas.microsoft.com/office/drawing/2014/main" xmlns="" id="{F376ABD1-4930-42EB-9A73-9A9C7C6BF2D3}"/>
               </a:ext>
             </a:extLst>
           </p:cNvPr>
@@ -3539,7 +3537,7 @@
           <p:cNvPr id="22" name="Retângulo 43">
             <a:extLst>
               <a:ext uri="{FF2B5EF4-FFF2-40B4-BE49-F238E27FC236}">
-                <a16:creationId xmlns="" xmlns:a16="http://schemas.microsoft.com/office/drawing/2014/main" id="{834ADCB4-BFB1-450D-8F6D-64217F4CD92C}"/>
+                <a16:creationId xmlns:a16="http://schemas.microsoft.com/office/drawing/2014/main" xmlns="" id="{834ADCB4-BFB1-450D-8F6D-64217F4CD92C}"/>
               </a:ext>
             </a:extLst>
           </p:cNvPr>
@@ -3619,7 +3617,7 @@
           <p:cNvPr id="13" name="Rectangle 12">
             <a:extLst>
               <a:ext uri="{FF2B5EF4-FFF2-40B4-BE49-F238E27FC236}">
-                <a16:creationId xmlns="" xmlns:a16="http://schemas.microsoft.com/office/drawing/2014/main" id="{279F1DAD-5BB1-4142-B838-01DB99370135}"/>
+                <a16:creationId xmlns:a16="http://schemas.microsoft.com/office/drawing/2014/main" xmlns="" id="{279F1DAD-5BB1-4142-B838-01DB99370135}"/>
               </a:ext>
             </a:extLst>
           </p:cNvPr>
@@ -3671,7 +3669,7 @@
           <p:cNvPr id="9" name="Text Placeholder 4">
             <a:extLst>
               <a:ext uri="{FF2B5EF4-FFF2-40B4-BE49-F238E27FC236}">
-                <a16:creationId xmlns="" xmlns:a16="http://schemas.microsoft.com/office/drawing/2014/main" id="{04C1CAD0-39C3-4CE2-A9E9-8CA99EFF5357}"/>
+                <a16:creationId xmlns:a16="http://schemas.microsoft.com/office/drawing/2014/main" xmlns="" id="{04C1CAD0-39C3-4CE2-A9E9-8CA99EFF5357}"/>
               </a:ext>
             </a:extLst>
           </p:cNvPr>
@@ -3731,7 +3729,7 @@
           <p:cNvPr id="37" name="Text Placeholder 4">
             <a:extLst>
               <a:ext uri="{FF2B5EF4-FFF2-40B4-BE49-F238E27FC236}">
-                <a16:creationId xmlns="" xmlns:a16="http://schemas.microsoft.com/office/drawing/2014/main" id="{8D6FD04F-776D-4BC2-9828-DC149A95B778}"/>
+                <a16:creationId xmlns:a16="http://schemas.microsoft.com/office/drawing/2014/main" xmlns="" id="{8D6FD04F-776D-4BC2-9828-DC149A95B778}"/>
               </a:ext>
             </a:extLst>
           </p:cNvPr>
@@ -3791,7 +3789,7 @@
           <p:cNvPr id="39" name="Text Placeholder 4">
             <a:extLst>
               <a:ext uri="{FF2B5EF4-FFF2-40B4-BE49-F238E27FC236}">
-                <a16:creationId xmlns="" xmlns:a16="http://schemas.microsoft.com/office/drawing/2014/main" id="{5A2CDF95-9D29-4775-8BEF-90BC5372B782}"/>
+                <a16:creationId xmlns:a16="http://schemas.microsoft.com/office/drawing/2014/main" xmlns="" id="{5A2CDF95-9D29-4775-8BEF-90BC5372B782}"/>
               </a:ext>
             </a:extLst>
           </p:cNvPr>
@@ -3851,7 +3849,7 @@
           <p:cNvPr id="41" name="Text Placeholder 4">
             <a:extLst>
               <a:ext uri="{FF2B5EF4-FFF2-40B4-BE49-F238E27FC236}">
-                <a16:creationId xmlns="" xmlns:a16="http://schemas.microsoft.com/office/drawing/2014/main" id="{6012FFDA-311F-429E-998E-F6E6B0A7186E}"/>
+                <a16:creationId xmlns:a16="http://schemas.microsoft.com/office/drawing/2014/main" xmlns="" id="{6012FFDA-311F-429E-998E-F6E6B0A7186E}"/>
               </a:ext>
             </a:extLst>
           </p:cNvPr>
@@ -3899,7 +3897,7 @@
           <p:cNvPr id="42" name="Text Placeholder 7">
             <a:extLst>
               <a:ext uri="{FF2B5EF4-FFF2-40B4-BE49-F238E27FC236}">
-                <a16:creationId xmlns="" xmlns:a16="http://schemas.microsoft.com/office/drawing/2014/main" id="{9228FC83-C11D-47F2-8BDE-B10D125E5E87}"/>
+                <a16:creationId xmlns:a16="http://schemas.microsoft.com/office/drawing/2014/main" xmlns="" id="{9228FC83-C11D-47F2-8BDE-B10D125E5E87}"/>
               </a:ext>
             </a:extLst>
           </p:cNvPr>
@@ -4010,7 +4008,7 @@
           <p:cNvPr id="18" name="Retângulo 43">
             <a:extLst>
               <a:ext uri="{FF2B5EF4-FFF2-40B4-BE49-F238E27FC236}">
-                <a16:creationId xmlns="" xmlns:a16="http://schemas.microsoft.com/office/drawing/2014/main" id="{25FC8637-25BD-4C09-AF25-56B4243DAB3D}"/>
+                <a16:creationId xmlns:a16="http://schemas.microsoft.com/office/drawing/2014/main" xmlns="" id="{25FC8637-25BD-4C09-AF25-56B4243DAB3D}"/>
               </a:ext>
             </a:extLst>
           </p:cNvPr>
@@ -4063,7 +4061,7 @@
           <p:cNvPr id="19" name="Conector reto 49">
             <a:extLst>
               <a:ext uri="{FF2B5EF4-FFF2-40B4-BE49-F238E27FC236}">
-                <a16:creationId xmlns="" xmlns:a16="http://schemas.microsoft.com/office/drawing/2014/main" id="{6B6D7F6B-C184-4C2B-8EB7-067E0C1E8DF2}"/>
+                <a16:creationId xmlns:a16="http://schemas.microsoft.com/office/drawing/2014/main" xmlns="" id="{6B6D7F6B-C184-4C2B-8EB7-067E0C1E8DF2}"/>
               </a:ext>
             </a:extLst>
           </p:cNvPr>
@@ -4111,7 +4109,7 @@
             <a:hlinkClick r:id="rId2"/>
             <a:extLst>
               <a:ext uri="{FF2B5EF4-FFF2-40B4-BE49-F238E27FC236}">
-                <a16:creationId xmlns="" xmlns:a16="http://schemas.microsoft.com/office/drawing/2014/main" id="{F376ABD1-4930-42EB-9A73-9A9C7C6BF2D3}"/>
+                <a16:creationId xmlns:a16="http://schemas.microsoft.com/office/drawing/2014/main" xmlns="" id="{F376ABD1-4930-42EB-9A73-9A9C7C6BF2D3}"/>
               </a:ext>
             </a:extLst>
           </p:cNvPr>
@@ -4157,7 +4155,7 @@
           <p:cNvPr id="21" name="Retângulo 43">
             <a:extLst>
               <a:ext uri="{FF2B5EF4-FFF2-40B4-BE49-F238E27FC236}">
-                <a16:creationId xmlns="" xmlns:a16="http://schemas.microsoft.com/office/drawing/2014/main" id="{834ADCB4-BFB1-450D-8F6D-64217F4CD92C}"/>
+                <a16:creationId xmlns:a16="http://schemas.microsoft.com/office/drawing/2014/main" xmlns="" id="{834ADCB4-BFB1-450D-8F6D-64217F4CD92C}"/>
               </a:ext>
             </a:extLst>
           </p:cNvPr>
@@ -4199,7 +4197,7 @@
           <p:cNvPr id="23" name="Title Placeholder 1">
             <a:extLst>
               <a:ext uri="{FF2B5EF4-FFF2-40B4-BE49-F238E27FC236}">
-                <a16:creationId xmlns="" xmlns:a16="http://schemas.microsoft.com/office/drawing/2014/main" id="{552BBB0A-405D-419D-8BD5-EC8D9F84B795}"/>
+                <a16:creationId xmlns:a16="http://schemas.microsoft.com/office/drawing/2014/main" xmlns="" id="{552BBB0A-405D-419D-8BD5-EC8D9F84B795}"/>
               </a:ext>
             </a:extLst>
           </p:cNvPr>
@@ -4247,7 +4245,7 @@
           <p:cNvPr id="24" name="Text Placeholder 7">
             <a:extLst>
               <a:ext uri="{FF2B5EF4-FFF2-40B4-BE49-F238E27FC236}">
-                <a16:creationId xmlns="" xmlns:a16="http://schemas.microsoft.com/office/drawing/2014/main" id="{9228FC83-C11D-47F2-8BDE-B10D125E5E87}"/>
+                <a16:creationId xmlns:a16="http://schemas.microsoft.com/office/drawing/2014/main" xmlns="" id="{9228FC83-C11D-47F2-8BDE-B10D125E5E87}"/>
               </a:ext>
             </a:extLst>
           </p:cNvPr>
@@ -4358,7 +4356,7 @@
           <p:cNvPr id="25" name="Text Placeholder 7">
             <a:extLst>
               <a:ext uri="{FF2B5EF4-FFF2-40B4-BE49-F238E27FC236}">
-                <a16:creationId xmlns="" xmlns:a16="http://schemas.microsoft.com/office/drawing/2014/main" id="{9228FC83-C11D-47F2-8BDE-B10D125E5E87}"/>
+                <a16:creationId xmlns:a16="http://schemas.microsoft.com/office/drawing/2014/main" xmlns="" id="{9228FC83-C11D-47F2-8BDE-B10D125E5E87}"/>
               </a:ext>
             </a:extLst>
           </p:cNvPr>
@@ -4469,7 +4467,7 @@
           <p:cNvPr id="26" name="Text Placeholder 7">
             <a:extLst>
               <a:ext uri="{FF2B5EF4-FFF2-40B4-BE49-F238E27FC236}">
-                <a16:creationId xmlns="" xmlns:a16="http://schemas.microsoft.com/office/drawing/2014/main" id="{9228FC83-C11D-47F2-8BDE-B10D125E5E87}"/>
+                <a16:creationId xmlns:a16="http://schemas.microsoft.com/office/drawing/2014/main" xmlns="" id="{9228FC83-C11D-47F2-8BDE-B10D125E5E87}"/>
               </a:ext>
             </a:extLst>
           </p:cNvPr>
@@ -4717,7 +4715,7 @@
           <p:cNvPr id="10" name="Text Placeholder 13">
             <a:extLst>
               <a:ext uri="{FF2B5EF4-FFF2-40B4-BE49-F238E27FC236}">
-                <a16:creationId xmlns="" xmlns:a16="http://schemas.microsoft.com/office/drawing/2014/main" id="{7D1DC75A-C7A4-44A4-B19C-D445335545B0}"/>
+                <a16:creationId xmlns:a16="http://schemas.microsoft.com/office/drawing/2014/main" xmlns="" id="{7D1DC75A-C7A4-44A4-B19C-D445335545B0}"/>
               </a:ext>
             </a:extLst>
           </p:cNvPr>
@@ -4772,7 +4770,7 @@
           <p:cNvPr id="11" name="Text Placeholder 13">
             <a:extLst>
               <a:ext uri="{FF2B5EF4-FFF2-40B4-BE49-F238E27FC236}">
-                <a16:creationId xmlns="" xmlns:a16="http://schemas.microsoft.com/office/drawing/2014/main" id="{563879A0-0979-491A-8758-371BB7AD935B}"/>
+                <a16:creationId xmlns:a16="http://schemas.microsoft.com/office/drawing/2014/main" xmlns="" id="{563879A0-0979-491A-8758-371BB7AD935B}"/>
               </a:ext>
             </a:extLst>
           </p:cNvPr>
@@ -4919,7 +4917,7 @@
           <p:cNvPr id="9" name="Graphic 9">
             <a:extLst>
               <a:ext uri="{FF2B5EF4-FFF2-40B4-BE49-F238E27FC236}">
-                <a16:creationId xmlns="" xmlns:a16="http://schemas.microsoft.com/office/drawing/2014/main" id="{C3D2EC56-D17C-4A75-8178-C69397BC7353}"/>
+                <a16:creationId xmlns:a16="http://schemas.microsoft.com/office/drawing/2014/main" xmlns="" id="{C3D2EC56-D17C-4A75-8178-C69397BC7353}"/>
               </a:ext>
             </a:extLst>
           </p:cNvPr>
@@ -4932,7 +4930,7 @@
           <a:blip r:embed="rId2" cstate="print">
             <a:extLst>
               <a:ext uri="{96DAC541-7B7A-43D3-8B79-37D633B846F1}">
-                <asvg:svgBlip xmlns="" xmlns:asvg="http://schemas.microsoft.com/office/drawing/2016/SVG/main" r:embed="rId3"/>
+                <asvg:svgBlip xmlns:asvg="http://schemas.microsoft.com/office/drawing/2016/SVG/main" xmlns="" r:embed="rId3"/>
               </a:ext>
             </a:extLst>
           </a:blip>
@@ -5039,7 +5037,7 @@
           <p:cNvPr id="12" name="Picture Placeholder 11">
             <a:extLst>
               <a:ext uri="{FF2B5EF4-FFF2-40B4-BE49-F238E27FC236}">
-                <a16:creationId xmlns="" xmlns:a16="http://schemas.microsoft.com/office/drawing/2014/main" id="{25D6B527-14EF-4F30-9C9C-691EC4327EE7}"/>
+                <a16:creationId xmlns:a16="http://schemas.microsoft.com/office/drawing/2014/main" xmlns="" id="{25D6B527-14EF-4F30-9C9C-691EC4327EE7}"/>
               </a:ext>
             </a:extLst>
           </p:cNvPr>
@@ -5077,7 +5075,7 @@
           <p:cNvPr id="14" name="Text Placeholder 13">
             <a:extLst>
               <a:ext uri="{FF2B5EF4-FFF2-40B4-BE49-F238E27FC236}">
-                <a16:creationId xmlns="" xmlns:a16="http://schemas.microsoft.com/office/drawing/2014/main" id="{B83CBA49-BBF9-4CF0-9E0B-FF67BA149660}"/>
+                <a16:creationId xmlns:a16="http://schemas.microsoft.com/office/drawing/2014/main" xmlns="" id="{B83CBA49-BBF9-4CF0-9E0B-FF67BA149660}"/>
               </a:ext>
             </a:extLst>
           </p:cNvPr>
@@ -5132,7 +5130,7 @@
           <p:cNvPr id="15" name="Text Placeholder 13">
             <a:extLst>
               <a:ext uri="{FF2B5EF4-FFF2-40B4-BE49-F238E27FC236}">
-                <a16:creationId xmlns="" xmlns:a16="http://schemas.microsoft.com/office/drawing/2014/main" id="{F4C94DDB-5E07-4F17-ABAA-3E9C5E8683A1}"/>
+                <a16:creationId xmlns:a16="http://schemas.microsoft.com/office/drawing/2014/main" xmlns="" id="{F4C94DDB-5E07-4F17-ABAA-3E9C5E8683A1}"/>
               </a:ext>
             </a:extLst>
           </p:cNvPr>
@@ -5187,7 +5185,7 @@
           <p:cNvPr id="9" name="Graphic 9">
             <a:extLst>
               <a:ext uri="{FF2B5EF4-FFF2-40B4-BE49-F238E27FC236}">
-                <a16:creationId xmlns="" xmlns:a16="http://schemas.microsoft.com/office/drawing/2014/main" id="{C3D2EC56-D17C-4A75-8178-C69397BC7353}"/>
+                <a16:creationId xmlns:a16="http://schemas.microsoft.com/office/drawing/2014/main" xmlns="" id="{C3D2EC56-D17C-4A75-8178-C69397BC7353}"/>
               </a:ext>
             </a:extLst>
           </p:cNvPr>
@@ -5200,7 +5198,7 @@
           <a:blip r:embed="rId2" cstate="print">
             <a:extLst>
               <a:ext uri="{96DAC541-7B7A-43D3-8B79-37D633B846F1}">
-                <asvg:svgBlip xmlns="" xmlns:asvg="http://schemas.microsoft.com/office/drawing/2016/SVG/main" r:embed="rId3"/>
+                <asvg:svgBlip xmlns:asvg="http://schemas.microsoft.com/office/drawing/2016/SVG/main" xmlns="" r:embed="rId3"/>
               </a:ext>
             </a:extLst>
           </a:blip>
@@ -5252,6 +5250,13 @@
   <p:clrMapOvr>
     <a:masterClrMapping/>
   </p:clrMapOvr>
+  <p:timing>
+    <p:tnLst>
+      <p:par>
+        <p:cTn id="1" dur="indefinite" restart="never" nodeType="tmRoot"/>
+      </p:par>
+    </p:tnLst>
+  </p:timing>
   <p:extLst mod="1">
     <p:ext uri="{DCECCB84-F9BA-43D5-87BE-67443E8EF086}">
       <p15:sldGuideLst xmlns:p15="http://schemas.microsoft.com/office/powerpoint/2012/main">
@@ -5313,7 +5318,7 @@
           <p:cNvPr id="3" name="Retângulo 43">
             <a:extLst>
               <a:ext uri="{FF2B5EF4-FFF2-40B4-BE49-F238E27FC236}">
-                <a16:creationId xmlns="" xmlns:a16="http://schemas.microsoft.com/office/drawing/2014/main" id="{25FC8637-25BD-4C09-AF25-56B4243DAB3D}"/>
+                <a16:creationId xmlns:a16="http://schemas.microsoft.com/office/drawing/2014/main" xmlns="" id="{25FC8637-25BD-4C09-AF25-56B4243DAB3D}"/>
               </a:ext>
             </a:extLst>
           </p:cNvPr>
@@ -5366,7 +5371,7 @@
           <p:cNvPr id="7" name="Conector reto 49">
             <a:extLst>
               <a:ext uri="{FF2B5EF4-FFF2-40B4-BE49-F238E27FC236}">
-                <a16:creationId xmlns="" xmlns:a16="http://schemas.microsoft.com/office/drawing/2014/main" id="{6B6D7F6B-C184-4C2B-8EB7-067E0C1E8DF2}"/>
+                <a16:creationId xmlns:a16="http://schemas.microsoft.com/office/drawing/2014/main" xmlns="" id="{6B6D7F6B-C184-4C2B-8EB7-067E0C1E8DF2}"/>
               </a:ext>
             </a:extLst>
           </p:cNvPr>
@@ -5414,7 +5419,7 @@
             <a:hlinkClick r:id="rId2"/>
             <a:extLst>
               <a:ext uri="{FF2B5EF4-FFF2-40B4-BE49-F238E27FC236}">
-                <a16:creationId xmlns="" xmlns:a16="http://schemas.microsoft.com/office/drawing/2014/main" id="{F376ABD1-4930-42EB-9A73-9A9C7C6BF2D3}"/>
+                <a16:creationId xmlns:a16="http://schemas.microsoft.com/office/drawing/2014/main" xmlns="" id="{F376ABD1-4930-42EB-9A73-9A9C7C6BF2D3}"/>
               </a:ext>
             </a:extLst>
           </p:cNvPr>
@@ -5460,7 +5465,7 @@
           <p:cNvPr id="9" name="Retângulo 43">
             <a:extLst>
               <a:ext uri="{FF2B5EF4-FFF2-40B4-BE49-F238E27FC236}">
-                <a16:creationId xmlns="" xmlns:a16="http://schemas.microsoft.com/office/drawing/2014/main" id="{834ADCB4-BFB1-450D-8F6D-64217F4CD92C}"/>
+                <a16:creationId xmlns:a16="http://schemas.microsoft.com/office/drawing/2014/main" xmlns="" id="{834ADCB4-BFB1-450D-8F6D-64217F4CD92C}"/>
               </a:ext>
             </a:extLst>
           </p:cNvPr>
@@ -5507,6 +5512,13 @@
   <p:clrMapOvr>
     <a:masterClrMapping/>
   </p:clrMapOvr>
+  <p:timing>
+    <p:tnLst>
+      <p:par>
+        <p:cTn id="1" dur="indefinite" restart="never" nodeType="tmRoot"/>
+      </p:par>
+    </p:tnLst>
+  </p:timing>
 </p:sldLayout>
 </file>
 
@@ -5569,6 +5581,8 @@
                 <a:solidFill>
                   <a:srgbClr val="263147"/>
                 </a:solidFill>
+                <a:latin typeface="Calibri" panose="020F0502020204030204" pitchFamily="34" charset="0"/>
+                <a:cs typeface="Calibri" panose="020F0502020204030204" pitchFamily="34" charset="0"/>
               </a:defRPr>
             </a:lvl1pPr>
             <a:lvl2pPr>
@@ -5576,6 +5590,8 @@
                 <a:solidFill>
                   <a:srgbClr val="263147"/>
                 </a:solidFill>
+                <a:latin typeface="Calibri" panose="020F0502020204030204" pitchFamily="34" charset="0"/>
+                <a:cs typeface="Calibri" panose="020F0502020204030204" pitchFamily="34" charset="0"/>
               </a:defRPr>
             </a:lvl2pPr>
             <a:lvl3pPr>
@@ -5583,6 +5599,8 @@
                 <a:solidFill>
                   <a:srgbClr val="263147"/>
                 </a:solidFill>
+                <a:latin typeface="Calibri" panose="020F0502020204030204" pitchFamily="34" charset="0"/>
+                <a:cs typeface="Calibri" panose="020F0502020204030204" pitchFamily="34" charset="0"/>
               </a:defRPr>
             </a:lvl3pPr>
             <a:lvl4pPr>
@@ -5590,6 +5608,8 @@
                 <a:solidFill>
                   <a:srgbClr val="263147"/>
                 </a:solidFill>
+                <a:latin typeface="Calibri" panose="020F0502020204030204" pitchFamily="34" charset="0"/>
+                <a:cs typeface="Calibri" panose="020F0502020204030204" pitchFamily="34" charset="0"/>
               </a:defRPr>
             </a:lvl4pPr>
             <a:lvl5pPr>
@@ -5597,6 +5617,8 @@
                 <a:solidFill>
                   <a:srgbClr val="263147"/>
                 </a:solidFill>
+                <a:latin typeface="Calibri" panose="020F0502020204030204" pitchFamily="34" charset="0"/>
+                <a:cs typeface="Calibri" panose="020F0502020204030204" pitchFamily="34" charset="0"/>
               </a:defRPr>
             </a:lvl5pPr>
           </a:lstStyle>
@@ -5739,6 +5761,13 @@
   <p:clrMapOvr>
     <a:masterClrMapping/>
   </p:clrMapOvr>
+  <p:timing>
+    <p:tnLst>
+      <p:par>
+        <p:cTn id="1" dur="indefinite" restart="never" nodeType="tmRoot"/>
+      </p:par>
+    </p:tnLst>
+  </p:timing>
 </p:sldLayout>
 </file>
 
@@ -5912,7 +5941,7 @@
           <p:cNvPr id="7" name="Text Placeholder 13">
             <a:extLst>
               <a:ext uri="{FF2B5EF4-FFF2-40B4-BE49-F238E27FC236}">
-                <a16:creationId xmlns="" xmlns:a16="http://schemas.microsoft.com/office/drawing/2014/main" id="{5C674D03-4995-4743-8CE4-61CF32CFBDDE}"/>
+                <a16:creationId xmlns:a16="http://schemas.microsoft.com/office/drawing/2014/main" xmlns="" id="{5C674D03-4995-4743-8CE4-61CF32CFBDDE}"/>
               </a:ext>
             </a:extLst>
           </p:cNvPr>
@@ -5972,7 +6001,7 @@
           <p:cNvPr id="11" name="Graphic 4">
             <a:extLst>
               <a:ext uri="{FF2B5EF4-FFF2-40B4-BE49-F238E27FC236}">
-                <a16:creationId xmlns="" xmlns:a16="http://schemas.microsoft.com/office/drawing/2014/main" id="{25EEA1D4-3AF7-42D7-AE97-AE404AECFAEB}"/>
+                <a16:creationId xmlns:a16="http://schemas.microsoft.com/office/drawing/2014/main" xmlns="" id="{25EEA1D4-3AF7-42D7-AE97-AE404AECFAEB}"/>
               </a:ext>
             </a:extLst>
           </p:cNvPr>
@@ -5985,7 +6014,7 @@
           <a:blip r:embed="rId2" cstate="print">
             <a:extLst>
               <a:ext uri="{96DAC541-7B7A-43D3-8B79-37D633B846F1}">
-                <asvg:svgBlip xmlns="" xmlns:asvg="http://schemas.microsoft.com/office/drawing/2016/SVG/main" r:embed="rId3"/>
+                <asvg:svgBlip xmlns:asvg="http://schemas.microsoft.com/office/drawing/2016/SVG/main" xmlns="" r:embed="rId3"/>
               </a:ext>
             </a:extLst>
           </a:blip>
@@ -6042,7 +6071,7 @@
           <p:cNvPr id="8" name="Graphic 7">
             <a:extLst>
               <a:ext uri="{FF2B5EF4-FFF2-40B4-BE49-F238E27FC236}">
-                <a16:creationId xmlns="" xmlns:a16="http://schemas.microsoft.com/office/drawing/2014/main" id="{E94103CC-22C5-4F38-9B77-3524E8A553F9}"/>
+                <a16:creationId xmlns:a16="http://schemas.microsoft.com/office/drawing/2014/main" xmlns="" id="{E94103CC-22C5-4F38-9B77-3524E8A553F9}"/>
               </a:ext>
             </a:extLst>
           </p:cNvPr>
@@ -6055,7 +6084,7 @@
           <a:blip r:embed="rId2" cstate="print">
             <a:extLst>
               <a:ext uri="{96DAC541-7B7A-43D3-8B79-37D633B846F1}">
-                <asvg:svgBlip xmlns="" xmlns:asvg="http://schemas.microsoft.com/office/drawing/2016/SVG/main" r:embed="rId3"/>
+                <asvg:svgBlip xmlns:asvg="http://schemas.microsoft.com/office/drawing/2016/SVG/main" xmlns="" r:embed="rId3"/>
               </a:ext>
             </a:extLst>
           </a:blip>
@@ -6077,7 +6106,7 @@
           <p:cNvPr id="50" name="Text Placeholder 7">
             <a:extLst>
               <a:ext uri="{FF2B5EF4-FFF2-40B4-BE49-F238E27FC236}">
-                <a16:creationId xmlns="" xmlns:a16="http://schemas.microsoft.com/office/drawing/2014/main" id="{4E956B68-B273-4648-AC4B-C9A05A745160}"/>
+                <a16:creationId xmlns:a16="http://schemas.microsoft.com/office/drawing/2014/main" xmlns="" id="{4E956B68-B273-4648-AC4B-C9A05A745160}"/>
               </a:ext>
             </a:extLst>
           </p:cNvPr>
@@ -6174,7 +6203,7 @@
           <p:cNvPr id="51" name="Text Placeholder 7">
             <a:extLst>
               <a:ext uri="{FF2B5EF4-FFF2-40B4-BE49-F238E27FC236}">
-                <a16:creationId xmlns="" xmlns:a16="http://schemas.microsoft.com/office/drawing/2014/main" id="{F12D7C74-E8A0-4A7D-95DA-A14111669514}"/>
+                <a16:creationId xmlns:a16="http://schemas.microsoft.com/office/drawing/2014/main" xmlns="" id="{F12D7C74-E8A0-4A7D-95DA-A14111669514}"/>
               </a:ext>
             </a:extLst>
           </p:cNvPr>
@@ -6271,7 +6300,7 @@
           <p:cNvPr id="49" name="Picture Placeholder 48">
             <a:extLst>
               <a:ext uri="{FF2B5EF4-FFF2-40B4-BE49-F238E27FC236}">
-                <a16:creationId xmlns="" xmlns:a16="http://schemas.microsoft.com/office/drawing/2014/main" id="{4212BD44-DEDF-4B08-8824-204652F9616E}"/>
+                <a16:creationId xmlns:a16="http://schemas.microsoft.com/office/drawing/2014/main" xmlns="" id="{4212BD44-DEDF-4B08-8824-204652F9616E}"/>
               </a:ext>
             </a:extLst>
           </p:cNvPr>
@@ -6308,7 +6337,7 @@
           <p:cNvPr id="52" name="Text Placeholder 7">
             <a:extLst>
               <a:ext uri="{FF2B5EF4-FFF2-40B4-BE49-F238E27FC236}">
-                <a16:creationId xmlns="" xmlns:a16="http://schemas.microsoft.com/office/drawing/2014/main" id="{92D6AE9D-467E-46C0-B32B-79A9B07CDD13}"/>
+                <a16:creationId xmlns:a16="http://schemas.microsoft.com/office/drawing/2014/main" xmlns="" id="{92D6AE9D-467E-46C0-B32B-79A9B07CDD13}"/>
               </a:ext>
             </a:extLst>
           </p:cNvPr>
@@ -6405,7 +6434,7 @@
           <p:cNvPr id="7" name="Title Placeholder 1">
             <a:extLst>
               <a:ext uri="{FF2B5EF4-FFF2-40B4-BE49-F238E27FC236}">
-                <a16:creationId xmlns="" xmlns:a16="http://schemas.microsoft.com/office/drawing/2014/main" id="{552BBB0A-405D-419D-8BD5-EC8D9F84B795}"/>
+                <a16:creationId xmlns:a16="http://schemas.microsoft.com/office/drawing/2014/main" xmlns="" id="{552BBB0A-405D-419D-8BD5-EC8D9F84B795}"/>
               </a:ext>
             </a:extLst>
           </p:cNvPr>
@@ -6453,7 +6482,7 @@
           <p:cNvPr id="9" name="Graphic 4">
             <a:extLst>
               <a:ext uri="{FF2B5EF4-FFF2-40B4-BE49-F238E27FC236}">
-                <a16:creationId xmlns="" xmlns:a16="http://schemas.microsoft.com/office/drawing/2014/main" id="{D67A1EFD-D78D-4138-B2FE-E0A098B59C34}"/>
+                <a16:creationId xmlns:a16="http://schemas.microsoft.com/office/drawing/2014/main" xmlns="" id="{D67A1EFD-D78D-4138-B2FE-E0A098B59C34}"/>
               </a:ext>
             </a:extLst>
           </p:cNvPr>
@@ -6466,7 +6495,7 @@
           <a:blip r:embed="rId4" cstate="print">
             <a:extLst>
               <a:ext uri="{96DAC541-7B7A-43D3-8B79-37D633B846F1}">
-                <asvg:svgBlip xmlns="" xmlns:asvg="http://schemas.microsoft.com/office/drawing/2016/SVG/main" r:embed="rId5"/>
+                <asvg:svgBlip xmlns:asvg="http://schemas.microsoft.com/office/drawing/2016/SVG/main" xmlns="" r:embed="rId5"/>
               </a:ext>
             </a:extLst>
           </a:blip>
@@ -6488,7 +6517,7 @@
           <p:cNvPr id="11" name="Conector reto 49">
             <a:extLst>
               <a:ext uri="{FF2B5EF4-FFF2-40B4-BE49-F238E27FC236}">
-                <a16:creationId xmlns="" xmlns:a16="http://schemas.microsoft.com/office/drawing/2014/main" id="{6B6D7F6B-C184-4C2B-8EB7-067E0C1E8DF2}"/>
+                <a16:creationId xmlns:a16="http://schemas.microsoft.com/office/drawing/2014/main" xmlns="" id="{6B6D7F6B-C184-4C2B-8EB7-067E0C1E8DF2}"/>
               </a:ext>
             </a:extLst>
           </p:cNvPr>
@@ -6536,7 +6565,7 @@
             <a:hlinkClick r:id="rId6"/>
             <a:extLst>
               <a:ext uri="{FF2B5EF4-FFF2-40B4-BE49-F238E27FC236}">
-                <a16:creationId xmlns="" xmlns:a16="http://schemas.microsoft.com/office/drawing/2014/main" id="{F376ABD1-4930-42EB-9A73-9A9C7C6BF2D3}"/>
+                <a16:creationId xmlns:a16="http://schemas.microsoft.com/office/drawing/2014/main" xmlns="" id="{F376ABD1-4930-42EB-9A73-9A9C7C6BF2D3}"/>
               </a:ext>
             </a:extLst>
           </p:cNvPr>
@@ -6582,7 +6611,7 @@
           <p:cNvPr id="13" name="Retângulo 43">
             <a:extLst>
               <a:ext uri="{FF2B5EF4-FFF2-40B4-BE49-F238E27FC236}">
-                <a16:creationId xmlns="" xmlns:a16="http://schemas.microsoft.com/office/drawing/2014/main" id="{25FC8637-25BD-4C09-AF25-56B4243DAB3D}"/>
+                <a16:creationId xmlns:a16="http://schemas.microsoft.com/office/drawing/2014/main" xmlns="" id="{25FC8637-25BD-4C09-AF25-56B4243DAB3D}"/>
               </a:ext>
             </a:extLst>
           </p:cNvPr>
@@ -6629,7 +6658,7 @@
           <p:cNvPr id="14" name="Retângulo 43">
             <a:extLst>
               <a:ext uri="{FF2B5EF4-FFF2-40B4-BE49-F238E27FC236}">
-                <a16:creationId xmlns="" xmlns:a16="http://schemas.microsoft.com/office/drawing/2014/main" id="{834ADCB4-BFB1-450D-8F6D-64217F4CD92C}"/>
+                <a16:creationId xmlns:a16="http://schemas.microsoft.com/office/drawing/2014/main" xmlns="" id="{834ADCB4-BFB1-450D-8F6D-64217F4CD92C}"/>
               </a:ext>
             </a:extLst>
           </p:cNvPr>
@@ -6709,7 +6738,7 @@
           <p:cNvPr id="10" name="Text Placeholder 13">
             <a:extLst>
               <a:ext uri="{FF2B5EF4-FFF2-40B4-BE49-F238E27FC236}">
-                <a16:creationId xmlns="" xmlns:a16="http://schemas.microsoft.com/office/drawing/2014/main" id="{7D1DC75A-C7A4-44A4-B19C-D445335545B0}"/>
+                <a16:creationId xmlns:a16="http://schemas.microsoft.com/office/drawing/2014/main" xmlns="" id="{7D1DC75A-C7A4-44A4-B19C-D445335545B0}"/>
               </a:ext>
             </a:extLst>
           </p:cNvPr>
@@ -6770,7 +6799,7 @@
           <p:cNvPr id="11" name="Text Placeholder 13">
             <a:extLst>
               <a:ext uri="{FF2B5EF4-FFF2-40B4-BE49-F238E27FC236}">
-                <a16:creationId xmlns="" xmlns:a16="http://schemas.microsoft.com/office/drawing/2014/main" id="{563879A0-0979-491A-8758-371BB7AD935B}"/>
+                <a16:creationId xmlns:a16="http://schemas.microsoft.com/office/drawing/2014/main" xmlns="" id="{563879A0-0979-491A-8758-371BB7AD935B}"/>
               </a:ext>
             </a:extLst>
           </p:cNvPr>
@@ -6828,7 +6857,7 @@
           <p:cNvPr id="9" name="Group 8">
             <a:extLst>
               <a:ext uri="{FF2B5EF4-FFF2-40B4-BE49-F238E27FC236}">
-                <a16:creationId xmlns="" xmlns:a16="http://schemas.microsoft.com/office/drawing/2014/main" id="{A76958A6-8FB1-445D-BB17-D619DC39E089}"/>
+                <a16:creationId xmlns:a16="http://schemas.microsoft.com/office/drawing/2014/main" xmlns="" id="{A76958A6-8FB1-445D-BB17-D619DC39E089}"/>
               </a:ext>
             </a:extLst>
           </p:cNvPr>
@@ -6848,7 +6877,7 @@
             <p:cNvPr id="12" name="Freeform: Shape 11">
               <a:extLst>
                 <a:ext uri="{FF2B5EF4-FFF2-40B4-BE49-F238E27FC236}">
-                  <a16:creationId xmlns="" xmlns:a16="http://schemas.microsoft.com/office/drawing/2014/main" id="{3C37792F-39D6-4A1F-BE84-103229E3E4C7}"/>
+                  <a16:creationId xmlns:a16="http://schemas.microsoft.com/office/drawing/2014/main" xmlns="" id="{3C37792F-39D6-4A1F-BE84-103229E3E4C7}"/>
                 </a:ext>
               </a:extLst>
             </p:cNvPr>
@@ -7139,7 +7168,7 @@
             <p:cNvPr id="13" name="Freeform 10">
               <a:extLst>
                 <a:ext uri="{FF2B5EF4-FFF2-40B4-BE49-F238E27FC236}">
-                  <a16:creationId xmlns="" xmlns:a16="http://schemas.microsoft.com/office/drawing/2014/main" id="{D9D750E2-E6DE-4123-9001-1391D1C49BBA}"/>
+                  <a16:creationId xmlns:a16="http://schemas.microsoft.com/office/drawing/2014/main" xmlns="" id="{D9D750E2-E6DE-4123-9001-1391D1C49BBA}"/>
                 </a:ext>
               </a:extLst>
             </p:cNvPr>
@@ -7290,7 +7319,7 @@
             <p:cNvPr id="14" name="Freeform 11">
               <a:extLst>
                 <a:ext uri="{FF2B5EF4-FFF2-40B4-BE49-F238E27FC236}">
-                  <a16:creationId xmlns="" xmlns:a16="http://schemas.microsoft.com/office/drawing/2014/main" id="{53936070-5445-4D5B-B6F0-A72D3CC87FBE}"/>
+                  <a16:creationId xmlns:a16="http://schemas.microsoft.com/office/drawing/2014/main" xmlns="" id="{53936070-5445-4D5B-B6F0-A72D3CC87FBE}"/>
                 </a:ext>
               </a:extLst>
             </p:cNvPr>
@@ -7472,7 +7501,7 @@
           <p:cNvPr id="8" name="Retângulo 43">
             <a:extLst>
               <a:ext uri="{FF2B5EF4-FFF2-40B4-BE49-F238E27FC236}">
-                <a16:creationId xmlns="" xmlns:a16="http://schemas.microsoft.com/office/drawing/2014/main" id="{834ADCB4-BFB1-450D-8F6D-64217F4CD92C}"/>
+                <a16:creationId xmlns:a16="http://schemas.microsoft.com/office/drawing/2014/main" xmlns="" id="{834ADCB4-BFB1-450D-8F6D-64217F4CD92C}"/>
               </a:ext>
             </a:extLst>
           </p:cNvPr>
@@ -7512,7 +7541,7 @@
           <p:cNvPr id="15" name="Retângulo 43">
             <a:extLst>
               <a:ext uri="{FF2B5EF4-FFF2-40B4-BE49-F238E27FC236}">
-                <a16:creationId xmlns="" xmlns:a16="http://schemas.microsoft.com/office/drawing/2014/main" id="{25FC8637-25BD-4C09-AF25-56B4243DAB3D}"/>
+                <a16:creationId xmlns:a16="http://schemas.microsoft.com/office/drawing/2014/main" xmlns="" id="{25FC8637-25BD-4C09-AF25-56B4243DAB3D}"/>
               </a:ext>
             </a:extLst>
           </p:cNvPr>
@@ -7560,7 +7589,7 @@
             <a:hlinkClick r:id="rId2"/>
             <a:extLst>
               <a:ext uri="{FF2B5EF4-FFF2-40B4-BE49-F238E27FC236}">
-                <a16:creationId xmlns="" xmlns:a16="http://schemas.microsoft.com/office/drawing/2014/main" id="{F376ABD1-4930-42EB-9A73-9A9C7C6BF2D3}"/>
+                <a16:creationId xmlns:a16="http://schemas.microsoft.com/office/drawing/2014/main" xmlns="" id="{F376ABD1-4930-42EB-9A73-9A9C7C6BF2D3}"/>
               </a:ext>
             </a:extLst>
           </p:cNvPr>
@@ -7636,7 +7665,7 @@
           <p:cNvPr id="3" name="Retângulo 43">
             <a:extLst>
               <a:ext uri="{FF2B5EF4-FFF2-40B4-BE49-F238E27FC236}">
-                <a16:creationId xmlns="" xmlns:a16="http://schemas.microsoft.com/office/drawing/2014/main" id="{25FC8637-25BD-4C09-AF25-56B4243DAB3D}"/>
+                <a16:creationId xmlns:a16="http://schemas.microsoft.com/office/drawing/2014/main" xmlns="" id="{25FC8637-25BD-4C09-AF25-56B4243DAB3D}"/>
               </a:ext>
             </a:extLst>
           </p:cNvPr>
@@ -7689,7 +7718,7 @@
           <p:cNvPr id="7" name="Conector reto 49">
             <a:extLst>
               <a:ext uri="{FF2B5EF4-FFF2-40B4-BE49-F238E27FC236}">
-                <a16:creationId xmlns="" xmlns:a16="http://schemas.microsoft.com/office/drawing/2014/main" id="{6B6D7F6B-C184-4C2B-8EB7-067E0C1E8DF2}"/>
+                <a16:creationId xmlns:a16="http://schemas.microsoft.com/office/drawing/2014/main" xmlns="" id="{6B6D7F6B-C184-4C2B-8EB7-067E0C1E8DF2}"/>
               </a:ext>
             </a:extLst>
           </p:cNvPr>
@@ -7737,7 +7766,7 @@
             <a:hlinkClick r:id="rId2"/>
             <a:extLst>
               <a:ext uri="{FF2B5EF4-FFF2-40B4-BE49-F238E27FC236}">
-                <a16:creationId xmlns="" xmlns:a16="http://schemas.microsoft.com/office/drawing/2014/main" id="{F376ABD1-4930-42EB-9A73-9A9C7C6BF2D3}"/>
+                <a16:creationId xmlns:a16="http://schemas.microsoft.com/office/drawing/2014/main" xmlns="" id="{F376ABD1-4930-42EB-9A73-9A9C7C6BF2D3}"/>
               </a:ext>
             </a:extLst>
           </p:cNvPr>
@@ -7783,7 +7812,7 @@
           <p:cNvPr id="9" name="Retângulo 43">
             <a:extLst>
               <a:ext uri="{FF2B5EF4-FFF2-40B4-BE49-F238E27FC236}">
-                <a16:creationId xmlns="" xmlns:a16="http://schemas.microsoft.com/office/drawing/2014/main" id="{834ADCB4-BFB1-450D-8F6D-64217F4CD92C}"/>
+                <a16:creationId xmlns:a16="http://schemas.microsoft.com/office/drawing/2014/main" xmlns="" id="{834ADCB4-BFB1-450D-8F6D-64217F4CD92C}"/>
               </a:ext>
             </a:extLst>
           </p:cNvPr>
@@ -7825,7 +7854,7 @@
           <p:cNvPr id="6" name="Title Placeholder 1">
             <a:extLst>
               <a:ext uri="{FF2B5EF4-FFF2-40B4-BE49-F238E27FC236}">
-                <a16:creationId xmlns="" xmlns:a16="http://schemas.microsoft.com/office/drawing/2014/main" id="{F2EB016D-CF9A-4584-982E-40465F70132F}"/>
+                <a16:creationId xmlns:a16="http://schemas.microsoft.com/office/drawing/2014/main" xmlns="" id="{F2EB016D-CF9A-4584-982E-40465F70132F}"/>
               </a:ext>
             </a:extLst>
           </p:cNvPr>
@@ -7995,7 +8024,7 @@
           <p:cNvPr id="4" name="Title Placeholder 3">
             <a:extLst>
               <a:ext uri="{FF2B5EF4-FFF2-40B4-BE49-F238E27FC236}">
-                <a16:creationId xmlns="" xmlns:a16="http://schemas.microsoft.com/office/drawing/2014/main" id="{509B218C-0963-489A-AA77-3748FFA421C5}"/>
+                <a16:creationId xmlns:a16="http://schemas.microsoft.com/office/drawing/2014/main" xmlns="" id="{509B218C-0963-489A-AA77-3748FFA421C5}"/>
               </a:ext>
             </a:extLst>
           </p:cNvPr>
@@ -8022,7 +8051,7 @@
           <a:lstStyle/>
           <a:p>
             <a:r>
-              <a:rPr lang="fr-FR"/>
+              <a:rPr lang="fr-FR" dirty="0"/>
               <a:t>Modifiez le style du titre</a:t>
             </a:r>
             <a:endParaRPr lang="pt-PT" dirty="0"/>
@@ -8034,7 +8063,7 @@
           <p:cNvPr id="5" name="Text Placeholder 4">
             <a:extLst>
               <a:ext uri="{FF2B5EF4-FFF2-40B4-BE49-F238E27FC236}">
-                <a16:creationId xmlns="" xmlns:a16="http://schemas.microsoft.com/office/drawing/2014/main" id="{A4D17236-A440-4453-A69C-BE3728C11608}"/>
+                <a16:creationId xmlns:a16="http://schemas.microsoft.com/office/drawing/2014/main" xmlns="" id="{A4D17236-A440-4453-A69C-BE3728C11608}"/>
               </a:ext>
             </a:extLst>
           </p:cNvPr>
@@ -8112,6 +8141,13 @@
     <p:sldLayoutId id="2147483814" r:id="rId4"/>
     <p:sldLayoutId id="2147483815" r:id="rId5"/>
   </p:sldLayoutIdLst>
+  <p:timing>
+    <p:tnLst>
+      <p:par>
+        <p:cTn id="1" dur="indefinite" restart="never" nodeType="tmRoot"/>
+      </p:par>
+    </p:tnLst>
+  </p:timing>
   <p:hf sldNum="0" hdr="0" dt="0"/>
   <p:txStyles>
     <p:titleStyle>
@@ -8523,7 +8559,7 @@
           <p:cNvPr id="8" name="Title Placeholder 1">
             <a:extLst>
               <a:ext uri="{FF2B5EF4-FFF2-40B4-BE49-F238E27FC236}">
-                <a16:creationId xmlns="" xmlns:a16="http://schemas.microsoft.com/office/drawing/2014/main" id="{366C6B93-5A4F-43B7-84C4-C42EC870AB53}"/>
+                <a16:creationId xmlns:a16="http://schemas.microsoft.com/office/drawing/2014/main" xmlns="" id="{366C6B93-5A4F-43B7-84C4-C42EC870AB53}"/>
               </a:ext>
             </a:extLst>
           </p:cNvPr>
@@ -8567,7 +8603,7 @@
           <p:cNvPr id="9" name="Text Placeholder 2">
             <a:extLst>
               <a:ext uri="{FF2B5EF4-FFF2-40B4-BE49-F238E27FC236}">
-                <a16:creationId xmlns="" xmlns:a16="http://schemas.microsoft.com/office/drawing/2014/main" id="{AF310831-D03E-404B-934F-73B268225B7E}"/>
+                <a16:creationId xmlns:a16="http://schemas.microsoft.com/office/drawing/2014/main" xmlns="" id="{AF310831-D03E-404B-934F-73B268225B7E}"/>
               </a:ext>
             </a:extLst>
           </p:cNvPr>
@@ -8627,7 +8663,7 @@
           <p:cNvPr id="5" name="Graphic 4">
             <a:extLst>
               <a:ext uri="{FF2B5EF4-FFF2-40B4-BE49-F238E27FC236}">
-                <a16:creationId xmlns="" xmlns:a16="http://schemas.microsoft.com/office/drawing/2014/main" id="{25EEA1D4-3AF7-42D7-AE97-AE404AECFAEB}"/>
+                <a16:creationId xmlns:a16="http://schemas.microsoft.com/office/drawing/2014/main" xmlns="" id="{25EEA1D4-3AF7-42D7-AE97-AE404AECFAEB}"/>
               </a:ext>
             </a:extLst>
           </p:cNvPr>
@@ -8640,7 +8676,7 @@
           <a:blip r:embed="rId3" cstate="print">
             <a:extLst>
               <a:ext uri="{96DAC541-7B7A-43D3-8B79-37D633B846F1}">
-                <asvg:svgBlip xmlns="" xmlns:asvg="http://schemas.microsoft.com/office/drawing/2016/SVG/main" r:embed="rId4"/>
+                <asvg:svgBlip xmlns:asvg="http://schemas.microsoft.com/office/drawing/2016/SVG/main" xmlns="" r:embed="rId4"/>
               </a:ext>
             </a:extLst>
           </a:blip>
@@ -9038,7 +9074,7 @@
           <p:cNvPr id="2" name="Title Placeholder 1">
             <a:extLst>
               <a:ext uri="{FF2B5EF4-FFF2-40B4-BE49-F238E27FC236}">
-                <a16:creationId xmlns="" xmlns:a16="http://schemas.microsoft.com/office/drawing/2014/main" id="{F2EB016D-CF9A-4584-982E-40465F70132F}"/>
+                <a16:creationId xmlns:a16="http://schemas.microsoft.com/office/drawing/2014/main" xmlns="" id="{F2EB016D-CF9A-4584-982E-40465F70132F}"/>
               </a:ext>
             </a:extLst>
           </p:cNvPr>
@@ -9082,7 +9118,7 @@
           <p:cNvPr id="9" name="Graphic 4">
             <a:extLst>
               <a:ext uri="{FF2B5EF4-FFF2-40B4-BE49-F238E27FC236}">
-                <a16:creationId xmlns="" xmlns:a16="http://schemas.microsoft.com/office/drawing/2014/main" id="{25EEA1D4-3AF7-42D7-AE97-AE404AECFAEB}"/>
+                <a16:creationId xmlns:a16="http://schemas.microsoft.com/office/drawing/2014/main" xmlns="" id="{25EEA1D4-3AF7-42D7-AE97-AE404AECFAEB}"/>
               </a:ext>
             </a:extLst>
           </p:cNvPr>
@@ -9095,7 +9131,7 @@
           <a:blip r:embed="rId12" cstate="print">
             <a:extLst>
               <a:ext uri="{96DAC541-7B7A-43D3-8B79-37D633B846F1}">
-                <asvg:svgBlip xmlns="" xmlns:asvg="http://schemas.microsoft.com/office/drawing/2016/SVG/main" r:embed="rId14"/>
+                <asvg:svgBlip xmlns:asvg="http://schemas.microsoft.com/office/drawing/2016/SVG/main" xmlns="" r:embed="rId14"/>
               </a:ext>
             </a:extLst>
           </a:blip>
@@ -9117,7 +9153,7 @@
           <p:cNvPr id="13" name="Text Placeholder 2">
             <a:extLst>
               <a:ext uri="{FF2B5EF4-FFF2-40B4-BE49-F238E27FC236}">
-                <a16:creationId xmlns="" xmlns:a16="http://schemas.microsoft.com/office/drawing/2014/main" id="{AF310831-D03E-404B-934F-73B268225B7E}"/>
+                <a16:creationId xmlns:a16="http://schemas.microsoft.com/office/drawing/2014/main" xmlns="" id="{AF310831-D03E-404B-934F-73B268225B7E}"/>
               </a:ext>
             </a:extLst>
           </p:cNvPr>
@@ -10839,6 +10875,13 @@
     <p:sldLayoutId id="2147483735" r:id="rId9"/>
     <p:sldLayoutId id="2147483812" r:id="rId10"/>
   </p:sldLayoutIdLst>
+  <p:timing>
+    <p:tnLst>
+      <p:par>
+        <p:cTn id="1" dur="indefinite" restart="never" nodeType="tmRoot"/>
+      </p:par>
+    </p:tnLst>
+  </p:timing>
   <p:txStyles>
     <p:titleStyle>
       <a:lvl1pPr algn="l" defTabSz="914400" rtl="0" eaLnBrk="1" latinLnBrk="0" hangingPunct="1">
@@ -11270,7 +11313,7 @@
           <p:cNvPr id="13" name="Graphic 4">
             <a:extLst>
               <a:ext uri="{FF2B5EF4-FFF2-40B4-BE49-F238E27FC236}">
-                <a16:creationId xmlns="" xmlns:a16="http://schemas.microsoft.com/office/drawing/2014/main" id="{25EEA1D4-3AF7-42D7-AE97-AE404AECFAEB}"/>
+                <a16:creationId xmlns:a16="http://schemas.microsoft.com/office/drawing/2014/main" xmlns="" id="{25EEA1D4-3AF7-42D7-AE97-AE404AECFAEB}"/>
               </a:ext>
             </a:extLst>
           </p:cNvPr>
@@ -11283,7 +11326,7 @@
           <a:blip r:embed="rId2" cstate="print">
             <a:extLst>
               <a:ext uri="{96DAC541-7B7A-43D3-8B79-37D633B846F1}">
-                <asvg:svgBlip xmlns="" xmlns:asvg="http://schemas.microsoft.com/office/drawing/2016/SVG/main" r:embed="rId3"/>
+                <asvg:svgBlip xmlns:asvg="http://schemas.microsoft.com/office/drawing/2016/SVG/main" xmlns="" r:embed="rId3"/>
               </a:ext>
             </a:extLst>
           </a:blip>
@@ -11305,7 +11348,7 @@
           <p:cNvPr id="14" name="Title Placeholder 1">
             <a:extLst>
               <a:ext uri="{FF2B5EF4-FFF2-40B4-BE49-F238E27FC236}">
-                <a16:creationId xmlns="" xmlns:a16="http://schemas.microsoft.com/office/drawing/2014/main" id="{F2EB016D-CF9A-4584-982E-40465F70132F}"/>
+                <a16:creationId xmlns:a16="http://schemas.microsoft.com/office/drawing/2014/main" xmlns="" id="{F2EB016D-CF9A-4584-982E-40465F70132F}"/>
               </a:ext>
             </a:extLst>
           </p:cNvPr>
@@ -11349,7 +11392,7 @@
           <p:cNvPr id="15" name="Text Placeholder 2">
             <a:extLst>
               <a:ext uri="{FF2B5EF4-FFF2-40B4-BE49-F238E27FC236}">
-                <a16:creationId xmlns="" xmlns:a16="http://schemas.microsoft.com/office/drawing/2014/main" id="{AF310831-D03E-404B-934F-73B268225B7E}"/>
+                <a16:creationId xmlns:a16="http://schemas.microsoft.com/office/drawing/2014/main" xmlns="" id="{AF310831-D03E-404B-934F-73B268225B7E}"/>
               </a:ext>
             </a:extLst>
           </p:cNvPr>
@@ -13512,8 +13555,8 @@
         </p:nvSpPr>
         <p:spPr>
           <a:xfrm>
-            <a:off x="1991544" y="404664"/>
-            <a:ext cx="7528023" cy="646331"/>
+            <a:off x="2684137" y="404664"/>
+            <a:ext cx="6142836" cy="707886"/>
           </a:xfrm>
           <a:prstGeom prst="rect">
             <a:avLst/>
@@ -13527,12 +13570,14 @@
           <a:p>
             <a:pPr algn="ctr"/>
             <a:r>
-              <a:rPr lang="en-US" sz="3600" b="1" dirty="0">
+              <a:rPr lang="en-US" sz="4000" b="1" dirty="0">
                 <a:solidFill>
                   <a:schemeClr val="accent1">
                     <a:lumMod val="75000"/>
                   </a:schemeClr>
                 </a:solidFill>
+                <a:latin typeface="Calibri" panose="020F0502020204030204" pitchFamily="34" charset="0"/>
+                <a:cs typeface="Calibri" panose="020F0502020204030204" pitchFamily="34" charset="0"/>
               </a:rPr>
               <a:t>Complete OSI layer Protocol</a:t>
             </a:r>
@@ -15972,6 +16017,66 @@
           </a:p>
         </p:txBody>
       </p:sp>
+      <p:sp>
+        <p:nvSpPr>
+          <p:cNvPr id="4" name="TextBox 3"/>
+          <p:cNvSpPr txBox="1"/>
+          <p:nvPr/>
+        </p:nvSpPr>
+        <p:spPr>
+          <a:xfrm>
+            <a:off x="5898756" y="4952656"/>
+            <a:ext cx="1031313" cy="369332"/>
+          </a:xfrm>
+          <a:prstGeom prst="rect">
+            <a:avLst/>
+          </a:prstGeom>
+          <a:noFill/>
+        </p:spPr>
+        <p:txBody>
+          <a:bodyPr wrap="square" rtlCol="0">
+            <a:spAutoFit/>
+          </a:bodyPr>
+          <a:lstStyle/>
+          <a:p>
+            <a:r>
+              <a:rPr lang="en-US" dirty="0" smtClean="0"/>
+              <a:t>Client</a:t>
+            </a:r>
+            <a:endParaRPr lang="en-US" dirty="0"/>
+          </a:p>
+        </p:txBody>
+      </p:sp>
+      <p:sp>
+        <p:nvSpPr>
+          <p:cNvPr id="22" name="TextBox 21"/>
+          <p:cNvSpPr txBox="1"/>
+          <p:nvPr/>
+        </p:nvSpPr>
+        <p:spPr>
+          <a:xfrm>
+            <a:off x="10713115" y="5226025"/>
+            <a:ext cx="1031313" cy="369332"/>
+          </a:xfrm>
+          <a:prstGeom prst="rect">
+            <a:avLst/>
+          </a:prstGeom>
+          <a:noFill/>
+        </p:spPr>
+        <p:txBody>
+          <a:bodyPr wrap="square" rtlCol="0">
+            <a:spAutoFit/>
+          </a:bodyPr>
+          <a:lstStyle/>
+          <a:p>
+            <a:r>
+              <a:rPr lang="en-US" dirty="0" smtClean="0"/>
+              <a:t>Server</a:t>
+            </a:r>
+            <a:endParaRPr lang="en-US" dirty="0"/>
+          </a:p>
+        </p:txBody>
+      </p:sp>
     </p:spTree>
     <p:extLst>
       <p:ext uri="{BB962C8B-B14F-4D97-AF65-F5344CB8AC3E}">
@@ -16168,6 +16273,49 @@
                                   </p:childTnLst>
                                 </p:cTn>
                               </p:par>
+                              <p:par>
+                                <p:cTn id="19" presetID="10" presetClass="entr" presetSubtype="0" fill="hold" nodeType="withEffect">
+                                  <p:stCondLst>
+                                    <p:cond delay="0"/>
+                                  </p:stCondLst>
+                                  <p:childTnLst>
+                                    <p:set>
+                                      <p:cBhvr>
+                                        <p:cTn id="20" dur="1" fill="hold">
+                                          <p:stCondLst>
+                                            <p:cond delay="0"/>
+                                          </p:stCondLst>
+                                        </p:cTn>
+                                        <p:tgtEl>
+                                          <p:spTgt spid="4">
+                                            <p:txEl>
+                                              <p:pRg st="0" end="0"/>
+                                            </p:txEl>
+                                          </p:spTgt>
+                                        </p:tgtEl>
+                                        <p:attrNameLst>
+                                          <p:attrName>style.visibility</p:attrName>
+                                        </p:attrNameLst>
+                                      </p:cBhvr>
+                                      <p:to>
+                                        <p:strVal val="visible"/>
+                                      </p:to>
+                                    </p:set>
+                                    <p:animEffect transition="in" filter="fade">
+                                      <p:cBhvr>
+                                        <p:cTn id="21" dur="500"/>
+                                        <p:tgtEl>
+                                          <p:spTgt spid="4">
+                                            <p:txEl>
+                                              <p:pRg st="0" end="0"/>
+                                            </p:txEl>
+                                          </p:spTgt>
+                                        </p:tgtEl>
+                                      </p:cBhvr>
+                                    </p:animEffect>
+                                  </p:childTnLst>
+                                </p:cTn>
+                              </p:par>
                             </p:childTnLst>
                           </p:cTn>
                         </p:par>
@@ -16175,26 +16323,26 @@
                     </p:cTn>
                   </p:par>
                   <p:par>
-                    <p:cTn id="19" fill="hold">
+                    <p:cTn id="22" fill="hold">
                       <p:stCondLst>
                         <p:cond delay="indefinite"/>
                       </p:stCondLst>
                       <p:childTnLst>
                         <p:par>
-                          <p:cTn id="20" fill="hold">
+                          <p:cTn id="23" fill="hold">
                             <p:stCondLst>
                               <p:cond delay="0"/>
                             </p:stCondLst>
                             <p:childTnLst>
                               <p:par>
-                                <p:cTn id="21" presetID="1" presetClass="entr" presetSubtype="0" fill="hold" nodeType="clickEffect">
+                                <p:cTn id="24" presetID="1" presetClass="entr" presetSubtype="0" fill="hold" nodeType="clickEffect">
                                   <p:stCondLst>
                                     <p:cond delay="0"/>
                                   </p:stCondLst>
                                   <p:childTnLst>
                                     <p:set>
                                       <p:cBhvr>
-                                        <p:cTn id="22" dur="1" fill="hold">
+                                        <p:cTn id="25" dur="1" fill="hold">
                                           <p:stCondLst>
                                             <p:cond delay="0"/>
                                           </p:stCondLst>
@@ -16213,6 +16361,49 @@
                                   </p:childTnLst>
                                 </p:cTn>
                               </p:par>
+                              <p:par>
+                                <p:cTn id="26" presetID="10" presetClass="entr" presetSubtype="0" fill="hold" nodeType="withEffect">
+                                  <p:stCondLst>
+                                    <p:cond delay="0"/>
+                                  </p:stCondLst>
+                                  <p:childTnLst>
+                                    <p:set>
+                                      <p:cBhvr>
+                                        <p:cTn id="27" dur="1" fill="hold">
+                                          <p:stCondLst>
+                                            <p:cond delay="0"/>
+                                          </p:stCondLst>
+                                        </p:cTn>
+                                        <p:tgtEl>
+                                          <p:spTgt spid="22">
+                                            <p:txEl>
+                                              <p:pRg st="0" end="0"/>
+                                            </p:txEl>
+                                          </p:spTgt>
+                                        </p:tgtEl>
+                                        <p:attrNameLst>
+                                          <p:attrName>style.visibility</p:attrName>
+                                        </p:attrNameLst>
+                                      </p:cBhvr>
+                                      <p:to>
+                                        <p:strVal val="visible"/>
+                                      </p:to>
+                                    </p:set>
+                                    <p:animEffect transition="in" filter="fade">
+                                      <p:cBhvr>
+                                        <p:cTn id="28" dur="500"/>
+                                        <p:tgtEl>
+                                          <p:spTgt spid="22">
+                                            <p:txEl>
+                                              <p:pRg st="0" end="0"/>
+                                            </p:txEl>
+                                          </p:spTgt>
+                                        </p:tgtEl>
+                                      </p:cBhvr>
+                                    </p:animEffect>
+                                  </p:childTnLst>
+                                </p:cTn>
+                              </p:par>
                             </p:childTnLst>
                           </p:cTn>
                         </p:par>
@@ -16220,26 +16411,26 @@
                     </p:cTn>
                   </p:par>
                   <p:par>
-                    <p:cTn id="23" fill="hold">
+                    <p:cTn id="29" fill="hold">
                       <p:stCondLst>
                         <p:cond delay="indefinite"/>
                       </p:stCondLst>
                       <p:childTnLst>
                         <p:par>
-                          <p:cTn id="24" fill="hold">
+                          <p:cTn id="30" fill="hold">
                             <p:stCondLst>
                               <p:cond delay="0"/>
                             </p:stCondLst>
                             <p:childTnLst>
                               <p:par>
-                                <p:cTn id="25" presetID="1" presetClass="entr" presetSubtype="0" fill="hold" grpId="0" nodeType="clickEffect">
+                                <p:cTn id="31" presetID="1" presetClass="entr" presetSubtype="0" fill="hold" grpId="0" nodeType="clickEffect">
                                   <p:stCondLst>
                                     <p:cond delay="0"/>
                                   </p:stCondLst>
                                   <p:childTnLst>
                                     <p:set>
                                       <p:cBhvr>
-                                        <p:cTn id="26" dur="1" fill="hold">
+                                        <p:cTn id="32" dur="1" fill="hold">
                                           <p:stCondLst>
                                             <p:cond delay="0"/>
                                           </p:stCondLst>
@@ -16262,20 +16453,20 @@
                           </p:cTn>
                         </p:par>
                         <p:par>
-                          <p:cTn id="27" fill="hold">
+                          <p:cTn id="33" fill="hold">
                             <p:stCondLst>
                               <p:cond delay="0"/>
                             </p:stCondLst>
                             <p:childTnLst>
                               <p:par>
-                                <p:cTn id="28" presetID="1" presetClass="entr" presetSubtype="0" fill="hold" grpId="1" nodeType="afterEffect">
+                                <p:cTn id="34" presetID="1" presetClass="entr" presetSubtype="0" fill="hold" grpId="1" nodeType="afterEffect">
                                   <p:stCondLst>
                                     <p:cond delay="0"/>
                                   </p:stCondLst>
                                   <p:childTnLst>
                                     <p:set>
                                       <p:cBhvr>
-                                        <p:cTn id="29" dur="1" fill="hold">
+                                        <p:cTn id="35" dur="1" fill="hold">
                                           <p:stCondLst>
                                             <p:cond delay="0"/>
                                           </p:stCondLst>
@@ -16301,26 +16492,26 @@
                     </p:cTn>
                   </p:par>
                   <p:par>
-                    <p:cTn id="30" fill="hold">
+                    <p:cTn id="36" fill="hold">
                       <p:stCondLst>
                         <p:cond delay="indefinite"/>
                       </p:stCondLst>
                       <p:childTnLst>
                         <p:par>
-                          <p:cTn id="31" fill="hold">
+                          <p:cTn id="37" fill="hold">
                             <p:stCondLst>
                               <p:cond delay="0"/>
                             </p:stCondLst>
                             <p:childTnLst>
                               <p:par>
-                                <p:cTn id="32" presetID="63" presetClass="path" presetSubtype="0" accel="50000" decel="50000" fill="hold" grpId="0" nodeType="clickEffect">
+                                <p:cTn id="38" presetID="63" presetClass="path" presetSubtype="0" accel="50000" decel="50000" fill="hold" grpId="0" nodeType="clickEffect">
                                   <p:stCondLst>
                                     <p:cond delay="0"/>
                                   </p:stCondLst>
                                   <p:childTnLst>
                                     <p:animMotion origin="layout" path="M -0.13294 -0.00024 L -2.70833E-6 4.44444E-6 " pathEditMode="relative" rAng="0" ptsTypes="AA">
                                       <p:cBhvr>
-                                        <p:cTn id="33" dur="2000" fill="hold"/>
+                                        <p:cTn id="39" dur="2000" fill="hold"/>
                                         <p:tgtEl>
                                           <p:spTgt spid="15"/>
                                         </p:tgtEl>
@@ -16341,26 +16532,26 @@
                     </p:cTn>
                   </p:par>
                   <p:par>
-                    <p:cTn id="34" fill="hold">
+                    <p:cTn id="40" fill="hold">
                       <p:stCondLst>
                         <p:cond delay="indefinite"/>
                       </p:stCondLst>
                       <p:childTnLst>
                         <p:par>
-                          <p:cTn id="35" fill="hold">
+                          <p:cTn id="41" fill="hold">
                             <p:stCondLst>
                               <p:cond delay="0"/>
                             </p:stCondLst>
                             <p:childTnLst>
                               <p:par>
-                                <p:cTn id="36" presetID="1" presetClass="entr" presetSubtype="0" fill="hold" grpId="0" nodeType="clickEffect">
+                                <p:cTn id="42" presetID="1" presetClass="entr" presetSubtype="0" fill="hold" grpId="0" nodeType="clickEffect">
                                   <p:stCondLst>
                                     <p:cond delay="0"/>
                                   </p:stCondLst>
                                   <p:childTnLst>
                                     <p:set>
                                       <p:cBhvr>
-                                        <p:cTn id="37" dur="1" fill="hold">
+                                        <p:cTn id="43" dur="1" fill="hold">
                                           <p:stCondLst>
                                             <p:cond delay="0"/>
                                           </p:stCondLst>
@@ -16386,26 +16577,26 @@
                     </p:cTn>
                   </p:par>
                   <p:par>
-                    <p:cTn id="38" fill="hold">
+                    <p:cTn id="44" fill="hold">
                       <p:stCondLst>
                         <p:cond delay="indefinite"/>
                       </p:stCondLst>
                       <p:childTnLst>
                         <p:par>
-                          <p:cTn id="39" fill="hold">
+                          <p:cTn id="45" fill="hold">
                             <p:stCondLst>
                               <p:cond delay="0"/>
                             </p:stCondLst>
                             <p:childTnLst>
                               <p:par>
-                                <p:cTn id="40" presetID="10" presetClass="entr" presetSubtype="0" fill="hold" grpId="1" nodeType="clickEffect">
+                                <p:cTn id="46" presetID="10" presetClass="entr" presetSubtype="0" fill="hold" grpId="1" nodeType="clickEffect">
                                   <p:stCondLst>
                                     <p:cond delay="0"/>
                                   </p:stCondLst>
                                   <p:childTnLst>
                                     <p:set>
                                       <p:cBhvr>
-                                        <p:cTn id="41" dur="1" fill="hold">
+                                        <p:cTn id="47" dur="1" fill="hold">
                                           <p:stCondLst>
                                             <p:cond delay="0"/>
                                           </p:stCondLst>
@@ -16423,7 +16614,7 @@
                                     </p:set>
                                     <p:animEffect transition="in" filter="fade">
                                       <p:cBhvr>
-                                        <p:cTn id="42" dur="500"/>
+                                        <p:cTn id="48" dur="500"/>
                                         <p:tgtEl>
                                           <p:spTgt spid="16"/>
                                         </p:tgtEl>
@@ -16439,26 +16630,26 @@
                     </p:cTn>
                   </p:par>
                   <p:par>
-                    <p:cTn id="43" fill="hold">
+                    <p:cTn id="49" fill="hold">
                       <p:stCondLst>
                         <p:cond delay="indefinite"/>
                       </p:stCondLst>
                       <p:childTnLst>
                         <p:par>
-                          <p:cTn id="44" fill="hold">
+                          <p:cTn id="50" fill="hold">
                             <p:stCondLst>
                               <p:cond delay="0"/>
                             </p:stCondLst>
                             <p:childTnLst>
                               <p:par>
-                                <p:cTn id="45" presetID="35" presetClass="path" presetSubtype="0" accel="50000" decel="50000" fill="hold" grpId="0" nodeType="clickEffect">
+                                <p:cTn id="51" presetID="35" presetClass="path" presetSubtype="0" accel="50000" decel="50000" fill="hold" grpId="0" nodeType="clickEffect">
                                   <p:stCondLst>
                                     <p:cond delay="0"/>
                                   </p:stCondLst>
                                   <p:childTnLst>
                                     <p:animMotion origin="layout" path="M 0.08372 4.07407E-6 L 6.25E-7 4.07407E-6 " pathEditMode="relative" rAng="0" ptsTypes="AA">
                                       <p:cBhvr>
-                                        <p:cTn id="46" dur="2000" fill="hold"/>
+                                        <p:cTn id="52" dur="2000" fill="hold"/>
                                         <p:tgtEl>
                                           <p:spTgt spid="16"/>
                                         </p:tgtEl>
@@ -16479,26 +16670,26 @@
                     </p:cTn>
                   </p:par>
                   <p:par>
-                    <p:cTn id="47" fill="hold">
+                    <p:cTn id="53" fill="hold">
                       <p:stCondLst>
                         <p:cond delay="indefinite"/>
                       </p:stCondLst>
                       <p:childTnLst>
                         <p:par>
-                          <p:cTn id="48" fill="hold">
+                          <p:cTn id="54" fill="hold">
                             <p:stCondLst>
                               <p:cond delay="0"/>
                             </p:stCondLst>
                             <p:childTnLst>
                               <p:par>
-                                <p:cTn id="49" presetID="1" presetClass="entr" presetSubtype="0" fill="hold" nodeType="clickEffect">
+                                <p:cTn id="55" presetID="1" presetClass="entr" presetSubtype="0" fill="hold" nodeType="clickEffect">
                                   <p:stCondLst>
                                     <p:cond delay="0"/>
                                   </p:stCondLst>
                                   <p:childTnLst>
                                     <p:set>
                                       <p:cBhvr>
-                                        <p:cTn id="50" dur="1" fill="hold">
+                                        <p:cTn id="56" dur="1" fill="hold">
                                           <p:stCondLst>
                                             <p:cond delay="0"/>
                                           </p:stCondLst>
@@ -16524,26 +16715,26 @@
                     </p:cTn>
                   </p:par>
                   <p:par>
-                    <p:cTn id="51" fill="hold">
+                    <p:cTn id="57" fill="hold">
                       <p:stCondLst>
                         <p:cond delay="indefinite"/>
                       </p:stCondLst>
                       <p:childTnLst>
                         <p:par>
-                          <p:cTn id="52" fill="hold">
+                          <p:cTn id="58" fill="hold">
                             <p:stCondLst>
                               <p:cond delay="0"/>
                             </p:stCondLst>
                             <p:childTnLst>
                               <p:par>
-                                <p:cTn id="53" presetID="10" presetClass="entr" presetSubtype="0" fill="hold" grpId="1" nodeType="clickEffect">
+                                <p:cTn id="59" presetID="10" presetClass="entr" presetSubtype="0" fill="hold" grpId="1" nodeType="clickEffect">
                                   <p:stCondLst>
                                     <p:cond delay="0"/>
                                   </p:stCondLst>
                                   <p:childTnLst>
                                     <p:set>
                                       <p:cBhvr>
-                                        <p:cTn id="54" dur="1" fill="hold">
+                                        <p:cTn id="60" dur="1" fill="hold">
                                           <p:stCondLst>
                                             <p:cond delay="0"/>
                                           </p:stCondLst>
@@ -16561,7 +16752,7 @@
                                     </p:set>
                                     <p:animEffect transition="in" filter="fade">
                                       <p:cBhvr>
-                                        <p:cTn id="55" dur="500"/>
+                                        <p:cTn id="61" dur="500"/>
                                         <p:tgtEl>
                                           <p:spTgt spid="17"/>
                                         </p:tgtEl>
@@ -16577,26 +16768,26 @@
                     </p:cTn>
                   </p:par>
                   <p:par>
-                    <p:cTn id="56" fill="hold">
+                    <p:cTn id="62" fill="hold">
                       <p:stCondLst>
                         <p:cond delay="indefinite"/>
                       </p:stCondLst>
                       <p:childTnLst>
                         <p:par>
-                          <p:cTn id="57" fill="hold">
+                          <p:cTn id="63" fill="hold">
                             <p:stCondLst>
                               <p:cond delay="0"/>
                             </p:stCondLst>
                             <p:childTnLst>
                               <p:par>
-                                <p:cTn id="58" presetID="42" presetClass="path" presetSubtype="0" accel="50000" decel="50000" fill="hold" grpId="0" nodeType="clickEffect">
+                                <p:cTn id="64" presetID="42" presetClass="path" presetSubtype="0" accel="50000" decel="50000" fill="hold" grpId="0" nodeType="clickEffect">
                                   <p:stCondLst>
                                     <p:cond delay="0"/>
                                   </p:stCondLst>
                                   <p:childTnLst>
                                     <p:animMotion origin="layout" path="M -0.00144 -0.12777 L 3.95833E-6 -4.07407E-6 " pathEditMode="relative" rAng="0" ptsTypes="AA">
                                       <p:cBhvr>
-                                        <p:cTn id="59" dur="2000" fill="hold"/>
+                                        <p:cTn id="65" dur="2000" fill="hold"/>
                                         <p:tgtEl>
                                           <p:spTgt spid="17"/>
                                         </p:tgtEl>
@@ -16617,26 +16808,26 @@
                     </p:cTn>
                   </p:par>
                   <p:par>
-                    <p:cTn id="60" fill="hold">
+                    <p:cTn id="66" fill="hold">
                       <p:stCondLst>
                         <p:cond delay="indefinite"/>
                       </p:stCondLst>
                       <p:childTnLst>
                         <p:par>
-                          <p:cTn id="61" fill="hold">
+                          <p:cTn id="67" fill="hold">
                             <p:stCondLst>
                               <p:cond delay="0"/>
                             </p:stCondLst>
                             <p:childTnLst>
                               <p:par>
-                                <p:cTn id="62" presetID="1" presetClass="entr" presetSubtype="0" fill="hold" nodeType="clickEffect">
+                                <p:cTn id="68" presetID="1" presetClass="entr" presetSubtype="0" fill="hold" nodeType="clickEffect">
                                   <p:stCondLst>
                                     <p:cond delay="0"/>
                                   </p:stCondLst>
                                   <p:childTnLst>
                                     <p:set>
                                       <p:cBhvr>
-                                        <p:cTn id="63" dur="1" fill="hold">
+                                        <p:cTn id="69" dur="1" fill="hold">
                                           <p:stCondLst>
                                             <p:cond delay="0"/>
                                           </p:stCondLst>
@@ -16666,26 +16857,26 @@
                     </p:cTn>
                   </p:par>
                   <p:par>
-                    <p:cTn id="64" fill="hold">
+                    <p:cTn id="70" fill="hold">
                       <p:stCondLst>
                         <p:cond delay="indefinite"/>
                       </p:stCondLst>
                       <p:childTnLst>
                         <p:par>
-                          <p:cTn id="65" fill="hold">
+                          <p:cTn id="71" fill="hold">
                             <p:stCondLst>
                               <p:cond delay="0"/>
                             </p:stCondLst>
                             <p:childTnLst>
                               <p:par>
-                                <p:cTn id="66" presetID="1" presetClass="entr" presetSubtype="0" fill="hold" nodeType="clickEffect">
+                                <p:cTn id="72" presetID="1" presetClass="entr" presetSubtype="0" fill="hold" nodeType="clickEffect">
                                   <p:stCondLst>
                                     <p:cond delay="0"/>
                                   </p:stCondLst>
                                   <p:childTnLst>
                                     <p:set>
                                       <p:cBhvr>
-                                        <p:cTn id="67" dur="1" fill="hold">
+                                        <p:cTn id="73" dur="1" fill="hold">
                                           <p:stCondLst>
                                             <p:cond delay="0"/>
                                           </p:stCondLst>
@@ -16822,7 +17013,663 @@
           <a:bodyPr/>
           <a:lstStyle/>
           <a:p>
+            <a:pPr marL="342900" indent="-342900">
+              <a:buFont typeface="Arial" panose="020B0604020202020204" pitchFamily="34" charset="0"/>
+              <a:buChar char="•"/>
+            </a:pPr>
+            <a:r>
+              <a:rPr lang="en-US" kern="0" dirty="0">
+                <a:solidFill>
+                  <a:srgbClr val="000000"/>
+                </a:solidFill>
+                <a:cs typeface="Times New Roman" pitchFamily="18" charset="0"/>
+                <a:sym typeface="Arial"/>
+              </a:rPr>
+              <a:t>Directory services </a:t>
+            </a:r>
+            <a:r>
+              <a:rPr lang="en-US" kern="0" dirty="0" smtClean="0">
+                <a:solidFill>
+                  <a:srgbClr val="000000"/>
+                </a:solidFill>
+                <a:cs typeface="Times New Roman" pitchFamily="18" charset="0"/>
+                <a:sym typeface="Arial"/>
+              </a:rPr>
+              <a:t>contain </a:t>
+            </a:r>
+            <a:r>
+              <a:rPr lang="en-US" kern="0" dirty="0">
+                <a:solidFill>
+                  <a:srgbClr val="000000"/>
+                </a:solidFill>
+                <a:cs typeface="Times New Roman" pitchFamily="18" charset="0"/>
+                <a:sym typeface="Arial"/>
+              </a:rPr>
+              <a:t>data and </a:t>
+            </a:r>
+            <a:r>
+              <a:rPr lang="en-US" kern="0" dirty="0" smtClean="0">
+                <a:solidFill>
+                  <a:srgbClr val="000000"/>
+                </a:solidFill>
+                <a:cs typeface="Times New Roman" pitchFamily="18" charset="0"/>
+                <a:sym typeface="Arial"/>
+              </a:rPr>
+              <a:t>metadata.</a:t>
+            </a:r>
+          </a:p>
+          <a:p>
+            <a:pPr marL="342900" indent="-342900">
+              <a:buFont typeface="Arial" panose="020B0604020202020204" pitchFamily="34" charset="0"/>
+              <a:buChar char="•"/>
+            </a:pPr>
+            <a:r>
+              <a:rPr lang="en-US" kern="0" dirty="0">
+                <a:solidFill>
+                  <a:srgbClr val="000000"/>
+                </a:solidFill>
+                <a:cs typeface="Times New Roman" pitchFamily="18" charset="0"/>
+                <a:sym typeface="Arial"/>
+              </a:rPr>
+              <a:t> X.500 formed the basis of a standard that is widely deployed known as LDAP.</a:t>
+            </a:r>
             <a:endParaRPr lang="en-IN" dirty="0"/>
+          </a:p>
+        </p:txBody>
+      </p:sp>
+      <p:sp>
+        <p:nvSpPr>
+          <p:cNvPr id="4" name="Oval 3"/>
+          <p:cNvSpPr/>
+          <p:nvPr/>
+        </p:nvSpPr>
+        <p:spPr>
+          <a:xfrm>
+            <a:off x="7752184" y="2997163"/>
+            <a:ext cx="3240360" cy="792088"/>
+          </a:xfrm>
+          <a:prstGeom prst="ellipse">
+            <a:avLst/>
+          </a:prstGeom>
+        </p:spPr>
+        <p:style>
+          <a:lnRef idx="1">
+            <a:schemeClr val="accent2"/>
+          </a:lnRef>
+          <a:fillRef idx="2">
+            <a:schemeClr val="accent2"/>
+          </a:fillRef>
+          <a:effectRef idx="1">
+            <a:schemeClr val="accent2"/>
+          </a:effectRef>
+          <a:fontRef idx="minor">
+            <a:schemeClr val="dk1"/>
+          </a:fontRef>
+        </p:style>
+        <p:txBody>
+          <a:bodyPr rtlCol="0" anchor="ctr"/>
+          <a:lstStyle/>
+          <a:p>
+            <a:pPr algn="ctr"/>
+            <a:r>
+              <a:rPr lang="en-US" dirty="0"/>
+              <a:t>d</a:t>
+            </a:r>
+            <a:r>
+              <a:rPr lang="en-US" dirty="0" smtClean="0"/>
+              <a:t>c=org, dc=com</a:t>
+            </a:r>
+            <a:endParaRPr lang="en-US" dirty="0"/>
+          </a:p>
+        </p:txBody>
+      </p:sp>
+      <p:cxnSp>
+        <p:nvCxnSpPr>
+          <p:cNvPr id="6" name="Straight Connector 5"/>
+          <p:cNvCxnSpPr/>
+          <p:nvPr/>
+        </p:nvCxnSpPr>
+        <p:spPr>
+          <a:xfrm flipV="1">
+            <a:off x="7824192" y="3789252"/>
+            <a:ext cx="1296144" cy="719868"/>
+          </a:xfrm>
+          <a:prstGeom prst="line">
+            <a:avLst/>
+          </a:prstGeom>
+        </p:spPr>
+        <p:style>
+          <a:lnRef idx="1">
+            <a:schemeClr val="accent1"/>
+          </a:lnRef>
+          <a:fillRef idx="0">
+            <a:schemeClr val="accent1"/>
+          </a:fillRef>
+          <a:effectRef idx="0">
+            <a:schemeClr val="accent1"/>
+          </a:effectRef>
+          <a:fontRef idx="minor">
+            <a:schemeClr val="tx1"/>
+          </a:fontRef>
+        </p:style>
+      </p:cxnSp>
+      <p:cxnSp>
+        <p:nvCxnSpPr>
+          <p:cNvPr id="7" name="Straight Connector 6"/>
+          <p:cNvCxnSpPr/>
+          <p:nvPr/>
+        </p:nvCxnSpPr>
+        <p:spPr>
+          <a:xfrm>
+            <a:off x="9644613" y="3788406"/>
+            <a:ext cx="987891" cy="792722"/>
+          </a:xfrm>
+          <a:prstGeom prst="line">
+            <a:avLst/>
+          </a:prstGeom>
+        </p:spPr>
+        <p:style>
+          <a:lnRef idx="1">
+            <a:schemeClr val="accent1"/>
+          </a:lnRef>
+          <a:fillRef idx="0">
+            <a:schemeClr val="accent1"/>
+          </a:fillRef>
+          <a:effectRef idx="0">
+            <a:schemeClr val="accent1"/>
+          </a:effectRef>
+          <a:fontRef idx="minor">
+            <a:schemeClr val="tx1"/>
+          </a:fontRef>
+        </p:style>
+      </p:cxnSp>
+      <p:sp>
+        <p:nvSpPr>
+          <p:cNvPr id="12" name="Oval 11"/>
+          <p:cNvSpPr/>
+          <p:nvPr/>
+        </p:nvSpPr>
+        <p:spPr>
+          <a:xfrm>
+            <a:off x="6795459" y="4509120"/>
+            <a:ext cx="2108854" cy="789561"/>
+          </a:xfrm>
+          <a:prstGeom prst="ellipse">
+            <a:avLst/>
+          </a:prstGeom>
+        </p:spPr>
+        <p:style>
+          <a:lnRef idx="1">
+            <a:schemeClr val="accent2"/>
+          </a:lnRef>
+          <a:fillRef idx="2">
+            <a:schemeClr val="accent2"/>
+          </a:fillRef>
+          <a:effectRef idx="1">
+            <a:schemeClr val="accent2"/>
+          </a:effectRef>
+          <a:fontRef idx="minor">
+            <a:schemeClr val="dk1"/>
+          </a:fontRef>
+        </p:style>
+        <p:txBody>
+          <a:bodyPr rtlCol="0" anchor="ctr"/>
+          <a:lstStyle/>
+          <a:p>
+            <a:pPr algn="ctr"/>
+            <a:r>
+              <a:rPr lang="en-US" dirty="0" err="1"/>
+              <a:t>o</a:t>
+            </a:r>
+            <a:r>
+              <a:rPr lang="en-US" dirty="0" err="1" smtClean="0"/>
+              <a:t>u</a:t>
+            </a:r>
+            <a:r>
+              <a:rPr lang="en-US" dirty="0" smtClean="0"/>
+              <a:t>=finance</a:t>
+            </a:r>
+            <a:endParaRPr lang="en-US" dirty="0"/>
+          </a:p>
+        </p:txBody>
+      </p:sp>
+      <p:sp>
+        <p:nvSpPr>
+          <p:cNvPr id="13" name="Oval 12"/>
+          <p:cNvSpPr/>
+          <p:nvPr/>
+        </p:nvSpPr>
+        <p:spPr>
+          <a:xfrm>
+            <a:off x="9737222" y="4578601"/>
+            <a:ext cx="1982653" cy="720080"/>
+          </a:xfrm>
+          <a:prstGeom prst="ellipse">
+            <a:avLst/>
+          </a:prstGeom>
+        </p:spPr>
+        <p:style>
+          <a:lnRef idx="1">
+            <a:schemeClr val="accent2"/>
+          </a:lnRef>
+          <a:fillRef idx="2">
+            <a:schemeClr val="accent2"/>
+          </a:fillRef>
+          <a:effectRef idx="1">
+            <a:schemeClr val="accent2"/>
+          </a:effectRef>
+          <a:fontRef idx="minor">
+            <a:schemeClr val="dk1"/>
+          </a:fontRef>
+        </p:style>
+        <p:txBody>
+          <a:bodyPr rtlCol="0" anchor="ctr"/>
+          <a:lstStyle/>
+          <a:p>
+            <a:pPr algn="ctr"/>
+            <a:r>
+              <a:rPr lang="en-US" dirty="0" err="1"/>
+              <a:t>o</a:t>
+            </a:r>
+            <a:r>
+              <a:rPr lang="en-US" dirty="0" err="1" smtClean="0"/>
+              <a:t>u</a:t>
+            </a:r>
+            <a:r>
+              <a:rPr lang="en-US" dirty="0" smtClean="0"/>
+              <a:t>=</a:t>
+            </a:r>
+            <a:r>
+              <a:rPr lang="en-US" dirty="0" err="1" smtClean="0"/>
+              <a:t>eng</a:t>
+            </a:r>
+            <a:endParaRPr lang="en-US" dirty="0"/>
+          </a:p>
+        </p:txBody>
+      </p:sp>
+      <p:cxnSp>
+        <p:nvCxnSpPr>
+          <p:cNvPr id="18" name="Straight Connector 17"/>
+          <p:cNvCxnSpPr/>
+          <p:nvPr/>
+        </p:nvCxnSpPr>
+        <p:spPr>
+          <a:xfrm>
+            <a:off x="7536160" y="5298681"/>
+            <a:ext cx="0" cy="722607"/>
+          </a:xfrm>
+          <a:prstGeom prst="line">
+            <a:avLst/>
+          </a:prstGeom>
+        </p:spPr>
+        <p:style>
+          <a:lnRef idx="1">
+            <a:schemeClr val="accent1"/>
+          </a:lnRef>
+          <a:fillRef idx="0">
+            <a:schemeClr val="accent1"/>
+          </a:fillRef>
+          <a:effectRef idx="0">
+            <a:schemeClr val="accent1"/>
+          </a:effectRef>
+          <a:fontRef idx="minor">
+            <a:schemeClr val="tx1"/>
+          </a:fontRef>
+        </p:style>
+      </p:cxnSp>
+      <p:cxnSp>
+        <p:nvCxnSpPr>
+          <p:cNvPr id="19" name="Straight Connector 18"/>
+          <p:cNvCxnSpPr/>
+          <p:nvPr/>
+        </p:nvCxnSpPr>
+        <p:spPr>
+          <a:xfrm flipH="1" flipV="1">
+            <a:off x="7536160" y="6018549"/>
+            <a:ext cx="360040" cy="2739"/>
+          </a:xfrm>
+          <a:prstGeom prst="line">
+            <a:avLst/>
+          </a:prstGeom>
+        </p:spPr>
+        <p:style>
+          <a:lnRef idx="1">
+            <a:schemeClr val="accent1"/>
+          </a:lnRef>
+          <a:fillRef idx="0">
+            <a:schemeClr val="accent1"/>
+          </a:fillRef>
+          <a:effectRef idx="0">
+            <a:schemeClr val="accent1"/>
+          </a:effectRef>
+          <a:fontRef idx="minor">
+            <a:schemeClr val="tx1"/>
+          </a:fontRef>
+        </p:style>
+      </p:cxnSp>
+      <p:sp>
+        <p:nvSpPr>
+          <p:cNvPr id="22" name="TextBox 21"/>
+          <p:cNvSpPr txBox="1"/>
+          <p:nvPr/>
+        </p:nvSpPr>
+        <p:spPr>
+          <a:xfrm>
+            <a:off x="7861668" y="5827753"/>
+            <a:ext cx="1697006" cy="369332"/>
+          </a:xfrm>
+          <a:prstGeom prst="rect">
+            <a:avLst/>
+          </a:prstGeom>
+          <a:noFill/>
+        </p:spPr>
+        <p:txBody>
+          <a:bodyPr wrap="square" rtlCol="0">
+            <a:spAutoFit/>
+          </a:bodyPr>
+          <a:lstStyle/>
+          <a:p>
+            <a:r>
+              <a:rPr lang="en-US" dirty="0" smtClean="0">
+                <a:latin typeface="Calibri" panose="020F0502020204030204" pitchFamily="34" charset="0"/>
+                <a:cs typeface="Calibri" panose="020F0502020204030204" pitchFamily="34" charset="0"/>
+              </a:rPr>
+              <a:t>Cn=Sam Carter</a:t>
+            </a:r>
+            <a:endParaRPr lang="en-US" dirty="0">
+              <a:latin typeface="Calibri" panose="020F0502020204030204" pitchFamily="34" charset="0"/>
+              <a:cs typeface="Calibri" panose="020F0502020204030204" pitchFamily="34" charset="0"/>
+            </a:endParaRPr>
+          </a:p>
+        </p:txBody>
+      </p:sp>
+      <p:cxnSp>
+        <p:nvCxnSpPr>
+          <p:cNvPr id="23" name="Straight Connector 22"/>
+          <p:cNvCxnSpPr/>
+          <p:nvPr/>
+        </p:nvCxnSpPr>
+        <p:spPr>
+          <a:xfrm>
+            <a:off x="10156318" y="5229200"/>
+            <a:ext cx="0" cy="722607"/>
+          </a:xfrm>
+          <a:prstGeom prst="line">
+            <a:avLst/>
+          </a:prstGeom>
+        </p:spPr>
+        <p:style>
+          <a:lnRef idx="1">
+            <a:schemeClr val="accent1"/>
+          </a:lnRef>
+          <a:fillRef idx="0">
+            <a:schemeClr val="accent1"/>
+          </a:fillRef>
+          <a:effectRef idx="0">
+            <a:schemeClr val="accent1"/>
+          </a:effectRef>
+          <a:fontRef idx="minor">
+            <a:schemeClr val="tx1"/>
+          </a:fontRef>
+        </p:style>
+      </p:cxnSp>
+      <p:cxnSp>
+        <p:nvCxnSpPr>
+          <p:cNvPr id="24" name="Straight Connector 23"/>
+          <p:cNvCxnSpPr/>
+          <p:nvPr/>
+        </p:nvCxnSpPr>
+        <p:spPr>
+          <a:xfrm flipH="1" flipV="1">
+            <a:off x="10156318" y="5944014"/>
+            <a:ext cx="360040" cy="2739"/>
+          </a:xfrm>
+          <a:prstGeom prst="line">
+            <a:avLst/>
+          </a:prstGeom>
+        </p:spPr>
+        <p:style>
+          <a:lnRef idx="1">
+            <a:schemeClr val="accent1"/>
+          </a:lnRef>
+          <a:fillRef idx="0">
+            <a:schemeClr val="accent1"/>
+          </a:fillRef>
+          <a:effectRef idx="0">
+            <a:schemeClr val="accent1"/>
+          </a:effectRef>
+          <a:fontRef idx="minor">
+            <a:schemeClr val="tx1"/>
+          </a:fontRef>
+        </p:style>
+      </p:cxnSp>
+      <p:sp>
+        <p:nvSpPr>
+          <p:cNvPr id="25" name="TextBox 24"/>
+          <p:cNvSpPr txBox="1"/>
+          <p:nvPr/>
+        </p:nvSpPr>
+        <p:spPr>
+          <a:xfrm>
+            <a:off x="10464325" y="5804210"/>
+            <a:ext cx="1697006" cy="369332"/>
+          </a:xfrm>
+          <a:prstGeom prst="rect">
+            <a:avLst/>
+          </a:prstGeom>
+          <a:noFill/>
+        </p:spPr>
+        <p:txBody>
+          <a:bodyPr wrap="square" rtlCol="0">
+            <a:spAutoFit/>
+          </a:bodyPr>
+          <a:lstStyle/>
+          <a:p>
+            <a:r>
+              <a:rPr lang="en-US" dirty="0" smtClean="0">
+                <a:latin typeface="Calibri" panose="020F0502020204030204" pitchFamily="34" charset="0"/>
+                <a:cs typeface="Calibri" panose="020F0502020204030204" pitchFamily="34" charset="0"/>
+              </a:rPr>
+              <a:t>Cn=Harry Milter</a:t>
+            </a:r>
+            <a:endParaRPr lang="en-US" dirty="0">
+              <a:latin typeface="Calibri" panose="020F0502020204030204" pitchFamily="34" charset="0"/>
+              <a:cs typeface="Calibri" panose="020F0502020204030204" pitchFamily="34" charset="0"/>
+            </a:endParaRPr>
+          </a:p>
+        </p:txBody>
+      </p:sp>
+      <p:graphicFrame>
+        <p:nvGraphicFramePr>
+          <p:cNvPr id="26" name="Table 25"/>
+          <p:cNvGraphicFramePr>
+            <a:graphicFrameLocks noGrp="1"/>
+          </p:cNvGraphicFramePr>
+          <p:nvPr>
+            <p:extLst>
+              <p:ext uri="{D42A27DB-BD31-4B8C-83A1-F6EECF244321}">
+                <p14:modId xmlns:p14="http://schemas.microsoft.com/office/powerpoint/2010/main" val="3974910140"/>
+              </p:ext>
+            </p:extLst>
+          </p:nvPr>
+        </p:nvGraphicFramePr>
+        <p:xfrm>
+          <a:off x="623392" y="2295111"/>
+          <a:ext cx="5180727" cy="731520"/>
+        </p:xfrm>
+        <a:graphic>
+          <a:graphicData uri="http://schemas.openxmlformats.org/drawingml/2006/table">
+            <a:tbl>
+              <a:tblPr firstRow="1" bandRow="1">
+                <a:tableStyleId>{21E4AEA4-8DFA-4A89-87EB-49C32662AFE0}</a:tableStyleId>
+              </a:tblPr>
+              <a:tblGrid>
+                <a:gridCol w="1726909"/>
+                <a:gridCol w="1726909"/>
+                <a:gridCol w="1726909"/>
+              </a:tblGrid>
+              <a:tr h="346002">
+                <a:tc>
+                  <a:txBody>
+                    <a:bodyPr/>
+                    <a:lstStyle/>
+                    <a:p>
+                      <a:pPr algn="ctr"/>
+                      <a:r>
+                        <a:rPr lang="en-US" dirty="0" smtClean="0"/>
+                        <a:t>ID</a:t>
+                      </a:r>
+                      <a:endParaRPr lang="en-US" dirty="0"/>
+                    </a:p>
+                  </a:txBody>
+                  <a:tcPr/>
+                </a:tc>
+                <a:tc>
+                  <a:txBody>
+                    <a:bodyPr/>
+                    <a:lstStyle/>
+                    <a:p>
+                      <a:pPr algn="ctr"/>
+                      <a:r>
+                        <a:rPr lang="en-US" dirty="0" smtClean="0"/>
+                        <a:t>Name</a:t>
+                      </a:r>
+                      <a:endParaRPr lang="en-US" dirty="0"/>
+                    </a:p>
+                  </a:txBody>
+                  <a:tcPr/>
+                </a:tc>
+                <a:tc>
+                  <a:txBody>
+                    <a:bodyPr/>
+                    <a:lstStyle/>
+                    <a:p>
+                      <a:pPr algn="ctr"/>
+                      <a:r>
+                        <a:rPr lang="en-US" dirty="0" smtClean="0"/>
+                        <a:t>Email</a:t>
+                      </a:r>
+                      <a:endParaRPr lang="en-US" dirty="0"/>
+                    </a:p>
+                  </a:txBody>
+                  <a:tcPr/>
+                </a:tc>
+              </a:tr>
+              <a:tr h="346002">
+                <a:tc>
+                  <a:txBody>
+                    <a:bodyPr/>
+                    <a:lstStyle/>
+                    <a:p>
+                      <a:pPr algn="ctr"/>
+                      <a:r>
+                        <a:rPr lang="en-US" dirty="0" smtClean="0"/>
+                        <a:t>1</a:t>
+                      </a:r>
+                      <a:endParaRPr lang="en-US" dirty="0"/>
+                    </a:p>
+                  </a:txBody>
+                  <a:tcPr/>
+                </a:tc>
+                <a:tc>
+                  <a:txBody>
+                    <a:bodyPr/>
+                    <a:lstStyle/>
+                    <a:p>
+                      <a:pPr algn="ctr"/>
+                      <a:r>
+                        <a:rPr lang="en-US" dirty="0" smtClean="0"/>
+                        <a:t>John</a:t>
+                      </a:r>
+                      <a:r>
+                        <a:rPr lang="en-US" baseline="0" dirty="0" smtClean="0"/>
+                        <a:t> Doe</a:t>
+                      </a:r>
+                      <a:endParaRPr lang="en-US" dirty="0"/>
+                    </a:p>
+                  </a:txBody>
+                  <a:tcPr/>
+                </a:tc>
+                <a:tc>
+                  <a:txBody>
+                    <a:bodyPr/>
+                    <a:lstStyle/>
+                    <a:p>
+                      <a:pPr algn="ctr"/>
+                      <a:r>
+                        <a:rPr lang="en-US" dirty="0" smtClean="0"/>
+                        <a:t>a@xyz.com</a:t>
+                      </a:r>
+                      <a:endParaRPr lang="en-US" dirty="0"/>
+                    </a:p>
+                  </a:txBody>
+                  <a:tcPr/>
+                </a:tc>
+              </a:tr>
+            </a:tbl>
+          </a:graphicData>
+        </a:graphic>
+      </p:graphicFrame>
+      <p:pic>
+        <p:nvPicPr>
+          <p:cNvPr id="27" name="Picture 26"/>
+          <p:cNvPicPr>
+            <a:picLocks noChangeAspect="1"/>
+          </p:cNvPicPr>
+          <p:nvPr/>
+        </p:nvPicPr>
+        <p:blipFill>
+          <a:blip r:embed="rId2"/>
+          <a:stretch>
+            <a:fillRect/>
+          </a:stretch>
+        </p:blipFill>
+        <p:spPr>
+          <a:xfrm>
+            <a:off x="2642909" y="2575634"/>
+            <a:ext cx="6066095" cy="2362585"/>
+          </a:xfrm>
+          <a:prstGeom prst="rect">
+            <a:avLst/>
+          </a:prstGeom>
+        </p:spPr>
+      </p:pic>
+      <p:sp>
+        <p:nvSpPr>
+          <p:cNvPr id="28" name="TextBox 27"/>
+          <p:cNvSpPr txBox="1"/>
+          <p:nvPr/>
+        </p:nvSpPr>
+        <p:spPr>
+          <a:xfrm>
+            <a:off x="663857" y="1169011"/>
+            <a:ext cx="9672481" cy="451790"/>
+          </a:xfrm>
+          <a:prstGeom prst="rect">
+            <a:avLst/>
+          </a:prstGeom>
+          <a:noFill/>
+        </p:spPr>
+        <p:txBody>
+          <a:bodyPr wrap="square" rtlCol="0">
+            <a:spAutoFit/>
+          </a:bodyPr>
+          <a:lstStyle/>
+          <a:p>
+            <a:pPr>
+              <a:lnSpc>
+                <a:spcPct val="150000"/>
+              </a:lnSpc>
+            </a:pPr>
+            <a:r>
+              <a:rPr lang="en-US" b="1" dirty="0">
+                <a:solidFill>
+                  <a:srgbClr val="555555"/>
+                </a:solidFill>
+              </a:rPr>
+              <a:t>Lightweight Directory Access Protocol uses client-server architecture. </a:t>
+            </a:r>
+            <a:endParaRPr lang="en-US" b="1" dirty="0"/>
           </a:p>
         </p:txBody>
       </p:sp>
@@ -16839,9 +17686,532 @@
   <p:timing>
     <p:tnLst>
       <p:par>
-        <p:cTn id="1" dur="indefinite" restart="never" nodeType="tmRoot"/>
+        <p:cTn id="1" dur="indefinite" restart="never" nodeType="tmRoot">
+          <p:childTnLst>
+            <p:seq concurrent="1" nextAc="seek">
+              <p:cTn id="2" dur="indefinite" nodeType="mainSeq">
+                <p:childTnLst>
+                  <p:par>
+                    <p:cTn id="3" fill="hold">
+                      <p:stCondLst>
+                        <p:cond delay="indefinite"/>
+                      </p:stCondLst>
+                      <p:childTnLst>
+                        <p:par>
+                          <p:cTn id="4" fill="hold">
+                            <p:stCondLst>
+                              <p:cond delay="0"/>
+                            </p:stCondLst>
+                            <p:childTnLst>
+                              <p:par>
+                                <p:cTn id="5" presetID="1" presetClass="exit" presetSubtype="0" fill="hold" nodeType="clickEffect">
+                                  <p:stCondLst>
+                                    <p:cond delay="0"/>
+                                  </p:stCondLst>
+                                  <p:childTnLst>
+                                    <p:set>
+                                      <p:cBhvr>
+                                        <p:cTn id="6" dur="1" fill="hold">
+                                          <p:stCondLst>
+                                            <p:cond delay="0"/>
+                                          </p:stCondLst>
+                                        </p:cTn>
+                                        <p:tgtEl>
+                                          <p:spTgt spid="3">
+                                            <p:txEl>
+                                              <p:pRg st="0" end="0"/>
+                                            </p:txEl>
+                                          </p:spTgt>
+                                        </p:tgtEl>
+                                        <p:attrNameLst>
+                                          <p:attrName>style.visibility</p:attrName>
+                                        </p:attrNameLst>
+                                      </p:cBhvr>
+                                      <p:to>
+                                        <p:strVal val="hidden"/>
+                                      </p:to>
+                                    </p:set>
+                                  </p:childTnLst>
+                                </p:cTn>
+                              </p:par>
+                              <p:par>
+                                <p:cTn id="7" presetID="1" presetClass="exit" presetSubtype="0" fill="hold" nodeType="withEffect">
+                                  <p:stCondLst>
+                                    <p:cond delay="0"/>
+                                  </p:stCondLst>
+                                  <p:childTnLst>
+                                    <p:set>
+                                      <p:cBhvr>
+                                        <p:cTn id="8" dur="1" fill="hold">
+                                          <p:stCondLst>
+                                            <p:cond delay="0"/>
+                                          </p:stCondLst>
+                                        </p:cTn>
+                                        <p:tgtEl>
+                                          <p:spTgt spid="3">
+                                            <p:txEl>
+                                              <p:pRg st="1" end="1"/>
+                                            </p:txEl>
+                                          </p:spTgt>
+                                        </p:tgtEl>
+                                        <p:attrNameLst>
+                                          <p:attrName>style.visibility</p:attrName>
+                                        </p:attrNameLst>
+                                      </p:cBhvr>
+                                      <p:to>
+                                        <p:strVal val="hidden"/>
+                                      </p:to>
+                                    </p:set>
+                                  </p:childTnLst>
+                                </p:cTn>
+                              </p:par>
+                              <p:par>
+                                <p:cTn id="9" presetID="1" presetClass="exit" presetSubtype="0" fill="hold" nodeType="withEffect">
+                                  <p:stCondLst>
+                                    <p:cond delay="0"/>
+                                  </p:stCondLst>
+                                  <p:childTnLst>
+                                    <p:set>
+                                      <p:cBhvr>
+                                        <p:cTn id="10" dur="1" fill="hold">
+                                          <p:stCondLst>
+                                            <p:cond delay="0"/>
+                                          </p:stCondLst>
+                                        </p:cTn>
+                                        <p:tgtEl>
+                                          <p:spTgt spid="26"/>
+                                        </p:tgtEl>
+                                        <p:attrNameLst>
+                                          <p:attrName>style.visibility</p:attrName>
+                                        </p:attrNameLst>
+                                      </p:cBhvr>
+                                      <p:to>
+                                        <p:strVal val="hidden"/>
+                                      </p:to>
+                                    </p:set>
+                                  </p:childTnLst>
+                                </p:cTn>
+                              </p:par>
+                              <p:par>
+                                <p:cTn id="11" presetID="1" presetClass="exit" presetSubtype="0" fill="hold" grpId="0" nodeType="withEffect">
+                                  <p:stCondLst>
+                                    <p:cond delay="0"/>
+                                  </p:stCondLst>
+                                  <p:childTnLst>
+                                    <p:set>
+                                      <p:cBhvr>
+                                        <p:cTn id="12" dur="1" fill="hold">
+                                          <p:stCondLst>
+                                            <p:cond delay="0"/>
+                                          </p:stCondLst>
+                                        </p:cTn>
+                                        <p:tgtEl>
+                                          <p:spTgt spid="4"/>
+                                        </p:tgtEl>
+                                        <p:attrNameLst>
+                                          <p:attrName>style.visibility</p:attrName>
+                                        </p:attrNameLst>
+                                      </p:cBhvr>
+                                      <p:to>
+                                        <p:strVal val="hidden"/>
+                                      </p:to>
+                                    </p:set>
+                                  </p:childTnLst>
+                                </p:cTn>
+                              </p:par>
+                              <p:par>
+                                <p:cTn id="13" presetID="1" presetClass="exit" presetSubtype="0" fill="hold" nodeType="withEffect">
+                                  <p:stCondLst>
+                                    <p:cond delay="0"/>
+                                  </p:stCondLst>
+                                  <p:childTnLst>
+                                    <p:set>
+                                      <p:cBhvr>
+                                        <p:cTn id="14" dur="1" fill="hold">
+                                          <p:stCondLst>
+                                            <p:cond delay="0"/>
+                                          </p:stCondLst>
+                                        </p:cTn>
+                                        <p:tgtEl>
+                                          <p:spTgt spid="6"/>
+                                        </p:tgtEl>
+                                        <p:attrNameLst>
+                                          <p:attrName>style.visibility</p:attrName>
+                                        </p:attrNameLst>
+                                      </p:cBhvr>
+                                      <p:to>
+                                        <p:strVal val="hidden"/>
+                                      </p:to>
+                                    </p:set>
+                                  </p:childTnLst>
+                                </p:cTn>
+                              </p:par>
+                              <p:par>
+                                <p:cTn id="15" presetID="1" presetClass="exit" presetSubtype="0" fill="hold" nodeType="withEffect">
+                                  <p:stCondLst>
+                                    <p:cond delay="0"/>
+                                  </p:stCondLst>
+                                  <p:childTnLst>
+                                    <p:set>
+                                      <p:cBhvr>
+                                        <p:cTn id="16" dur="1" fill="hold">
+                                          <p:stCondLst>
+                                            <p:cond delay="0"/>
+                                          </p:stCondLst>
+                                        </p:cTn>
+                                        <p:tgtEl>
+                                          <p:spTgt spid="7"/>
+                                        </p:tgtEl>
+                                        <p:attrNameLst>
+                                          <p:attrName>style.visibility</p:attrName>
+                                        </p:attrNameLst>
+                                      </p:cBhvr>
+                                      <p:to>
+                                        <p:strVal val="hidden"/>
+                                      </p:to>
+                                    </p:set>
+                                  </p:childTnLst>
+                                </p:cTn>
+                              </p:par>
+                              <p:par>
+                                <p:cTn id="17" presetID="1" presetClass="exit" presetSubtype="0" fill="hold" grpId="0" nodeType="withEffect">
+                                  <p:stCondLst>
+                                    <p:cond delay="0"/>
+                                  </p:stCondLst>
+                                  <p:childTnLst>
+                                    <p:set>
+                                      <p:cBhvr>
+                                        <p:cTn id="18" dur="1" fill="hold">
+                                          <p:stCondLst>
+                                            <p:cond delay="0"/>
+                                          </p:stCondLst>
+                                        </p:cTn>
+                                        <p:tgtEl>
+                                          <p:spTgt spid="12"/>
+                                        </p:tgtEl>
+                                        <p:attrNameLst>
+                                          <p:attrName>style.visibility</p:attrName>
+                                        </p:attrNameLst>
+                                      </p:cBhvr>
+                                      <p:to>
+                                        <p:strVal val="hidden"/>
+                                      </p:to>
+                                    </p:set>
+                                  </p:childTnLst>
+                                </p:cTn>
+                              </p:par>
+                              <p:par>
+                                <p:cTn id="19" presetID="1" presetClass="exit" presetSubtype="0" fill="hold" grpId="0" nodeType="withEffect">
+                                  <p:stCondLst>
+                                    <p:cond delay="0"/>
+                                  </p:stCondLst>
+                                  <p:childTnLst>
+                                    <p:set>
+                                      <p:cBhvr>
+                                        <p:cTn id="20" dur="1" fill="hold">
+                                          <p:stCondLst>
+                                            <p:cond delay="0"/>
+                                          </p:stCondLst>
+                                        </p:cTn>
+                                        <p:tgtEl>
+                                          <p:spTgt spid="13"/>
+                                        </p:tgtEl>
+                                        <p:attrNameLst>
+                                          <p:attrName>style.visibility</p:attrName>
+                                        </p:attrNameLst>
+                                      </p:cBhvr>
+                                      <p:to>
+                                        <p:strVal val="hidden"/>
+                                      </p:to>
+                                    </p:set>
+                                  </p:childTnLst>
+                                </p:cTn>
+                              </p:par>
+                              <p:par>
+                                <p:cTn id="21" presetID="1" presetClass="exit" presetSubtype="0" fill="hold" nodeType="withEffect">
+                                  <p:stCondLst>
+                                    <p:cond delay="0"/>
+                                  </p:stCondLst>
+                                  <p:childTnLst>
+                                    <p:set>
+                                      <p:cBhvr>
+                                        <p:cTn id="22" dur="1" fill="hold">
+                                          <p:stCondLst>
+                                            <p:cond delay="0"/>
+                                          </p:stCondLst>
+                                        </p:cTn>
+                                        <p:tgtEl>
+                                          <p:spTgt spid="18"/>
+                                        </p:tgtEl>
+                                        <p:attrNameLst>
+                                          <p:attrName>style.visibility</p:attrName>
+                                        </p:attrNameLst>
+                                      </p:cBhvr>
+                                      <p:to>
+                                        <p:strVal val="hidden"/>
+                                      </p:to>
+                                    </p:set>
+                                  </p:childTnLst>
+                                </p:cTn>
+                              </p:par>
+                              <p:par>
+                                <p:cTn id="23" presetID="1" presetClass="exit" presetSubtype="0" fill="hold" nodeType="withEffect">
+                                  <p:stCondLst>
+                                    <p:cond delay="0"/>
+                                  </p:stCondLst>
+                                  <p:childTnLst>
+                                    <p:set>
+                                      <p:cBhvr>
+                                        <p:cTn id="24" dur="1" fill="hold">
+                                          <p:stCondLst>
+                                            <p:cond delay="0"/>
+                                          </p:stCondLst>
+                                        </p:cTn>
+                                        <p:tgtEl>
+                                          <p:spTgt spid="19"/>
+                                        </p:tgtEl>
+                                        <p:attrNameLst>
+                                          <p:attrName>style.visibility</p:attrName>
+                                        </p:attrNameLst>
+                                      </p:cBhvr>
+                                      <p:to>
+                                        <p:strVal val="hidden"/>
+                                      </p:to>
+                                    </p:set>
+                                  </p:childTnLst>
+                                </p:cTn>
+                              </p:par>
+                              <p:par>
+                                <p:cTn id="25" presetID="1" presetClass="exit" presetSubtype="0" fill="hold" grpId="0" nodeType="withEffect">
+                                  <p:stCondLst>
+                                    <p:cond delay="0"/>
+                                  </p:stCondLst>
+                                  <p:childTnLst>
+                                    <p:set>
+                                      <p:cBhvr>
+                                        <p:cTn id="26" dur="1" fill="hold">
+                                          <p:stCondLst>
+                                            <p:cond delay="0"/>
+                                          </p:stCondLst>
+                                        </p:cTn>
+                                        <p:tgtEl>
+                                          <p:spTgt spid="22"/>
+                                        </p:tgtEl>
+                                        <p:attrNameLst>
+                                          <p:attrName>style.visibility</p:attrName>
+                                        </p:attrNameLst>
+                                      </p:cBhvr>
+                                      <p:to>
+                                        <p:strVal val="hidden"/>
+                                      </p:to>
+                                    </p:set>
+                                  </p:childTnLst>
+                                </p:cTn>
+                              </p:par>
+                              <p:par>
+                                <p:cTn id="27" presetID="1" presetClass="exit" presetSubtype="0" fill="hold" nodeType="withEffect">
+                                  <p:stCondLst>
+                                    <p:cond delay="0"/>
+                                  </p:stCondLst>
+                                  <p:childTnLst>
+                                    <p:set>
+                                      <p:cBhvr>
+                                        <p:cTn id="28" dur="1" fill="hold">
+                                          <p:stCondLst>
+                                            <p:cond delay="0"/>
+                                          </p:stCondLst>
+                                        </p:cTn>
+                                        <p:tgtEl>
+                                          <p:spTgt spid="23"/>
+                                        </p:tgtEl>
+                                        <p:attrNameLst>
+                                          <p:attrName>style.visibility</p:attrName>
+                                        </p:attrNameLst>
+                                      </p:cBhvr>
+                                      <p:to>
+                                        <p:strVal val="hidden"/>
+                                      </p:to>
+                                    </p:set>
+                                  </p:childTnLst>
+                                </p:cTn>
+                              </p:par>
+                              <p:par>
+                                <p:cTn id="29" presetID="1" presetClass="exit" presetSubtype="0" fill="hold" nodeType="withEffect">
+                                  <p:stCondLst>
+                                    <p:cond delay="0"/>
+                                  </p:stCondLst>
+                                  <p:childTnLst>
+                                    <p:set>
+                                      <p:cBhvr>
+                                        <p:cTn id="30" dur="1" fill="hold">
+                                          <p:stCondLst>
+                                            <p:cond delay="0"/>
+                                          </p:stCondLst>
+                                        </p:cTn>
+                                        <p:tgtEl>
+                                          <p:spTgt spid="24"/>
+                                        </p:tgtEl>
+                                        <p:attrNameLst>
+                                          <p:attrName>style.visibility</p:attrName>
+                                        </p:attrNameLst>
+                                      </p:cBhvr>
+                                      <p:to>
+                                        <p:strVal val="hidden"/>
+                                      </p:to>
+                                    </p:set>
+                                  </p:childTnLst>
+                                </p:cTn>
+                              </p:par>
+                              <p:par>
+                                <p:cTn id="31" presetID="1" presetClass="exit" presetSubtype="0" fill="hold" grpId="0" nodeType="withEffect">
+                                  <p:stCondLst>
+                                    <p:cond delay="0"/>
+                                  </p:stCondLst>
+                                  <p:childTnLst>
+                                    <p:set>
+                                      <p:cBhvr>
+                                        <p:cTn id="32" dur="1" fill="hold">
+                                          <p:stCondLst>
+                                            <p:cond delay="0"/>
+                                          </p:stCondLst>
+                                        </p:cTn>
+                                        <p:tgtEl>
+                                          <p:spTgt spid="25"/>
+                                        </p:tgtEl>
+                                        <p:attrNameLst>
+                                          <p:attrName>style.visibility</p:attrName>
+                                        </p:attrNameLst>
+                                      </p:cBhvr>
+                                      <p:to>
+                                        <p:strVal val="hidden"/>
+                                      </p:to>
+                                    </p:set>
+                                  </p:childTnLst>
+                                </p:cTn>
+                              </p:par>
+                            </p:childTnLst>
+                          </p:cTn>
+                        </p:par>
+                      </p:childTnLst>
+                    </p:cTn>
+                  </p:par>
+                  <p:par>
+                    <p:cTn id="33" fill="hold">
+                      <p:stCondLst>
+                        <p:cond delay="indefinite"/>
+                      </p:stCondLst>
+                      <p:childTnLst>
+                        <p:par>
+                          <p:cTn id="34" fill="hold">
+                            <p:stCondLst>
+                              <p:cond delay="0"/>
+                            </p:stCondLst>
+                            <p:childTnLst>
+                              <p:par>
+                                <p:cTn id="35" presetID="10" presetClass="entr" presetSubtype="0" fill="hold" grpId="0" nodeType="clickEffect">
+                                  <p:stCondLst>
+                                    <p:cond delay="0"/>
+                                  </p:stCondLst>
+                                  <p:childTnLst>
+                                    <p:set>
+                                      <p:cBhvr>
+                                        <p:cTn id="36" dur="1" fill="hold">
+                                          <p:stCondLst>
+                                            <p:cond delay="0"/>
+                                          </p:stCondLst>
+                                        </p:cTn>
+                                        <p:tgtEl>
+                                          <p:spTgt spid="28"/>
+                                        </p:tgtEl>
+                                        <p:attrNameLst>
+                                          <p:attrName>style.visibility</p:attrName>
+                                        </p:attrNameLst>
+                                      </p:cBhvr>
+                                      <p:to>
+                                        <p:strVal val="visible"/>
+                                      </p:to>
+                                    </p:set>
+                                    <p:animEffect transition="in" filter="fade">
+                                      <p:cBhvr>
+                                        <p:cTn id="37" dur="500"/>
+                                        <p:tgtEl>
+                                          <p:spTgt spid="28"/>
+                                        </p:tgtEl>
+                                      </p:cBhvr>
+                                    </p:animEffect>
+                                  </p:childTnLst>
+                                </p:cTn>
+                              </p:par>
+                              <p:par>
+                                <p:cTn id="38" presetID="10" presetClass="entr" presetSubtype="0" fill="hold" nodeType="withEffect">
+                                  <p:stCondLst>
+                                    <p:cond delay="0"/>
+                                  </p:stCondLst>
+                                  <p:childTnLst>
+                                    <p:set>
+                                      <p:cBhvr>
+                                        <p:cTn id="39" dur="1" fill="hold">
+                                          <p:stCondLst>
+                                            <p:cond delay="0"/>
+                                          </p:stCondLst>
+                                        </p:cTn>
+                                        <p:tgtEl>
+                                          <p:spTgt spid="27"/>
+                                        </p:tgtEl>
+                                        <p:attrNameLst>
+                                          <p:attrName>style.visibility</p:attrName>
+                                        </p:attrNameLst>
+                                      </p:cBhvr>
+                                      <p:to>
+                                        <p:strVal val="visible"/>
+                                      </p:to>
+                                    </p:set>
+                                    <p:animEffect transition="in" filter="fade">
+                                      <p:cBhvr>
+                                        <p:cTn id="40" dur="500"/>
+                                        <p:tgtEl>
+                                          <p:spTgt spid="27"/>
+                                        </p:tgtEl>
+                                      </p:cBhvr>
+                                    </p:animEffect>
+                                  </p:childTnLst>
+                                </p:cTn>
+                              </p:par>
+                            </p:childTnLst>
+                          </p:cTn>
+                        </p:par>
+                      </p:childTnLst>
+                    </p:cTn>
+                  </p:par>
+                </p:childTnLst>
+              </p:cTn>
+              <p:prevCondLst>
+                <p:cond evt="onPrev" delay="0">
+                  <p:tgtEl>
+                    <p:sldTgt/>
+                  </p:tgtEl>
+                </p:cond>
+              </p:prevCondLst>
+              <p:nextCondLst>
+                <p:cond evt="onNext" delay="0">
+                  <p:tgtEl>
+                    <p:sldTgt/>
+                  </p:tgtEl>
+                </p:cond>
+              </p:nextCondLst>
+            </p:seq>
+          </p:childTnLst>
+        </p:cTn>
       </p:par>
     </p:tnLst>
+    <p:bldLst>
+      <p:bldP spid="4" grpId="0" animBg="1"/>
+      <p:bldP spid="12" grpId="0" animBg="1"/>
+      <p:bldP spid="13" grpId="0" animBg="1"/>
+      <p:bldP spid="22" grpId="0"/>
+      <p:bldP spid="25" grpId="0"/>
+      <p:bldP spid="28" grpId="0"/>
+    </p:bldLst>
   </p:timing>
 </p:sld>
 </file>
@@ -17516,11 +18886,7 @@
             <a:pPr algn="ctr"/>
             <a:r>
               <a:rPr lang="en-US" dirty="0" smtClean="0"/>
-              <a:t>Mail Delivery Agent   (</a:t>
-            </a:r>
-            <a:r>
-              <a:rPr lang="en-US" dirty="0" smtClean="0"/>
-              <a:t>MDA)</a:t>
+              <a:t>Mail Delivery Agent   (MDA)</a:t>
             </a:r>
             <a:endParaRPr lang="en-US" dirty="0"/>
           </a:p>
@@ -17939,11 +19305,11 @@
           <a:lstStyle/>
           <a:p>
             <a:r>
-              <a:rPr lang="en-US" sz="4400" b="1" smtClean="0"/>
+              <a:rPr lang="en-US" sz="4400" b="1" dirty="0" smtClean="0"/>
               <a:t>Proxy</a:t>
             </a:r>
             <a:r>
-              <a:rPr lang="en-US" b="1" smtClean="0"/>
+              <a:rPr lang="en-US" b="1" dirty="0" smtClean="0"/>
               <a:t> Server</a:t>
             </a:r>
             <a:endParaRPr lang="en-IN" dirty="0"/>
@@ -20546,85 +21912,6 @@
 </p:sld>
 </file>
 
-<file path=ppt/slides/slide17.xml><?xml version="1.0" encoding="utf-8"?>
-<p:sld xmlns:a="http://schemas.openxmlformats.org/drawingml/2006/main" xmlns:r="http://schemas.openxmlformats.org/officeDocument/2006/relationships" xmlns:p="http://schemas.openxmlformats.org/presentationml/2006/main">
-  <p:cSld>
-    <p:spTree>
-      <p:nvGrpSpPr>
-        <p:cNvPr id="1" name=""/>
-        <p:cNvGrpSpPr/>
-        <p:nvPr/>
-      </p:nvGrpSpPr>
-      <p:grpSpPr>
-        <a:xfrm>
-          <a:off x="0" y="0"/>
-          <a:ext cx="0" cy="0"/>
-          <a:chOff x="0" y="0"/>
-          <a:chExt cx="0" cy="0"/>
-        </a:xfrm>
-      </p:grpSpPr>
-      <p:sp>
-        <p:nvSpPr>
-          <p:cNvPr id="2" name="Title 1"/>
-          <p:cNvSpPr>
-            <a:spLocks noGrp="1"/>
-          </p:cNvSpPr>
-          <p:nvPr>
-            <p:ph type="title"/>
-          </p:nvPr>
-        </p:nvSpPr>
-        <p:spPr/>
-        <p:txBody>
-          <a:bodyPr/>
-          <a:lstStyle/>
-          <a:p>
-            <a:r>
-              <a:rPr lang="en-IN" b="1" dirty="0" smtClean="0"/>
-              <a:t>What is Web Service?</a:t>
-            </a:r>
-            <a:endParaRPr lang="en-IN" b="1" dirty="0"/>
-          </a:p>
-        </p:txBody>
-      </p:sp>
-      <p:sp>
-        <p:nvSpPr>
-          <p:cNvPr id="3" name="Content Placeholder 2"/>
-          <p:cNvSpPr>
-            <a:spLocks noGrp="1"/>
-          </p:cNvSpPr>
-          <p:nvPr>
-            <p:ph sz="quarter" idx="10"/>
-          </p:nvPr>
-        </p:nvSpPr>
-        <p:spPr/>
-        <p:txBody>
-          <a:bodyPr/>
-          <a:lstStyle/>
-          <a:p>
-            <a:endParaRPr lang="en-IN"/>
-          </a:p>
-        </p:txBody>
-      </p:sp>
-    </p:spTree>
-    <p:extLst>
-      <p:ext uri="{BB962C8B-B14F-4D97-AF65-F5344CB8AC3E}">
-        <p14:creationId xmlns:p14="http://schemas.microsoft.com/office/powerpoint/2010/main" val="2943275557"/>
-      </p:ext>
-    </p:extLst>
-  </p:cSld>
-  <p:clrMapOvr>
-    <a:masterClrMapping/>
-  </p:clrMapOvr>
-  <p:timing>
-    <p:tnLst>
-      <p:par>
-        <p:cTn id="1" dur="indefinite" restart="never" nodeType="tmRoot"/>
-      </p:par>
-    </p:tnLst>
-  </p:timing>
-</p:sld>
-</file>
-
 <file path=ppt/slides/slide2.xml><?xml version="1.0" encoding="utf-8"?>
 <p:sld xmlns:a="http://schemas.openxmlformats.org/drawingml/2006/main" xmlns:r="http://schemas.openxmlformats.org/officeDocument/2006/relationships" xmlns:p="http://schemas.openxmlformats.org/presentationml/2006/main">
   <p:cSld>
@@ -20651,7 +21938,7 @@
         <p:spPr>
           <a:xfrm>
             <a:off x="2351584" y="476672"/>
-            <a:ext cx="7056784" cy="523220"/>
+            <a:ext cx="7056784" cy="707886"/>
           </a:xfrm>
           <a:prstGeom prst="rect">
             <a:avLst/>
@@ -20666,15 +21953,15 @@
           <a:p>
             <a:pPr algn="ctr"/>
             <a:r>
-              <a:rPr lang="en-IN" sz="2800" b="1" dirty="0" smtClean="0">
-                <a:latin typeface="+mj-lt"/>
-                <a:cs typeface="Times New Roman" pitchFamily="18" charset="0"/>
+              <a:rPr lang="en-IN" sz="4000" b="1" dirty="0" smtClean="0">
+                <a:latin typeface="Calibri" panose="020F0502020204030204" pitchFamily="34" charset="0"/>
+                <a:cs typeface="Calibri" panose="020F0502020204030204" pitchFamily="34" charset="0"/>
               </a:rPr>
               <a:t>Components Of Communication</a:t>
             </a:r>
-            <a:endParaRPr lang="en-IN" sz="2800" b="1" dirty="0">
-              <a:latin typeface="+mj-lt"/>
-              <a:cs typeface="Times New Roman" pitchFamily="18" charset="0"/>
+            <a:endParaRPr lang="en-IN" sz="4000" b="1" dirty="0">
+              <a:latin typeface="Calibri" panose="020F0502020204030204" pitchFamily="34" charset="0"/>
+              <a:cs typeface="Calibri" panose="020F0502020204030204" pitchFamily="34" charset="0"/>
             </a:endParaRPr>
           </a:p>
         </p:txBody>
@@ -20754,7 +22041,7 @@
         <p:spPr>
           <a:xfrm>
             <a:off x="623392" y="260648"/>
-            <a:ext cx="10153128" cy="10372070"/>
+            <a:ext cx="10153128" cy="11110734"/>
           </a:xfrm>
           <a:prstGeom prst="rect">
             <a:avLst/>
@@ -20768,8 +22055,9 @@
           <a:p>
             <a:pPr algn="ctr"/>
             <a:r>
-              <a:rPr lang="en-US" sz="2400" b="1" dirty="0" smtClean="0">
-                <a:cs typeface="Times New Roman" pitchFamily="18" charset="0"/>
+              <a:rPr lang="en-US" sz="4000" b="1" dirty="0" smtClean="0">
+                <a:latin typeface="Calibri" panose="020F0502020204030204" pitchFamily="34" charset="0"/>
+                <a:cs typeface="Calibri" panose="020F0502020204030204" pitchFamily="34" charset="0"/>
               </a:rPr>
               <a:t>Network Characteristics</a:t>
             </a:r>
@@ -20781,24 +22069,18 @@
             </a:endParaRPr>
           </a:p>
           <a:p>
-            <a:pPr algn="ctr"/>
-            <a:endParaRPr lang="en-US" sz="2400" b="1" dirty="0">
-              <a:cs typeface="Times New Roman" pitchFamily="18" charset="0"/>
-            </a:endParaRPr>
-          </a:p>
-          <a:p>
             <a:pPr lvl="1"/>
             <a:endParaRPr lang="en-US" sz="2400" dirty="0" smtClean="0">
-              <a:latin typeface="Times New Roman" pitchFamily="18" charset="0"/>
-              <a:cs typeface="Times New Roman" pitchFamily="18" charset="0"/>
+              <a:latin typeface="Calibri" panose="020F0502020204030204" pitchFamily="34" charset="0"/>
+              <a:cs typeface="Calibri" panose="020F0502020204030204" pitchFamily="34" charset="0"/>
             </a:endParaRPr>
           </a:p>
           <a:p>
             <a:pPr lvl="1"/>
             <a:r>
               <a:rPr lang="en-US" sz="2400" dirty="0" smtClean="0">
-                <a:latin typeface="Times New Roman" pitchFamily="18" charset="0"/>
-                <a:cs typeface="Times New Roman" pitchFamily="18" charset="0"/>
+                <a:latin typeface="Calibri" panose="020F0502020204030204" pitchFamily="34" charset="0"/>
+                <a:cs typeface="Calibri" panose="020F0502020204030204" pitchFamily="34" charset="0"/>
               </a:rPr>
               <a:t>There are four types of network characteristics are there:</a:t>
             </a:r>
@@ -20806,15 +22088,15 @@
           <a:p>
             <a:pPr lvl="1"/>
             <a:endParaRPr lang="en-US" sz="2400" dirty="0">
-              <a:latin typeface="Times New Roman" pitchFamily="18" charset="0"/>
-              <a:cs typeface="Times New Roman" pitchFamily="18" charset="0"/>
+              <a:latin typeface="Calibri" panose="020F0502020204030204" pitchFamily="34" charset="0"/>
+              <a:cs typeface="Calibri" panose="020F0502020204030204" pitchFamily="34" charset="0"/>
             </a:endParaRPr>
           </a:p>
           <a:p>
             <a:pPr lvl="1"/>
-            <a:endParaRPr lang="en-US" sz="2000" dirty="0">
-              <a:latin typeface="Times New Roman" pitchFamily="18" charset="0"/>
-              <a:cs typeface="Times New Roman" pitchFamily="18" charset="0"/>
+            <a:endParaRPr lang="en-US" sz="2400" dirty="0">
+              <a:latin typeface="Calibri" panose="020F0502020204030204" pitchFamily="34" charset="0"/>
+              <a:cs typeface="Calibri" panose="020F0502020204030204" pitchFamily="34" charset="0"/>
             </a:endParaRPr>
           </a:p>
           <a:p>
@@ -20823,11 +22105,17 @@
               <a:buChar char="•"/>
             </a:pPr>
             <a:r>
-              <a:rPr lang="en-US" sz="2000" dirty="0"/>
+              <a:rPr lang="en-US" sz="2400" dirty="0">
+                <a:latin typeface="Calibri" panose="020F0502020204030204" pitchFamily="34" charset="0"/>
+                <a:cs typeface="Calibri" panose="020F0502020204030204" pitchFamily="34" charset="0"/>
+              </a:rPr>
               <a:t>Fault </a:t>
             </a:r>
             <a:r>
-              <a:rPr lang="en-US" sz="2000" dirty="0" smtClean="0"/>
+              <a:rPr lang="en-US" sz="2400" dirty="0" smtClean="0">
+                <a:latin typeface="Calibri" panose="020F0502020204030204" pitchFamily="34" charset="0"/>
+                <a:cs typeface="Calibri" panose="020F0502020204030204" pitchFamily="34" charset="0"/>
+              </a:rPr>
               <a:t>Tolerance</a:t>
             </a:r>
           </a:p>
@@ -20836,7 +22124,10 @@
               <a:buFont typeface="Arial" panose="020B0604020202020204" pitchFamily="34" charset="0"/>
               <a:buChar char="•"/>
             </a:pPr>
-            <a:endParaRPr lang="en-US" sz="2000" dirty="0"/>
+            <a:endParaRPr lang="en-US" sz="2400" dirty="0">
+              <a:latin typeface="Calibri" panose="020F0502020204030204" pitchFamily="34" charset="0"/>
+              <a:cs typeface="Calibri" panose="020F0502020204030204" pitchFamily="34" charset="0"/>
+            </a:endParaRPr>
           </a:p>
           <a:p>
             <a:pPr marL="800100" lvl="1" indent="-342900">
@@ -20844,7 +22135,10 @@
               <a:buChar char="•"/>
             </a:pPr>
             <a:r>
-              <a:rPr lang="en-US" sz="2000" dirty="0"/>
+              <a:rPr lang="en-US" sz="2400" dirty="0">
+                <a:latin typeface="Calibri" panose="020F0502020204030204" pitchFamily="34" charset="0"/>
+                <a:cs typeface="Calibri" panose="020F0502020204030204" pitchFamily="34" charset="0"/>
+              </a:rPr>
               <a:t>Scalability</a:t>
             </a:r>
           </a:p>
@@ -20853,7 +22147,10 @@
               <a:buFont typeface="Arial" panose="020B0604020202020204" pitchFamily="34" charset="0"/>
               <a:buChar char="•"/>
             </a:pPr>
-            <a:endParaRPr lang="en-US" sz="2000" dirty="0" smtClean="0"/>
+            <a:endParaRPr lang="en-US" sz="2400" dirty="0" smtClean="0">
+              <a:latin typeface="Calibri" panose="020F0502020204030204" pitchFamily="34" charset="0"/>
+              <a:cs typeface="Calibri" panose="020F0502020204030204" pitchFamily="34" charset="0"/>
+            </a:endParaRPr>
           </a:p>
           <a:p>
             <a:pPr marL="800100" lvl="1" indent="-342900">
@@ -20861,7 +22158,10 @@
               <a:buChar char="•"/>
             </a:pPr>
             <a:r>
-              <a:rPr lang="en-US" sz="2000" dirty="0"/>
+              <a:rPr lang="en-US" sz="2400" dirty="0">
+                <a:latin typeface="Calibri" panose="020F0502020204030204" pitchFamily="34" charset="0"/>
+                <a:cs typeface="Calibri" panose="020F0502020204030204" pitchFamily="34" charset="0"/>
+              </a:rPr>
               <a:t>Quality of Service </a:t>
             </a:r>
           </a:p>
@@ -20870,7 +22170,10 @@
               <a:buFont typeface="Arial" panose="020B0604020202020204" pitchFamily="34" charset="0"/>
               <a:buChar char="•"/>
             </a:pPr>
-            <a:endParaRPr lang="en-US" sz="2000" dirty="0" smtClean="0"/>
+            <a:endParaRPr lang="en-US" sz="2400" dirty="0" smtClean="0">
+              <a:latin typeface="Calibri" panose="020F0502020204030204" pitchFamily="34" charset="0"/>
+              <a:cs typeface="Calibri" panose="020F0502020204030204" pitchFamily="34" charset="0"/>
+            </a:endParaRPr>
           </a:p>
           <a:p>
             <a:pPr marL="800100" lvl="1" indent="-342900">
@@ -20878,7 +22181,10 @@
               <a:buChar char="•"/>
             </a:pPr>
             <a:r>
-              <a:rPr lang="en-US" sz="2000" dirty="0"/>
+              <a:rPr lang="en-US" sz="2400" dirty="0">
+                <a:latin typeface="Calibri" panose="020F0502020204030204" pitchFamily="34" charset="0"/>
+                <a:cs typeface="Calibri" panose="020F0502020204030204" pitchFamily="34" charset="0"/>
+              </a:rPr>
               <a:t>Security</a:t>
             </a:r>
           </a:p>
@@ -21056,7 +22362,7 @@
         <p:spPr>
           <a:xfrm>
             <a:off x="850752" y="332656"/>
-            <a:ext cx="9144000" cy="461665"/>
+            <a:ext cx="9144000" cy="707886"/>
           </a:xfrm>
           <a:prstGeom prst="rect">
             <a:avLst/>
@@ -21069,16 +22375,17 @@
           </a:bodyPr>
           <a:lstStyle/>
           <a:p>
-            <a:r>
-              <a:rPr lang="en-IN" sz="2400" b="1" dirty="0" smtClean="0">
-                <a:latin typeface="+mj-lt"/>
-                <a:cs typeface="Times New Roman" pitchFamily="18" charset="0"/>
+            <a:pPr algn="ctr"/>
+            <a:r>
+              <a:rPr lang="en-IN" sz="4000" b="1" dirty="0" smtClean="0">
+                <a:latin typeface="Calibri" panose="020F0502020204030204" pitchFamily="34" charset="0"/>
+                <a:cs typeface="Calibri" panose="020F0502020204030204" pitchFamily="34" charset="0"/>
               </a:rPr>
               <a:t>Network Types</a:t>
             </a:r>
-            <a:endParaRPr lang="en-IN" sz="2400" b="1" dirty="0">
-              <a:latin typeface="+mj-lt"/>
-              <a:cs typeface="Times New Roman" pitchFamily="18" charset="0"/>
+            <a:endParaRPr lang="en-IN" sz="4000" b="1" dirty="0">
+              <a:latin typeface="Calibri" panose="020F0502020204030204" pitchFamily="34" charset="0"/>
+              <a:cs typeface="Calibri" panose="020F0502020204030204" pitchFamily="34" charset="0"/>
             </a:endParaRPr>
           </a:p>
         </p:txBody>
@@ -21092,7 +22399,7 @@
         <p:spPr>
           <a:xfrm>
             <a:off x="864568" y="1268760"/>
-            <a:ext cx="8686800" cy="1282787"/>
+            <a:ext cx="8686800" cy="1754326"/>
           </a:xfrm>
           <a:prstGeom prst="rect">
             <a:avLst/>
@@ -21113,9 +22420,9 @@
               <a:buChar char="•"/>
             </a:pPr>
             <a:r>
-              <a:rPr lang="en-US" dirty="0" smtClean="0">
-                <a:latin typeface="+mj-lt"/>
-                <a:cs typeface="Times New Roman" pitchFamily="18" charset="0"/>
+              <a:rPr lang="en-US" sz="2400" dirty="0" smtClean="0">
+                <a:latin typeface="Calibri" panose="020F0502020204030204" pitchFamily="34" charset="0"/>
+                <a:cs typeface="Calibri" panose="020F0502020204030204" pitchFamily="34" charset="0"/>
               </a:rPr>
               <a:t>LAN</a:t>
             </a:r>
@@ -21129,9 +22436,9 @@
               <a:buChar char="•"/>
             </a:pPr>
             <a:r>
-              <a:rPr lang="en-US" dirty="0" smtClean="0">
-                <a:latin typeface="+mj-lt"/>
-                <a:cs typeface="Times New Roman" pitchFamily="18" charset="0"/>
+              <a:rPr lang="en-US" sz="2400" dirty="0" smtClean="0">
+                <a:latin typeface="Calibri" panose="020F0502020204030204" pitchFamily="34" charset="0"/>
+                <a:cs typeface="Calibri" panose="020F0502020204030204" pitchFamily="34" charset="0"/>
               </a:rPr>
               <a:t>MAN</a:t>
             </a:r>
@@ -21145,15 +22452,15 @@
               <a:buChar char="•"/>
             </a:pPr>
             <a:r>
-              <a:rPr lang="en-US" dirty="0" smtClean="0">
-                <a:latin typeface="+mj-lt"/>
-                <a:cs typeface="Times New Roman" pitchFamily="18" charset="0"/>
+              <a:rPr lang="en-US" sz="2400" dirty="0" smtClean="0">
+                <a:latin typeface="Calibri" panose="020F0502020204030204" pitchFamily="34" charset="0"/>
+                <a:cs typeface="Calibri" panose="020F0502020204030204" pitchFamily="34" charset="0"/>
               </a:rPr>
               <a:t>WAN</a:t>
             </a:r>
-            <a:endParaRPr lang="en-US" dirty="0">
-              <a:latin typeface="+mj-lt"/>
-              <a:cs typeface="Times New Roman" pitchFamily="18" charset="0"/>
+            <a:endParaRPr lang="en-US" sz="2400" dirty="0">
+              <a:latin typeface="Calibri" panose="020F0502020204030204" pitchFamily="34" charset="0"/>
+              <a:cs typeface="Calibri" panose="020F0502020204030204" pitchFamily="34" charset="0"/>
             </a:endParaRPr>
           </a:p>
         </p:txBody>
@@ -21412,7 +22719,7 @@
         </p:spPr>
         <p:txBody>
           <a:bodyPr>
-            <a:normAutofit fontScale="82500" lnSpcReduction="20000"/>
+            <a:normAutofit fontScale="37500" lnSpcReduction="20000"/>
           </a:bodyPr>
           <a:lstStyle>
             <a:lvl1pPr algn="l" defTabSz="914400" rtl="0" eaLnBrk="1" latinLnBrk="0" hangingPunct="1">
@@ -21435,12 +22742,12 @@
           </a:lstStyle>
           <a:p>
             <a:r>
-              <a:rPr lang="en-ID" sz="2700" b="1" dirty="0" smtClean="0">
+              <a:rPr lang="en-ID" sz="7600" b="1" dirty="0" smtClean="0">
                 <a:solidFill>
                   <a:schemeClr val="tx1"/>
                 </a:solidFill>
-                <a:latin typeface="+mj-lt"/>
-                <a:cs typeface="Times New Roman" pitchFamily="18" charset="0"/>
+                <a:latin typeface="Calibri" panose="020F0502020204030204" pitchFamily="34" charset="0"/>
+                <a:cs typeface="Calibri" panose="020F0502020204030204" pitchFamily="34" charset="0"/>
               </a:rPr>
               <a:t>Network Topologies</a:t>
             </a:r>
@@ -21738,21 +23045,21 @@
           </a:lstStyle>
           <a:p>
             <a:r>
-              <a:rPr lang="en-US" sz="2800" b="1" dirty="0" smtClean="0">
+              <a:rPr lang="en-US" sz="4000" b="1" dirty="0" smtClean="0">
                 <a:solidFill>
                   <a:schemeClr val="tx1"/>
                 </a:solidFill>
-                <a:latin typeface="+mj-lt"/>
-                <a:cs typeface="Times New Roman" pitchFamily="18" charset="0"/>
+                <a:latin typeface="Calibri" panose="020F0502020204030204" pitchFamily="34" charset="0"/>
+                <a:cs typeface="Calibri" panose="020F0502020204030204" pitchFamily="34" charset="0"/>
               </a:rPr>
               <a:t>Network Devices</a:t>
             </a:r>
-            <a:endParaRPr lang="en-US" sz="2800" b="1" dirty="0">
+            <a:endParaRPr lang="en-US" sz="4000" b="1" dirty="0">
               <a:solidFill>
                 <a:schemeClr val="tx1"/>
               </a:solidFill>
-              <a:latin typeface="+mj-lt"/>
-              <a:cs typeface="Times New Roman" pitchFamily="18" charset="0"/>
+              <a:latin typeface="Calibri" panose="020F0502020204030204" pitchFamily="34" charset="0"/>
+              <a:cs typeface="Calibri" panose="020F0502020204030204" pitchFamily="34" charset="0"/>
             </a:endParaRPr>
           </a:p>
         </p:txBody>
@@ -22154,7 +23461,7 @@
         <p:spPr>
           <a:xfrm>
             <a:off x="1752600" y="246531"/>
-            <a:ext cx="8305800" cy="1877437"/>
+            <a:ext cx="8305800" cy="2185214"/>
           </a:xfrm>
           <a:prstGeom prst="rect">
             <a:avLst/>
@@ -22168,9 +23475,9 @@
           <a:lstStyle/>
           <a:p>
             <a:r>
-              <a:rPr lang="en-US" sz="2400" b="1" dirty="0">
-                <a:latin typeface="+mj-lt"/>
-                <a:cs typeface="Times New Roman" pitchFamily="18" charset="0"/>
+              <a:rPr lang="en-US" sz="4000" b="1" dirty="0">
+                <a:latin typeface="Calibri" panose="020F0502020204030204" pitchFamily="34" charset="0"/>
+                <a:cs typeface="Calibri" panose="020F0502020204030204" pitchFamily="34" charset="0"/>
               </a:rPr>
               <a:t>IP Addressing</a:t>
             </a:r>
@@ -22199,9 +23506,9 @@
               <a:buChar char="•"/>
             </a:pPr>
             <a:r>
-              <a:rPr lang="en-US" sz="2000" b="1" dirty="0">
-                <a:latin typeface="+mj-lt"/>
-                <a:cs typeface="Times New Roman" pitchFamily="18" charset="0"/>
+              <a:rPr lang="en-US" sz="2400" b="1" dirty="0">
+                <a:latin typeface="Calibri" panose="020F0502020204030204" pitchFamily="34" charset="0"/>
+                <a:cs typeface="Calibri" panose="020F0502020204030204" pitchFamily="34" charset="0"/>
               </a:rPr>
               <a:t>IPv4</a:t>
             </a:r>
@@ -22388,17 +23695,21 @@
           <a:lstStyle/>
           <a:p>
             <a:r>
-              <a:rPr lang="en-US" sz="2800" b="1" dirty="0" smtClean="0">
+              <a:rPr lang="en-US" sz="4000" b="1" dirty="0" smtClean="0">
                 <a:solidFill>
                   <a:schemeClr val="tx1"/>
                 </a:solidFill>
+                <a:latin typeface="Calibri" panose="020F0502020204030204" pitchFamily="34" charset="0"/>
+                <a:cs typeface="Calibri" panose="020F0502020204030204" pitchFamily="34" charset="0"/>
               </a:rPr>
               <a:t>IPv6</a:t>
             </a:r>
-            <a:endParaRPr lang="en-US" sz="2800" b="1" dirty="0">
+            <a:endParaRPr lang="en-US" sz="4000" b="1" dirty="0">
               <a:solidFill>
                 <a:schemeClr val="tx1"/>
               </a:solidFill>
+              <a:latin typeface="Calibri" panose="020F0502020204030204" pitchFamily="34" charset="0"/>
+              <a:cs typeface="Calibri" panose="020F0502020204030204" pitchFamily="34" charset="0"/>
             </a:endParaRPr>
           </a:p>
         </p:txBody>
@@ -22811,7 +24122,7 @@
         <p:spPr>
           <a:xfrm>
             <a:off x="1752600" y="366804"/>
-            <a:ext cx="8534400" cy="6340197"/>
+            <a:ext cx="8534400" cy="6217087"/>
           </a:xfrm>
           <a:prstGeom prst="rect">
             <a:avLst/>
@@ -22824,31 +24135,26 @@
           </a:bodyPr>
           <a:lstStyle/>
           <a:p>
-            <a:r>
-              <a:rPr lang="en-US" sz="2400" b="1" dirty="0" err="1">
-                <a:latin typeface="+mj-lt"/>
-                <a:cs typeface="Times New Roman" pitchFamily="18" charset="0"/>
+            <a:pPr algn="ctr"/>
+            <a:r>
+              <a:rPr lang="en-US" sz="4000" b="1" dirty="0" err="1">
+                <a:latin typeface="Calibri" panose="020F0502020204030204" pitchFamily="34" charset="0"/>
+                <a:cs typeface="Calibri" panose="020F0502020204030204" pitchFamily="34" charset="0"/>
               </a:rPr>
               <a:t>Subnetting</a:t>
             </a:r>
             <a:r>
-              <a:rPr lang="en-US" sz="2400" b="1" dirty="0">
-                <a:latin typeface="+mj-lt"/>
-                <a:cs typeface="Times New Roman" pitchFamily="18" charset="0"/>
+              <a:rPr lang="en-US" sz="4000" b="1" dirty="0">
+                <a:latin typeface="Calibri" panose="020F0502020204030204" pitchFamily="34" charset="0"/>
+                <a:cs typeface="Calibri" panose="020F0502020204030204" pitchFamily="34" charset="0"/>
               </a:rPr>
               <a:t>:</a:t>
             </a:r>
           </a:p>
           <a:p>
             <a:endParaRPr lang="en-US" sz="2400" b="1" dirty="0">
-              <a:latin typeface="+mj-lt"/>
-              <a:cs typeface="Times New Roman" pitchFamily="18" charset="0"/>
-            </a:endParaRPr>
-          </a:p>
-          <a:p>
-            <a:endParaRPr lang="en-US" sz="2400" b="1" dirty="0">
-              <a:latin typeface="+mj-lt"/>
-              <a:cs typeface="Times New Roman" pitchFamily="18" charset="0"/>
+              <a:latin typeface="Calibri" panose="020F0502020204030204" pitchFamily="34" charset="0"/>
+              <a:cs typeface="Calibri" panose="020F0502020204030204" pitchFamily="34" charset="0"/>
             </a:endParaRPr>
           </a:p>
           <a:p>
@@ -22861,15 +24167,15 @@
             </a:pPr>
             <a:r>
               <a:rPr lang="en-IN" sz="2000" dirty="0" err="1">
-                <a:latin typeface="+mj-lt"/>
-                <a:cs typeface="Times New Roman" pitchFamily="18" charset="0"/>
+                <a:latin typeface="Calibri" panose="020F0502020204030204" pitchFamily="34" charset="0"/>
+                <a:cs typeface="Calibri" panose="020F0502020204030204" pitchFamily="34" charset="0"/>
               </a:rPr>
               <a:t>Subnetting</a:t>
             </a:r>
             <a:r>
               <a:rPr lang="en-IN" sz="2000" dirty="0">
-                <a:latin typeface="+mj-lt"/>
-                <a:cs typeface="Times New Roman" pitchFamily="18" charset="0"/>
+                <a:latin typeface="Calibri" panose="020F0502020204030204" pitchFamily="34" charset="0"/>
+                <a:cs typeface="Calibri" panose="020F0502020204030204" pitchFamily="34" charset="0"/>
               </a:rPr>
               <a:t> is a way of splitting a network into smaller, more manageable pieces.</a:t>
             </a:r>
@@ -22884,37 +24190,37 @@
             </a:pPr>
             <a:r>
               <a:rPr lang="en-IN" sz="2000" dirty="0">
-                <a:latin typeface="+mj-lt"/>
-                <a:cs typeface="Times New Roman" pitchFamily="18" charset="0"/>
+                <a:latin typeface="Calibri" panose="020F0502020204030204" pitchFamily="34" charset="0"/>
+                <a:cs typeface="Calibri" panose="020F0502020204030204" pitchFamily="34" charset="0"/>
               </a:rPr>
               <a:t>purpose of </a:t>
             </a:r>
             <a:r>
               <a:rPr lang="en-IN" sz="2000" dirty="0" err="1">
-                <a:latin typeface="+mj-lt"/>
-                <a:cs typeface="Times New Roman" pitchFamily="18" charset="0"/>
+                <a:latin typeface="Calibri" panose="020F0502020204030204" pitchFamily="34" charset="0"/>
+                <a:cs typeface="Calibri" panose="020F0502020204030204" pitchFamily="34" charset="0"/>
               </a:rPr>
               <a:t>subnetting</a:t>
             </a:r>
             <a:r>
               <a:rPr lang="en-IN" sz="2000" dirty="0">
-                <a:latin typeface="+mj-lt"/>
-                <a:cs typeface="Times New Roman" pitchFamily="18" charset="0"/>
+                <a:latin typeface="Calibri" panose="020F0502020204030204" pitchFamily="34" charset="0"/>
+                <a:cs typeface="Calibri" panose="020F0502020204030204" pitchFamily="34" charset="0"/>
               </a:rPr>
               <a:t> is to help relieve network congestion.</a:t>
             </a:r>
           </a:p>
           <a:p>
             <a:endParaRPr lang="en-US" sz="2200" b="1" dirty="0">
-              <a:latin typeface="+mj-lt"/>
-              <a:cs typeface="Times New Roman" pitchFamily="18" charset="0"/>
+              <a:latin typeface="Calibri" panose="020F0502020204030204" pitchFamily="34" charset="0"/>
+              <a:cs typeface="Calibri" panose="020F0502020204030204" pitchFamily="34" charset="0"/>
             </a:endParaRPr>
           </a:p>
           <a:p>
             <a:r>
               <a:rPr lang="en-US" sz="2200" b="1" dirty="0">
-                <a:latin typeface="+mj-lt"/>
-                <a:cs typeface="Times New Roman" pitchFamily="18" charset="0"/>
+                <a:latin typeface="Calibri" panose="020F0502020204030204" pitchFamily="34" charset="0"/>
+                <a:cs typeface="Calibri" panose="020F0502020204030204" pitchFamily="34" charset="0"/>
               </a:rPr>
               <a:t>Reserved Address</a:t>
             </a:r>
@@ -22926,8 +24232,8 @@
             </a:pPr>
             <a:r>
               <a:rPr lang="en-US" sz="2000" b="1" dirty="0">
-                <a:latin typeface="+mj-lt"/>
-                <a:cs typeface="Times New Roman" panose="02020603050405020304" pitchFamily="18" charset="0"/>
+                <a:latin typeface="Calibri" panose="020F0502020204030204" pitchFamily="34" charset="0"/>
+                <a:cs typeface="Calibri" panose="020F0502020204030204" pitchFamily="34" charset="0"/>
               </a:rPr>
               <a:t>Link-local Addresses</a:t>
             </a:r>
@@ -22936,8 +24242,8 @@
             <a:pPr marL="1371600" lvl="2" indent="-457200"/>
             <a:r>
               <a:rPr lang="en-IN" sz="2000" dirty="0">
-                <a:latin typeface="+mj-lt"/>
-                <a:cs typeface="Times New Roman" panose="02020603050405020304" pitchFamily="18" charset="0"/>
+                <a:latin typeface="Calibri" panose="020F0502020204030204" pitchFamily="34" charset="0"/>
+                <a:cs typeface="Calibri" panose="020F0502020204030204" pitchFamily="34" charset="0"/>
               </a:rPr>
               <a:t>169.254.1.0 to 169.254.254.255</a:t>
             </a:r>
@@ -22945,8 +24251,8 @@
           <a:p>
             <a:pPr marL="1371600" lvl="2" indent="-457200"/>
             <a:endParaRPr lang="en-US" sz="2000" dirty="0">
-              <a:latin typeface="+mj-lt"/>
-              <a:cs typeface="Times New Roman" panose="02020603050405020304" pitchFamily="18" charset="0"/>
+              <a:latin typeface="Calibri" panose="020F0502020204030204" pitchFamily="34" charset="0"/>
+              <a:cs typeface="Calibri" panose="020F0502020204030204" pitchFamily="34" charset="0"/>
             </a:endParaRPr>
           </a:p>
           <a:p>
@@ -22956,8 +24262,8 @@
             </a:pPr>
             <a:r>
               <a:rPr lang="en-US" sz="2000" b="1" dirty="0">
-                <a:latin typeface="+mj-lt"/>
-                <a:cs typeface="Times New Roman" panose="02020603050405020304" pitchFamily="18" charset="0"/>
+                <a:latin typeface="Calibri" panose="020F0502020204030204" pitchFamily="34" charset="0"/>
+                <a:cs typeface="Calibri" panose="020F0502020204030204" pitchFamily="34" charset="0"/>
               </a:rPr>
               <a:t>Loopback IP Addresses</a:t>
             </a:r>
@@ -22966,8 +24272,8 @@
             <a:pPr marL="1371600" lvl="2" indent="-457200"/>
             <a:r>
               <a:rPr lang="en-IN" sz="2000" dirty="0">
-                <a:latin typeface="+mj-lt"/>
-                <a:cs typeface="Times New Roman" panose="02020603050405020304" pitchFamily="18" charset="0"/>
+                <a:latin typeface="Calibri" panose="020F0502020204030204" pitchFamily="34" charset="0"/>
+                <a:cs typeface="Calibri" panose="020F0502020204030204" pitchFamily="34" charset="0"/>
               </a:rPr>
               <a:t>127.0.0.1 to 127.255.255.254</a:t>
             </a:r>
@@ -22975,8 +24281,8 @@
           <a:p>
             <a:pPr marL="1371600" lvl="2" indent="-457200"/>
             <a:endParaRPr lang="en-US" sz="2000" dirty="0">
-              <a:latin typeface="+mj-lt"/>
-              <a:cs typeface="Times New Roman" panose="02020603050405020304" pitchFamily="18" charset="0"/>
+              <a:latin typeface="Calibri" panose="020F0502020204030204" pitchFamily="34" charset="0"/>
+              <a:cs typeface="Calibri" panose="020F0502020204030204" pitchFamily="34" charset="0"/>
             </a:endParaRPr>
           </a:p>
           <a:p>
@@ -22986,8 +24292,8 @@
             </a:pPr>
             <a:r>
               <a:rPr lang="en-US" sz="2000" b="1" dirty="0">
-                <a:latin typeface="+mj-lt"/>
-                <a:cs typeface="Times New Roman" panose="02020603050405020304" pitchFamily="18" charset="0"/>
+                <a:latin typeface="Calibri" panose="020F0502020204030204" pitchFamily="34" charset="0"/>
+                <a:cs typeface="Calibri" panose="020F0502020204030204" pitchFamily="34" charset="0"/>
               </a:rPr>
               <a:t>Private IP Address</a:t>
             </a:r>
@@ -22996,8 +24302,8 @@
             <a:pPr marL="914400" lvl="1" indent="-457200"/>
             <a:r>
               <a:rPr lang="en-IN" sz="2000" dirty="0">
-                <a:latin typeface="+mj-lt"/>
-                <a:cs typeface="Times New Roman" panose="02020603050405020304" pitchFamily="18" charset="0"/>
+                <a:latin typeface="Calibri" panose="020F0502020204030204" pitchFamily="34" charset="0"/>
+                <a:cs typeface="Calibri" panose="020F0502020204030204" pitchFamily="34" charset="0"/>
               </a:rPr>
               <a:t>	10.0.0.0 to 10.255.255.255.</a:t>
             </a:r>
@@ -23006,8 +24312,8 @@
             <a:pPr marL="914400" lvl="1" indent="-457200"/>
             <a:r>
               <a:rPr lang="en-IN" sz="2000" dirty="0">
-                <a:latin typeface="+mj-lt"/>
-                <a:cs typeface="Times New Roman" panose="02020603050405020304" pitchFamily="18" charset="0"/>
+                <a:latin typeface="Calibri" panose="020F0502020204030204" pitchFamily="34" charset="0"/>
+                <a:cs typeface="Calibri" panose="020F0502020204030204" pitchFamily="34" charset="0"/>
               </a:rPr>
               <a:t>	172.16.0.0 to 172.31.255.255.</a:t>
             </a:r>
@@ -23016,13 +24322,14 @@
             <a:pPr marL="914400" lvl="1" indent="-457200"/>
             <a:r>
               <a:rPr lang="en-IN" sz="2000" dirty="0">
-                <a:latin typeface="+mj-lt"/>
-                <a:cs typeface="Times New Roman" panose="02020603050405020304" pitchFamily="18" charset="0"/>
+                <a:latin typeface="Calibri" panose="020F0502020204030204" pitchFamily="34" charset="0"/>
+                <a:cs typeface="Calibri" panose="020F0502020204030204" pitchFamily="34" charset="0"/>
               </a:rPr>
               <a:t>	192.168.0.0 to 192.168.255.255.</a:t>
             </a:r>
             <a:endParaRPr lang="en-US" dirty="0">
-              <a:latin typeface="+mj-lt"/>
+              <a:latin typeface="Calibri" panose="020F0502020204030204" pitchFamily="34" charset="0"/>
+              <a:cs typeface="Calibri" panose="020F0502020204030204" pitchFamily="34" charset="0"/>
             </a:endParaRPr>
           </a:p>
         </p:txBody>
